--- a/Plots/Dawings.pptx
+++ b/Plots/Dawings.pptx
@@ -199,7 +199,7 @@
           <a:p>
             <a:fld id="{3C3D811D-0C75-514B-82C3-D85459426476}" type="datetimeFigureOut">
               <a:rPr lang="en-US" smtClean="0"/>
-              <a:t>6/28/15</a:t>
+              <a:t>7/11/15</a:t>
             </a:fld>
             <a:endParaRPr lang="en-GB"/>
           </a:p>
@@ -984,7 +984,7 @@
           <a:p>
             <a:fld id="{192B58FE-A0CE-A14C-9D3B-3409446C3BF4}" type="datetimeFigureOut">
               <a:rPr lang="en-US" smtClean="0"/>
-              <a:t>6/28/15</a:t>
+              <a:t>7/11/15</a:t>
             </a:fld>
             <a:endParaRPr lang="en-GB"/>
           </a:p>
@@ -1154,7 +1154,7 @@
           <a:p>
             <a:fld id="{192B58FE-A0CE-A14C-9D3B-3409446C3BF4}" type="datetimeFigureOut">
               <a:rPr lang="en-US" smtClean="0"/>
-              <a:t>6/28/15</a:t>
+              <a:t>7/11/15</a:t>
             </a:fld>
             <a:endParaRPr lang="en-GB"/>
           </a:p>
@@ -1334,7 +1334,7 @@
           <a:p>
             <a:fld id="{192B58FE-A0CE-A14C-9D3B-3409446C3BF4}" type="datetimeFigureOut">
               <a:rPr lang="en-US" smtClean="0"/>
-              <a:t>6/28/15</a:t>
+              <a:t>7/11/15</a:t>
             </a:fld>
             <a:endParaRPr lang="en-GB"/>
           </a:p>
@@ -1504,7 +1504,7 @@
           <a:p>
             <a:fld id="{192B58FE-A0CE-A14C-9D3B-3409446C3BF4}" type="datetimeFigureOut">
               <a:rPr lang="en-US" smtClean="0"/>
-              <a:t>6/28/15</a:t>
+              <a:t>7/11/15</a:t>
             </a:fld>
             <a:endParaRPr lang="en-GB"/>
           </a:p>
@@ -1750,7 +1750,7 @@
           <a:p>
             <a:fld id="{192B58FE-A0CE-A14C-9D3B-3409446C3BF4}" type="datetimeFigureOut">
               <a:rPr lang="en-US" smtClean="0"/>
-              <a:t>6/28/15</a:t>
+              <a:t>7/11/15</a:t>
             </a:fld>
             <a:endParaRPr lang="en-GB"/>
           </a:p>
@@ -2038,7 +2038,7 @@
           <a:p>
             <a:fld id="{192B58FE-A0CE-A14C-9D3B-3409446C3BF4}" type="datetimeFigureOut">
               <a:rPr lang="en-US" smtClean="0"/>
-              <a:t>6/28/15</a:t>
+              <a:t>7/11/15</a:t>
             </a:fld>
             <a:endParaRPr lang="en-GB"/>
           </a:p>
@@ -2460,7 +2460,7 @@
           <a:p>
             <a:fld id="{192B58FE-A0CE-A14C-9D3B-3409446C3BF4}" type="datetimeFigureOut">
               <a:rPr lang="en-US" smtClean="0"/>
-              <a:t>6/28/15</a:t>
+              <a:t>7/11/15</a:t>
             </a:fld>
             <a:endParaRPr lang="en-GB"/>
           </a:p>
@@ -2578,7 +2578,7 @@
           <a:p>
             <a:fld id="{192B58FE-A0CE-A14C-9D3B-3409446C3BF4}" type="datetimeFigureOut">
               <a:rPr lang="en-US" smtClean="0"/>
-              <a:t>6/28/15</a:t>
+              <a:t>7/11/15</a:t>
             </a:fld>
             <a:endParaRPr lang="en-GB"/>
           </a:p>
@@ -2673,7 +2673,7 @@
           <a:p>
             <a:fld id="{192B58FE-A0CE-A14C-9D3B-3409446C3BF4}" type="datetimeFigureOut">
               <a:rPr lang="en-US" smtClean="0"/>
-              <a:t>6/28/15</a:t>
+              <a:t>7/11/15</a:t>
             </a:fld>
             <a:endParaRPr lang="en-GB"/>
           </a:p>
@@ -2950,7 +2950,7 @@
           <a:p>
             <a:fld id="{192B58FE-A0CE-A14C-9D3B-3409446C3BF4}" type="datetimeFigureOut">
               <a:rPr lang="en-US" smtClean="0"/>
-              <a:t>6/28/15</a:t>
+              <a:t>7/11/15</a:t>
             </a:fld>
             <a:endParaRPr lang="en-GB"/>
           </a:p>
@@ -3203,7 +3203,7 @@
           <a:p>
             <a:fld id="{192B58FE-A0CE-A14C-9D3B-3409446C3BF4}" type="datetimeFigureOut">
               <a:rPr lang="en-US" smtClean="0"/>
-              <a:t>6/28/15</a:t>
+              <a:t>7/11/15</a:t>
             </a:fld>
             <a:endParaRPr lang="en-GB"/>
           </a:p>
@@ -3416,7 +3416,7 @@
           <a:p>
             <a:fld id="{192B58FE-A0CE-A14C-9D3B-3409446C3BF4}" type="datetimeFigureOut">
               <a:rPr lang="en-US" smtClean="0"/>
-              <a:t>6/28/15</a:t>
+              <a:t>7/11/15</a:t>
             </a:fld>
             <a:endParaRPr lang="en-GB"/>
           </a:p>
@@ -5992,7 +5992,7 @@
             <a:graphicData uri="http://schemas.openxmlformats.org/presentationml/2006/ole">
               <mc:AlternateContent xmlns:mc="http://schemas.openxmlformats.org/markup-compatibility/2006">
                 <mc:Choice xmlns:v="urn:schemas-microsoft-com:vml" Requires="v">
-                  <p:oleObj spid="_x0000_s1128" name="Equation" r:id="rId3" imgW="114300" imgH="165100" progId="Equation.DSMT4">
+                  <p:oleObj spid="_x0000_s1130" name="Equation" r:id="rId3" imgW="114300" imgH="165100" progId="Equation.DSMT4">
                     <p:embed/>
                   </p:oleObj>
                 </mc:Choice>
@@ -13461,11 +13461,39 @@
           <a:p>
             <a:pPr algn="ctr"/>
             <a:r>
+              <a:rPr lang="en-GB" sz="1600" dirty="0">
+                <a:latin typeface="Times New Roman"/>
+                <a:cs typeface="Times New Roman"/>
+              </a:rPr>
+              <a:t>f</a:t>
+            </a:r>
+            <a:r>
               <a:rPr lang="en-GB" sz="1600" dirty="0" smtClean="0">
                 <a:latin typeface="Times New Roman"/>
                 <a:cs typeface="Times New Roman"/>
               </a:rPr>
-              <a:t>F-K-Filtering</a:t>
+              <a:t>-</a:t>
+            </a:r>
+            <a:r>
+              <a:rPr lang="en-GB" sz="1600" dirty="0">
+                <a:latin typeface="Times New Roman"/>
+                <a:cs typeface="Times New Roman"/>
+              </a:rPr>
+              <a:t>k</a:t>
+            </a:r>
+            <a:r>
+              <a:rPr lang="en-GB" sz="1600" dirty="0" smtClean="0">
+                <a:latin typeface="Times New Roman"/>
+                <a:cs typeface="Times New Roman"/>
+              </a:rPr>
+              <a:t>-</a:t>
+            </a:r>
+            <a:r>
+              <a:rPr lang="en-GB" sz="1600" dirty="0" smtClean="0">
+                <a:latin typeface="Times New Roman"/>
+                <a:cs typeface="Times New Roman"/>
+              </a:rPr>
+              <a:t>Filtering</a:t>
             </a:r>
             <a:endParaRPr lang="en-GB" sz="1600" b="1" baseline="-25000" dirty="0">
               <a:latin typeface="Times New Roman"/>

--- a/Plots/Dawings.pptx
+++ b/Plots/Dawings.pptx
@@ -5,7 +5,7 @@
     <p:sldMasterId id="2147483648" r:id="rId1"/>
   </p:sldMasterIdLst>
   <p:notesMasterIdLst>
-    <p:notesMasterId r:id="rId10"/>
+    <p:notesMasterId r:id="rId11"/>
   </p:notesMasterIdLst>
   <p:sldIdLst>
     <p:sldId id="256" r:id="rId2"/>
@@ -16,6 +16,7 @@
     <p:sldId id="261" r:id="rId7"/>
     <p:sldId id="258" r:id="rId8"/>
     <p:sldId id="259" r:id="rId9"/>
+    <p:sldId id="264" r:id="rId10"/>
   </p:sldIdLst>
   <p:sldSz cx="9144000" cy="6858000" type="screen4x3"/>
   <p:notesSz cx="6858000" cy="9144000"/>
@@ -199,7 +200,7 @@
           <a:p>
             <a:fld id="{3C3D811D-0C75-514B-82C3-D85459426476}" type="datetimeFigureOut">
               <a:rPr lang="en-US" smtClean="0"/>
-              <a:t>7/11/15</a:t>
+              <a:t>7/22/15</a:t>
             </a:fld>
             <a:endParaRPr lang="en-GB"/>
           </a:p>
@@ -984,7 +985,7 @@
           <a:p>
             <a:fld id="{192B58FE-A0CE-A14C-9D3B-3409446C3BF4}" type="datetimeFigureOut">
               <a:rPr lang="en-US" smtClean="0"/>
-              <a:t>7/11/15</a:t>
+              <a:t>7/22/15</a:t>
             </a:fld>
             <a:endParaRPr lang="en-GB"/>
           </a:p>
@@ -1154,7 +1155,7 @@
           <a:p>
             <a:fld id="{192B58FE-A0CE-A14C-9D3B-3409446C3BF4}" type="datetimeFigureOut">
               <a:rPr lang="en-US" smtClean="0"/>
-              <a:t>7/11/15</a:t>
+              <a:t>7/22/15</a:t>
             </a:fld>
             <a:endParaRPr lang="en-GB"/>
           </a:p>
@@ -1334,7 +1335,7 @@
           <a:p>
             <a:fld id="{192B58FE-A0CE-A14C-9D3B-3409446C3BF4}" type="datetimeFigureOut">
               <a:rPr lang="en-US" smtClean="0"/>
-              <a:t>7/11/15</a:t>
+              <a:t>7/22/15</a:t>
             </a:fld>
             <a:endParaRPr lang="en-GB"/>
           </a:p>
@@ -1504,7 +1505,7 @@
           <a:p>
             <a:fld id="{192B58FE-A0CE-A14C-9D3B-3409446C3BF4}" type="datetimeFigureOut">
               <a:rPr lang="en-US" smtClean="0"/>
-              <a:t>7/11/15</a:t>
+              <a:t>7/22/15</a:t>
             </a:fld>
             <a:endParaRPr lang="en-GB"/>
           </a:p>
@@ -1750,7 +1751,7 @@
           <a:p>
             <a:fld id="{192B58FE-A0CE-A14C-9D3B-3409446C3BF4}" type="datetimeFigureOut">
               <a:rPr lang="en-US" smtClean="0"/>
-              <a:t>7/11/15</a:t>
+              <a:t>7/22/15</a:t>
             </a:fld>
             <a:endParaRPr lang="en-GB"/>
           </a:p>
@@ -2038,7 +2039,7 @@
           <a:p>
             <a:fld id="{192B58FE-A0CE-A14C-9D3B-3409446C3BF4}" type="datetimeFigureOut">
               <a:rPr lang="en-US" smtClean="0"/>
-              <a:t>7/11/15</a:t>
+              <a:t>7/22/15</a:t>
             </a:fld>
             <a:endParaRPr lang="en-GB"/>
           </a:p>
@@ -2460,7 +2461,7 @@
           <a:p>
             <a:fld id="{192B58FE-A0CE-A14C-9D3B-3409446C3BF4}" type="datetimeFigureOut">
               <a:rPr lang="en-US" smtClean="0"/>
-              <a:t>7/11/15</a:t>
+              <a:t>7/22/15</a:t>
             </a:fld>
             <a:endParaRPr lang="en-GB"/>
           </a:p>
@@ -2578,7 +2579,7 @@
           <a:p>
             <a:fld id="{192B58FE-A0CE-A14C-9D3B-3409446C3BF4}" type="datetimeFigureOut">
               <a:rPr lang="en-US" smtClean="0"/>
-              <a:t>7/11/15</a:t>
+              <a:t>7/22/15</a:t>
             </a:fld>
             <a:endParaRPr lang="en-GB"/>
           </a:p>
@@ -2673,7 +2674,7 @@
           <a:p>
             <a:fld id="{192B58FE-A0CE-A14C-9D3B-3409446C3BF4}" type="datetimeFigureOut">
               <a:rPr lang="en-US" smtClean="0"/>
-              <a:t>7/11/15</a:t>
+              <a:t>7/22/15</a:t>
             </a:fld>
             <a:endParaRPr lang="en-GB"/>
           </a:p>
@@ -2950,7 +2951,7 @@
           <a:p>
             <a:fld id="{192B58FE-A0CE-A14C-9D3B-3409446C3BF4}" type="datetimeFigureOut">
               <a:rPr lang="en-US" smtClean="0"/>
-              <a:t>7/11/15</a:t>
+              <a:t>7/22/15</a:t>
             </a:fld>
             <a:endParaRPr lang="en-GB"/>
           </a:p>
@@ -3203,7 +3204,7 @@
           <a:p>
             <a:fld id="{192B58FE-A0CE-A14C-9D3B-3409446C3BF4}" type="datetimeFigureOut">
               <a:rPr lang="en-US" smtClean="0"/>
-              <a:t>7/11/15</a:t>
+              <a:t>7/22/15</a:t>
             </a:fld>
             <a:endParaRPr lang="en-GB"/>
           </a:p>
@@ -3416,7 +3417,7 @@
           <a:p>
             <a:fld id="{192B58FE-A0CE-A14C-9D3B-3409446C3BF4}" type="datetimeFigureOut">
               <a:rPr lang="en-US" smtClean="0"/>
-              <a:t>7/11/15</a:t>
+              <a:t>7/22/15</a:t>
             </a:fld>
             <a:endParaRPr lang="en-GB"/>
           </a:p>
@@ -5992,7 +5993,7 @@
             <a:graphicData uri="http://schemas.openxmlformats.org/presentationml/2006/ole">
               <mc:AlternateContent xmlns:mc="http://schemas.openxmlformats.org/markup-compatibility/2006">
                 <mc:Choice xmlns:v="urn:schemas-microsoft-com:vml" Requires="v">
-                  <p:oleObj spid="_x0000_s1130" name="Equation" r:id="rId3" imgW="114300" imgH="165100" progId="Equation.DSMT4">
+                  <p:oleObj spid="_x0000_s1166" name="Equation" r:id="rId3" imgW="114300" imgH="165100" progId="Equation.DSMT4">
                     <p:embed/>
                   </p:oleObj>
                 </mc:Choice>
@@ -13486,14 +13487,7 @@
                 <a:latin typeface="Times New Roman"/>
                 <a:cs typeface="Times New Roman"/>
               </a:rPr>
-              <a:t>-</a:t>
-            </a:r>
-            <a:r>
-              <a:rPr lang="en-GB" sz="1600" dirty="0" smtClean="0">
-                <a:latin typeface="Times New Roman"/>
-                <a:cs typeface="Times New Roman"/>
-              </a:rPr>
-              <a:t>Filtering</a:t>
+              <a:t>-Filtering</a:t>
             </a:r>
             <a:endParaRPr lang="en-GB" sz="1600" b="1" baseline="-25000" dirty="0">
               <a:latin typeface="Times New Roman"/>
@@ -20661,6 +20655,7777 @@
 </p:sld>
 </file>
 
+<file path=ppt/slides/slide9.xml><?xml version="1.0" encoding="utf-8"?>
+<p:sld xmlns:a="http://schemas.openxmlformats.org/drawingml/2006/main" xmlns:r="http://schemas.openxmlformats.org/officeDocument/2006/relationships" xmlns:p="http://schemas.openxmlformats.org/presentationml/2006/main">
+  <p:cSld>
+    <p:spTree>
+      <p:nvGrpSpPr>
+        <p:cNvPr id="1" name=""/>
+        <p:cNvGrpSpPr/>
+        <p:nvPr/>
+      </p:nvGrpSpPr>
+      <p:grpSpPr>
+        <a:xfrm>
+          <a:off x="0" y="0"/>
+          <a:ext cx="0" cy="0"/>
+          <a:chOff x="0" y="0"/>
+          <a:chExt cx="0" cy="0"/>
+        </a:xfrm>
+      </p:grpSpPr>
+      <p:sp>
+        <p:nvSpPr>
+          <p:cNvPr id="4" name="Explosion 1 3"/>
+          <p:cNvSpPr/>
+          <p:nvPr/>
+        </p:nvSpPr>
+        <p:spPr>
+          <a:xfrm>
+            <a:off x="1450083" y="719267"/>
+            <a:ext cx="135861" cy="135866"/>
+          </a:xfrm>
+          <a:prstGeom prst="irregularSeal1">
+            <a:avLst/>
+          </a:prstGeom>
+          <a:solidFill>
+            <a:schemeClr val="tx1"/>
+          </a:solidFill>
+          <a:ln>
+            <a:noFill/>
+          </a:ln>
+          <a:effectLst/>
+        </p:spPr>
+        <p:style>
+          <a:lnRef idx="1">
+            <a:schemeClr val="accent1"/>
+          </a:lnRef>
+          <a:fillRef idx="3">
+            <a:schemeClr val="accent1"/>
+          </a:fillRef>
+          <a:effectRef idx="2">
+            <a:schemeClr val="accent1"/>
+          </a:effectRef>
+          <a:fontRef idx="minor">
+            <a:schemeClr val="lt1"/>
+          </a:fontRef>
+        </p:style>
+        <p:txBody>
+          <a:bodyPr rtlCol="0" anchor="ctr"/>
+          <a:lstStyle/>
+          <a:p>
+            <a:pPr algn="ctr"/>
+            <a:endParaRPr lang="en-GB"/>
+          </a:p>
+        </p:txBody>
+      </p:sp>
+      <p:sp>
+        <p:nvSpPr>
+          <p:cNvPr id="5" name="Explosion 1 4"/>
+          <p:cNvSpPr/>
+          <p:nvPr/>
+        </p:nvSpPr>
+        <p:spPr>
+          <a:xfrm>
+            <a:off x="1450083" y="888201"/>
+            <a:ext cx="135861" cy="135866"/>
+          </a:xfrm>
+          <a:prstGeom prst="irregularSeal1">
+            <a:avLst/>
+          </a:prstGeom>
+          <a:solidFill>
+            <a:schemeClr val="tx1"/>
+          </a:solidFill>
+          <a:ln>
+            <a:noFill/>
+          </a:ln>
+          <a:effectLst/>
+        </p:spPr>
+        <p:style>
+          <a:lnRef idx="1">
+            <a:schemeClr val="accent1"/>
+          </a:lnRef>
+          <a:fillRef idx="3">
+            <a:schemeClr val="accent1"/>
+          </a:fillRef>
+          <a:effectRef idx="2">
+            <a:schemeClr val="accent1"/>
+          </a:effectRef>
+          <a:fontRef idx="minor">
+            <a:schemeClr val="lt1"/>
+          </a:fontRef>
+        </p:style>
+        <p:txBody>
+          <a:bodyPr rtlCol="0" anchor="ctr"/>
+          <a:lstStyle/>
+          <a:p>
+            <a:pPr algn="ctr"/>
+            <a:endParaRPr lang="en-GB"/>
+          </a:p>
+        </p:txBody>
+      </p:sp>
+      <p:sp>
+        <p:nvSpPr>
+          <p:cNvPr id="6" name="Explosion 1 5"/>
+          <p:cNvSpPr/>
+          <p:nvPr/>
+        </p:nvSpPr>
+        <p:spPr>
+          <a:xfrm>
+            <a:off x="1450083" y="1314250"/>
+            <a:ext cx="135861" cy="135866"/>
+          </a:xfrm>
+          <a:prstGeom prst="irregularSeal1">
+            <a:avLst/>
+          </a:prstGeom>
+          <a:solidFill>
+            <a:schemeClr val="tx1"/>
+          </a:solidFill>
+          <a:ln>
+            <a:noFill/>
+          </a:ln>
+          <a:effectLst/>
+        </p:spPr>
+        <p:style>
+          <a:lnRef idx="1">
+            <a:schemeClr val="accent1"/>
+          </a:lnRef>
+          <a:fillRef idx="3">
+            <a:schemeClr val="accent1"/>
+          </a:fillRef>
+          <a:effectRef idx="2">
+            <a:schemeClr val="accent1"/>
+          </a:effectRef>
+          <a:fontRef idx="minor">
+            <a:schemeClr val="lt1"/>
+          </a:fontRef>
+        </p:style>
+        <p:txBody>
+          <a:bodyPr rtlCol="0" anchor="ctr"/>
+          <a:lstStyle/>
+          <a:p>
+            <a:pPr algn="ctr"/>
+            <a:endParaRPr lang="en-GB"/>
+          </a:p>
+        </p:txBody>
+      </p:sp>
+      <p:sp>
+        <p:nvSpPr>
+          <p:cNvPr id="7" name="Explosion 1 6"/>
+          <p:cNvSpPr/>
+          <p:nvPr/>
+        </p:nvSpPr>
+        <p:spPr>
+          <a:xfrm>
+            <a:off x="2349863" y="719267"/>
+            <a:ext cx="135861" cy="135866"/>
+          </a:xfrm>
+          <a:prstGeom prst="irregularSeal1">
+            <a:avLst/>
+          </a:prstGeom>
+          <a:solidFill>
+            <a:schemeClr val="tx1"/>
+          </a:solidFill>
+          <a:ln>
+            <a:noFill/>
+          </a:ln>
+          <a:effectLst/>
+        </p:spPr>
+        <p:style>
+          <a:lnRef idx="1">
+            <a:schemeClr val="accent1"/>
+          </a:lnRef>
+          <a:fillRef idx="3">
+            <a:schemeClr val="accent1"/>
+          </a:fillRef>
+          <a:effectRef idx="2">
+            <a:schemeClr val="accent1"/>
+          </a:effectRef>
+          <a:fontRef idx="minor">
+            <a:schemeClr val="lt1"/>
+          </a:fontRef>
+        </p:style>
+        <p:txBody>
+          <a:bodyPr rtlCol="0" anchor="ctr"/>
+          <a:lstStyle/>
+          <a:p>
+            <a:pPr algn="ctr"/>
+            <a:endParaRPr lang="en-GB"/>
+          </a:p>
+        </p:txBody>
+      </p:sp>
+      <p:sp>
+        <p:nvSpPr>
+          <p:cNvPr id="10" name="Explosion 1 9"/>
+          <p:cNvSpPr/>
+          <p:nvPr/>
+        </p:nvSpPr>
+        <p:spPr>
+          <a:xfrm>
+            <a:off x="2349863" y="1314250"/>
+            <a:ext cx="135861" cy="135866"/>
+          </a:xfrm>
+          <a:prstGeom prst="irregularSeal1">
+            <a:avLst/>
+          </a:prstGeom>
+          <a:solidFill>
+            <a:schemeClr val="tx1"/>
+          </a:solidFill>
+          <a:ln>
+            <a:noFill/>
+          </a:ln>
+          <a:effectLst/>
+        </p:spPr>
+        <p:style>
+          <a:lnRef idx="1">
+            <a:schemeClr val="accent1"/>
+          </a:lnRef>
+          <a:fillRef idx="3">
+            <a:schemeClr val="accent1"/>
+          </a:fillRef>
+          <a:effectRef idx="2">
+            <a:schemeClr val="accent1"/>
+          </a:effectRef>
+          <a:fontRef idx="minor">
+            <a:schemeClr val="lt1"/>
+          </a:fontRef>
+        </p:style>
+        <p:txBody>
+          <a:bodyPr rtlCol="0" anchor="ctr"/>
+          <a:lstStyle/>
+          <a:p>
+            <a:pPr algn="ctr"/>
+            <a:endParaRPr lang="en-GB"/>
+          </a:p>
+        </p:txBody>
+      </p:sp>
+      <p:sp>
+        <p:nvSpPr>
+          <p:cNvPr id="12" name="Explosion 1 11"/>
+          <p:cNvSpPr/>
+          <p:nvPr/>
+        </p:nvSpPr>
+        <p:spPr>
+          <a:xfrm>
+            <a:off x="1646933" y="719267"/>
+            <a:ext cx="135861" cy="135866"/>
+          </a:xfrm>
+          <a:prstGeom prst="irregularSeal1">
+            <a:avLst/>
+          </a:prstGeom>
+          <a:solidFill>
+            <a:schemeClr val="tx1"/>
+          </a:solidFill>
+          <a:ln>
+            <a:noFill/>
+          </a:ln>
+          <a:effectLst/>
+        </p:spPr>
+        <p:style>
+          <a:lnRef idx="1">
+            <a:schemeClr val="accent1"/>
+          </a:lnRef>
+          <a:fillRef idx="3">
+            <a:schemeClr val="accent1"/>
+          </a:fillRef>
+          <a:effectRef idx="2">
+            <a:schemeClr val="accent1"/>
+          </a:effectRef>
+          <a:fontRef idx="minor">
+            <a:schemeClr val="lt1"/>
+          </a:fontRef>
+        </p:style>
+        <p:txBody>
+          <a:bodyPr rtlCol="0" anchor="ctr"/>
+          <a:lstStyle/>
+          <a:p>
+            <a:pPr algn="ctr"/>
+            <a:endParaRPr lang="en-GB"/>
+          </a:p>
+        </p:txBody>
+      </p:sp>
+      <p:sp>
+        <p:nvSpPr>
+          <p:cNvPr id="13" name="Explosion 1 12"/>
+          <p:cNvSpPr/>
+          <p:nvPr/>
+        </p:nvSpPr>
+        <p:spPr>
+          <a:xfrm>
+            <a:off x="1646933" y="888201"/>
+            <a:ext cx="135861" cy="135866"/>
+          </a:xfrm>
+          <a:prstGeom prst="irregularSeal1">
+            <a:avLst/>
+          </a:prstGeom>
+          <a:solidFill>
+            <a:schemeClr val="tx1"/>
+          </a:solidFill>
+          <a:ln>
+            <a:noFill/>
+          </a:ln>
+          <a:effectLst/>
+        </p:spPr>
+        <p:style>
+          <a:lnRef idx="1">
+            <a:schemeClr val="accent1"/>
+          </a:lnRef>
+          <a:fillRef idx="3">
+            <a:schemeClr val="accent1"/>
+          </a:fillRef>
+          <a:effectRef idx="2">
+            <a:schemeClr val="accent1"/>
+          </a:effectRef>
+          <a:fontRef idx="minor">
+            <a:schemeClr val="lt1"/>
+          </a:fontRef>
+        </p:style>
+        <p:txBody>
+          <a:bodyPr rtlCol="0" anchor="ctr"/>
+          <a:lstStyle/>
+          <a:p>
+            <a:pPr algn="ctr"/>
+            <a:endParaRPr lang="en-GB"/>
+          </a:p>
+        </p:txBody>
+      </p:sp>
+      <p:sp>
+        <p:nvSpPr>
+          <p:cNvPr id="17" name="TextBox 16"/>
+          <p:cNvSpPr txBox="1"/>
+          <p:nvPr/>
+        </p:nvSpPr>
+        <p:spPr>
+          <a:xfrm>
+            <a:off x="1903444" y="521901"/>
+            <a:ext cx="336550" cy="369332"/>
+          </a:xfrm>
+          <a:prstGeom prst="rect">
+            <a:avLst/>
+          </a:prstGeom>
+          <a:noFill/>
+        </p:spPr>
+        <p:txBody>
+          <a:bodyPr wrap="square" rtlCol="0">
+            <a:spAutoFit/>
+          </a:bodyPr>
+          <a:lstStyle/>
+          <a:p>
+            <a:r>
+              <a:rPr lang="en-GB" dirty="0" smtClean="0"/>
+              <a:t>…</a:t>
+            </a:r>
+            <a:endParaRPr lang="en-GB" dirty="0"/>
+          </a:p>
+        </p:txBody>
+      </p:sp>
+      <p:sp>
+        <p:nvSpPr>
+          <p:cNvPr id="18" name="TextBox 17"/>
+          <p:cNvSpPr txBox="1"/>
+          <p:nvPr/>
+        </p:nvSpPr>
+        <p:spPr>
+          <a:xfrm rot="5400000">
+            <a:off x="1427194" y="991801"/>
+            <a:ext cx="336550" cy="369332"/>
+          </a:xfrm>
+          <a:prstGeom prst="rect">
+            <a:avLst/>
+          </a:prstGeom>
+          <a:noFill/>
+        </p:spPr>
+        <p:txBody>
+          <a:bodyPr wrap="square" rtlCol="0">
+            <a:spAutoFit/>
+          </a:bodyPr>
+          <a:lstStyle/>
+          <a:p>
+            <a:r>
+              <a:rPr lang="en-GB" dirty="0" smtClean="0"/>
+              <a:t>…</a:t>
+            </a:r>
+            <a:endParaRPr lang="en-GB" dirty="0"/>
+          </a:p>
+        </p:txBody>
+      </p:sp>
+      <p:sp>
+        <p:nvSpPr>
+          <p:cNvPr id="19" name="TextBox 18"/>
+          <p:cNvSpPr txBox="1"/>
+          <p:nvPr/>
+        </p:nvSpPr>
+        <p:spPr>
+          <a:xfrm rot="5400000">
+            <a:off x="2330149" y="903560"/>
+            <a:ext cx="336550" cy="369332"/>
+          </a:xfrm>
+          <a:prstGeom prst="rect">
+            <a:avLst/>
+          </a:prstGeom>
+          <a:noFill/>
+        </p:spPr>
+        <p:txBody>
+          <a:bodyPr wrap="square" rtlCol="0">
+            <a:spAutoFit/>
+          </a:bodyPr>
+          <a:lstStyle/>
+          <a:p>
+            <a:r>
+              <a:rPr lang="en-GB" dirty="0" smtClean="0"/>
+              <a:t>…</a:t>
+            </a:r>
+            <a:endParaRPr lang="en-GB" dirty="0"/>
+          </a:p>
+        </p:txBody>
+      </p:sp>
+      <p:sp>
+        <p:nvSpPr>
+          <p:cNvPr id="20" name="TextBox 19"/>
+          <p:cNvSpPr txBox="1"/>
+          <p:nvPr/>
+        </p:nvSpPr>
+        <p:spPr>
+          <a:xfrm>
+            <a:off x="1808194" y="1116884"/>
+            <a:ext cx="336550" cy="369332"/>
+          </a:xfrm>
+          <a:prstGeom prst="rect">
+            <a:avLst/>
+          </a:prstGeom>
+          <a:noFill/>
+        </p:spPr>
+        <p:txBody>
+          <a:bodyPr wrap="square" rtlCol="0">
+            <a:spAutoFit/>
+          </a:bodyPr>
+          <a:lstStyle/>
+          <a:p>
+            <a:r>
+              <a:rPr lang="en-GB" dirty="0" smtClean="0"/>
+              <a:t>…</a:t>
+            </a:r>
+            <a:endParaRPr lang="en-GB" dirty="0"/>
+          </a:p>
+        </p:txBody>
+      </p:sp>
+      <p:grpSp>
+        <p:nvGrpSpPr>
+          <p:cNvPr id="287" name="Group 286"/>
+          <p:cNvGrpSpPr/>
+          <p:nvPr/>
+        </p:nvGrpSpPr>
+        <p:grpSpPr>
+          <a:xfrm>
+            <a:off x="1170807" y="1775391"/>
+            <a:ext cx="1974560" cy="3088709"/>
+            <a:chOff x="1175040" y="1775391"/>
+            <a:chExt cx="1974560" cy="3088709"/>
+          </a:xfrm>
+        </p:grpSpPr>
+        <p:grpSp>
+          <p:nvGrpSpPr>
+            <p:cNvPr id="64" name="Group 63"/>
+            <p:cNvGrpSpPr/>
+            <p:nvPr/>
+          </p:nvGrpSpPr>
+          <p:grpSpPr>
+            <a:xfrm>
+              <a:off x="1763516" y="2286419"/>
+              <a:ext cx="135861" cy="2432649"/>
+              <a:chOff x="2087366" y="2173417"/>
+              <a:chExt cx="135861" cy="2432649"/>
+            </a:xfrm>
+            <a:solidFill>
+              <a:schemeClr val="tx1">
+                <a:lumMod val="75000"/>
+                <a:lumOff val="25000"/>
+              </a:schemeClr>
+            </a:solidFill>
+          </p:grpSpPr>
+          <p:sp>
+            <p:nvSpPr>
+              <p:cNvPr id="21" name="Explosion 1 20"/>
+              <p:cNvSpPr/>
+              <p:nvPr/>
+            </p:nvSpPr>
+            <p:spPr>
+              <a:xfrm>
+                <a:off x="2087366" y="2173417"/>
+                <a:ext cx="135861" cy="135866"/>
+              </a:xfrm>
+              <a:prstGeom prst="irregularSeal1">
+                <a:avLst/>
+              </a:prstGeom>
+              <a:grpFill/>
+              <a:ln>
+                <a:noFill/>
+              </a:ln>
+              <a:effectLst/>
+            </p:spPr>
+            <p:style>
+              <a:lnRef idx="1">
+                <a:schemeClr val="accent1"/>
+              </a:lnRef>
+              <a:fillRef idx="3">
+                <a:schemeClr val="accent1"/>
+              </a:fillRef>
+              <a:effectRef idx="2">
+                <a:schemeClr val="accent1"/>
+              </a:effectRef>
+              <a:fontRef idx="minor">
+                <a:schemeClr val="lt1"/>
+              </a:fontRef>
+            </p:style>
+            <p:txBody>
+              <a:bodyPr rtlCol="0" anchor="ctr"/>
+              <a:lstStyle/>
+              <a:p>
+                <a:pPr algn="ctr"/>
+                <a:endParaRPr lang="en-GB"/>
+              </a:p>
+            </p:txBody>
+          </p:sp>
+          <p:sp>
+            <p:nvSpPr>
+              <p:cNvPr id="22" name="Explosion 1 21"/>
+              <p:cNvSpPr/>
+              <p:nvPr/>
+            </p:nvSpPr>
+            <p:spPr>
+              <a:xfrm>
+                <a:off x="2087366" y="2403095"/>
+                <a:ext cx="135861" cy="135866"/>
+              </a:xfrm>
+              <a:prstGeom prst="irregularSeal1">
+                <a:avLst/>
+              </a:prstGeom>
+              <a:grpFill/>
+              <a:ln>
+                <a:noFill/>
+              </a:ln>
+              <a:effectLst/>
+            </p:spPr>
+            <p:style>
+              <a:lnRef idx="1">
+                <a:schemeClr val="accent1"/>
+              </a:lnRef>
+              <a:fillRef idx="3">
+                <a:schemeClr val="accent1"/>
+              </a:fillRef>
+              <a:effectRef idx="2">
+                <a:schemeClr val="accent1"/>
+              </a:effectRef>
+              <a:fontRef idx="minor">
+                <a:schemeClr val="lt1"/>
+              </a:fontRef>
+            </p:style>
+            <p:txBody>
+              <a:bodyPr rtlCol="0" anchor="ctr"/>
+              <a:lstStyle/>
+              <a:p>
+                <a:pPr algn="ctr"/>
+                <a:endParaRPr lang="en-GB"/>
+              </a:p>
+            </p:txBody>
+          </p:sp>
+          <p:sp>
+            <p:nvSpPr>
+              <p:cNvPr id="23" name="Explosion 1 22"/>
+              <p:cNvSpPr/>
+              <p:nvPr/>
+            </p:nvSpPr>
+            <p:spPr>
+              <a:xfrm>
+                <a:off x="2087366" y="2977290"/>
+                <a:ext cx="135861" cy="135866"/>
+              </a:xfrm>
+              <a:prstGeom prst="irregularSeal1">
+                <a:avLst/>
+              </a:prstGeom>
+              <a:grpFill/>
+              <a:ln>
+                <a:noFill/>
+              </a:ln>
+              <a:effectLst/>
+            </p:spPr>
+            <p:style>
+              <a:lnRef idx="1">
+                <a:schemeClr val="accent1"/>
+              </a:lnRef>
+              <a:fillRef idx="3">
+                <a:schemeClr val="accent1"/>
+              </a:fillRef>
+              <a:effectRef idx="2">
+                <a:schemeClr val="accent1"/>
+              </a:effectRef>
+              <a:fontRef idx="minor">
+                <a:schemeClr val="lt1"/>
+              </a:fontRef>
+            </p:style>
+            <p:txBody>
+              <a:bodyPr rtlCol="0" anchor="ctr"/>
+              <a:lstStyle/>
+              <a:p>
+                <a:pPr algn="ctr"/>
+                <a:endParaRPr lang="en-GB"/>
+              </a:p>
+            </p:txBody>
+          </p:sp>
+          <p:sp>
+            <p:nvSpPr>
+              <p:cNvPr id="24" name="Explosion 1 23"/>
+              <p:cNvSpPr/>
+              <p:nvPr/>
+            </p:nvSpPr>
+            <p:spPr>
+              <a:xfrm>
+                <a:off x="2087366" y="2288256"/>
+                <a:ext cx="135861" cy="135866"/>
+              </a:xfrm>
+              <a:prstGeom prst="irregularSeal1">
+                <a:avLst/>
+              </a:prstGeom>
+              <a:grpFill/>
+              <a:ln>
+                <a:noFill/>
+              </a:ln>
+              <a:effectLst/>
+            </p:spPr>
+            <p:style>
+              <a:lnRef idx="1">
+                <a:schemeClr val="accent1"/>
+              </a:lnRef>
+              <a:fillRef idx="3">
+                <a:schemeClr val="accent1"/>
+              </a:fillRef>
+              <a:effectRef idx="2">
+                <a:schemeClr val="accent1"/>
+              </a:effectRef>
+              <a:fontRef idx="minor">
+                <a:schemeClr val="lt1"/>
+              </a:fontRef>
+            </p:style>
+            <p:txBody>
+              <a:bodyPr rtlCol="0" anchor="ctr"/>
+              <a:lstStyle/>
+              <a:p>
+                <a:pPr algn="ctr"/>
+                <a:endParaRPr lang="en-GB"/>
+              </a:p>
+            </p:txBody>
+          </p:sp>
+          <p:sp>
+            <p:nvSpPr>
+              <p:cNvPr id="25" name="Explosion 1 24"/>
+              <p:cNvSpPr/>
+              <p:nvPr/>
+            </p:nvSpPr>
+            <p:spPr>
+              <a:xfrm>
+                <a:off x="2087366" y="2632773"/>
+                <a:ext cx="135861" cy="135866"/>
+              </a:xfrm>
+              <a:prstGeom prst="irregularSeal1">
+                <a:avLst/>
+              </a:prstGeom>
+              <a:grpFill/>
+              <a:ln>
+                <a:noFill/>
+              </a:ln>
+              <a:effectLst/>
+            </p:spPr>
+            <p:style>
+              <a:lnRef idx="1">
+                <a:schemeClr val="accent1"/>
+              </a:lnRef>
+              <a:fillRef idx="3">
+                <a:schemeClr val="accent1"/>
+              </a:fillRef>
+              <a:effectRef idx="2">
+                <a:schemeClr val="accent1"/>
+              </a:effectRef>
+              <a:fontRef idx="minor">
+                <a:schemeClr val="lt1"/>
+              </a:fontRef>
+            </p:style>
+            <p:txBody>
+              <a:bodyPr rtlCol="0" anchor="ctr"/>
+              <a:lstStyle/>
+              <a:p>
+                <a:pPr algn="ctr"/>
+                <a:endParaRPr lang="en-GB"/>
+              </a:p>
+            </p:txBody>
+          </p:sp>
+          <p:sp>
+            <p:nvSpPr>
+              <p:cNvPr id="26" name="Explosion 1 25"/>
+              <p:cNvSpPr/>
+              <p:nvPr/>
+            </p:nvSpPr>
+            <p:spPr>
+              <a:xfrm>
+                <a:off x="2087366" y="3321807"/>
+                <a:ext cx="135861" cy="135866"/>
+              </a:xfrm>
+              <a:prstGeom prst="irregularSeal1">
+                <a:avLst/>
+              </a:prstGeom>
+              <a:grpFill/>
+              <a:ln>
+                <a:noFill/>
+              </a:ln>
+              <a:effectLst/>
+            </p:spPr>
+            <p:style>
+              <a:lnRef idx="1">
+                <a:schemeClr val="accent1"/>
+              </a:lnRef>
+              <a:fillRef idx="3">
+                <a:schemeClr val="accent1"/>
+              </a:fillRef>
+              <a:effectRef idx="2">
+                <a:schemeClr val="accent1"/>
+              </a:effectRef>
+              <a:fontRef idx="minor">
+                <a:schemeClr val="lt1"/>
+              </a:fontRef>
+            </p:style>
+            <p:txBody>
+              <a:bodyPr rtlCol="0" anchor="ctr"/>
+              <a:lstStyle/>
+              <a:p>
+                <a:pPr algn="ctr"/>
+                <a:endParaRPr lang="en-GB"/>
+              </a:p>
+            </p:txBody>
+          </p:sp>
+          <p:sp>
+            <p:nvSpPr>
+              <p:cNvPr id="27" name="Explosion 1 26"/>
+              <p:cNvSpPr/>
+              <p:nvPr/>
+            </p:nvSpPr>
+            <p:spPr>
+              <a:xfrm>
+                <a:off x="2087366" y="2517934"/>
+                <a:ext cx="135861" cy="135866"/>
+              </a:xfrm>
+              <a:prstGeom prst="irregularSeal1">
+                <a:avLst/>
+              </a:prstGeom>
+              <a:grpFill/>
+              <a:ln>
+                <a:noFill/>
+              </a:ln>
+              <a:effectLst/>
+            </p:spPr>
+            <p:style>
+              <a:lnRef idx="1">
+                <a:schemeClr val="accent1"/>
+              </a:lnRef>
+              <a:fillRef idx="3">
+                <a:schemeClr val="accent1"/>
+              </a:fillRef>
+              <a:effectRef idx="2">
+                <a:schemeClr val="accent1"/>
+              </a:effectRef>
+              <a:fontRef idx="minor">
+                <a:schemeClr val="lt1"/>
+              </a:fontRef>
+            </p:style>
+            <p:txBody>
+              <a:bodyPr rtlCol="0" anchor="ctr"/>
+              <a:lstStyle/>
+              <a:p>
+                <a:pPr algn="ctr"/>
+                <a:endParaRPr lang="en-GB"/>
+              </a:p>
+            </p:txBody>
+          </p:sp>
+          <p:sp>
+            <p:nvSpPr>
+              <p:cNvPr id="28" name="Explosion 1 27"/>
+              <p:cNvSpPr/>
+              <p:nvPr/>
+            </p:nvSpPr>
+            <p:spPr>
+              <a:xfrm>
+                <a:off x="2087366" y="2862451"/>
+                <a:ext cx="135861" cy="135866"/>
+              </a:xfrm>
+              <a:prstGeom prst="irregularSeal1">
+                <a:avLst/>
+              </a:prstGeom>
+              <a:grpFill/>
+              <a:ln>
+                <a:noFill/>
+              </a:ln>
+              <a:effectLst/>
+            </p:spPr>
+            <p:style>
+              <a:lnRef idx="1">
+                <a:schemeClr val="accent1"/>
+              </a:lnRef>
+              <a:fillRef idx="3">
+                <a:schemeClr val="accent1"/>
+              </a:fillRef>
+              <a:effectRef idx="2">
+                <a:schemeClr val="accent1"/>
+              </a:effectRef>
+              <a:fontRef idx="minor">
+                <a:schemeClr val="lt1"/>
+              </a:fontRef>
+            </p:style>
+            <p:txBody>
+              <a:bodyPr rtlCol="0" anchor="ctr"/>
+              <a:lstStyle/>
+              <a:p>
+                <a:pPr algn="ctr"/>
+                <a:endParaRPr lang="en-GB"/>
+              </a:p>
+            </p:txBody>
+          </p:sp>
+          <p:sp>
+            <p:nvSpPr>
+              <p:cNvPr id="29" name="Explosion 1 28"/>
+              <p:cNvSpPr/>
+              <p:nvPr/>
+            </p:nvSpPr>
+            <p:spPr>
+              <a:xfrm>
+                <a:off x="2087366" y="3666324"/>
+                <a:ext cx="135861" cy="135866"/>
+              </a:xfrm>
+              <a:prstGeom prst="irregularSeal1">
+                <a:avLst/>
+              </a:prstGeom>
+              <a:grpFill/>
+              <a:ln>
+                <a:noFill/>
+              </a:ln>
+              <a:effectLst/>
+            </p:spPr>
+            <p:style>
+              <a:lnRef idx="1">
+                <a:schemeClr val="accent1"/>
+              </a:lnRef>
+              <a:fillRef idx="3">
+                <a:schemeClr val="accent1"/>
+              </a:fillRef>
+              <a:effectRef idx="2">
+                <a:schemeClr val="accent1"/>
+              </a:effectRef>
+              <a:fontRef idx="minor">
+                <a:schemeClr val="lt1"/>
+              </a:fontRef>
+            </p:style>
+            <p:txBody>
+              <a:bodyPr rtlCol="0" anchor="ctr"/>
+              <a:lstStyle/>
+              <a:p>
+                <a:pPr algn="ctr"/>
+                <a:endParaRPr lang="en-GB"/>
+              </a:p>
+            </p:txBody>
+          </p:sp>
+          <p:sp>
+            <p:nvSpPr>
+              <p:cNvPr id="30" name="Explosion 1 29"/>
+              <p:cNvSpPr/>
+              <p:nvPr/>
+            </p:nvSpPr>
+            <p:spPr>
+              <a:xfrm>
+                <a:off x="2087366" y="2747612"/>
+                <a:ext cx="135861" cy="135866"/>
+              </a:xfrm>
+              <a:prstGeom prst="irregularSeal1">
+                <a:avLst/>
+              </a:prstGeom>
+              <a:grpFill/>
+              <a:ln>
+                <a:noFill/>
+              </a:ln>
+              <a:effectLst/>
+            </p:spPr>
+            <p:style>
+              <a:lnRef idx="1">
+                <a:schemeClr val="accent1"/>
+              </a:lnRef>
+              <a:fillRef idx="3">
+                <a:schemeClr val="accent1"/>
+              </a:fillRef>
+              <a:effectRef idx="2">
+                <a:schemeClr val="accent1"/>
+              </a:effectRef>
+              <a:fontRef idx="minor">
+                <a:schemeClr val="lt1"/>
+              </a:fontRef>
+            </p:style>
+            <p:txBody>
+              <a:bodyPr rtlCol="0" anchor="ctr"/>
+              <a:lstStyle/>
+              <a:p>
+                <a:pPr algn="ctr"/>
+                <a:endParaRPr lang="en-GB"/>
+              </a:p>
+            </p:txBody>
+          </p:sp>
+          <p:sp>
+            <p:nvSpPr>
+              <p:cNvPr id="31" name="Explosion 1 30"/>
+              <p:cNvSpPr/>
+              <p:nvPr/>
+            </p:nvSpPr>
+            <p:spPr>
+              <a:xfrm>
+                <a:off x="2087366" y="3206968"/>
+                <a:ext cx="135861" cy="135866"/>
+              </a:xfrm>
+              <a:prstGeom prst="irregularSeal1">
+                <a:avLst/>
+              </a:prstGeom>
+              <a:grpFill/>
+              <a:ln>
+                <a:noFill/>
+              </a:ln>
+              <a:effectLst/>
+            </p:spPr>
+            <p:style>
+              <a:lnRef idx="1">
+                <a:schemeClr val="accent1"/>
+              </a:lnRef>
+              <a:fillRef idx="3">
+                <a:schemeClr val="accent1"/>
+              </a:fillRef>
+              <a:effectRef idx="2">
+                <a:schemeClr val="accent1"/>
+              </a:effectRef>
+              <a:fontRef idx="minor">
+                <a:schemeClr val="lt1"/>
+              </a:fontRef>
+            </p:style>
+            <p:txBody>
+              <a:bodyPr rtlCol="0" anchor="ctr"/>
+              <a:lstStyle/>
+              <a:p>
+                <a:pPr algn="ctr"/>
+                <a:endParaRPr lang="en-GB"/>
+              </a:p>
+            </p:txBody>
+          </p:sp>
+          <p:sp>
+            <p:nvSpPr>
+              <p:cNvPr id="32" name="Explosion 1 31"/>
+              <p:cNvSpPr/>
+              <p:nvPr/>
+            </p:nvSpPr>
+            <p:spPr>
+              <a:xfrm>
+                <a:off x="2087366" y="4010841"/>
+                <a:ext cx="135861" cy="135866"/>
+              </a:xfrm>
+              <a:prstGeom prst="irregularSeal1">
+                <a:avLst/>
+              </a:prstGeom>
+              <a:grpFill/>
+              <a:ln>
+                <a:noFill/>
+              </a:ln>
+              <a:effectLst/>
+            </p:spPr>
+            <p:style>
+              <a:lnRef idx="1">
+                <a:schemeClr val="accent1"/>
+              </a:lnRef>
+              <a:fillRef idx="3">
+                <a:schemeClr val="accent1"/>
+              </a:fillRef>
+              <a:effectRef idx="2">
+                <a:schemeClr val="accent1"/>
+              </a:effectRef>
+              <a:fontRef idx="minor">
+                <a:schemeClr val="lt1"/>
+              </a:fontRef>
+            </p:style>
+            <p:txBody>
+              <a:bodyPr rtlCol="0" anchor="ctr"/>
+              <a:lstStyle/>
+              <a:p>
+                <a:pPr algn="ctr"/>
+                <a:endParaRPr lang="en-GB"/>
+              </a:p>
+            </p:txBody>
+          </p:sp>
+          <p:sp>
+            <p:nvSpPr>
+              <p:cNvPr id="33" name="Explosion 1 32"/>
+              <p:cNvSpPr/>
+              <p:nvPr/>
+            </p:nvSpPr>
+            <p:spPr>
+              <a:xfrm>
+                <a:off x="2087366" y="3092129"/>
+                <a:ext cx="135861" cy="135866"/>
+              </a:xfrm>
+              <a:prstGeom prst="irregularSeal1">
+                <a:avLst/>
+              </a:prstGeom>
+              <a:grpFill/>
+              <a:ln>
+                <a:noFill/>
+              </a:ln>
+              <a:effectLst/>
+            </p:spPr>
+            <p:style>
+              <a:lnRef idx="1">
+                <a:schemeClr val="accent1"/>
+              </a:lnRef>
+              <a:fillRef idx="3">
+                <a:schemeClr val="accent1"/>
+              </a:fillRef>
+              <a:effectRef idx="2">
+                <a:schemeClr val="accent1"/>
+              </a:effectRef>
+              <a:fontRef idx="minor">
+                <a:schemeClr val="lt1"/>
+              </a:fontRef>
+            </p:style>
+            <p:txBody>
+              <a:bodyPr rtlCol="0" anchor="ctr"/>
+              <a:lstStyle/>
+              <a:p>
+                <a:pPr algn="ctr"/>
+                <a:endParaRPr lang="en-GB"/>
+              </a:p>
+            </p:txBody>
+          </p:sp>
+          <p:sp>
+            <p:nvSpPr>
+              <p:cNvPr id="34" name="Explosion 1 33"/>
+              <p:cNvSpPr/>
+              <p:nvPr/>
+            </p:nvSpPr>
+            <p:spPr>
+              <a:xfrm>
+                <a:off x="2087366" y="3551485"/>
+                <a:ext cx="135861" cy="135866"/>
+              </a:xfrm>
+              <a:prstGeom prst="irregularSeal1">
+                <a:avLst/>
+              </a:prstGeom>
+              <a:grpFill/>
+              <a:ln>
+                <a:noFill/>
+              </a:ln>
+              <a:effectLst/>
+            </p:spPr>
+            <p:style>
+              <a:lnRef idx="1">
+                <a:schemeClr val="accent1"/>
+              </a:lnRef>
+              <a:fillRef idx="3">
+                <a:schemeClr val="accent1"/>
+              </a:fillRef>
+              <a:effectRef idx="2">
+                <a:schemeClr val="accent1"/>
+              </a:effectRef>
+              <a:fontRef idx="minor">
+                <a:schemeClr val="lt1"/>
+              </a:fontRef>
+            </p:style>
+            <p:txBody>
+              <a:bodyPr rtlCol="0" anchor="ctr"/>
+              <a:lstStyle/>
+              <a:p>
+                <a:pPr algn="ctr"/>
+                <a:endParaRPr lang="en-GB"/>
+              </a:p>
+            </p:txBody>
+          </p:sp>
+          <p:sp>
+            <p:nvSpPr>
+              <p:cNvPr id="35" name="Explosion 1 34"/>
+              <p:cNvSpPr/>
+              <p:nvPr/>
+            </p:nvSpPr>
+            <p:spPr>
+              <a:xfrm>
+                <a:off x="2087366" y="4240519"/>
+                <a:ext cx="135861" cy="135866"/>
+              </a:xfrm>
+              <a:prstGeom prst="irregularSeal1">
+                <a:avLst/>
+              </a:prstGeom>
+              <a:grpFill/>
+              <a:ln>
+                <a:noFill/>
+              </a:ln>
+              <a:effectLst/>
+            </p:spPr>
+            <p:style>
+              <a:lnRef idx="1">
+                <a:schemeClr val="accent1"/>
+              </a:lnRef>
+              <a:fillRef idx="3">
+                <a:schemeClr val="accent1"/>
+              </a:fillRef>
+              <a:effectRef idx="2">
+                <a:schemeClr val="accent1"/>
+              </a:effectRef>
+              <a:fontRef idx="minor">
+                <a:schemeClr val="lt1"/>
+              </a:fontRef>
+            </p:style>
+            <p:txBody>
+              <a:bodyPr rtlCol="0" anchor="ctr"/>
+              <a:lstStyle/>
+              <a:p>
+                <a:pPr algn="ctr"/>
+                <a:endParaRPr lang="en-GB"/>
+              </a:p>
+            </p:txBody>
+          </p:sp>
+          <p:sp>
+            <p:nvSpPr>
+              <p:cNvPr id="36" name="Explosion 1 35"/>
+              <p:cNvSpPr/>
+              <p:nvPr/>
+            </p:nvSpPr>
+            <p:spPr>
+              <a:xfrm>
+                <a:off x="2087366" y="3436646"/>
+                <a:ext cx="135861" cy="135866"/>
+              </a:xfrm>
+              <a:prstGeom prst="irregularSeal1">
+                <a:avLst/>
+              </a:prstGeom>
+              <a:grpFill/>
+              <a:ln>
+                <a:noFill/>
+              </a:ln>
+              <a:effectLst/>
+            </p:spPr>
+            <p:style>
+              <a:lnRef idx="1">
+                <a:schemeClr val="accent1"/>
+              </a:lnRef>
+              <a:fillRef idx="3">
+                <a:schemeClr val="accent1"/>
+              </a:fillRef>
+              <a:effectRef idx="2">
+                <a:schemeClr val="accent1"/>
+              </a:effectRef>
+              <a:fontRef idx="minor">
+                <a:schemeClr val="lt1"/>
+              </a:fontRef>
+            </p:style>
+            <p:txBody>
+              <a:bodyPr rtlCol="0" anchor="ctr"/>
+              <a:lstStyle/>
+              <a:p>
+                <a:pPr algn="ctr"/>
+                <a:endParaRPr lang="en-GB"/>
+              </a:p>
+            </p:txBody>
+          </p:sp>
+          <p:sp>
+            <p:nvSpPr>
+              <p:cNvPr id="37" name="Explosion 1 36"/>
+              <p:cNvSpPr/>
+              <p:nvPr/>
+            </p:nvSpPr>
+            <p:spPr>
+              <a:xfrm>
+                <a:off x="2087366" y="3896002"/>
+                <a:ext cx="135861" cy="135866"/>
+              </a:xfrm>
+              <a:prstGeom prst="irregularSeal1">
+                <a:avLst/>
+              </a:prstGeom>
+              <a:grpFill/>
+              <a:ln>
+                <a:noFill/>
+              </a:ln>
+              <a:effectLst/>
+            </p:spPr>
+            <p:style>
+              <a:lnRef idx="1">
+                <a:schemeClr val="accent1"/>
+              </a:lnRef>
+              <a:fillRef idx="3">
+                <a:schemeClr val="accent1"/>
+              </a:fillRef>
+              <a:effectRef idx="2">
+                <a:schemeClr val="accent1"/>
+              </a:effectRef>
+              <a:fontRef idx="minor">
+                <a:schemeClr val="lt1"/>
+              </a:fontRef>
+            </p:style>
+            <p:txBody>
+              <a:bodyPr rtlCol="0" anchor="ctr"/>
+              <a:lstStyle/>
+              <a:p>
+                <a:pPr algn="ctr"/>
+                <a:endParaRPr lang="en-GB"/>
+              </a:p>
+            </p:txBody>
+          </p:sp>
+          <p:sp>
+            <p:nvSpPr>
+              <p:cNvPr id="38" name="Explosion 1 37"/>
+              <p:cNvSpPr/>
+              <p:nvPr/>
+            </p:nvSpPr>
+            <p:spPr>
+              <a:xfrm>
+                <a:off x="2087366" y="4355358"/>
+                <a:ext cx="135861" cy="135866"/>
+              </a:xfrm>
+              <a:prstGeom prst="irregularSeal1">
+                <a:avLst/>
+              </a:prstGeom>
+              <a:grpFill/>
+              <a:ln>
+                <a:noFill/>
+              </a:ln>
+              <a:effectLst/>
+            </p:spPr>
+            <p:style>
+              <a:lnRef idx="1">
+                <a:schemeClr val="accent1"/>
+              </a:lnRef>
+              <a:fillRef idx="3">
+                <a:schemeClr val="accent1"/>
+              </a:fillRef>
+              <a:effectRef idx="2">
+                <a:schemeClr val="accent1"/>
+              </a:effectRef>
+              <a:fontRef idx="minor">
+                <a:schemeClr val="lt1"/>
+              </a:fontRef>
+            </p:style>
+            <p:txBody>
+              <a:bodyPr rtlCol="0" anchor="ctr"/>
+              <a:lstStyle/>
+              <a:p>
+                <a:pPr algn="ctr"/>
+                <a:endParaRPr lang="en-GB"/>
+              </a:p>
+            </p:txBody>
+          </p:sp>
+          <p:sp>
+            <p:nvSpPr>
+              <p:cNvPr id="39" name="Explosion 1 38"/>
+              <p:cNvSpPr/>
+              <p:nvPr/>
+            </p:nvSpPr>
+            <p:spPr>
+              <a:xfrm>
+                <a:off x="2087366" y="3781163"/>
+                <a:ext cx="135861" cy="135866"/>
+              </a:xfrm>
+              <a:prstGeom prst="irregularSeal1">
+                <a:avLst/>
+              </a:prstGeom>
+              <a:grpFill/>
+              <a:ln>
+                <a:noFill/>
+              </a:ln>
+              <a:effectLst/>
+            </p:spPr>
+            <p:style>
+              <a:lnRef idx="1">
+                <a:schemeClr val="accent1"/>
+              </a:lnRef>
+              <a:fillRef idx="3">
+                <a:schemeClr val="accent1"/>
+              </a:fillRef>
+              <a:effectRef idx="2">
+                <a:schemeClr val="accent1"/>
+              </a:effectRef>
+              <a:fontRef idx="minor">
+                <a:schemeClr val="lt1"/>
+              </a:fontRef>
+            </p:style>
+            <p:txBody>
+              <a:bodyPr rtlCol="0" anchor="ctr"/>
+              <a:lstStyle/>
+              <a:p>
+                <a:pPr algn="ctr"/>
+                <a:endParaRPr lang="en-GB"/>
+              </a:p>
+            </p:txBody>
+          </p:sp>
+          <p:sp>
+            <p:nvSpPr>
+              <p:cNvPr id="40" name="Explosion 1 39"/>
+              <p:cNvSpPr/>
+              <p:nvPr/>
+            </p:nvSpPr>
+            <p:spPr>
+              <a:xfrm>
+                <a:off x="2087366" y="4125680"/>
+                <a:ext cx="135861" cy="135866"/>
+              </a:xfrm>
+              <a:prstGeom prst="irregularSeal1">
+                <a:avLst/>
+              </a:prstGeom>
+              <a:grpFill/>
+              <a:ln>
+                <a:noFill/>
+              </a:ln>
+              <a:effectLst/>
+            </p:spPr>
+            <p:style>
+              <a:lnRef idx="1">
+                <a:schemeClr val="accent1"/>
+              </a:lnRef>
+              <a:fillRef idx="3">
+                <a:schemeClr val="accent1"/>
+              </a:fillRef>
+              <a:effectRef idx="2">
+                <a:schemeClr val="accent1"/>
+              </a:effectRef>
+              <a:fontRef idx="minor">
+                <a:schemeClr val="lt1"/>
+              </a:fontRef>
+            </p:style>
+            <p:txBody>
+              <a:bodyPr rtlCol="0" anchor="ctr"/>
+              <a:lstStyle/>
+              <a:p>
+                <a:pPr algn="ctr"/>
+                <a:endParaRPr lang="en-GB"/>
+              </a:p>
+            </p:txBody>
+          </p:sp>
+          <p:sp>
+            <p:nvSpPr>
+              <p:cNvPr id="41" name="Explosion 1 40"/>
+              <p:cNvSpPr/>
+              <p:nvPr/>
+            </p:nvSpPr>
+            <p:spPr>
+              <a:xfrm>
+                <a:off x="2087366" y="4470200"/>
+                <a:ext cx="135861" cy="135866"/>
+              </a:xfrm>
+              <a:prstGeom prst="irregularSeal1">
+                <a:avLst/>
+              </a:prstGeom>
+              <a:grpFill/>
+              <a:ln>
+                <a:noFill/>
+              </a:ln>
+              <a:effectLst/>
+            </p:spPr>
+            <p:style>
+              <a:lnRef idx="1">
+                <a:schemeClr val="accent1"/>
+              </a:lnRef>
+              <a:fillRef idx="3">
+                <a:schemeClr val="accent1"/>
+              </a:fillRef>
+              <a:effectRef idx="2">
+                <a:schemeClr val="accent1"/>
+              </a:effectRef>
+              <a:fontRef idx="minor">
+                <a:schemeClr val="lt1"/>
+              </a:fontRef>
+            </p:style>
+            <p:txBody>
+              <a:bodyPr rtlCol="0" anchor="ctr"/>
+              <a:lstStyle/>
+              <a:p>
+                <a:pPr algn="ctr"/>
+                <a:endParaRPr lang="en-GB"/>
+              </a:p>
+            </p:txBody>
+          </p:sp>
+        </p:grpSp>
+        <p:grpSp>
+          <p:nvGrpSpPr>
+            <p:cNvPr id="63" name="Group 62"/>
+            <p:cNvGrpSpPr/>
+            <p:nvPr/>
+          </p:nvGrpSpPr>
+          <p:grpSpPr>
+            <a:xfrm>
+              <a:off x="1897821" y="2286419"/>
+              <a:ext cx="135861" cy="2432649"/>
+              <a:chOff x="2239766" y="2167067"/>
+              <a:chExt cx="135861" cy="2432649"/>
+            </a:xfrm>
+            <a:solidFill>
+              <a:schemeClr val="tx1">
+                <a:lumMod val="75000"/>
+                <a:lumOff val="25000"/>
+              </a:schemeClr>
+            </a:solidFill>
+          </p:grpSpPr>
+          <p:sp>
+            <p:nvSpPr>
+              <p:cNvPr id="42" name="Explosion 1 41"/>
+              <p:cNvSpPr/>
+              <p:nvPr/>
+            </p:nvSpPr>
+            <p:spPr>
+              <a:xfrm>
+                <a:off x="2239766" y="2167067"/>
+                <a:ext cx="135861" cy="135866"/>
+              </a:xfrm>
+              <a:prstGeom prst="irregularSeal1">
+                <a:avLst/>
+              </a:prstGeom>
+              <a:grpFill/>
+              <a:ln>
+                <a:noFill/>
+              </a:ln>
+              <a:effectLst/>
+            </p:spPr>
+            <p:style>
+              <a:lnRef idx="1">
+                <a:schemeClr val="accent1"/>
+              </a:lnRef>
+              <a:fillRef idx="3">
+                <a:schemeClr val="accent1"/>
+              </a:fillRef>
+              <a:effectRef idx="2">
+                <a:schemeClr val="accent1"/>
+              </a:effectRef>
+              <a:fontRef idx="minor">
+                <a:schemeClr val="lt1"/>
+              </a:fontRef>
+            </p:style>
+            <p:txBody>
+              <a:bodyPr rtlCol="0" anchor="ctr"/>
+              <a:lstStyle/>
+              <a:p>
+                <a:pPr algn="ctr"/>
+                <a:endParaRPr lang="en-GB"/>
+              </a:p>
+            </p:txBody>
+          </p:sp>
+          <p:sp>
+            <p:nvSpPr>
+              <p:cNvPr id="43" name="Explosion 1 42"/>
+              <p:cNvSpPr/>
+              <p:nvPr/>
+            </p:nvSpPr>
+            <p:spPr>
+              <a:xfrm>
+                <a:off x="2239766" y="2396745"/>
+                <a:ext cx="135861" cy="135866"/>
+              </a:xfrm>
+              <a:prstGeom prst="irregularSeal1">
+                <a:avLst/>
+              </a:prstGeom>
+              <a:grpFill/>
+              <a:ln>
+                <a:noFill/>
+              </a:ln>
+              <a:effectLst/>
+            </p:spPr>
+            <p:style>
+              <a:lnRef idx="1">
+                <a:schemeClr val="accent1"/>
+              </a:lnRef>
+              <a:fillRef idx="3">
+                <a:schemeClr val="accent1"/>
+              </a:fillRef>
+              <a:effectRef idx="2">
+                <a:schemeClr val="accent1"/>
+              </a:effectRef>
+              <a:fontRef idx="minor">
+                <a:schemeClr val="lt1"/>
+              </a:fontRef>
+            </p:style>
+            <p:txBody>
+              <a:bodyPr rtlCol="0" anchor="ctr"/>
+              <a:lstStyle/>
+              <a:p>
+                <a:pPr algn="ctr"/>
+                <a:endParaRPr lang="en-GB"/>
+              </a:p>
+            </p:txBody>
+          </p:sp>
+          <p:sp>
+            <p:nvSpPr>
+              <p:cNvPr id="44" name="Explosion 1 43"/>
+              <p:cNvSpPr/>
+              <p:nvPr/>
+            </p:nvSpPr>
+            <p:spPr>
+              <a:xfrm>
+                <a:off x="2239766" y="2970940"/>
+                <a:ext cx="135861" cy="135866"/>
+              </a:xfrm>
+              <a:prstGeom prst="irregularSeal1">
+                <a:avLst/>
+              </a:prstGeom>
+              <a:grpFill/>
+              <a:ln>
+                <a:noFill/>
+              </a:ln>
+              <a:effectLst/>
+            </p:spPr>
+            <p:style>
+              <a:lnRef idx="1">
+                <a:schemeClr val="accent1"/>
+              </a:lnRef>
+              <a:fillRef idx="3">
+                <a:schemeClr val="accent1"/>
+              </a:fillRef>
+              <a:effectRef idx="2">
+                <a:schemeClr val="accent1"/>
+              </a:effectRef>
+              <a:fontRef idx="minor">
+                <a:schemeClr val="lt1"/>
+              </a:fontRef>
+            </p:style>
+            <p:txBody>
+              <a:bodyPr rtlCol="0" anchor="ctr"/>
+              <a:lstStyle/>
+              <a:p>
+                <a:pPr algn="ctr"/>
+                <a:endParaRPr lang="en-GB"/>
+              </a:p>
+            </p:txBody>
+          </p:sp>
+          <p:sp>
+            <p:nvSpPr>
+              <p:cNvPr id="45" name="Explosion 1 44"/>
+              <p:cNvSpPr/>
+              <p:nvPr/>
+            </p:nvSpPr>
+            <p:spPr>
+              <a:xfrm>
+                <a:off x="2239766" y="2281906"/>
+                <a:ext cx="135861" cy="135866"/>
+              </a:xfrm>
+              <a:prstGeom prst="irregularSeal1">
+                <a:avLst/>
+              </a:prstGeom>
+              <a:grpFill/>
+              <a:ln>
+                <a:noFill/>
+              </a:ln>
+              <a:effectLst/>
+            </p:spPr>
+            <p:style>
+              <a:lnRef idx="1">
+                <a:schemeClr val="accent1"/>
+              </a:lnRef>
+              <a:fillRef idx="3">
+                <a:schemeClr val="accent1"/>
+              </a:fillRef>
+              <a:effectRef idx="2">
+                <a:schemeClr val="accent1"/>
+              </a:effectRef>
+              <a:fontRef idx="minor">
+                <a:schemeClr val="lt1"/>
+              </a:fontRef>
+            </p:style>
+            <p:txBody>
+              <a:bodyPr rtlCol="0" anchor="ctr"/>
+              <a:lstStyle/>
+              <a:p>
+                <a:pPr algn="ctr"/>
+                <a:endParaRPr lang="en-GB"/>
+              </a:p>
+            </p:txBody>
+          </p:sp>
+          <p:sp>
+            <p:nvSpPr>
+              <p:cNvPr id="46" name="Explosion 1 45"/>
+              <p:cNvSpPr/>
+              <p:nvPr/>
+            </p:nvSpPr>
+            <p:spPr>
+              <a:xfrm>
+                <a:off x="2239766" y="2626423"/>
+                <a:ext cx="135861" cy="135866"/>
+              </a:xfrm>
+              <a:prstGeom prst="irregularSeal1">
+                <a:avLst/>
+              </a:prstGeom>
+              <a:grpFill/>
+              <a:ln>
+                <a:noFill/>
+              </a:ln>
+              <a:effectLst/>
+            </p:spPr>
+            <p:style>
+              <a:lnRef idx="1">
+                <a:schemeClr val="accent1"/>
+              </a:lnRef>
+              <a:fillRef idx="3">
+                <a:schemeClr val="accent1"/>
+              </a:fillRef>
+              <a:effectRef idx="2">
+                <a:schemeClr val="accent1"/>
+              </a:effectRef>
+              <a:fontRef idx="minor">
+                <a:schemeClr val="lt1"/>
+              </a:fontRef>
+            </p:style>
+            <p:txBody>
+              <a:bodyPr rtlCol="0" anchor="ctr"/>
+              <a:lstStyle/>
+              <a:p>
+                <a:pPr algn="ctr"/>
+                <a:endParaRPr lang="en-GB"/>
+              </a:p>
+            </p:txBody>
+          </p:sp>
+          <p:sp>
+            <p:nvSpPr>
+              <p:cNvPr id="47" name="Explosion 1 46"/>
+              <p:cNvSpPr/>
+              <p:nvPr/>
+            </p:nvSpPr>
+            <p:spPr>
+              <a:xfrm>
+                <a:off x="2239766" y="3315457"/>
+                <a:ext cx="135861" cy="135866"/>
+              </a:xfrm>
+              <a:prstGeom prst="irregularSeal1">
+                <a:avLst/>
+              </a:prstGeom>
+              <a:grpFill/>
+              <a:ln>
+                <a:noFill/>
+              </a:ln>
+              <a:effectLst/>
+            </p:spPr>
+            <p:style>
+              <a:lnRef idx="1">
+                <a:schemeClr val="accent1"/>
+              </a:lnRef>
+              <a:fillRef idx="3">
+                <a:schemeClr val="accent1"/>
+              </a:fillRef>
+              <a:effectRef idx="2">
+                <a:schemeClr val="accent1"/>
+              </a:effectRef>
+              <a:fontRef idx="minor">
+                <a:schemeClr val="lt1"/>
+              </a:fontRef>
+            </p:style>
+            <p:txBody>
+              <a:bodyPr rtlCol="0" anchor="ctr"/>
+              <a:lstStyle/>
+              <a:p>
+                <a:pPr algn="ctr"/>
+                <a:endParaRPr lang="en-GB"/>
+              </a:p>
+            </p:txBody>
+          </p:sp>
+          <p:sp>
+            <p:nvSpPr>
+              <p:cNvPr id="48" name="Explosion 1 47"/>
+              <p:cNvSpPr/>
+              <p:nvPr/>
+            </p:nvSpPr>
+            <p:spPr>
+              <a:xfrm>
+                <a:off x="2239766" y="2511584"/>
+                <a:ext cx="135861" cy="135866"/>
+              </a:xfrm>
+              <a:prstGeom prst="irregularSeal1">
+                <a:avLst/>
+              </a:prstGeom>
+              <a:grpFill/>
+              <a:ln>
+                <a:noFill/>
+              </a:ln>
+              <a:effectLst/>
+            </p:spPr>
+            <p:style>
+              <a:lnRef idx="1">
+                <a:schemeClr val="accent1"/>
+              </a:lnRef>
+              <a:fillRef idx="3">
+                <a:schemeClr val="accent1"/>
+              </a:fillRef>
+              <a:effectRef idx="2">
+                <a:schemeClr val="accent1"/>
+              </a:effectRef>
+              <a:fontRef idx="minor">
+                <a:schemeClr val="lt1"/>
+              </a:fontRef>
+            </p:style>
+            <p:txBody>
+              <a:bodyPr rtlCol="0" anchor="ctr"/>
+              <a:lstStyle/>
+              <a:p>
+                <a:pPr algn="ctr"/>
+                <a:endParaRPr lang="en-GB"/>
+              </a:p>
+            </p:txBody>
+          </p:sp>
+          <p:sp>
+            <p:nvSpPr>
+              <p:cNvPr id="49" name="Explosion 1 48"/>
+              <p:cNvSpPr/>
+              <p:nvPr/>
+            </p:nvSpPr>
+            <p:spPr>
+              <a:xfrm>
+                <a:off x="2239766" y="2856101"/>
+                <a:ext cx="135861" cy="135866"/>
+              </a:xfrm>
+              <a:prstGeom prst="irregularSeal1">
+                <a:avLst/>
+              </a:prstGeom>
+              <a:grpFill/>
+              <a:ln>
+                <a:noFill/>
+              </a:ln>
+              <a:effectLst/>
+            </p:spPr>
+            <p:style>
+              <a:lnRef idx="1">
+                <a:schemeClr val="accent1"/>
+              </a:lnRef>
+              <a:fillRef idx="3">
+                <a:schemeClr val="accent1"/>
+              </a:fillRef>
+              <a:effectRef idx="2">
+                <a:schemeClr val="accent1"/>
+              </a:effectRef>
+              <a:fontRef idx="minor">
+                <a:schemeClr val="lt1"/>
+              </a:fontRef>
+            </p:style>
+            <p:txBody>
+              <a:bodyPr rtlCol="0" anchor="ctr"/>
+              <a:lstStyle/>
+              <a:p>
+                <a:pPr algn="ctr"/>
+                <a:endParaRPr lang="en-GB"/>
+              </a:p>
+            </p:txBody>
+          </p:sp>
+          <p:sp>
+            <p:nvSpPr>
+              <p:cNvPr id="50" name="Explosion 1 49"/>
+              <p:cNvSpPr/>
+              <p:nvPr/>
+            </p:nvSpPr>
+            <p:spPr>
+              <a:xfrm>
+                <a:off x="2239766" y="3659974"/>
+                <a:ext cx="135861" cy="135866"/>
+              </a:xfrm>
+              <a:prstGeom prst="irregularSeal1">
+                <a:avLst/>
+              </a:prstGeom>
+              <a:grpFill/>
+              <a:ln>
+                <a:noFill/>
+              </a:ln>
+              <a:effectLst/>
+            </p:spPr>
+            <p:style>
+              <a:lnRef idx="1">
+                <a:schemeClr val="accent1"/>
+              </a:lnRef>
+              <a:fillRef idx="3">
+                <a:schemeClr val="accent1"/>
+              </a:fillRef>
+              <a:effectRef idx="2">
+                <a:schemeClr val="accent1"/>
+              </a:effectRef>
+              <a:fontRef idx="minor">
+                <a:schemeClr val="lt1"/>
+              </a:fontRef>
+            </p:style>
+            <p:txBody>
+              <a:bodyPr rtlCol="0" anchor="ctr"/>
+              <a:lstStyle/>
+              <a:p>
+                <a:pPr algn="ctr"/>
+                <a:endParaRPr lang="en-GB"/>
+              </a:p>
+            </p:txBody>
+          </p:sp>
+          <p:sp>
+            <p:nvSpPr>
+              <p:cNvPr id="51" name="Explosion 1 50"/>
+              <p:cNvSpPr/>
+              <p:nvPr/>
+            </p:nvSpPr>
+            <p:spPr>
+              <a:xfrm>
+                <a:off x="2239766" y="2741262"/>
+                <a:ext cx="135861" cy="135866"/>
+              </a:xfrm>
+              <a:prstGeom prst="irregularSeal1">
+                <a:avLst/>
+              </a:prstGeom>
+              <a:grpFill/>
+              <a:ln>
+                <a:noFill/>
+              </a:ln>
+              <a:effectLst/>
+            </p:spPr>
+            <p:style>
+              <a:lnRef idx="1">
+                <a:schemeClr val="accent1"/>
+              </a:lnRef>
+              <a:fillRef idx="3">
+                <a:schemeClr val="accent1"/>
+              </a:fillRef>
+              <a:effectRef idx="2">
+                <a:schemeClr val="accent1"/>
+              </a:effectRef>
+              <a:fontRef idx="minor">
+                <a:schemeClr val="lt1"/>
+              </a:fontRef>
+            </p:style>
+            <p:txBody>
+              <a:bodyPr rtlCol="0" anchor="ctr"/>
+              <a:lstStyle/>
+              <a:p>
+                <a:pPr algn="ctr"/>
+                <a:endParaRPr lang="en-GB"/>
+              </a:p>
+            </p:txBody>
+          </p:sp>
+          <p:sp>
+            <p:nvSpPr>
+              <p:cNvPr id="52" name="Explosion 1 51"/>
+              <p:cNvSpPr/>
+              <p:nvPr/>
+            </p:nvSpPr>
+            <p:spPr>
+              <a:xfrm>
+                <a:off x="2239766" y="3200618"/>
+                <a:ext cx="135861" cy="135866"/>
+              </a:xfrm>
+              <a:prstGeom prst="irregularSeal1">
+                <a:avLst/>
+              </a:prstGeom>
+              <a:grpFill/>
+              <a:ln>
+                <a:noFill/>
+              </a:ln>
+              <a:effectLst/>
+            </p:spPr>
+            <p:style>
+              <a:lnRef idx="1">
+                <a:schemeClr val="accent1"/>
+              </a:lnRef>
+              <a:fillRef idx="3">
+                <a:schemeClr val="accent1"/>
+              </a:fillRef>
+              <a:effectRef idx="2">
+                <a:schemeClr val="accent1"/>
+              </a:effectRef>
+              <a:fontRef idx="minor">
+                <a:schemeClr val="lt1"/>
+              </a:fontRef>
+            </p:style>
+            <p:txBody>
+              <a:bodyPr rtlCol="0" anchor="ctr"/>
+              <a:lstStyle/>
+              <a:p>
+                <a:pPr algn="ctr"/>
+                <a:endParaRPr lang="en-GB"/>
+              </a:p>
+            </p:txBody>
+          </p:sp>
+          <p:sp>
+            <p:nvSpPr>
+              <p:cNvPr id="53" name="Explosion 1 52"/>
+              <p:cNvSpPr/>
+              <p:nvPr/>
+            </p:nvSpPr>
+            <p:spPr>
+              <a:xfrm>
+                <a:off x="2239766" y="4004491"/>
+                <a:ext cx="135861" cy="135866"/>
+              </a:xfrm>
+              <a:prstGeom prst="irregularSeal1">
+                <a:avLst/>
+              </a:prstGeom>
+              <a:grpFill/>
+              <a:ln>
+                <a:noFill/>
+              </a:ln>
+              <a:effectLst/>
+            </p:spPr>
+            <p:style>
+              <a:lnRef idx="1">
+                <a:schemeClr val="accent1"/>
+              </a:lnRef>
+              <a:fillRef idx="3">
+                <a:schemeClr val="accent1"/>
+              </a:fillRef>
+              <a:effectRef idx="2">
+                <a:schemeClr val="accent1"/>
+              </a:effectRef>
+              <a:fontRef idx="minor">
+                <a:schemeClr val="lt1"/>
+              </a:fontRef>
+            </p:style>
+            <p:txBody>
+              <a:bodyPr rtlCol="0" anchor="ctr"/>
+              <a:lstStyle/>
+              <a:p>
+                <a:pPr algn="ctr"/>
+                <a:endParaRPr lang="en-GB"/>
+              </a:p>
+            </p:txBody>
+          </p:sp>
+          <p:sp>
+            <p:nvSpPr>
+              <p:cNvPr id="54" name="Explosion 1 53"/>
+              <p:cNvSpPr/>
+              <p:nvPr/>
+            </p:nvSpPr>
+            <p:spPr>
+              <a:xfrm>
+                <a:off x="2239766" y="3085779"/>
+                <a:ext cx="135861" cy="135866"/>
+              </a:xfrm>
+              <a:prstGeom prst="irregularSeal1">
+                <a:avLst/>
+              </a:prstGeom>
+              <a:grpFill/>
+              <a:ln>
+                <a:noFill/>
+              </a:ln>
+              <a:effectLst/>
+            </p:spPr>
+            <p:style>
+              <a:lnRef idx="1">
+                <a:schemeClr val="accent1"/>
+              </a:lnRef>
+              <a:fillRef idx="3">
+                <a:schemeClr val="accent1"/>
+              </a:fillRef>
+              <a:effectRef idx="2">
+                <a:schemeClr val="accent1"/>
+              </a:effectRef>
+              <a:fontRef idx="minor">
+                <a:schemeClr val="lt1"/>
+              </a:fontRef>
+            </p:style>
+            <p:txBody>
+              <a:bodyPr rtlCol="0" anchor="ctr"/>
+              <a:lstStyle/>
+              <a:p>
+                <a:pPr algn="ctr"/>
+                <a:endParaRPr lang="en-GB"/>
+              </a:p>
+            </p:txBody>
+          </p:sp>
+          <p:sp>
+            <p:nvSpPr>
+              <p:cNvPr id="55" name="Explosion 1 54"/>
+              <p:cNvSpPr/>
+              <p:nvPr/>
+            </p:nvSpPr>
+            <p:spPr>
+              <a:xfrm>
+                <a:off x="2239766" y="3545135"/>
+                <a:ext cx="135861" cy="135866"/>
+              </a:xfrm>
+              <a:prstGeom prst="irregularSeal1">
+                <a:avLst/>
+              </a:prstGeom>
+              <a:grpFill/>
+              <a:ln>
+                <a:noFill/>
+              </a:ln>
+              <a:effectLst/>
+            </p:spPr>
+            <p:style>
+              <a:lnRef idx="1">
+                <a:schemeClr val="accent1"/>
+              </a:lnRef>
+              <a:fillRef idx="3">
+                <a:schemeClr val="accent1"/>
+              </a:fillRef>
+              <a:effectRef idx="2">
+                <a:schemeClr val="accent1"/>
+              </a:effectRef>
+              <a:fontRef idx="minor">
+                <a:schemeClr val="lt1"/>
+              </a:fontRef>
+            </p:style>
+            <p:txBody>
+              <a:bodyPr rtlCol="0" anchor="ctr"/>
+              <a:lstStyle/>
+              <a:p>
+                <a:pPr algn="ctr"/>
+                <a:endParaRPr lang="en-GB"/>
+              </a:p>
+            </p:txBody>
+          </p:sp>
+          <p:sp>
+            <p:nvSpPr>
+              <p:cNvPr id="56" name="Explosion 1 55"/>
+              <p:cNvSpPr/>
+              <p:nvPr/>
+            </p:nvSpPr>
+            <p:spPr>
+              <a:xfrm>
+                <a:off x="2239766" y="4234169"/>
+                <a:ext cx="135861" cy="135866"/>
+              </a:xfrm>
+              <a:prstGeom prst="irregularSeal1">
+                <a:avLst/>
+              </a:prstGeom>
+              <a:grpFill/>
+              <a:ln>
+                <a:noFill/>
+              </a:ln>
+              <a:effectLst/>
+            </p:spPr>
+            <p:style>
+              <a:lnRef idx="1">
+                <a:schemeClr val="accent1"/>
+              </a:lnRef>
+              <a:fillRef idx="3">
+                <a:schemeClr val="accent1"/>
+              </a:fillRef>
+              <a:effectRef idx="2">
+                <a:schemeClr val="accent1"/>
+              </a:effectRef>
+              <a:fontRef idx="minor">
+                <a:schemeClr val="lt1"/>
+              </a:fontRef>
+            </p:style>
+            <p:txBody>
+              <a:bodyPr rtlCol="0" anchor="ctr"/>
+              <a:lstStyle/>
+              <a:p>
+                <a:pPr algn="ctr"/>
+                <a:endParaRPr lang="en-GB"/>
+              </a:p>
+            </p:txBody>
+          </p:sp>
+          <p:sp>
+            <p:nvSpPr>
+              <p:cNvPr id="57" name="Explosion 1 56"/>
+              <p:cNvSpPr/>
+              <p:nvPr/>
+            </p:nvSpPr>
+            <p:spPr>
+              <a:xfrm>
+                <a:off x="2239766" y="3430296"/>
+                <a:ext cx="135861" cy="135866"/>
+              </a:xfrm>
+              <a:prstGeom prst="irregularSeal1">
+                <a:avLst/>
+              </a:prstGeom>
+              <a:grpFill/>
+              <a:ln>
+                <a:noFill/>
+              </a:ln>
+              <a:effectLst/>
+            </p:spPr>
+            <p:style>
+              <a:lnRef idx="1">
+                <a:schemeClr val="accent1"/>
+              </a:lnRef>
+              <a:fillRef idx="3">
+                <a:schemeClr val="accent1"/>
+              </a:fillRef>
+              <a:effectRef idx="2">
+                <a:schemeClr val="accent1"/>
+              </a:effectRef>
+              <a:fontRef idx="minor">
+                <a:schemeClr val="lt1"/>
+              </a:fontRef>
+            </p:style>
+            <p:txBody>
+              <a:bodyPr rtlCol="0" anchor="ctr"/>
+              <a:lstStyle/>
+              <a:p>
+                <a:pPr algn="ctr"/>
+                <a:endParaRPr lang="en-GB"/>
+              </a:p>
+            </p:txBody>
+          </p:sp>
+          <p:sp>
+            <p:nvSpPr>
+              <p:cNvPr id="58" name="Explosion 1 57"/>
+              <p:cNvSpPr/>
+              <p:nvPr/>
+            </p:nvSpPr>
+            <p:spPr>
+              <a:xfrm>
+                <a:off x="2239766" y="3889652"/>
+                <a:ext cx="135861" cy="135866"/>
+              </a:xfrm>
+              <a:prstGeom prst="irregularSeal1">
+                <a:avLst/>
+              </a:prstGeom>
+              <a:grpFill/>
+              <a:ln>
+                <a:noFill/>
+              </a:ln>
+              <a:effectLst/>
+            </p:spPr>
+            <p:style>
+              <a:lnRef idx="1">
+                <a:schemeClr val="accent1"/>
+              </a:lnRef>
+              <a:fillRef idx="3">
+                <a:schemeClr val="accent1"/>
+              </a:fillRef>
+              <a:effectRef idx="2">
+                <a:schemeClr val="accent1"/>
+              </a:effectRef>
+              <a:fontRef idx="minor">
+                <a:schemeClr val="lt1"/>
+              </a:fontRef>
+            </p:style>
+            <p:txBody>
+              <a:bodyPr rtlCol="0" anchor="ctr"/>
+              <a:lstStyle/>
+              <a:p>
+                <a:pPr algn="ctr"/>
+                <a:endParaRPr lang="en-GB"/>
+              </a:p>
+            </p:txBody>
+          </p:sp>
+          <p:sp>
+            <p:nvSpPr>
+              <p:cNvPr id="59" name="Explosion 1 58"/>
+              <p:cNvSpPr/>
+              <p:nvPr/>
+            </p:nvSpPr>
+            <p:spPr>
+              <a:xfrm>
+                <a:off x="2239766" y="4349008"/>
+                <a:ext cx="135861" cy="135866"/>
+              </a:xfrm>
+              <a:prstGeom prst="irregularSeal1">
+                <a:avLst/>
+              </a:prstGeom>
+              <a:grpFill/>
+              <a:ln>
+                <a:noFill/>
+              </a:ln>
+              <a:effectLst/>
+            </p:spPr>
+            <p:style>
+              <a:lnRef idx="1">
+                <a:schemeClr val="accent1"/>
+              </a:lnRef>
+              <a:fillRef idx="3">
+                <a:schemeClr val="accent1"/>
+              </a:fillRef>
+              <a:effectRef idx="2">
+                <a:schemeClr val="accent1"/>
+              </a:effectRef>
+              <a:fontRef idx="minor">
+                <a:schemeClr val="lt1"/>
+              </a:fontRef>
+            </p:style>
+            <p:txBody>
+              <a:bodyPr rtlCol="0" anchor="ctr"/>
+              <a:lstStyle/>
+              <a:p>
+                <a:pPr algn="ctr"/>
+                <a:endParaRPr lang="en-GB"/>
+              </a:p>
+            </p:txBody>
+          </p:sp>
+          <p:sp>
+            <p:nvSpPr>
+              <p:cNvPr id="60" name="Explosion 1 59"/>
+              <p:cNvSpPr/>
+              <p:nvPr/>
+            </p:nvSpPr>
+            <p:spPr>
+              <a:xfrm>
+                <a:off x="2239766" y="3774813"/>
+                <a:ext cx="135861" cy="135866"/>
+              </a:xfrm>
+              <a:prstGeom prst="irregularSeal1">
+                <a:avLst/>
+              </a:prstGeom>
+              <a:grpFill/>
+              <a:ln>
+                <a:noFill/>
+              </a:ln>
+              <a:effectLst/>
+            </p:spPr>
+            <p:style>
+              <a:lnRef idx="1">
+                <a:schemeClr val="accent1"/>
+              </a:lnRef>
+              <a:fillRef idx="3">
+                <a:schemeClr val="accent1"/>
+              </a:fillRef>
+              <a:effectRef idx="2">
+                <a:schemeClr val="accent1"/>
+              </a:effectRef>
+              <a:fontRef idx="minor">
+                <a:schemeClr val="lt1"/>
+              </a:fontRef>
+            </p:style>
+            <p:txBody>
+              <a:bodyPr rtlCol="0" anchor="ctr"/>
+              <a:lstStyle/>
+              <a:p>
+                <a:pPr algn="ctr"/>
+                <a:endParaRPr lang="en-GB"/>
+              </a:p>
+            </p:txBody>
+          </p:sp>
+          <p:sp>
+            <p:nvSpPr>
+              <p:cNvPr id="61" name="Explosion 1 60"/>
+              <p:cNvSpPr/>
+              <p:nvPr/>
+            </p:nvSpPr>
+            <p:spPr>
+              <a:xfrm>
+                <a:off x="2239766" y="4119330"/>
+                <a:ext cx="135861" cy="135866"/>
+              </a:xfrm>
+              <a:prstGeom prst="irregularSeal1">
+                <a:avLst/>
+              </a:prstGeom>
+              <a:grpFill/>
+              <a:ln>
+                <a:noFill/>
+              </a:ln>
+              <a:effectLst/>
+            </p:spPr>
+            <p:style>
+              <a:lnRef idx="1">
+                <a:schemeClr val="accent1"/>
+              </a:lnRef>
+              <a:fillRef idx="3">
+                <a:schemeClr val="accent1"/>
+              </a:fillRef>
+              <a:effectRef idx="2">
+                <a:schemeClr val="accent1"/>
+              </a:effectRef>
+              <a:fontRef idx="minor">
+                <a:schemeClr val="lt1"/>
+              </a:fontRef>
+            </p:style>
+            <p:txBody>
+              <a:bodyPr rtlCol="0" anchor="ctr"/>
+              <a:lstStyle/>
+              <a:p>
+                <a:pPr algn="ctr"/>
+                <a:endParaRPr lang="en-GB"/>
+              </a:p>
+            </p:txBody>
+          </p:sp>
+          <p:sp>
+            <p:nvSpPr>
+              <p:cNvPr id="62" name="Explosion 1 61"/>
+              <p:cNvSpPr/>
+              <p:nvPr/>
+            </p:nvSpPr>
+            <p:spPr>
+              <a:xfrm>
+                <a:off x="2239766" y="4463850"/>
+                <a:ext cx="135861" cy="135866"/>
+              </a:xfrm>
+              <a:prstGeom prst="irregularSeal1">
+                <a:avLst/>
+              </a:prstGeom>
+              <a:grpFill/>
+              <a:ln>
+                <a:noFill/>
+              </a:ln>
+              <a:effectLst/>
+            </p:spPr>
+            <p:style>
+              <a:lnRef idx="1">
+                <a:schemeClr val="accent1"/>
+              </a:lnRef>
+              <a:fillRef idx="3">
+                <a:schemeClr val="accent1"/>
+              </a:fillRef>
+              <a:effectRef idx="2">
+                <a:schemeClr val="accent1"/>
+              </a:effectRef>
+              <a:fontRef idx="minor">
+                <a:schemeClr val="lt1"/>
+              </a:fontRef>
+            </p:style>
+            <p:txBody>
+              <a:bodyPr rtlCol="0" anchor="ctr"/>
+              <a:lstStyle/>
+              <a:p>
+                <a:pPr algn="ctr"/>
+                <a:endParaRPr lang="en-GB"/>
+              </a:p>
+            </p:txBody>
+          </p:sp>
+        </p:grpSp>
+        <p:grpSp>
+          <p:nvGrpSpPr>
+            <p:cNvPr id="65" name="Group 64"/>
+            <p:cNvGrpSpPr/>
+            <p:nvPr/>
+          </p:nvGrpSpPr>
+          <p:grpSpPr>
+            <a:xfrm>
+              <a:off x="2736021" y="2286419"/>
+              <a:ext cx="135861" cy="2432649"/>
+              <a:chOff x="2239766" y="2167067"/>
+              <a:chExt cx="135861" cy="2432649"/>
+            </a:xfrm>
+            <a:solidFill>
+              <a:schemeClr val="tx1">
+                <a:lumMod val="75000"/>
+                <a:lumOff val="25000"/>
+              </a:schemeClr>
+            </a:solidFill>
+          </p:grpSpPr>
+          <p:sp>
+            <p:nvSpPr>
+              <p:cNvPr id="66" name="Explosion 1 65"/>
+              <p:cNvSpPr/>
+              <p:nvPr/>
+            </p:nvSpPr>
+            <p:spPr>
+              <a:xfrm>
+                <a:off x="2239766" y="2167067"/>
+                <a:ext cx="135861" cy="135866"/>
+              </a:xfrm>
+              <a:prstGeom prst="irregularSeal1">
+                <a:avLst/>
+              </a:prstGeom>
+              <a:grpFill/>
+              <a:ln>
+                <a:noFill/>
+              </a:ln>
+              <a:effectLst/>
+            </p:spPr>
+            <p:style>
+              <a:lnRef idx="1">
+                <a:schemeClr val="accent1"/>
+              </a:lnRef>
+              <a:fillRef idx="3">
+                <a:schemeClr val="accent1"/>
+              </a:fillRef>
+              <a:effectRef idx="2">
+                <a:schemeClr val="accent1"/>
+              </a:effectRef>
+              <a:fontRef idx="minor">
+                <a:schemeClr val="lt1"/>
+              </a:fontRef>
+            </p:style>
+            <p:txBody>
+              <a:bodyPr rtlCol="0" anchor="ctr"/>
+              <a:lstStyle/>
+              <a:p>
+                <a:pPr algn="ctr"/>
+                <a:endParaRPr lang="en-GB"/>
+              </a:p>
+            </p:txBody>
+          </p:sp>
+          <p:sp>
+            <p:nvSpPr>
+              <p:cNvPr id="67" name="Explosion 1 66"/>
+              <p:cNvSpPr/>
+              <p:nvPr/>
+            </p:nvSpPr>
+            <p:spPr>
+              <a:xfrm>
+                <a:off x="2239766" y="2396745"/>
+                <a:ext cx="135861" cy="135866"/>
+              </a:xfrm>
+              <a:prstGeom prst="irregularSeal1">
+                <a:avLst/>
+              </a:prstGeom>
+              <a:grpFill/>
+              <a:ln>
+                <a:noFill/>
+              </a:ln>
+              <a:effectLst/>
+            </p:spPr>
+            <p:style>
+              <a:lnRef idx="1">
+                <a:schemeClr val="accent1"/>
+              </a:lnRef>
+              <a:fillRef idx="3">
+                <a:schemeClr val="accent1"/>
+              </a:fillRef>
+              <a:effectRef idx="2">
+                <a:schemeClr val="accent1"/>
+              </a:effectRef>
+              <a:fontRef idx="minor">
+                <a:schemeClr val="lt1"/>
+              </a:fontRef>
+            </p:style>
+            <p:txBody>
+              <a:bodyPr rtlCol="0" anchor="ctr"/>
+              <a:lstStyle/>
+              <a:p>
+                <a:pPr algn="ctr"/>
+                <a:endParaRPr lang="en-GB"/>
+              </a:p>
+            </p:txBody>
+          </p:sp>
+          <p:sp>
+            <p:nvSpPr>
+              <p:cNvPr id="68" name="Explosion 1 67"/>
+              <p:cNvSpPr/>
+              <p:nvPr/>
+            </p:nvSpPr>
+            <p:spPr>
+              <a:xfrm>
+                <a:off x="2239766" y="2970940"/>
+                <a:ext cx="135861" cy="135866"/>
+              </a:xfrm>
+              <a:prstGeom prst="irregularSeal1">
+                <a:avLst/>
+              </a:prstGeom>
+              <a:grpFill/>
+              <a:ln>
+                <a:noFill/>
+              </a:ln>
+              <a:effectLst/>
+            </p:spPr>
+            <p:style>
+              <a:lnRef idx="1">
+                <a:schemeClr val="accent1"/>
+              </a:lnRef>
+              <a:fillRef idx="3">
+                <a:schemeClr val="accent1"/>
+              </a:fillRef>
+              <a:effectRef idx="2">
+                <a:schemeClr val="accent1"/>
+              </a:effectRef>
+              <a:fontRef idx="minor">
+                <a:schemeClr val="lt1"/>
+              </a:fontRef>
+            </p:style>
+            <p:txBody>
+              <a:bodyPr rtlCol="0" anchor="ctr"/>
+              <a:lstStyle/>
+              <a:p>
+                <a:pPr algn="ctr"/>
+                <a:endParaRPr lang="en-GB"/>
+              </a:p>
+            </p:txBody>
+          </p:sp>
+          <p:sp>
+            <p:nvSpPr>
+              <p:cNvPr id="69" name="Explosion 1 68"/>
+              <p:cNvSpPr/>
+              <p:nvPr/>
+            </p:nvSpPr>
+            <p:spPr>
+              <a:xfrm>
+                <a:off x="2239766" y="2281906"/>
+                <a:ext cx="135861" cy="135866"/>
+              </a:xfrm>
+              <a:prstGeom prst="irregularSeal1">
+                <a:avLst/>
+              </a:prstGeom>
+              <a:grpFill/>
+              <a:ln>
+                <a:noFill/>
+              </a:ln>
+              <a:effectLst/>
+            </p:spPr>
+            <p:style>
+              <a:lnRef idx="1">
+                <a:schemeClr val="accent1"/>
+              </a:lnRef>
+              <a:fillRef idx="3">
+                <a:schemeClr val="accent1"/>
+              </a:fillRef>
+              <a:effectRef idx="2">
+                <a:schemeClr val="accent1"/>
+              </a:effectRef>
+              <a:fontRef idx="minor">
+                <a:schemeClr val="lt1"/>
+              </a:fontRef>
+            </p:style>
+            <p:txBody>
+              <a:bodyPr rtlCol="0" anchor="ctr"/>
+              <a:lstStyle/>
+              <a:p>
+                <a:pPr algn="ctr"/>
+                <a:endParaRPr lang="en-GB"/>
+              </a:p>
+            </p:txBody>
+          </p:sp>
+          <p:sp>
+            <p:nvSpPr>
+              <p:cNvPr id="70" name="Explosion 1 69"/>
+              <p:cNvSpPr/>
+              <p:nvPr/>
+            </p:nvSpPr>
+            <p:spPr>
+              <a:xfrm>
+                <a:off x="2239766" y="2626423"/>
+                <a:ext cx="135861" cy="135866"/>
+              </a:xfrm>
+              <a:prstGeom prst="irregularSeal1">
+                <a:avLst/>
+              </a:prstGeom>
+              <a:grpFill/>
+              <a:ln>
+                <a:noFill/>
+              </a:ln>
+              <a:effectLst/>
+            </p:spPr>
+            <p:style>
+              <a:lnRef idx="1">
+                <a:schemeClr val="accent1"/>
+              </a:lnRef>
+              <a:fillRef idx="3">
+                <a:schemeClr val="accent1"/>
+              </a:fillRef>
+              <a:effectRef idx="2">
+                <a:schemeClr val="accent1"/>
+              </a:effectRef>
+              <a:fontRef idx="minor">
+                <a:schemeClr val="lt1"/>
+              </a:fontRef>
+            </p:style>
+            <p:txBody>
+              <a:bodyPr rtlCol="0" anchor="ctr"/>
+              <a:lstStyle/>
+              <a:p>
+                <a:pPr algn="ctr"/>
+                <a:endParaRPr lang="en-GB"/>
+              </a:p>
+            </p:txBody>
+          </p:sp>
+          <p:sp>
+            <p:nvSpPr>
+              <p:cNvPr id="71" name="Explosion 1 70"/>
+              <p:cNvSpPr/>
+              <p:nvPr/>
+            </p:nvSpPr>
+            <p:spPr>
+              <a:xfrm>
+                <a:off x="2239766" y="3315457"/>
+                <a:ext cx="135861" cy="135866"/>
+              </a:xfrm>
+              <a:prstGeom prst="irregularSeal1">
+                <a:avLst/>
+              </a:prstGeom>
+              <a:grpFill/>
+              <a:ln>
+                <a:noFill/>
+              </a:ln>
+              <a:effectLst/>
+            </p:spPr>
+            <p:style>
+              <a:lnRef idx="1">
+                <a:schemeClr val="accent1"/>
+              </a:lnRef>
+              <a:fillRef idx="3">
+                <a:schemeClr val="accent1"/>
+              </a:fillRef>
+              <a:effectRef idx="2">
+                <a:schemeClr val="accent1"/>
+              </a:effectRef>
+              <a:fontRef idx="minor">
+                <a:schemeClr val="lt1"/>
+              </a:fontRef>
+            </p:style>
+            <p:txBody>
+              <a:bodyPr rtlCol="0" anchor="ctr"/>
+              <a:lstStyle/>
+              <a:p>
+                <a:pPr algn="ctr"/>
+                <a:endParaRPr lang="en-GB"/>
+              </a:p>
+            </p:txBody>
+          </p:sp>
+          <p:sp>
+            <p:nvSpPr>
+              <p:cNvPr id="72" name="Explosion 1 71"/>
+              <p:cNvSpPr/>
+              <p:nvPr/>
+            </p:nvSpPr>
+            <p:spPr>
+              <a:xfrm>
+                <a:off x="2239766" y="2511584"/>
+                <a:ext cx="135861" cy="135866"/>
+              </a:xfrm>
+              <a:prstGeom prst="irregularSeal1">
+                <a:avLst/>
+              </a:prstGeom>
+              <a:grpFill/>
+              <a:ln>
+                <a:noFill/>
+              </a:ln>
+              <a:effectLst/>
+            </p:spPr>
+            <p:style>
+              <a:lnRef idx="1">
+                <a:schemeClr val="accent1"/>
+              </a:lnRef>
+              <a:fillRef idx="3">
+                <a:schemeClr val="accent1"/>
+              </a:fillRef>
+              <a:effectRef idx="2">
+                <a:schemeClr val="accent1"/>
+              </a:effectRef>
+              <a:fontRef idx="minor">
+                <a:schemeClr val="lt1"/>
+              </a:fontRef>
+            </p:style>
+            <p:txBody>
+              <a:bodyPr rtlCol="0" anchor="ctr"/>
+              <a:lstStyle/>
+              <a:p>
+                <a:pPr algn="ctr"/>
+                <a:endParaRPr lang="en-GB"/>
+              </a:p>
+            </p:txBody>
+          </p:sp>
+          <p:sp>
+            <p:nvSpPr>
+              <p:cNvPr id="73" name="Explosion 1 72"/>
+              <p:cNvSpPr/>
+              <p:nvPr/>
+            </p:nvSpPr>
+            <p:spPr>
+              <a:xfrm>
+                <a:off x="2239766" y="2856101"/>
+                <a:ext cx="135861" cy="135866"/>
+              </a:xfrm>
+              <a:prstGeom prst="irregularSeal1">
+                <a:avLst/>
+              </a:prstGeom>
+              <a:grpFill/>
+              <a:ln>
+                <a:noFill/>
+              </a:ln>
+              <a:effectLst/>
+            </p:spPr>
+            <p:style>
+              <a:lnRef idx="1">
+                <a:schemeClr val="accent1"/>
+              </a:lnRef>
+              <a:fillRef idx="3">
+                <a:schemeClr val="accent1"/>
+              </a:fillRef>
+              <a:effectRef idx="2">
+                <a:schemeClr val="accent1"/>
+              </a:effectRef>
+              <a:fontRef idx="minor">
+                <a:schemeClr val="lt1"/>
+              </a:fontRef>
+            </p:style>
+            <p:txBody>
+              <a:bodyPr rtlCol="0" anchor="ctr"/>
+              <a:lstStyle/>
+              <a:p>
+                <a:pPr algn="ctr"/>
+                <a:endParaRPr lang="en-GB"/>
+              </a:p>
+            </p:txBody>
+          </p:sp>
+          <p:sp>
+            <p:nvSpPr>
+              <p:cNvPr id="74" name="Explosion 1 73"/>
+              <p:cNvSpPr/>
+              <p:nvPr/>
+            </p:nvSpPr>
+            <p:spPr>
+              <a:xfrm>
+                <a:off x="2239766" y="3659974"/>
+                <a:ext cx="135861" cy="135866"/>
+              </a:xfrm>
+              <a:prstGeom prst="irregularSeal1">
+                <a:avLst/>
+              </a:prstGeom>
+              <a:grpFill/>
+              <a:ln>
+                <a:noFill/>
+              </a:ln>
+              <a:effectLst/>
+            </p:spPr>
+            <p:style>
+              <a:lnRef idx="1">
+                <a:schemeClr val="accent1"/>
+              </a:lnRef>
+              <a:fillRef idx="3">
+                <a:schemeClr val="accent1"/>
+              </a:fillRef>
+              <a:effectRef idx="2">
+                <a:schemeClr val="accent1"/>
+              </a:effectRef>
+              <a:fontRef idx="minor">
+                <a:schemeClr val="lt1"/>
+              </a:fontRef>
+            </p:style>
+            <p:txBody>
+              <a:bodyPr rtlCol="0" anchor="ctr"/>
+              <a:lstStyle/>
+              <a:p>
+                <a:pPr algn="ctr"/>
+                <a:endParaRPr lang="en-GB"/>
+              </a:p>
+            </p:txBody>
+          </p:sp>
+          <p:sp>
+            <p:nvSpPr>
+              <p:cNvPr id="75" name="Explosion 1 74"/>
+              <p:cNvSpPr/>
+              <p:nvPr/>
+            </p:nvSpPr>
+            <p:spPr>
+              <a:xfrm>
+                <a:off x="2239766" y="2741262"/>
+                <a:ext cx="135861" cy="135866"/>
+              </a:xfrm>
+              <a:prstGeom prst="irregularSeal1">
+                <a:avLst/>
+              </a:prstGeom>
+              <a:grpFill/>
+              <a:ln>
+                <a:noFill/>
+              </a:ln>
+              <a:effectLst/>
+            </p:spPr>
+            <p:style>
+              <a:lnRef idx="1">
+                <a:schemeClr val="accent1"/>
+              </a:lnRef>
+              <a:fillRef idx="3">
+                <a:schemeClr val="accent1"/>
+              </a:fillRef>
+              <a:effectRef idx="2">
+                <a:schemeClr val="accent1"/>
+              </a:effectRef>
+              <a:fontRef idx="minor">
+                <a:schemeClr val="lt1"/>
+              </a:fontRef>
+            </p:style>
+            <p:txBody>
+              <a:bodyPr rtlCol="0" anchor="ctr"/>
+              <a:lstStyle/>
+              <a:p>
+                <a:pPr algn="ctr"/>
+                <a:endParaRPr lang="en-GB"/>
+              </a:p>
+            </p:txBody>
+          </p:sp>
+          <p:sp>
+            <p:nvSpPr>
+              <p:cNvPr id="76" name="Explosion 1 75"/>
+              <p:cNvSpPr/>
+              <p:nvPr/>
+            </p:nvSpPr>
+            <p:spPr>
+              <a:xfrm>
+                <a:off x="2239766" y="3200618"/>
+                <a:ext cx="135861" cy="135866"/>
+              </a:xfrm>
+              <a:prstGeom prst="irregularSeal1">
+                <a:avLst/>
+              </a:prstGeom>
+              <a:grpFill/>
+              <a:ln>
+                <a:noFill/>
+              </a:ln>
+              <a:effectLst/>
+            </p:spPr>
+            <p:style>
+              <a:lnRef idx="1">
+                <a:schemeClr val="accent1"/>
+              </a:lnRef>
+              <a:fillRef idx="3">
+                <a:schemeClr val="accent1"/>
+              </a:fillRef>
+              <a:effectRef idx="2">
+                <a:schemeClr val="accent1"/>
+              </a:effectRef>
+              <a:fontRef idx="minor">
+                <a:schemeClr val="lt1"/>
+              </a:fontRef>
+            </p:style>
+            <p:txBody>
+              <a:bodyPr rtlCol="0" anchor="ctr"/>
+              <a:lstStyle/>
+              <a:p>
+                <a:pPr algn="ctr"/>
+                <a:endParaRPr lang="en-GB"/>
+              </a:p>
+            </p:txBody>
+          </p:sp>
+          <p:sp>
+            <p:nvSpPr>
+              <p:cNvPr id="77" name="Explosion 1 76"/>
+              <p:cNvSpPr/>
+              <p:nvPr/>
+            </p:nvSpPr>
+            <p:spPr>
+              <a:xfrm>
+                <a:off x="2239766" y="4004491"/>
+                <a:ext cx="135861" cy="135866"/>
+              </a:xfrm>
+              <a:prstGeom prst="irregularSeal1">
+                <a:avLst/>
+              </a:prstGeom>
+              <a:grpFill/>
+              <a:ln>
+                <a:noFill/>
+              </a:ln>
+              <a:effectLst/>
+            </p:spPr>
+            <p:style>
+              <a:lnRef idx="1">
+                <a:schemeClr val="accent1"/>
+              </a:lnRef>
+              <a:fillRef idx="3">
+                <a:schemeClr val="accent1"/>
+              </a:fillRef>
+              <a:effectRef idx="2">
+                <a:schemeClr val="accent1"/>
+              </a:effectRef>
+              <a:fontRef idx="minor">
+                <a:schemeClr val="lt1"/>
+              </a:fontRef>
+            </p:style>
+            <p:txBody>
+              <a:bodyPr rtlCol="0" anchor="ctr"/>
+              <a:lstStyle/>
+              <a:p>
+                <a:pPr algn="ctr"/>
+                <a:endParaRPr lang="en-GB"/>
+              </a:p>
+            </p:txBody>
+          </p:sp>
+          <p:sp>
+            <p:nvSpPr>
+              <p:cNvPr id="78" name="Explosion 1 77"/>
+              <p:cNvSpPr/>
+              <p:nvPr/>
+            </p:nvSpPr>
+            <p:spPr>
+              <a:xfrm>
+                <a:off x="2239766" y="3085779"/>
+                <a:ext cx="135861" cy="135866"/>
+              </a:xfrm>
+              <a:prstGeom prst="irregularSeal1">
+                <a:avLst/>
+              </a:prstGeom>
+              <a:grpFill/>
+              <a:ln>
+                <a:noFill/>
+              </a:ln>
+              <a:effectLst/>
+            </p:spPr>
+            <p:style>
+              <a:lnRef idx="1">
+                <a:schemeClr val="accent1"/>
+              </a:lnRef>
+              <a:fillRef idx="3">
+                <a:schemeClr val="accent1"/>
+              </a:fillRef>
+              <a:effectRef idx="2">
+                <a:schemeClr val="accent1"/>
+              </a:effectRef>
+              <a:fontRef idx="minor">
+                <a:schemeClr val="lt1"/>
+              </a:fontRef>
+            </p:style>
+            <p:txBody>
+              <a:bodyPr rtlCol="0" anchor="ctr"/>
+              <a:lstStyle/>
+              <a:p>
+                <a:pPr algn="ctr"/>
+                <a:endParaRPr lang="en-GB"/>
+              </a:p>
+            </p:txBody>
+          </p:sp>
+          <p:sp>
+            <p:nvSpPr>
+              <p:cNvPr id="79" name="Explosion 1 78"/>
+              <p:cNvSpPr/>
+              <p:nvPr/>
+            </p:nvSpPr>
+            <p:spPr>
+              <a:xfrm>
+                <a:off x="2239766" y="3545135"/>
+                <a:ext cx="135861" cy="135866"/>
+              </a:xfrm>
+              <a:prstGeom prst="irregularSeal1">
+                <a:avLst/>
+              </a:prstGeom>
+              <a:grpFill/>
+              <a:ln>
+                <a:noFill/>
+              </a:ln>
+              <a:effectLst/>
+            </p:spPr>
+            <p:style>
+              <a:lnRef idx="1">
+                <a:schemeClr val="accent1"/>
+              </a:lnRef>
+              <a:fillRef idx="3">
+                <a:schemeClr val="accent1"/>
+              </a:fillRef>
+              <a:effectRef idx="2">
+                <a:schemeClr val="accent1"/>
+              </a:effectRef>
+              <a:fontRef idx="minor">
+                <a:schemeClr val="lt1"/>
+              </a:fontRef>
+            </p:style>
+            <p:txBody>
+              <a:bodyPr rtlCol="0" anchor="ctr"/>
+              <a:lstStyle/>
+              <a:p>
+                <a:pPr algn="ctr"/>
+                <a:endParaRPr lang="en-GB"/>
+              </a:p>
+            </p:txBody>
+          </p:sp>
+          <p:sp>
+            <p:nvSpPr>
+              <p:cNvPr id="80" name="Explosion 1 79"/>
+              <p:cNvSpPr/>
+              <p:nvPr/>
+            </p:nvSpPr>
+            <p:spPr>
+              <a:xfrm>
+                <a:off x="2239766" y="4234169"/>
+                <a:ext cx="135861" cy="135866"/>
+              </a:xfrm>
+              <a:prstGeom prst="irregularSeal1">
+                <a:avLst/>
+              </a:prstGeom>
+              <a:grpFill/>
+              <a:ln>
+                <a:noFill/>
+              </a:ln>
+              <a:effectLst/>
+            </p:spPr>
+            <p:style>
+              <a:lnRef idx="1">
+                <a:schemeClr val="accent1"/>
+              </a:lnRef>
+              <a:fillRef idx="3">
+                <a:schemeClr val="accent1"/>
+              </a:fillRef>
+              <a:effectRef idx="2">
+                <a:schemeClr val="accent1"/>
+              </a:effectRef>
+              <a:fontRef idx="minor">
+                <a:schemeClr val="lt1"/>
+              </a:fontRef>
+            </p:style>
+            <p:txBody>
+              <a:bodyPr rtlCol="0" anchor="ctr"/>
+              <a:lstStyle/>
+              <a:p>
+                <a:pPr algn="ctr"/>
+                <a:endParaRPr lang="en-GB"/>
+              </a:p>
+            </p:txBody>
+          </p:sp>
+          <p:sp>
+            <p:nvSpPr>
+              <p:cNvPr id="81" name="Explosion 1 80"/>
+              <p:cNvSpPr/>
+              <p:nvPr/>
+            </p:nvSpPr>
+            <p:spPr>
+              <a:xfrm>
+                <a:off x="2239766" y="3430296"/>
+                <a:ext cx="135861" cy="135866"/>
+              </a:xfrm>
+              <a:prstGeom prst="irregularSeal1">
+                <a:avLst/>
+              </a:prstGeom>
+              <a:grpFill/>
+              <a:ln>
+                <a:noFill/>
+              </a:ln>
+              <a:effectLst/>
+            </p:spPr>
+            <p:style>
+              <a:lnRef idx="1">
+                <a:schemeClr val="accent1"/>
+              </a:lnRef>
+              <a:fillRef idx="3">
+                <a:schemeClr val="accent1"/>
+              </a:fillRef>
+              <a:effectRef idx="2">
+                <a:schemeClr val="accent1"/>
+              </a:effectRef>
+              <a:fontRef idx="minor">
+                <a:schemeClr val="lt1"/>
+              </a:fontRef>
+            </p:style>
+            <p:txBody>
+              <a:bodyPr rtlCol="0" anchor="ctr"/>
+              <a:lstStyle/>
+              <a:p>
+                <a:pPr algn="ctr"/>
+                <a:endParaRPr lang="en-GB"/>
+              </a:p>
+            </p:txBody>
+          </p:sp>
+          <p:sp>
+            <p:nvSpPr>
+              <p:cNvPr id="82" name="Explosion 1 81"/>
+              <p:cNvSpPr/>
+              <p:nvPr/>
+            </p:nvSpPr>
+            <p:spPr>
+              <a:xfrm>
+                <a:off x="2239766" y="3889652"/>
+                <a:ext cx="135861" cy="135866"/>
+              </a:xfrm>
+              <a:prstGeom prst="irregularSeal1">
+                <a:avLst/>
+              </a:prstGeom>
+              <a:grpFill/>
+              <a:ln>
+                <a:noFill/>
+              </a:ln>
+              <a:effectLst/>
+            </p:spPr>
+            <p:style>
+              <a:lnRef idx="1">
+                <a:schemeClr val="accent1"/>
+              </a:lnRef>
+              <a:fillRef idx="3">
+                <a:schemeClr val="accent1"/>
+              </a:fillRef>
+              <a:effectRef idx="2">
+                <a:schemeClr val="accent1"/>
+              </a:effectRef>
+              <a:fontRef idx="minor">
+                <a:schemeClr val="lt1"/>
+              </a:fontRef>
+            </p:style>
+            <p:txBody>
+              <a:bodyPr rtlCol="0" anchor="ctr"/>
+              <a:lstStyle/>
+              <a:p>
+                <a:pPr algn="ctr"/>
+                <a:endParaRPr lang="en-GB"/>
+              </a:p>
+            </p:txBody>
+          </p:sp>
+          <p:sp>
+            <p:nvSpPr>
+              <p:cNvPr id="83" name="Explosion 1 82"/>
+              <p:cNvSpPr/>
+              <p:nvPr/>
+            </p:nvSpPr>
+            <p:spPr>
+              <a:xfrm>
+                <a:off x="2239766" y="4349008"/>
+                <a:ext cx="135861" cy="135866"/>
+              </a:xfrm>
+              <a:prstGeom prst="irregularSeal1">
+                <a:avLst/>
+              </a:prstGeom>
+              <a:grpFill/>
+              <a:ln>
+                <a:noFill/>
+              </a:ln>
+              <a:effectLst/>
+            </p:spPr>
+            <p:style>
+              <a:lnRef idx="1">
+                <a:schemeClr val="accent1"/>
+              </a:lnRef>
+              <a:fillRef idx="3">
+                <a:schemeClr val="accent1"/>
+              </a:fillRef>
+              <a:effectRef idx="2">
+                <a:schemeClr val="accent1"/>
+              </a:effectRef>
+              <a:fontRef idx="minor">
+                <a:schemeClr val="lt1"/>
+              </a:fontRef>
+            </p:style>
+            <p:txBody>
+              <a:bodyPr rtlCol="0" anchor="ctr"/>
+              <a:lstStyle/>
+              <a:p>
+                <a:pPr algn="ctr"/>
+                <a:endParaRPr lang="en-GB"/>
+              </a:p>
+            </p:txBody>
+          </p:sp>
+          <p:sp>
+            <p:nvSpPr>
+              <p:cNvPr id="84" name="Explosion 1 83"/>
+              <p:cNvSpPr/>
+              <p:nvPr/>
+            </p:nvSpPr>
+            <p:spPr>
+              <a:xfrm>
+                <a:off x="2239766" y="3774813"/>
+                <a:ext cx="135861" cy="135866"/>
+              </a:xfrm>
+              <a:prstGeom prst="irregularSeal1">
+                <a:avLst/>
+              </a:prstGeom>
+              <a:grpFill/>
+              <a:ln>
+                <a:noFill/>
+              </a:ln>
+              <a:effectLst/>
+            </p:spPr>
+            <p:style>
+              <a:lnRef idx="1">
+                <a:schemeClr val="accent1"/>
+              </a:lnRef>
+              <a:fillRef idx="3">
+                <a:schemeClr val="accent1"/>
+              </a:fillRef>
+              <a:effectRef idx="2">
+                <a:schemeClr val="accent1"/>
+              </a:effectRef>
+              <a:fontRef idx="minor">
+                <a:schemeClr val="lt1"/>
+              </a:fontRef>
+            </p:style>
+            <p:txBody>
+              <a:bodyPr rtlCol="0" anchor="ctr"/>
+              <a:lstStyle/>
+              <a:p>
+                <a:pPr algn="ctr"/>
+                <a:endParaRPr lang="en-GB"/>
+              </a:p>
+            </p:txBody>
+          </p:sp>
+          <p:sp>
+            <p:nvSpPr>
+              <p:cNvPr id="85" name="Explosion 1 84"/>
+              <p:cNvSpPr/>
+              <p:nvPr/>
+            </p:nvSpPr>
+            <p:spPr>
+              <a:xfrm>
+                <a:off x="2239766" y="4119330"/>
+                <a:ext cx="135861" cy="135866"/>
+              </a:xfrm>
+              <a:prstGeom prst="irregularSeal1">
+                <a:avLst/>
+              </a:prstGeom>
+              <a:grpFill/>
+              <a:ln>
+                <a:noFill/>
+              </a:ln>
+              <a:effectLst/>
+            </p:spPr>
+            <p:style>
+              <a:lnRef idx="1">
+                <a:schemeClr val="accent1"/>
+              </a:lnRef>
+              <a:fillRef idx="3">
+                <a:schemeClr val="accent1"/>
+              </a:fillRef>
+              <a:effectRef idx="2">
+                <a:schemeClr val="accent1"/>
+              </a:effectRef>
+              <a:fontRef idx="minor">
+                <a:schemeClr val="lt1"/>
+              </a:fontRef>
+            </p:style>
+            <p:txBody>
+              <a:bodyPr rtlCol="0" anchor="ctr"/>
+              <a:lstStyle/>
+              <a:p>
+                <a:pPr algn="ctr"/>
+                <a:endParaRPr lang="en-GB"/>
+              </a:p>
+            </p:txBody>
+          </p:sp>
+          <p:sp>
+            <p:nvSpPr>
+              <p:cNvPr id="86" name="Explosion 1 85"/>
+              <p:cNvSpPr/>
+              <p:nvPr/>
+            </p:nvSpPr>
+            <p:spPr>
+              <a:xfrm>
+                <a:off x="2239766" y="4463850"/>
+                <a:ext cx="135861" cy="135866"/>
+              </a:xfrm>
+              <a:prstGeom prst="irregularSeal1">
+                <a:avLst/>
+              </a:prstGeom>
+              <a:grpFill/>
+              <a:ln>
+                <a:noFill/>
+              </a:ln>
+              <a:effectLst/>
+            </p:spPr>
+            <p:style>
+              <a:lnRef idx="1">
+                <a:schemeClr val="accent1"/>
+              </a:lnRef>
+              <a:fillRef idx="3">
+                <a:schemeClr val="accent1"/>
+              </a:fillRef>
+              <a:effectRef idx="2">
+                <a:schemeClr val="accent1"/>
+              </a:effectRef>
+              <a:fontRef idx="minor">
+                <a:schemeClr val="lt1"/>
+              </a:fontRef>
+            </p:style>
+            <p:txBody>
+              <a:bodyPr rtlCol="0" anchor="ctr"/>
+              <a:lstStyle/>
+              <a:p>
+                <a:pPr algn="ctr"/>
+                <a:endParaRPr lang="en-GB"/>
+              </a:p>
+            </p:txBody>
+          </p:sp>
+        </p:grpSp>
+        <p:sp>
+          <p:nvSpPr>
+            <p:cNvPr id="88" name="TextBox 87"/>
+            <p:cNvSpPr txBox="1"/>
+            <p:nvPr/>
+          </p:nvSpPr>
+          <p:spPr>
+            <a:xfrm>
+              <a:off x="2192700" y="2089053"/>
+              <a:ext cx="336550" cy="369332"/>
+            </a:xfrm>
+            <a:prstGeom prst="rect">
+              <a:avLst/>
+            </a:prstGeom>
+            <a:noFill/>
+          </p:spPr>
+          <p:txBody>
+            <a:bodyPr wrap="square" rtlCol="0">
+              <a:spAutoFit/>
+            </a:bodyPr>
+            <a:lstStyle/>
+            <a:p>
+              <a:r>
+                <a:rPr lang="en-GB" dirty="0" smtClean="0"/>
+                <a:t>…</a:t>
+              </a:r>
+              <a:endParaRPr lang="en-GB" dirty="0"/>
+            </a:p>
+          </p:txBody>
+        </p:sp>
+        <p:sp>
+          <p:nvSpPr>
+            <p:cNvPr id="89" name="TextBox 88"/>
+            <p:cNvSpPr txBox="1"/>
+            <p:nvPr/>
+          </p:nvSpPr>
+          <p:spPr>
+            <a:xfrm>
+              <a:off x="2192700" y="4382421"/>
+              <a:ext cx="336550" cy="369332"/>
+            </a:xfrm>
+            <a:prstGeom prst="rect">
+              <a:avLst/>
+            </a:prstGeom>
+            <a:noFill/>
+          </p:spPr>
+          <p:txBody>
+            <a:bodyPr wrap="square" rtlCol="0">
+              <a:spAutoFit/>
+            </a:bodyPr>
+            <a:lstStyle/>
+            <a:p>
+              <a:r>
+                <a:rPr lang="en-GB" dirty="0" smtClean="0"/>
+                <a:t>…</a:t>
+              </a:r>
+              <a:endParaRPr lang="en-GB" dirty="0"/>
+            </a:p>
+          </p:txBody>
+        </p:sp>
+        <p:sp>
+          <p:nvSpPr>
+            <p:cNvPr id="90" name="TextBox 89"/>
+            <p:cNvSpPr txBox="1"/>
+            <p:nvPr/>
+          </p:nvSpPr>
+          <p:spPr>
+            <a:xfrm>
+              <a:off x="2192700" y="3233093"/>
+              <a:ext cx="336550" cy="369332"/>
+            </a:xfrm>
+            <a:prstGeom prst="rect">
+              <a:avLst/>
+            </a:prstGeom>
+            <a:noFill/>
+          </p:spPr>
+          <p:txBody>
+            <a:bodyPr wrap="square" rtlCol="0">
+              <a:spAutoFit/>
+            </a:bodyPr>
+            <a:lstStyle/>
+            <a:p>
+              <a:r>
+                <a:rPr lang="en-GB" dirty="0" smtClean="0"/>
+                <a:t>…</a:t>
+              </a:r>
+              <a:endParaRPr lang="en-GB" dirty="0"/>
+            </a:p>
+          </p:txBody>
+        </p:sp>
+        <p:sp>
+          <p:nvSpPr>
+            <p:cNvPr id="92" name="Isosceles Triangle 91"/>
+            <p:cNvSpPr/>
+            <p:nvPr/>
+          </p:nvSpPr>
+          <p:spPr>
+            <a:xfrm rot="10800000">
+              <a:off x="1762188" y="2300978"/>
+              <a:ext cx="133350" cy="114957"/>
+            </a:xfrm>
+            <a:prstGeom prst="triangle">
+              <a:avLst/>
+            </a:prstGeom>
+            <a:solidFill>
+              <a:srgbClr val="0000FF"/>
+            </a:solidFill>
+            <a:ln>
+              <a:solidFill>
+                <a:schemeClr val="tx1"/>
+              </a:solidFill>
+            </a:ln>
+            <a:effectLst/>
+          </p:spPr>
+          <p:style>
+            <a:lnRef idx="1">
+              <a:schemeClr val="accent1"/>
+            </a:lnRef>
+            <a:fillRef idx="3">
+              <a:schemeClr val="accent1"/>
+            </a:fillRef>
+            <a:effectRef idx="2">
+              <a:schemeClr val="accent1"/>
+            </a:effectRef>
+            <a:fontRef idx="minor">
+              <a:schemeClr val="lt1"/>
+            </a:fontRef>
+          </p:style>
+          <p:txBody>
+            <a:bodyPr rtlCol="0" anchor="ctr"/>
+            <a:lstStyle/>
+            <a:p>
+              <a:pPr algn="ctr"/>
+              <a:endParaRPr lang="en-GB"/>
+            </a:p>
+          </p:txBody>
+        </p:sp>
+        <p:cxnSp>
+          <p:nvCxnSpPr>
+            <p:cNvPr id="94" name="Straight Arrow Connector 93"/>
+            <p:cNvCxnSpPr/>
+            <p:nvPr/>
+          </p:nvCxnSpPr>
+          <p:spPr>
+            <a:xfrm>
+              <a:off x="1585944" y="2171700"/>
+              <a:ext cx="0" cy="2692400"/>
+            </a:xfrm>
+            <a:prstGeom prst="straightConnector1">
+              <a:avLst/>
+            </a:prstGeom>
+            <a:ln>
+              <a:solidFill>
+                <a:srgbClr val="000000"/>
+              </a:solidFill>
+              <a:tailEnd type="arrow"/>
+            </a:ln>
+            <a:effectLst/>
+          </p:spPr>
+          <p:style>
+            <a:lnRef idx="2">
+              <a:schemeClr val="accent1"/>
+            </a:lnRef>
+            <a:fillRef idx="0">
+              <a:schemeClr val="accent1"/>
+            </a:fillRef>
+            <a:effectRef idx="1">
+              <a:schemeClr val="accent1"/>
+            </a:effectRef>
+            <a:fontRef idx="minor">
+              <a:schemeClr val="tx1"/>
+            </a:fontRef>
+          </p:style>
+        </p:cxnSp>
+        <p:cxnSp>
+          <p:nvCxnSpPr>
+            <p:cNvPr id="96" name="Straight Arrow Connector 95"/>
+            <p:cNvCxnSpPr/>
+            <p:nvPr/>
+          </p:nvCxnSpPr>
+          <p:spPr>
+            <a:xfrm>
+              <a:off x="1579594" y="2178050"/>
+              <a:ext cx="1570006" cy="0"/>
+            </a:xfrm>
+            <a:prstGeom prst="straightConnector1">
+              <a:avLst/>
+            </a:prstGeom>
+            <a:ln>
+              <a:solidFill>
+                <a:srgbClr val="000000"/>
+              </a:solidFill>
+              <a:tailEnd type="arrow"/>
+            </a:ln>
+            <a:effectLst/>
+          </p:spPr>
+          <p:style>
+            <a:lnRef idx="2">
+              <a:schemeClr val="accent1"/>
+            </a:lnRef>
+            <a:fillRef idx="0">
+              <a:schemeClr val="accent1"/>
+            </a:fillRef>
+            <a:effectRef idx="1">
+              <a:schemeClr val="accent1"/>
+            </a:effectRef>
+            <a:fontRef idx="minor">
+              <a:schemeClr val="tx1"/>
+            </a:fontRef>
+          </p:style>
+        </p:cxnSp>
+        <p:cxnSp>
+          <p:nvCxnSpPr>
+            <p:cNvPr id="98" name="Straight Connector 97"/>
+            <p:cNvCxnSpPr/>
+            <p:nvPr/>
+          </p:nvCxnSpPr>
+          <p:spPr>
+            <a:xfrm>
+              <a:off x="1830419" y="2132012"/>
+              <a:ext cx="0" cy="88900"/>
+            </a:xfrm>
+            <a:prstGeom prst="line">
+              <a:avLst/>
+            </a:prstGeom>
+            <a:ln>
+              <a:solidFill>
+                <a:schemeClr val="tx1"/>
+              </a:solidFill>
+            </a:ln>
+            <a:effectLst/>
+          </p:spPr>
+          <p:style>
+            <a:lnRef idx="2">
+              <a:schemeClr val="accent1"/>
+            </a:lnRef>
+            <a:fillRef idx="0">
+              <a:schemeClr val="accent1"/>
+            </a:fillRef>
+            <a:effectRef idx="1">
+              <a:schemeClr val="accent1"/>
+            </a:effectRef>
+            <a:fontRef idx="minor">
+              <a:schemeClr val="tx1"/>
+            </a:fontRef>
+          </p:style>
+        </p:cxnSp>
+        <p:cxnSp>
+          <p:nvCxnSpPr>
+            <p:cNvPr id="99" name="Straight Connector 98"/>
+            <p:cNvCxnSpPr/>
+            <p:nvPr/>
+          </p:nvCxnSpPr>
+          <p:spPr>
+            <a:xfrm>
+              <a:off x="1957419" y="2132012"/>
+              <a:ext cx="0" cy="88900"/>
+            </a:xfrm>
+            <a:prstGeom prst="line">
+              <a:avLst/>
+            </a:prstGeom>
+            <a:ln>
+              <a:solidFill>
+                <a:schemeClr val="tx1"/>
+              </a:solidFill>
+            </a:ln>
+            <a:effectLst/>
+          </p:spPr>
+          <p:style>
+            <a:lnRef idx="2">
+              <a:schemeClr val="accent1"/>
+            </a:lnRef>
+            <a:fillRef idx="0">
+              <a:schemeClr val="accent1"/>
+            </a:fillRef>
+            <a:effectRef idx="1">
+              <a:schemeClr val="accent1"/>
+            </a:effectRef>
+            <a:fontRef idx="minor">
+              <a:schemeClr val="tx1"/>
+            </a:fontRef>
+          </p:style>
+        </p:cxnSp>
+        <p:cxnSp>
+          <p:nvCxnSpPr>
+            <p:cNvPr id="100" name="Straight Connector 99"/>
+            <p:cNvCxnSpPr/>
+            <p:nvPr/>
+          </p:nvCxnSpPr>
+          <p:spPr>
+            <a:xfrm>
+              <a:off x="2801969" y="2132012"/>
+              <a:ext cx="0" cy="88900"/>
+            </a:xfrm>
+            <a:prstGeom prst="line">
+              <a:avLst/>
+            </a:prstGeom>
+            <a:ln>
+              <a:solidFill>
+                <a:schemeClr val="tx1"/>
+              </a:solidFill>
+            </a:ln>
+            <a:effectLst/>
+          </p:spPr>
+          <p:style>
+            <a:lnRef idx="2">
+              <a:schemeClr val="accent1"/>
+            </a:lnRef>
+            <a:fillRef idx="0">
+              <a:schemeClr val="accent1"/>
+            </a:fillRef>
+            <a:effectRef idx="1">
+              <a:schemeClr val="accent1"/>
+            </a:effectRef>
+            <a:fontRef idx="minor">
+              <a:schemeClr val="tx1"/>
+            </a:fontRef>
+          </p:style>
+        </p:cxnSp>
+        <p:cxnSp>
+          <p:nvCxnSpPr>
+            <p:cNvPr id="101" name="Straight Connector 100"/>
+            <p:cNvCxnSpPr/>
+            <p:nvPr/>
+          </p:nvCxnSpPr>
+          <p:spPr>
+            <a:xfrm rot="16200000">
+              <a:off x="1583101" y="2300081"/>
+              <a:ext cx="0" cy="88900"/>
+            </a:xfrm>
+            <a:prstGeom prst="line">
+              <a:avLst/>
+            </a:prstGeom>
+            <a:ln>
+              <a:solidFill>
+                <a:schemeClr val="tx1"/>
+              </a:solidFill>
+            </a:ln>
+            <a:effectLst/>
+          </p:spPr>
+          <p:style>
+            <a:lnRef idx="2">
+              <a:schemeClr val="accent1"/>
+            </a:lnRef>
+            <a:fillRef idx="0">
+              <a:schemeClr val="accent1"/>
+            </a:fillRef>
+            <a:effectRef idx="1">
+              <a:schemeClr val="accent1"/>
+            </a:effectRef>
+            <a:fontRef idx="minor">
+              <a:schemeClr val="tx1"/>
+            </a:fontRef>
+          </p:style>
+        </p:cxnSp>
+        <p:cxnSp>
+          <p:nvCxnSpPr>
+            <p:cNvPr id="102" name="Straight Connector 101"/>
+            <p:cNvCxnSpPr/>
+            <p:nvPr/>
+          </p:nvCxnSpPr>
+          <p:spPr>
+            <a:xfrm rot="16200000">
+              <a:off x="1583101" y="2423906"/>
+              <a:ext cx="0" cy="88900"/>
+            </a:xfrm>
+            <a:prstGeom prst="line">
+              <a:avLst/>
+            </a:prstGeom>
+            <a:ln>
+              <a:solidFill>
+                <a:schemeClr val="tx1"/>
+              </a:solidFill>
+            </a:ln>
+            <a:effectLst/>
+          </p:spPr>
+          <p:style>
+            <a:lnRef idx="2">
+              <a:schemeClr val="accent1"/>
+            </a:lnRef>
+            <a:fillRef idx="0">
+              <a:schemeClr val="accent1"/>
+            </a:fillRef>
+            <a:effectRef idx="1">
+              <a:schemeClr val="accent1"/>
+            </a:effectRef>
+            <a:fontRef idx="minor">
+              <a:schemeClr val="tx1"/>
+            </a:fontRef>
+          </p:style>
+        </p:cxnSp>
+        <p:cxnSp>
+          <p:nvCxnSpPr>
+            <p:cNvPr id="103" name="Straight Connector 102"/>
+            <p:cNvCxnSpPr/>
+            <p:nvPr/>
+          </p:nvCxnSpPr>
+          <p:spPr>
+            <a:xfrm rot="16200000">
+              <a:off x="1583101" y="4611481"/>
+              <a:ext cx="0" cy="88900"/>
+            </a:xfrm>
+            <a:prstGeom prst="line">
+              <a:avLst/>
+            </a:prstGeom>
+            <a:ln>
+              <a:solidFill>
+                <a:schemeClr val="tx1"/>
+              </a:solidFill>
+            </a:ln>
+            <a:effectLst/>
+          </p:spPr>
+          <p:style>
+            <a:lnRef idx="2">
+              <a:schemeClr val="accent1"/>
+            </a:lnRef>
+            <a:fillRef idx="0">
+              <a:schemeClr val="accent1"/>
+            </a:fillRef>
+            <a:effectRef idx="1">
+              <a:schemeClr val="accent1"/>
+            </a:effectRef>
+            <a:fontRef idx="minor">
+              <a:schemeClr val="tx1"/>
+            </a:fontRef>
+          </p:style>
+        </p:cxnSp>
+        <p:sp>
+          <p:nvSpPr>
+            <p:cNvPr id="104" name="TextBox 103"/>
+            <p:cNvSpPr txBox="1"/>
+            <p:nvPr/>
+          </p:nvSpPr>
+          <p:spPr>
+            <a:xfrm>
+              <a:off x="2193096" y="1912234"/>
+              <a:ext cx="336550" cy="369332"/>
+            </a:xfrm>
+            <a:prstGeom prst="rect">
+              <a:avLst/>
+            </a:prstGeom>
+            <a:solidFill>
+              <a:schemeClr val="bg1"/>
+            </a:solidFill>
+          </p:spPr>
+          <p:txBody>
+            <a:bodyPr wrap="square" rtlCol="0">
+              <a:spAutoFit/>
+            </a:bodyPr>
+            <a:lstStyle/>
+            <a:p>
+              <a:r>
+                <a:rPr lang="en-GB" dirty="0" smtClean="0"/>
+                <a:t>…</a:t>
+              </a:r>
+              <a:endParaRPr lang="en-GB" dirty="0"/>
+            </a:p>
+          </p:txBody>
+        </p:sp>
+        <p:sp>
+          <p:nvSpPr>
+            <p:cNvPr id="106" name="TextBox 105"/>
+            <p:cNvSpPr txBox="1"/>
+            <p:nvPr/>
+          </p:nvSpPr>
+          <p:spPr>
+            <a:xfrm>
+              <a:off x="1743137" y="1953191"/>
+              <a:ext cx="133350" cy="215444"/>
+            </a:xfrm>
+            <a:prstGeom prst="rect">
+              <a:avLst/>
+            </a:prstGeom>
+            <a:noFill/>
+          </p:spPr>
+          <p:txBody>
+            <a:bodyPr wrap="square" rtlCol="0">
+              <a:spAutoFit/>
+            </a:bodyPr>
+            <a:lstStyle/>
+            <a:p>
+              <a:r>
+                <a:rPr lang="en-GB" sz="800" dirty="0" smtClean="0">
+                  <a:latin typeface="Times New Roman"/>
+                  <a:cs typeface="Times New Roman"/>
+                </a:rPr>
+                <a:t>0</a:t>
+              </a:r>
+              <a:endParaRPr lang="en-GB" sz="800" dirty="0">
+                <a:latin typeface="Times New Roman"/>
+                <a:cs typeface="Times New Roman"/>
+              </a:endParaRPr>
+            </a:p>
+          </p:txBody>
+        </p:sp>
+        <p:sp>
+          <p:nvSpPr>
+            <p:cNvPr id="107" name="TextBox 106"/>
+            <p:cNvSpPr txBox="1"/>
+            <p:nvPr/>
+          </p:nvSpPr>
+          <p:spPr>
+            <a:xfrm>
+              <a:off x="1319908" y="2261991"/>
+              <a:ext cx="133350" cy="215444"/>
+            </a:xfrm>
+            <a:prstGeom prst="rect">
+              <a:avLst/>
+            </a:prstGeom>
+            <a:noFill/>
+          </p:spPr>
+          <p:txBody>
+            <a:bodyPr wrap="square" rtlCol="0">
+              <a:spAutoFit/>
+            </a:bodyPr>
+            <a:lstStyle/>
+            <a:p>
+              <a:r>
+                <a:rPr lang="en-GB" sz="800" dirty="0" smtClean="0">
+                  <a:latin typeface="Times New Roman"/>
+                  <a:cs typeface="Times New Roman"/>
+                </a:rPr>
+                <a:t>0</a:t>
+              </a:r>
+              <a:endParaRPr lang="en-GB" sz="800" dirty="0">
+                <a:latin typeface="Times New Roman"/>
+                <a:cs typeface="Times New Roman"/>
+              </a:endParaRPr>
+            </a:p>
+          </p:txBody>
+        </p:sp>
+        <p:sp>
+          <p:nvSpPr>
+            <p:cNvPr id="108" name="TextBox 107"/>
+            <p:cNvSpPr txBox="1"/>
+            <p:nvPr/>
+          </p:nvSpPr>
+          <p:spPr>
+            <a:xfrm>
+              <a:off x="1840732" y="1953191"/>
+              <a:ext cx="384114" cy="215444"/>
+            </a:xfrm>
+            <a:prstGeom prst="rect">
+              <a:avLst/>
+            </a:prstGeom>
+            <a:noFill/>
+          </p:spPr>
+          <p:txBody>
+            <a:bodyPr wrap="square" rtlCol="0">
+              <a:spAutoFit/>
+            </a:bodyPr>
+            <a:lstStyle/>
+            <a:p>
+              <a:r>
+                <a:rPr lang="en-GB" sz="800" dirty="0" smtClean="0">
+                  <a:latin typeface="Times New Roman"/>
+                  <a:cs typeface="Times New Roman"/>
+                </a:rPr>
+                <a:t>12.5</a:t>
+              </a:r>
+              <a:endParaRPr lang="en-GB" sz="800" dirty="0">
+                <a:latin typeface="Times New Roman"/>
+                <a:cs typeface="Times New Roman"/>
+              </a:endParaRPr>
+            </a:p>
+          </p:txBody>
+        </p:sp>
+        <p:sp>
+          <p:nvSpPr>
+            <p:cNvPr id="109" name="TextBox 108"/>
+            <p:cNvSpPr txBox="1"/>
+            <p:nvPr/>
+          </p:nvSpPr>
+          <p:spPr>
+            <a:xfrm>
+              <a:off x="1224719" y="2392384"/>
+              <a:ext cx="384114" cy="215444"/>
+            </a:xfrm>
+            <a:prstGeom prst="rect">
+              <a:avLst/>
+            </a:prstGeom>
+            <a:noFill/>
+          </p:spPr>
+          <p:txBody>
+            <a:bodyPr wrap="square" rtlCol="0">
+              <a:spAutoFit/>
+            </a:bodyPr>
+            <a:lstStyle/>
+            <a:p>
+              <a:r>
+                <a:rPr lang="en-GB" sz="800" dirty="0" smtClean="0">
+                  <a:latin typeface="Times New Roman"/>
+                  <a:cs typeface="Times New Roman"/>
+                </a:rPr>
+                <a:t>12.5</a:t>
+              </a:r>
+              <a:endParaRPr lang="en-GB" sz="800" dirty="0">
+                <a:latin typeface="Times New Roman"/>
+                <a:cs typeface="Times New Roman"/>
+              </a:endParaRPr>
+            </a:p>
+          </p:txBody>
+        </p:sp>
+        <p:sp>
+          <p:nvSpPr>
+            <p:cNvPr id="110" name="TextBox 109"/>
+            <p:cNvSpPr txBox="1"/>
+            <p:nvPr/>
+          </p:nvSpPr>
+          <p:spPr>
+            <a:xfrm>
+              <a:off x="2686112" y="1953191"/>
+              <a:ext cx="384114" cy="215444"/>
+            </a:xfrm>
+            <a:prstGeom prst="rect">
+              <a:avLst/>
+            </a:prstGeom>
+            <a:noFill/>
+          </p:spPr>
+          <p:txBody>
+            <a:bodyPr wrap="square" rtlCol="0">
+              <a:spAutoFit/>
+            </a:bodyPr>
+            <a:lstStyle/>
+            <a:p>
+              <a:r>
+                <a:rPr lang="en-GB" sz="800" dirty="0" smtClean="0">
+                  <a:latin typeface="Times New Roman"/>
+                  <a:cs typeface="Times New Roman"/>
+                </a:rPr>
+                <a:t>1000</a:t>
+              </a:r>
+              <a:endParaRPr lang="en-GB" sz="800" dirty="0">
+                <a:latin typeface="Times New Roman"/>
+                <a:cs typeface="Times New Roman"/>
+              </a:endParaRPr>
+            </a:p>
+          </p:txBody>
+        </p:sp>
+        <p:sp>
+          <p:nvSpPr>
+            <p:cNvPr id="111" name="TextBox 110"/>
+            <p:cNvSpPr txBox="1"/>
+            <p:nvPr/>
+          </p:nvSpPr>
+          <p:spPr>
+            <a:xfrm>
+              <a:off x="1246944" y="4567259"/>
+              <a:ext cx="384114" cy="215444"/>
+            </a:xfrm>
+            <a:prstGeom prst="rect">
+              <a:avLst/>
+            </a:prstGeom>
+            <a:noFill/>
+          </p:spPr>
+          <p:txBody>
+            <a:bodyPr wrap="square" rtlCol="0">
+              <a:spAutoFit/>
+            </a:bodyPr>
+            <a:lstStyle/>
+            <a:p>
+              <a:r>
+                <a:rPr lang="en-GB" sz="800" dirty="0" smtClean="0">
+                  <a:latin typeface="Times New Roman"/>
+                  <a:cs typeface="Times New Roman"/>
+                </a:rPr>
+                <a:t>250</a:t>
+              </a:r>
+              <a:endParaRPr lang="en-GB" sz="800" dirty="0">
+                <a:latin typeface="Times New Roman"/>
+                <a:cs typeface="Times New Roman"/>
+              </a:endParaRPr>
+            </a:p>
+          </p:txBody>
+        </p:sp>
+        <p:sp>
+          <p:nvSpPr>
+            <p:cNvPr id="112" name="TextBox 111"/>
+            <p:cNvSpPr txBox="1"/>
+            <p:nvPr/>
+          </p:nvSpPr>
+          <p:spPr>
+            <a:xfrm>
+              <a:off x="1892360" y="1775391"/>
+              <a:ext cx="1060389" cy="215444"/>
+            </a:xfrm>
+            <a:prstGeom prst="rect">
+              <a:avLst/>
+            </a:prstGeom>
+            <a:noFill/>
+          </p:spPr>
+          <p:txBody>
+            <a:bodyPr wrap="square" rtlCol="0">
+              <a:spAutoFit/>
+            </a:bodyPr>
+            <a:lstStyle/>
+            <a:p>
+              <a:r>
+                <a:rPr lang="en-GB" sz="800" dirty="0" smtClean="0">
+                  <a:latin typeface="Times New Roman"/>
+                  <a:cs typeface="Times New Roman"/>
+                </a:rPr>
+                <a:t>Inline position (m)</a:t>
+              </a:r>
+              <a:endParaRPr lang="en-GB" sz="800" dirty="0">
+                <a:latin typeface="Times New Roman"/>
+                <a:cs typeface="Times New Roman"/>
+              </a:endParaRPr>
+            </a:p>
+          </p:txBody>
+        </p:sp>
+        <p:sp>
+          <p:nvSpPr>
+            <p:cNvPr id="113" name="TextBox 112"/>
+            <p:cNvSpPr txBox="1"/>
+            <p:nvPr/>
+          </p:nvSpPr>
+          <p:spPr>
+            <a:xfrm rot="16200000">
+              <a:off x="731930" y="3308037"/>
+              <a:ext cx="1101664" cy="215444"/>
+            </a:xfrm>
+            <a:prstGeom prst="rect">
+              <a:avLst/>
+            </a:prstGeom>
+            <a:noFill/>
+          </p:spPr>
+          <p:txBody>
+            <a:bodyPr wrap="square" rtlCol="0">
+              <a:spAutoFit/>
+            </a:bodyPr>
+            <a:lstStyle/>
+            <a:p>
+              <a:r>
+                <a:rPr lang="en-GB" sz="800" dirty="0" smtClean="0">
+                  <a:latin typeface="Times New Roman"/>
+                  <a:cs typeface="Times New Roman"/>
+                </a:rPr>
+                <a:t>Crossline position (m)</a:t>
+              </a:r>
+              <a:endParaRPr lang="en-GB" sz="800" dirty="0">
+                <a:latin typeface="Times New Roman"/>
+                <a:cs typeface="Times New Roman"/>
+              </a:endParaRPr>
+            </a:p>
+          </p:txBody>
+        </p:sp>
+      </p:grpSp>
+      <p:grpSp>
+        <p:nvGrpSpPr>
+          <p:cNvPr id="145" name="Group 144"/>
+          <p:cNvGrpSpPr/>
+          <p:nvPr/>
+        </p:nvGrpSpPr>
+        <p:grpSpPr>
+          <a:xfrm>
+            <a:off x="4921450" y="983283"/>
+            <a:ext cx="1872577" cy="135866"/>
+            <a:chOff x="4751721" y="1830432"/>
+            <a:chExt cx="1872577" cy="135866"/>
+          </a:xfrm>
+        </p:grpSpPr>
+        <p:grpSp>
+          <p:nvGrpSpPr>
+            <p:cNvPr id="143" name="Group 142"/>
+            <p:cNvGrpSpPr/>
+            <p:nvPr/>
+          </p:nvGrpSpPr>
+          <p:grpSpPr>
+            <a:xfrm>
+              <a:off x="4751721" y="1830432"/>
+              <a:ext cx="830391" cy="135866"/>
+              <a:chOff x="5089360" y="1486216"/>
+              <a:chExt cx="830391" cy="135866"/>
+            </a:xfrm>
+          </p:grpSpPr>
+          <p:sp>
+            <p:nvSpPr>
+              <p:cNvPr id="123" name="Explosion 1 122"/>
+              <p:cNvSpPr/>
+              <p:nvPr/>
+            </p:nvSpPr>
+            <p:spPr>
+              <a:xfrm>
+                <a:off x="5089360" y="1486216"/>
+                <a:ext cx="135861" cy="135866"/>
+              </a:xfrm>
+              <a:prstGeom prst="irregularSeal1">
+                <a:avLst/>
+              </a:prstGeom>
+              <a:solidFill>
+                <a:schemeClr val="tx1">
+                  <a:lumMod val="75000"/>
+                  <a:lumOff val="25000"/>
+                </a:schemeClr>
+              </a:solidFill>
+              <a:ln>
+                <a:noFill/>
+              </a:ln>
+              <a:effectLst/>
+            </p:spPr>
+            <p:style>
+              <a:lnRef idx="1">
+                <a:schemeClr val="accent1"/>
+              </a:lnRef>
+              <a:fillRef idx="3">
+                <a:schemeClr val="accent1"/>
+              </a:fillRef>
+              <a:effectRef idx="2">
+                <a:schemeClr val="accent1"/>
+              </a:effectRef>
+              <a:fontRef idx="minor">
+                <a:schemeClr val="lt1"/>
+              </a:fontRef>
+            </p:style>
+            <p:txBody>
+              <a:bodyPr rtlCol="0" anchor="ctr"/>
+              <a:lstStyle/>
+              <a:p>
+                <a:pPr algn="ctr"/>
+                <a:endParaRPr lang="en-GB"/>
+              </a:p>
+            </p:txBody>
+          </p:sp>
+          <p:sp>
+            <p:nvSpPr>
+              <p:cNvPr id="128" name="Explosion 1 127"/>
+              <p:cNvSpPr/>
+              <p:nvPr/>
+            </p:nvSpPr>
+            <p:spPr>
+              <a:xfrm>
+                <a:off x="5783890" y="1486216"/>
+                <a:ext cx="135861" cy="135866"/>
+              </a:xfrm>
+              <a:prstGeom prst="irregularSeal1">
+                <a:avLst/>
+              </a:prstGeom>
+              <a:solidFill>
+                <a:schemeClr val="tx1">
+                  <a:lumMod val="75000"/>
+                  <a:lumOff val="25000"/>
+                </a:schemeClr>
+              </a:solidFill>
+              <a:ln>
+                <a:noFill/>
+              </a:ln>
+              <a:effectLst/>
+            </p:spPr>
+            <p:style>
+              <a:lnRef idx="1">
+                <a:schemeClr val="accent1"/>
+              </a:lnRef>
+              <a:fillRef idx="3">
+                <a:schemeClr val="accent1"/>
+              </a:fillRef>
+              <a:effectRef idx="2">
+                <a:schemeClr val="accent1"/>
+              </a:effectRef>
+              <a:fontRef idx="minor">
+                <a:schemeClr val="lt1"/>
+              </a:fontRef>
+            </p:style>
+            <p:txBody>
+              <a:bodyPr rtlCol="0" anchor="ctr"/>
+              <a:lstStyle/>
+              <a:p>
+                <a:pPr algn="ctr"/>
+                <a:endParaRPr lang="en-GB"/>
+              </a:p>
+            </p:txBody>
+          </p:sp>
+        </p:grpSp>
+        <p:grpSp>
+          <p:nvGrpSpPr>
+            <p:cNvPr id="142" name="Group 141"/>
+            <p:cNvGrpSpPr/>
+            <p:nvPr/>
+          </p:nvGrpSpPr>
+          <p:grpSpPr>
+            <a:xfrm>
+              <a:off x="5793907" y="1830432"/>
+              <a:ext cx="830391" cy="135866"/>
+              <a:chOff x="5089360" y="1273570"/>
+              <a:chExt cx="830391" cy="135866"/>
+            </a:xfrm>
+          </p:grpSpPr>
+          <p:sp>
+            <p:nvSpPr>
+              <p:cNvPr id="140" name="Explosion 1 139"/>
+              <p:cNvSpPr/>
+              <p:nvPr/>
+            </p:nvSpPr>
+            <p:spPr>
+              <a:xfrm>
+                <a:off x="5089360" y="1273570"/>
+                <a:ext cx="135861" cy="135866"/>
+              </a:xfrm>
+              <a:prstGeom prst="irregularSeal1">
+                <a:avLst/>
+              </a:prstGeom>
+              <a:solidFill>
+                <a:schemeClr val="tx1">
+                  <a:lumMod val="75000"/>
+                  <a:lumOff val="25000"/>
+                </a:schemeClr>
+              </a:solidFill>
+              <a:ln>
+                <a:noFill/>
+              </a:ln>
+              <a:effectLst/>
+            </p:spPr>
+            <p:style>
+              <a:lnRef idx="1">
+                <a:schemeClr val="accent1"/>
+              </a:lnRef>
+              <a:fillRef idx="3">
+                <a:schemeClr val="accent1"/>
+              </a:fillRef>
+              <a:effectRef idx="2">
+                <a:schemeClr val="accent1"/>
+              </a:effectRef>
+              <a:fontRef idx="minor">
+                <a:schemeClr val="lt1"/>
+              </a:fontRef>
+            </p:style>
+            <p:txBody>
+              <a:bodyPr rtlCol="0" anchor="ctr"/>
+              <a:lstStyle/>
+              <a:p>
+                <a:pPr algn="ctr"/>
+                <a:endParaRPr lang="en-GB"/>
+              </a:p>
+            </p:txBody>
+          </p:sp>
+          <p:sp>
+            <p:nvSpPr>
+              <p:cNvPr id="141" name="Explosion 1 140"/>
+              <p:cNvSpPr/>
+              <p:nvPr/>
+            </p:nvSpPr>
+            <p:spPr>
+              <a:xfrm>
+                <a:off x="5783890" y="1273570"/>
+                <a:ext cx="135861" cy="135866"/>
+              </a:xfrm>
+              <a:prstGeom prst="irregularSeal1">
+                <a:avLst/>
+              </a:prstGeom>
+              <a:solidFill>
+                <a:schemeClr val="tx1">
+                  <a:lumMod val="75000"/>
+                  <a:lumOff val="25000"/>
+                </a:schemeClr>
+              </a:solidFill>
+              <a:ln>
+                <a:noFill/>
+              </a:ln>
+              <a:effectLst/>
+            </p:spPr>
+            <p:style>
+              <a:lnRef idx="1">
+                <a:schemeClr val="accent1"/>
+              </a:lnRef>
+              <a:fillRef idx="3">
+                <a:schemeClr val="accent1"/>
+              </a:fillRef>
+              <a:effectRef idx="2">
+                <a:schemeClr val="accent1"/>
+              </a:effectRef>
+              <a:fontRef idx="minor">
+                <a:schemeClr val="lt1"/>
+              </a:fontRef>
+            </p:style>
+            <p:txBody>
+              <a:bodyPr rtlCol="0" anchor="ctr"/>
+              <a:lstStyle/>
+              <a:p>
+                <a:pPr algn="ctr"/>
+                <a:endParaRPr lang="en-GB"/>
+              </a:p>
+            </p:txBody>
+          </p:sp>
+        </p:grpSp>
+      </p:grpSp>
+      <p:grpSp>
+        <p:nvGrpSpPr>
+          <p:cNvPr id="297" name="Group 296"/>
+          <p:cNvGrpSpPr/>
+          <p:nvPr/>
+        </p:nvGrpSpPr>
+        <p:grpSpPr>
+          <a:xfrm>
+            <a:off x="3169431" y="3967740"/>
+            <a:ext cx="2054990" cy="867940"/>
+            <a:chOff x="3169431" y="3967740"/>
+            <a:chExt cx="2054990" cy="867940"/>
+          </a:xfrm>
+        </p:grpSpPr>
+        <p:grpSp>
+          <p:nvGrpSpPr>
+            <p:cNvPr id="285" name="Group 284"/>
+            <p:cNvGrpSpPr/>
+            <p:nvPr/>
+          </p:nvGrpSpPr>
+          <p:grpSpPr>
+            <a:xfrm>
+              <a:off x="3420959" y="3967740"/>
+              <a:ext cx="1655463" cy="867940"/>
+              <a:chOff x="3905893" y="3736286"/>
+              <a:chExt cx="1655463" cy="867940"/>
+            </a:xfrm>
+          </p:grpSpPr>
+          <p:cxnSp>
+            <p:nvCxnSpPr>
+              <p:cNvPr id="278" name="Straight Connector 277"/>
+              <p:cNvCxnSpPr/>
+              <p:nvPr/>
+            </p:nvCxnSpPr>
+            <p:spPr>
+              <a:xfrm rot="16200000">
+                <a:off x="4624856" y="4304638"/>
+                <a:ext cx="241118" cy="0"/>
+              </a:xfrm>
+              <a:prstGeom prst="line">
+                <a:avLst/>
+              </a:prstGeom>
+              <a:ln w="12700">
+                <a:solidFill>
+                  <a:schemeClr val="tx1"/>
+                </a:solidFill>
+                <a:prstDash val="sysDot"/>
+              </a:ln>
+              <a:effectLst/>
+            </p:spPr>
+            <p:style>
+              <a:lnRef idx="2">
+                <a:schemeClr val="accent1"/>
+              </a:lnRef>
+              <a:fillRef idx="0">
+                <a:schemeClr val="accent1"/>
+              </a:fillRef>
+              <a:effectRef idx="1">
+                <a:schemeClr val="accent1"/>
+              </a:effectRef>
+              <a:fontRef idx="minor">
+                <a:schemeClr val="tx1"/>
+              </a:fontRef>
+            </p:style>
+          </p:cxnSp>
+          <p:cxnSp>
+            <p:nvCxnSpPr>
+              <p:cNvPr id="279" name="Straight Connector 278"/>
+              <p:cNvCxnSpPr/>
+              <p:nvPr/>
+            </p:nvCxnSpPr>
+            <p:spPr>
+              <a:xfrm rot="16200000">
+                <a:off x="3851910" y="4304637"/>
+                <a:ext cx="241118" cy="0"/>
+              </a:xfrm>
+              <a:prstGeom prst="line">
+                <a:avLst/>
+              </a:prstGeom>
+              <a:ln w="12700">
+                <a:solidFill>
+                  <a:schemeClr val="tx1"/>
+                </a:solidFill>
+                <a:prstDash val="sysDot"/>
+              </a:ln>
+              <a:effectLst/>
+            </p:spPr>
+            <p:style>
+              <a:lnRef idx="2">
+                <a:schemeClr val="accent1"/>
+              </a:lnRef>
+              <a:fillRef idx="0">
+                <a:schemeClr val="accent1"/>
+              </a:fillRef>
+              <a:effectRef idx="1">
+                <a:schemeClr val="accent1"/>
+              </a:effectRef>
+              <a:fontRef idx="minor">
+                <a:schemeClr val="tx1"/>
+              </a:fontRef>
+            </p:style>
+          </p:cxnSp>
+          <p:grpSp>
+            <p:nvGrpSpPr>
+              <p:cNvPr id="275" name="Group 274"/>
+              <p:cNvGrpSpPr/>
+              <p:nvPr/>
+            </p:nvGrpSpPr>
+            <p:grpSpPr>
+              <a:xfrm rot="16200000">
+                <a:off x="4536298" y="3911918"/>
+                <a:ext cx="241118" cy="416901"/>
+                <a:chOff x="4854081" y="3053681"/>
+                <a:chExt cx="241118" cy="416901"/>
+              </a:xfrm>
+            </p:grpSpPr>
+            <p:cxnSp>
+              <p:nvCxnSpPr>
+                <p:cNvPr id="271" name="Straight Connector 270"/>
+                <p:cNvCxnSpPr/>
+                <p:nvPr/>
+              </p:nvCxnSpPr>
+              <p:spPr>
+                <a:xfrm>
+                  <a:off x="4854081" y="3353699"/>
+                  <a:ext cx="241118" cy="0"/>
+                </a:xfrm>
+                <a:prstGeom prst="line">
+                  <a:avLst/>
+                </a:prstGeom>
+                <a:ln w="12700">
+                  <a:solidFill>
+                    <a:schemeClr val="tx1"/>
+                  </a:solidFill>
+                  <a:prstDash val="sysDot"/>
+                </a:ln>
+                <a:effectLst/>
+              </p:spPr>
+              <p:style>
+                <a:lnRef idx="2">
+                  <a:schemeClr val="accent1"/>
+                </a:lnRef>
+                <a:fillRef idx="0">
+                  <a:schemeClr val="accent1"/>
+                </a:fillRef>
+                <a:effectRef idx="1">
+                  <a:schemeClr val="accent1"/>
+                </a:effectRef>
+                <a:fontRef idx="minor">
+                  <a:schemeClr val="tx1"/>
+                </a:fontRef>
+              </p:style>
+            </p:cxnSp>
+            <p:cxnSp>
+              <p:nvCxnSpPr>
+                <p:cNvPr id="272" name="Straight Connector 271"/>
+                <p:cNvCxnSpPr/>
+                <p:nvPr/>
+              </p:nvCxnSpPr>
+              <p:spPr>
+                <a:xfrm>
+                  <a:off x="4854081" y="3184367"/>
+                  <a:ext cx="241118" cy="0"/>
+                </a:xfrm>
+                <a:prstGeom prst="line">
+                  <a:avLst/>
+                </a:prstGeom>
+                <a:ln w="12700">
+                  <a:solidFill>
+                    <a:schemeClr val="tx1"/>
+                  </a:solidFill>
+                  <a:prstDash val="sysDot"/>
+                </a:ln>
+                <a:effectLst/>
+              </p:spPr>
+              <p:style>
+                <a:lnRef idx="2">
+                  <a:schemeClr val="accent1"/>
+                </a:lnRef>
+                <a:fillRef idx="0">
+                  <a:schemeClr val="accent1"/>
+                </a:fillRef>
+                <a:effectRef idx="1">
+                  <a:schemeClr val="accent1"/>
+                </a:effectRef>
+                <a:fontRef idx="minor">
+                  <a:schemeClr val="tx1"/>
+                </a:fontRef>
+              </p:style>
+            </p:cxnSp>
+            <p:cxnSp>
+              <p:nvCxnSpPr>
+                <p:cNvPr id="273" name="Straight Arrow Connector 272"/>
+                <p:cNvCxnSpPr/>
+                <p:nvPr/>
+              </p:nvCxnSpPr>
+              <p:spPr>
+                <a:xfrm>
+                  <a:off x="5090446" y="3053681"/>
+                  <a:ext cx="0" cy="125720"/>
+                </a:xfrm>
+                <a:prstGeom prst="straightConnector1">
+                  <a:avLst/>
+                </a:prstGeom>
+                <a:ln w="12700" cmpd="sng">
+                  <a:solidFill>
+                    <a:schemeClr val="tx1"/>
+                  </a:solidFill>
+                  <a:tailEnd type="arrow" w="sm" len="sm"/>
+                </a:ln>
+                <a:effectLst/>
+              </p:spPr>
+              <p:style>
+                <a:lnRef idx="2">
+                  <a:schemeClr val="accent1"/>
+                </a:lnRef>
+                <a:fillRef idx="0">
+                  <a:schemeClr val="accent1"/>
+                </a:fillRef>
+                <a:effectRef idx="1">
+                  <a:schemeClr val="accent1"/>
+                </a:effectRef>
+                <a:fontRef idx="minor">
+                  <a:schemeClr val="tx1"/>
+                </a:fontRef>
+              </p:style>
+            </p:cxnSp>
+            <p:cxnSp>
+              <p:nvCxnSpPr>
+                <p:cNvPr id="274" name="Straight Arrow Connector 273"/>
+                <p:cNvCxnSpPr/>
+                <p:nvPr/>
+              </p:nvCxnSpPr>
+              <p:spPr>
+                <a:xfrm flipV="1">
+                  <a:off x="5090446" y="3344862"/>
+                  <a:ext cx="0" cy="125720"/>
+                </a:xfrm>
+                <a:prstGeom prst="straightConnector1">
+                  <a:avLst/>
+                </a:prstGeom>
+                <a:ln w="12700" cmpd="sng">
+                  <a:solidFill>
+                    <a:schemeClr val="tx1"/>
+                  </a:solidFill>
+                  <a:tailEnd type="arrow" w="sm" len="sm"/>
+                </a:ln>
+                <a:effectLst/>
+              </p:spPr>
+              <p:style>
+                <a:lnRef idx="2">
+                  <a:schemeClr val="accent1"/>
+                </a:lnRef>
+                <a:fillRef idx="0">
+                  <a:schemeClr val="accent1"/>
+                </a:fillRef>
+                <a:effectRef idx="1">
+                  <a:schemeClr val="accent1"/>
+                </a:effectRef>
+                <a:fontRef idx="minor">
+                  <a:schemeClr val="tx1"/>
+                </a:fontRef>
+              </p:style>
+            </p:cxnSp>
+          </p:grpSp>
+          <p:pic>
+            <p:nvPicPr>
+              <p:cNvPr id="191" name="Picture 190" descr="Boat.png"/>
+              <p:cNvPicPr>
+                <a:picLocks noChangeAspect="1"/>
+              </p:cNvPicPr>
+              <p:nvPr/>
+            </p:nvPicPr>
+            <p:blipFill>
+              <a:blip r:embed="rId2">
+                <a:extLst>
+                  <a:ext uri="{28A0092B-C50C-407E-A947-70E740481C1C}">
+                    <a14:useLocalDpi xmlns:a14="http://schemas.microsoft.com/office/drawing/2010/main" val="0"/>
+                  </a:ext>
+                </a:extLst>
+              </a:blip>
+              <a:stretch>
+                <a:fillRect/>
+              </a:stretch>
+            </p:blipFill>
+            <p:spPr>
+              <a:xfrm flipH="1">
+                <a:off x="5196895" y="4010332"/>
+                <a:ext cx="364461" cy="286284"/>
+              </a:xfrm>
+              <a:prstGeom prst="rect">
+                <a:avLst/>
+              </a:prstGeom>
+            </p:spPr>
+          </p:pic>
+          <p:grpSp>
+            <p:nvGrpSpPr>
+              <p:cNvPr id="203" name="Group 202"/>
+              <p:cNvGrpSpPr/>
+              <p:nvPr/>
+            </p:nvGrpSpPr>
+            <p:grpSpPr>
+              <a:xfrm>
+                <a:off x="4919533" y="3770660"/>
+                <a:ext cx="135861" cy="833566"/>
+                <a:chOff x="4744785" y="3801626"/>
+                <a:chExt cx="135861" cy="833566"/>
+              </a:xfrm>
+            </p:grpSpPr>
+            <p:sp>
+              <p:nvSpPr>
+                <p:cNvPr id="199" name="Explosion 1 198"/>
+                <p:cNvSpPr/>
+                <p:nvPr/>
+              </p:nvSpPr>
+              <p:spPr>
+                <a:xfrm>
+                  <a:off x="4744785" y="4220246"/>
+                  <a:ext cx="135861" cy="135866"/>
+                </a:xfrm>
+                <a:prstGeom prst="irregularSeal1">
+                  <a:avLst/>
+                </a:prstGeom>
+                <a:solidFill>
+                  <a:schemeClr val="tx1">
+                    <a:lumMod val="75000"/>
+                    <a:lumOff val="25000"/>
+                  </a:schemeClr>
+                </a:solidFill>
+                <a:ln>
+                  <a:noFill/>
+                </a:ln>
+                <a:effectLst/>
+              </p:spPr>
+              <p:style>
+                <a:lnRef idx="1">
+                  <a:schemeClr val="accent1"/>
+                </a:lnRef>
+                <a:fillRef idx="3">
+                  <a:schemeClr val="accent1"/>
+                </a:fillRef>
+                <a:effectRef idx="2">
+                  <a:schemeClr val="accent1"/>
+                </a:effectRef>
+                <a:fontRef idx="minor">
+                  <a:schemeClr val="lt1"/>
+                </a:fontRef>
+              </p:style>
+              <p:txBody>
+                <a:bodyPr rtlCol="0" anchor="ctr"/>
+                <a:lstStyle/>
+                <a:p>
+                  <a:pPr algn="ctr"/>
+                  <a:endParaRPr lang="en-GB"/>
+                </a:p>
+              </p:txBody>
+            </p:sp>
+            <p:sp>
+              <p:nvSpPr>
+                <p:cNvPr id="200" name="Explosion 1 199"/>
+                <p:cNvSpPr/>
+                <p:nvPr/>
+              </p:nvSpPr>
+              <p:spPr>
+                <a:xfrm>
+                  <a:off x="4744785" y="4499326"/>
+                  <a:ext cx="135861" cy="135866"/>
+                </a:xfrm>
+                <a:prstGeom prst="irregularSeal1">
+                  <a:avLst/>
+                </a:prstGeom>
+                <a:solidFill>
+                  <a:schemeClr val="tx1">
+                    <a:lumMod val="75000"/>
+                    <a:lumOff val="25000"/>
+                  </a:schemeClr>
+                </a:solidFill>
+                <a:ln>
+                  <a:noFill/>
+                </a:ln>
+                <a:effectLst/>
+              </p:spPr>
+              <p:style>
+                <a:lnRef idx="1">
+                  <a:schemeClr val="accent1"/>
+                </a:lnRef>
+                <a:fillRef idx="3">
+                  <a:schemeClr val="accent1"/>
+                </a:fillRef>
+                <a:effectRef idx="2">
+                  <a:schemeClr val="accent1"/>
+                </a:effectRef>
+                <a:fontRef idx="minor">
+                  <a:schemeClr val="lt1"/>
+                </a:fontRef>
+              </p:style>
+              <p:txBody>
+                <a:bodyPr rtlCol="0" anchor="ctr"/>
+                <a:lstStyle/>
+                <a:p>
+                  <a:pPr algn="ctr"/>
+                  <a:endParaRPr lang="en-GB"/>
+                </a:p>
+              </p:txBody>
+            </p:sp>
+            <p:sp>
+              <p:nvSpPr>
+                <p:cNvPr id="201" name="Explosion 1 200"/>
+                <p:cNvSpPr/>
+                <p:nvPr/>
+              </p:nvSpPr>
+              <p:spPr>
+                <a:xfrm>
+                  <a:off x="4744785" y="4080706"/>
+                  <a:ext cx="135861" cy="135866"/>
+                </a:xfrm>
+                <a:prstGeom prst="irregularSeal1">
+                  <a:avLst/>
+                </a:prstGeom>
+                <a:solidFill>
+                  <a:schemeClr val="tx1">
+                    <a:lumMod val="75000"/>
+                    <a:lumOff val="25000"/>
+                  </a:schemeClr>
+                </a:solidFill>
+                <a:ln>
+                  <a:noFill/>
+                </a:ln>
+                <a:effectLst/>
+              </p:spPr>
+              <p:style>
+                <a:lnRef idx="1">
+                  <a:schemeClr val="accent1"/>
+                </a:lnRef>
+                <a:fillRef idx="3">
+                  <a:schemeClr val="accent1"/>
+                </a:fillRef>
+                <a:effectRef idx="2">
+                  <a:schemeClr val="accent1"/>
+                </a:effectRef>
+                <a:fontRef idx="minor">
+                  <a:schemeClr val="lt1"/>
+                </a:fontRef>
+              </p:style>
+              <p:txBody>
+                <a:bodyPr rtlCol="0" anchor="ctr"/>
+                <a:lstStyle/>
+                <a:p>
+                  <a:pPr algn="ctr"/>
+                  <a:endParaRPr lang="en-GB"/>
+                </a:p>
+              </p:txBody>
+            </p:sp>
+            <p:sp>
+              <p:nvSpPr>
+                <p:cNvPr id="202" name="Explosion 1 201"/>
+                <p:cNvSpPr/>
+                <p:nvPr/>
+              </p:nvSpPr>
+              <p:spPr>
+                <a:xfrm>
+                  <a:off x="4744785" y="3801626"/>
+                  <a:ext cx="135861" cy="135866"/>
+                </a:xfrm>
+                <a:prstGeom prst="irregularSeal1">
+                  <a:avLst/>
+                </a:prstGeom>
+                <a:solidFill>
+                  <a:schemeClr val="tx1">
+                    <a:lumMod val="75000"/>
+                    <a:lumOff val="25000"/>
+                  </a:schemeClr>
+                </a:solidFill>
+                <a:ln>
+                  <a:noFill/>
+                </a:ln>
+                <a:effectLst/>
+              </p:spPr>
+              <p:style>
+                <a:lnRef idx="1">
+                  <a:schemeClr val="accent1"/>
+                </a:lnRef>
+                <a:fillRef idx="3">
+                  <a:schemeClr val="accent1"/>
+                </a:fillRef>
+                <a:effectRef idx="2">
+                  <a:schemeClr val="accent1"/>
+                </a:effectRef>
+                <a:fontRef idx="minor">
+                  <a:schemeClr val="lt1"/>
+                </a:fontRef>
+              </p:style>
+              <p:txBody>
+                <a:bodyPr rtlCol="0" anchor="ctr"/>
+                <a:lstStyle/>
+                <a:p>
+                  <a:pPr algn="ctr"/>
+                  <a:endParaRPr lang="en-GB"/>
+                </a:p>
+              </p:txBody>
+            </p:sp>
+          </p:grpSp>
+          <p:grpSp>
+            <p:nvGrpSpPr>
+              <p:cNvPr id="206" name="Group 205"/>
+              <p:cNvGrpSpPr/>
+              <p:nvPr/>
+            </p:nvGrpSpPr>
+            <p:grpSpPr>
+              <a:xfrm>
+                <a:off x="4676360" y="4085874"/>
+                <a:ext cx="134618" cy="245513"/>
+                <a:chOff x="4574768" y="4047315"/>
+                <a:chExt cx="134618" cy="245513"/>
+              </a:xfrm>
+            </p:grpSpPr>
+            <p:sp>
+              <p:nvSpPr>
+                <p:cNvPr id="204" name="Isosceles Triangle 203"/>
+                <p:cNvSpPr/>
+                <p:nvPr/>
+              </p:nvSpPr>
+              <p:spPr>
+                <a:xfrm rot="10800000">
+                  <a:off x="4576036" y="4047315"/>
+                  <a:ext cx="133350" cy="114957"/>
+                </a:xfrm>
+                <a:prstGeom prst="triangle">
+                  <a:avLst/>
+                </a:prstGeom>
+                <a:solidFill>
+                  <a:srgbClr val="0000FF"/>
+                </a:solidFill>
+                <a:ln>
+                  <a:solidFill>
+                    <a:schemeClr val="tx1"/>
+                  </a:solidFill>
+                </a:ln>
+                <a:effectLst/>
+              </p:spPr>
+              <p:style>
+                <a:lnRef idx="1">
+                  <a:schemeClr val="accent1"/>
+                </a:lnRef>
+                <a:fillRef idx="3">
+                  <a:schemeClr val="accent1"/>
+                </a:fillRef>
+                <a:effectRef idx="2">
+                  <a:schemeClr val="accent1"/>
+                </a:effectRef>
+                <a:fontRef idx="minor">
+                  <a:schemeClr val="lt1"/>
+                </a:fontRef>
+              </p:style>
+              <p:txBody>
+                <a:bodyPr rtlCol="0" anchor="ctr"/>
+                <a:lstStyle/>
+                <a:p>
+                  <a:pPr algn="ctr"/>
+                  <a:endParaRPr lang="en-GB"/>
+                </a:p>
+              </p:txBody>
+            </p:sp>
+            <p:sp>
+              <p:nvSpPr>
+                <p:cNvPr id="205" name="Isosceles Triangle 204"/>
+                <p:cNvSpPr/>
+                <p:nvPr/>
+              </p:nvSpPr>
+              <p:spPr>
+                <a:xfrm rot="10800000">
+                  <a:off x="4574768" y="4177871"/>
+                  <a:ext cx="133350" cy="114957"/>
+                </a:xfrm>
+                <a:prstGeom prst="triangle">
+                  <a:avLst/>
+                </a:prstGeom>
+                <a:solidFill>
+                  <a:srgbClr val="FF0000"/>
+                </a:solidFill>
+                <a:ln>
+                  <a:solidFill>
+                    <a:schemeClr val="tx1"/>
+                  </a:solidFill>
+                </a:ln>
+                <a:effectLst/>
+              </p:spPr>
+              <p:style>
+                <a:lnRef idx="1">
+                  <a:schemeClr val="accent1"/>
+                </a:lnRef>
+                <a:fillRef idx="3">
+                  <a:schemeClr val="accent1"/>
+                </a:fillRef>
+                <a:effectRef idx="2">
+                  <a:schemeClr val="accent1"/>
+                </a:effectRef>
+                <a:fontRef idx="minor">
+                  <a:schemeClr val="lt1"/>
+                </a:fontRef>
+              </p:style>
+              <p:txBody>
+                <a:bodyPr rtlCol="0" anchor="ctr"/>
+                <a:lstStyle/>
+                <a:p>
+                  <a:pPr algn="ctr"/>
+                  <a:endParaRPr lang="en-GB"/>
+                </a:p>
+              </p:txBody>
+            </p:sp>
+          </p:grpSp>
+          <p:grpSp>
+            <p:nvGrpSpPr>
+              <p:cNvPr id="207" name="Group 206"/>
+              <p:cNvGrpSpPr/>
+              <p:nvPr/>
+            </p:nvGrpSpPr>
+            <p:grpSpPr>
+              <a:xfrm>
+                <a:off x="4513764" y="4085874"/>
+                <a:ext cx="134618" cy="245513"/>
+                <a:chOff x="4574768" y="4047315"/>
+                <a:chExt cx="134618" cy="245513"/>
+              </a:xfrm>
+            </p:grpSpPr>
+            <p:sp>
+              <p:nvSpPr>
+                <p:cNvPr id="208" name="Isosceles Triangle 207"/>
+                <p:cNvSpPr/>
+                <p:nvPr/>
+              </p:nvSpPr>
+              <p:spPr>
+                <a:xfrm rot="10800000">
+                  <a:off x="4576036" y="4047315"/>
+                  <a:ext cx="133350" cy="114957"/>
+                </a:xfrm>
+                <a:prstGeom prst="triangle">
+                  <a:avLst/>
+                </a:prstGeom>
+                <a:solidFill>
+                  <a:srgbClr val="0000FF"/>
+                </a:solidFill>
+                <a:ln>
+                  <a:solidFill>
+                    <a:schemeClr val="tx1"/>
+                  </a:solidFill>
+                </a:ln>
+                <a:effectLst/>
+              </p:spPr>
+              <p:style>
+                <a:lnRef idx="1">
+                  <a:schemeClr val="accent1"/>
+                </a:lnRef>
+                <a:fillRef idx="3">
+                  <a:schemeClr val="accent1"/>
+                </a:fillRef>
+                <a:effectRef idx="2">
+                  <a:schemeClr val="accent1"/>
+                </a:effectRef>
+                <a:fontRef idx="minor">
+                  <a:schemeClr val="lt1"/>
+                </a:fontRef>
+              </p:style>
+              <p:txBody>
+                <a:bodyPr rtlCol="0" anchor="ctr"/>
+                <a:lstStyle/>
+                <a:p>
+                  <a:pPr algn="ctr"/>
+                  <a:endParaRPr lang="en-GB"/>
+                </a:p>
+              </p:txBody>
+            </p:sp>
+            <p:sp>
+              <p:nvSpPr>
+                <p:cNvPr id="209" name="Isosceles Triangle 208"/>
+                <p:cNvSpPr/>
+                <p:nvPr/>
+              </p:nvSpPr>
+              <p:spPr>
+                <a:xfrm rot="10800000">
+                  <a:off x="4574768" y="4177871"/>
+                  <a:ext cx="133350" cy="114957"/>
+                </a:xfrm>
+                <a:prstGeom prst="triangle">
+                  <a:avLst/>
+                </a:prstGeom>
+                <a:solidFill>
+                  <a:srgbClr val="FF0000"/>
+                </a:solidFill>
+                <a:ln>
+                  <a:solidFill>
+                    <a:schemeClr val="tx1"/>
+                  </a:solidFill>
+                </a:ln>
+                <a:effectLst/>
+              </p:spPr>
+              <p:style>
+                <a:lnRef idx="1">
+                  <a:schemeClr val="accent1"/>
+                </a:lnRef>
+                <a:fillRef idx="3">
+                  <a:schemeClr val="accent1"/>
+                </a:fillRef>
+                <a:effectRef idx="2">
+                  <a:schemeClr val="accent1"/>
+                </a:effectRef>
+                <a:fontRef idx="minor">
+                  <a:schemeClr val="lt1"/>
+                </a:fontRef>
+              </p:style>
+              <p:txBody>
+                <a:bodyPr rtlCol="0" anchor="ctr"/>
+                <a:lstStyle/>
+                <a:p>
+                  <a:pPr algn="ctr"/>
+                  <a:endParaRPr lang="en-GB"/>
+                </a:p>
+              </p:txBody>
+            </p:sp>
+          </p:grpSp>
+          <p:grpSp>
+            <p:nvGrpSpPr>
+              <p:cNvPr id="210" name="Group 209"/>
+              <p:cNvGrpSpPr/>
+              <p:nvPr/>
+            </p:nvGrpSpPr>
+            <p:grpSpPr>
+              <a:xfrm>
+                <a:off x="3905893" y="4085874"/>
+                <a:ext cx="134618" cy="245513"/>
+                <a:chOff x="4574768" y="4047315"/>
+                <a:chExt cx="134618" cy="245513"/>
+              </a:xfrm>
+            </p:grpSpPr>
+            <p:sp>
+              <p:nvSpPr>
+                <p:cNvPr id="211" name="Isosceles Triangle 210"/>
+                <p:cNvSpPr/>
+                <p:nvPr/>
+              </p:nvSpPr>
+              <p:spPr>
+                <a:xfrm rot="10800000">
+                  <a:off x="4576036" y="4047315"/>
+                  <a:ext cx="133350" cy="114957"/>
+                </a:xfrm>
+                <a:prstGeom prst="triangle">
+                  <a:avLst/>
+                </a:prstGeom>
+                <a:solidFill>
+                  <a:srgbClr val="0000FF"/>
+                </a:solidFill>
+                <a:ln>
+                  <a:solidFill>
+                    <a:schemeClr val="tx1"/>
+                  </a:solidFill>
+                </a:ln>
+                <a:effectLst/>
+              </p:spPr>
+              <p:style>
+                <a:lnRef idx="1">
+                  <a:schemeClr val="accent1"/>
+                </a:lnRef>
+                <a:fillRef idx="3">
+                  <a:schemeClr val="accent1"/>
+                </a:fillRef>
+                <a:effectRef idx="2">
+                  <a:schemeClr val="accent1"/>
+                </a:effectRef>
+                <a:fontRef idx="minor">
+                  <a:schemeClr val="lt1"/>
+                </a:fontRef>
+              </p:style>
+              <p:txBody>
+                <a:bodyPr rtlCol="0" anchor="ctr"/>
+                <a:lstStyle/>
+                <a:p>
+                  <a:pPr algn="ctr"/>
+                  <a:endParaRPr lang="en-GB"/>
+                </a:p>
+              </p:txBody>
+            </p:sp>
+            <p:sp>
+              <p:nvSpPr>
+                <p:cNvPr id="212" name="Isosceles Triangle 211"/>
+                <p:cNvSpPr/>
+                <p:nvPr/>
+              </p:nvSpPr>
+              <p:spPr>
+                <a:xfrm rot="10800000">
+                  <a:off x="4574768" y="4177871"/>
+                  <a:ext cx="133350" cy="114957"/>
+                </a:xfrm>
+                <a:prstGeom prst="triangle">
+                  <a:avLst/>
+                </a:prstGeom>
+                <a:solidFill>
+                  <a:srgbClr val="FF0000"/>
+                </a:solidFill>
+                <a:ln>
+                  <a:solidFill>
+                    <a:schemeClr val="tx1"/>
+                  </a:solidFill>
+                </a:ln>
+                <a:effectLst/>
+              </p:spPr>
+              <p:style>
+                <a:lnRef idx="1">
+                  <a:schemeClr val="accent1"/>
+                </a:lnRef>
+                <a:fillRef idx="3">
+                  <a:schemeClr val="accent1"/>
+                </a:fillRef>
+                <a:effectRef idx="2">
+                  <a:schemeClr val="accent1"/>
+                </a:effectRef>
+                <a:fontRef idx="minor">
+                  <a:schemeClr val="lt1"/>
+                </a:fontRef>
+              </p:style>
+              <p:txBody>
+                <a:bodyPr rtlCol="0" anchor="ctr"/>
+                <a:lstStyle/>
+                <a:p>
+                  <a:pPr algn="ctr"/>
+                  <a:endParaRPr lang="en-GB"/>
+                </a:p>
+              </p:txBody>
+            </p:sp>
+          </p:grpSp>
+          <p:sp>
+            <p:nvSpPr>
+              <p:cNvPr id="216" name="TextBox 215"/>
+              <p:cNvSpPr txBox="1"/>
+              <p:nvPr/>
+            </p:nvSpPr>
+            <p:spPr>
+              <a:xfrm>
+                <a:off x="4112521" y="3845905"/>
+                <a:ext cx="336550" cy="369332"/>
+              </a:xfrm>
+              <a:prstGeom prst="rect">
+                <a:avLst/>
+              </a:prstGeom>
+              <a:noFill/>
+            </p:spPr>
+            <p:txBody>
+              <a:bodyPr wrap="square" rtlCol="0">
+                <a:spAutoFit/>
+              </a:bodyPr>
+              <a:lstStyle/>
+              <a:p>
+                <a:r>
+                  <a:rPr lang="en-GB" dirty="0" smtClean="0"/>
+                  <a:t>…</a:t>
+                </a:r>
+                <a:endParaRPr lang="en-GB" dirty="0"/>
+              </a:p>
+            </p:txBody>
+          </p:sp>
+          <p:sp>
+            <p:nvSpPr>
+              <p:cNvPr id="217" name="TextBox 216"/>
+              <p:cNvSpPr txBox="1"/>
+              <p:nvPr/>
+            </p:nvSpPr>
+            <p:spPr>
+              <a:xfrm>
+                <a:off x="4112521" y="3998305"/>
+                <a:ext cx="336550" cy="369332"/>
+              </a:xfrm>
+              <a:prstGeom prst="rect">
+                <a:avLst/>
+              </a:prstGeom>
+              <a:noFill/>
+            </p:spPr>
+            <p:txBody>
+              <a:bodyPr wrap="square" rtlCol="0">
+                <a:spAutoFit/>
+              </a:bodyPr>
+              <a:lstStyle/>
+              <a:p>
+                <a:r>
+                  <a:rPr lang="en-GB" dirty="0" smtClean="0"/>
+                  <a:t>…</a:t>
+                </a:r>
+                <a:endParaRPr lang="en-GB" dirty="0"/>
+              </a:p>
+            </p:txBody>
+          </p:sp>
+          <p:sp>
+            <p:nvSpPr>
+              <p:cNvPr id="276" name="TextBox 275"/>
+              <p:cNvSpPr txBox="1"/>
+              <p:nvPr/>
+            </p:nvSpPr>
+            <p:spPr>
+              <a:xfrm>
+                <a:off x="4438318" y="3736286"/>
+                <a:ext cx="632264" cy="215444"/>
+              </a:xfrm>
+              <a:prstGeom prst="rect">
+                <a:avLst/>
+              </a:prstGeom>
+              <a:noFill/>
+            </p:spPr>
+            <p:txBody>
+              <a:bodyPr wrap="square" rtlCol="0">
+                <a:spAutoFit/>
+              </a:bodyPr>
+              <a:lstStyle/>
+              <a:p>
+                <a:r>
+                  <a:rPr lang="en-GB" sz="800" dirty="0" smtClean="0">
+                    <a:latin typeface="Times New Roman"/>
+                    <a:cs typeface="Times New Roman"/>
+                  </a:rPr>
+                  <a:t>12.5 m</a:t>
+                </a:r>
+                <a:endParaRPr lang="en-GB" sz="800" dirty="0">
+                  <a:latin typeface="Times New Roman"/>
+                  <a:cs typeface="Times New Roman"/>
+                </a:endParaRPr>
+              </a:p>
+            </p:txBody>
+          </p:sp>
+          <p:cxnSp>
+            <p:nvCxnSpPr>
+              <p:cNvPr id="280" name="Straight Arrow Connector 279"/>
+              <p:cNvCxnSpPr/>
+              <p:nvPr/>
+            </p:nvCxnSpPr>
+            <p:spPr>
+              <a:xfrm rot="16200000">
+                <a:off x="4676017" y="4362337"/>
+                <a:ext cx="0" cy="125720"/>
+              </a:xfrm>
+              <a:prstGeom prst="straightConnector1">
+                <a:avLst/>
+              </a:prstGeom>
+              <a:ln w="12700" cmpd="sng">
+                <a:solidFill>
+                  <a:schemeClr val="tx1"/>
+                </a:solidFill>
+                <a:tailEnd type="arrow" w="sm" len="sm"/>
+              </a:ln>
+              <a:effectLst/>
+            </p:spPr>
+            <p:style>
+              <a:lnRef idx="2">
+                <a:schemeClr val="accent1"/>
+              </a:lnRef>
+              <a:fillRef idx="0">
+                <a:schemeClr val="accent1"/>
+              </a:fillRef>
+              <a:effectRef idx="1">
+                <a:schemeClr val="accent1"/>
+              </a:effectRef>
+              <a:fontRef idx="minor">
+                <a:schemeClr val="tx1"/>
+              </a:fontRef>
+            </p:style>
+          </p:cxnSp>
+          <p:cxnSp>
+            <p:nvCxnSpPr>
+              <p:cNvPr id="281" name="Straight Arrow Connector 280"/>
+              <p:cNvCxnSpPr/>
+              <p:nvPr/>
+            </p:nvCxnSpPr>
+            <p:spPr>
+              <a:xfrm rot="16200000" flipV="1">
+                <a:off x="4041195" y="4362337"/>
+                <a:ext cx="0" cy="125720"/>
+              </a:xfrm>
+              <a:prstGeom prst="straightConnector1">
+                <a:avLst/>
+              </a:prstGeom>
+              <a:ln w="12700" cmpd="sng">
+                <a:solidFill>
+                  <a:schemeClr val="tx1"/>
+                </a:solidFill>
+                <a:tailEnd type="arrow" w="sm" len="sm"/>
+              </a:ln>
+              <a:effectLst/>
+            </p:spPr>
+            <p:style>
+              <a:lnRef idx="2">
+                <a:schemeClr val="accent1"/>
+              </a:lnRef>
+              <a:fillRef idx="0">
+                <a:schemeClr val="accent1"/>
+              </a:fillRef>
+              <a:effectRef idx="1">
+                <a:schemeClr val="accent1"/>
+              </a:effectRef>
+              <a:fontRef idx="minor">
+                <a:schemeClr val="tx1"/>
+              </a:fontRef>
+            </p:style>
+          </p:cxnSp>
+          <p:sp>
+            <p:nvSpPr>
+              <p:cNvPr id="282" name="TextBox 281"/>
+              <p:cNvSpPr txBox="1"/>
+              <p:nvPr/>
+            </p:nvSpPr>
+            <p:spPr>
+              <a:xfrm>
+                <a:off x="4119276" y="4291282"/>
+                <a:ext cx="562584" cy="215444"/>
+              </a:xfrm>
+              <a:prstGeom prst="rect">
+                <a:avLst/>
+              </a:prstGeom>
+              <a:noFill/>
+            </p:spPr>
+            <p:txBody>
+              <a:bodyPr wrap="square" rtlCol="0">
+                <a:spAutoFit/>
+              </a:bodyPr>
+              <a:lstStyle/>
+              <a:p>
+                <a:r>
+                  <a:rPr lang="en-GB" sz="800" dirty="0" smtClean="0">
+                    <a:latin typeface="Times New Roman"/>
+                    <a:cs typeface="Times New Roman"/>
+                  </a:rPr>
+                  <a:t>1000 m</a:t>
+                </a:r>
+                <a:endParaRPr lang="en-GB" sz="800" dirty="0">
+                  <a:latin typeface="Times New Roman"/>
+                  <a:cs typeface="Times New Roman"/>
+                </a:endParaRPr>
+              </a:p>
+            </p:txBody>
+          </p:sp>
+        </p:grpSp>
+        <p:sp>
+          <p:nvSpPr>
+            <p:cNvPr id="290" name="Rectangle 289"/>
+            <p:cNvSpPr/>
+            <p:nvPr/>
+          </p:nvSpPr>
+          <p:spPr>
+            <a:xfrm>
+              <a:off x="3169431" y="4085126"/>
+              <a:ext cx="2054990" cy="653054"/>
+            </a:xfrm>
+            <a:prstGeom prst="rect">
+              <a:avLst/>
+            </a:prstGeom>
+            <a:noFill/>
+            <a:ln>
+              <a:noFill/>
+            </a:ln>
+            <a:effectLst/>
+          </p:spPr>
+          <p:style>
+            <a:lnRef idx="1">
+              <a:schemeClr val="accent1"/>
+            </a:lnRef>
+            <a:fillRef idx="3">
+              <a:schemeClr val="accent1"/>
+            </a:fillRef>
+            <a:effectRef idx="2">
+              <a:schemeClr val="accent1"/>
+            </a:effectRef>
+            <a:fontRef idx="minor">
+              <a:schemeClr val="lt1"/>
+            </a:fontRef>
+          </p:style>
+          <p:txBody>
+            <a:bodyPr rtlCol="0" anchor="ctr"/>
+            <a:lstStyle/>
+            <a:p>
+              <a:pPr algn="ctr"/>
+              <a:endParaRPr lang="en-GB"/>
+            </a:p>
+          </p:txBody>
+        </p:sp>
+      </p:grpSp>
+      <p:grpSp>
+        <p:nvGrpSpPr>
+          <p:cNvPr id="294" name="Group 293"/>
+          <p:cNvGrpSpPr/>
+          <p:nvPr/>
+        </p:nvGrpSpPr>
+        <p:grpSpPr>
+          <a:xfrm>
+            <a:off x="5035340" y="2228322"/>
+            <a:ext cx="2054990" cy="833566"/>
+            <a:chOff x="5035340" y="2228322"/>
+            <a:chExt cx="2054990" cy="833566"/>
+          </a:xfrm>
+        </p:grpSpPr>
+        <p:grpSp>
+          <p:nvGrpSpPr>
+            <p:cNvPr id="284" name="Group 283"/>
+            <p:cNvGrpSpPr/>
+            <p:nvPr/>
+          </p:nvGrpSpPr>
+          <p:grpSpPr>
+            <a:xfrm>
+              <a:off x="5097685" y="2228322"/>
+              <a:ext cx="1930300" cy="833566"/>
+              <a:chOff x="5095199" y="2351715"/>
+              <a:chExt cx="1930300" cy="833566"/>
+            </a:xfrm>
+          </p:grpSpPr>
+          <p:cxnSp>
+            <p:nvCxnSpPr>
+              <p:cNvPr id="258" name="Straight Connector 257"/>
+              <p:cNvCxnSpPr/>
+              <p:nvPr/>
+            </p:nvCxnSpPr>
+            <p:spPr>
+              <a:xfrm>
+                <a:off x="5522772" y="2837785"/>
+                <a:ext cx="576725" cy="0"/>
+              </a:xfrm>
+              <a:prstGeom prst="line">
+                <a:avLst/>
+              </a:prstGeom>
+              <a:ln w="12700">
+                <a:solidFill>
+                  <a:schemeClr val="tx1"/>
+                </a:solidFill>
+                <a:prstDash val="sysDot"/>
+              </a:ln>
+              <a:effectLst/>
+            </p:spPr>
+            <p:style>
+              <a:lnRef idx="2">
+                <a:schemeClr val="accent1"/>
+              </a:lnRef>
+              <a:fillRef idx="0">
+                <a:schemeClr val="accent1"/>
+              </a:fillRef>
+              <a:effectRef idx="1">
+                <a:schemeClr val="accent1"/>
+              </a:effectRef>
+              <a:fontRef idx="minor">
+                <a:schemeClr val="tx1"/>
+              </a:fontRef>
+            </p:style>
+          </p:cxnSp>
+          <p:cxnSp>
+            <p:nvCxnSpPr>
+              <p:cNvPr id="235" name="Straight Connector 234"/>
+              <p:cNvCxnSpPr/>
+              <p:nvPr/>
+            </p:nvCxnSpPr>
+            <p:spPr>
+              <a:xfrm>
+                <a:off x="6090481" y="2424344"/>
+                <a:ext cx="302457" cy="0"/>
+              </a:xfrm>
+              <a:prstGeom prst="line">
+                <a:avLst/>
+              </a:prstGeom>
+              <a:ln w="12700">
+                <a:solidFill>
+                  <a:schemeClr val="tx1"/>
+                </a:solidFill>
+                <a:prstDash val="sysDot"/>
+              </a:ln>
+              <a:effectLst/>
+            </p:spPr>
+            <p:style>
+              <a:lnRef idx="2">
+                <a:schemeClr val="accent1"/>
+              </a:lnRef>
+              <a:fillRef idx="0">
+                <a:schemeClr val="accent1"/>
+              </a:fillRef>
+              <a:effectRef idx="1">
+                <a:schemeClr val="accent1"/>
+              </a:effectRef>
+              <a:fontRef idx="minor">
+                <a:schemeClr val="tx1"/>
+              </a:fontRef>
+            </p:style>
+          </p:cxnSp>
+          <p:cxnSp>
+            <p:nvCxnSpPr>
+              <p:cNvPr id="230" name="Straight Connector 229"/>
+              <p:cNvCxnSpPr/>
+              <p:nvPr/>
+            </p:nvCxnSpPr>
+            <p:spPr>
+              <a:xfrm>
+                <a:off x="5521024" y="2703545"/>
+                <a:ext cx="871914" cy="0"/>
+              </a:xfrm>
+              <a:prstGeom prst="line">
+                <a:avLst/>
+              </a:prstGeom>
+              <a:ln w="12700">
+                <a:solidFill>
+                  <a:schemeClr val="tx1"/>
+                </a:solidFill>
+                <a:prstDash val="sysDot"/>
+              </a:ln>
+              <a:effectLst/>
+            </p:spPr>
+            <p:style>
+              <a:lnRef idx="2">
+                <a:schemeClr val="accent1"/>
+              </a:lnRef>
+              <a:fillRef idx="0">
+                <a:schemeClr val="accent1"/>
+              </a:fillRef>
+              <a:effectRef idx="1">
+                <a:schemeClr val="accent1"/>
+              </a:effectRef>
+              <a:fontRef idx="minor">
+                <a:schemeClr val="tx1"/>
+              </a:fontRef>
+            </p:style>
+          </p:cxnSp>
+          <p:grpSp>
+            <p:nvGrpSpPr>
+              <p:cNvPr id="197" name="Group 196"/>
+              <p:cNvGrpSpPr/>
+              <p:nvPr/>
+            </p:nvGrpSpPr>
+            <p:grpSpPr>
+              <a:xfrm>
+                <a:off x="5638943" y="2351715"/>
+                <a:ext cx="532745" cy="833566"/>
+                <a:chOff x="4203880" y="2217717"/>
+                <a:chExt cx="532745" cy="833566"/>
+              </a:xfrm>
+            </p:grpSpPr>
+            <p:grpSp>
+              <p:nvGrpSpPr>
+                <p:cNvPr id="174" name="Group 173"/>
+                <p:cNvGrpSpPr/>
+                <p:nvPr/>
+              </p:nvGrpSpPr>
+              <p:grpSpPr>
+                <a:xfrm>
+                  <a:off x="4600764" y="2217717"/>
+                  <a:ext cx="135861" cy="833566"/>
+                  <a:chOff x="5430191" y="2470369"/>
+                  <a:chExt cx="135861" cy="833566"/>
+                </a:xfrm>
+              </p:grpSpPr>
+              <p:sp>
+                <p:nvSpPr>
+                  <p:cNvPr id="162" name="Explosion 1 161"/>
+                  <p:cNvSpPr/>
+                  <p:nvPr/>
+                </p:nvSpPr>
+                <p:spPr>
+                  <a:xfrm>
+                    <a:off x="5430191" y="2888989"/>
+                    <a:ext cx="135861" cy="135866"/>
+                  </a:xfrm>
+                  <a:prstGeom prst="irregularSeal1">
+                    <a:avLst/>
+                  </a:prstGeom>
+                  <a:solidFill>
+                    <a:schemeClr val="tx1">
+                      <a:lumMod val="75000"/>
+                      <a:lumOff val="25000"/>
+                    </a:schemeClr>
+                  </a:solidFill>
+                  <a:ln>
+                    <a:noFill/>
+                  </a:ln>
+                  <a:effectLst/>
+                </p:spPr>
+                <p:style>
+                  <a:lnRef idx="1">
+                    <a:schemeClr val="accent1"/>
+                  </a:lnRef>
+                  <a:fillRef idx="3">
+                    <a:schemeClr val="accent1"/>
+                  </a:fillRef>
+                  <a:effectRef idx="2">
+                    <a:schemeClr val="accent1"/>
+                  </a:effectRef>
+                  <a:fontRef idx="minor">
+                    <a:schemeClr val="lt1"/>
+                  </a:fontRef>
+                </p:style>
+                <p:txBody>
+                  <a:bodyPr rtlCol="0" anchor="ctr"/>
+                  <a:lstStyle/>
+                  <a:p>
+                    <a:pPr algn="ctr"/>
+                    <a:endParaRPr lang="en-GB"/>
+                  </a:p>
+                </p:txBody>
+              </p:sp>
+              <p:sp>
+                <p:nvSpPr>
+                  <p:cNvPr id="163" name="Explosion 1 162"/>
+                  <p:cNvSpPr/>
+                  <p:nvPr/>
+                </p:nvSpPr>
+                <p:spPr>
+                  <a:xfrm>
+                    <a:off x="5430191" y="3168069"/>
+                    <a:ext cx="135861" cy="135866"/>
+                  </a:xfrm>
+                  <a:prstGeom prst="irregularSeal1">
+                    <a:avLst/>
+                  </a:prstGeom>
+                  <a:solidFill>
+                    <a:schemeClr val="tx1">
+                      <a:lumMod val="75000"/>
+                      <a:lumOff val="25000"/>
+                    </a:schemeClr>
+                  </a:solidFill>
+                  <a:ln>
+                    <a:noFill/>
+                  </a:ln>
+                  <a:effectLst/>
+                </p:spPr>
+                <p:style>
+                  <a:lnRef idx="1">
+                    <a:schemeClr val="accent1"/>
+                  </a:lnRef>
+                  <a:fillRef idx="3">
+                    <a:schemeClr val="accent1"/>
+                  </a:fillRef>
+                  <a:effectRef idx="2">
+                    <a:schemeClr val="accent1"/>
+                  </a:effectRef>
+                  <a:fontRef idx="minor">
+                    <a:schemeClr val="lt1"/>
+                  </a:fontRef>
+                </p:style>
+                <p:txBody>
+                  <a:bodyPr rtlCol="0" anchor="ctr"/>
+                  <a:lstStyle/>
+                  <a:p>
+                    <a:pPr algn="ctr"/>
+                    <a:endParaRPr lang="en-GB"/>
+                  </a:p>
+                </p:txBody>
+              </p:sp>
+              <p:sp>
+                <p:nvSpPr>
+                  <p:cNvPr id="165" name="Explosion 1 164"/>
+                  <p:cNvSpPr/>
+                  <p:nvPr/>
+                </p:nvSpPr>
+                <p:spPr>
+                  <a:xfrm>
+                    <a:off x="5430191" y="2749449"/>
+                    <a:ext cx="135861" cy="135866"/>
+                  </a:xfrm>
+                  <a:prstGeom prst="irregularSeal1">
+                    <a:avLst/>
+                  </a:prstGeom>
+                  <a:solidFill>
+                    <a:schemeClr val="tx1">
+                      <a:lumMod val="75000"/>
+                      <a:lumOff val="25000"/>
+                    </a:schemeClr>
+                  </a:solidFill>
+                  <a:ln>
+                    <a:noFill/>
+                  </a:ln>
+                  <a:effectLst/>
+                </p:spPr>
+                <p:style>
+                  <a:lnRef idx="1">
+                    <a:schemeClr val="accent1"/>
+                  </a:lnRef>
+                  <a:fillRef idx="3">
+                    <a:schemeClr val="accent1"/>
+                  </a:fillRef>
+                  <a:effectRef idx="2">
+                    <a:schemeClr val="accent1"/>
+                  </a:effectRef>
+                  <a:fontRef idx="minor">
+                    <a:schemeClr val="lt1"/>
+                  </a:fontRef>
+                </p:style>
+                <p:txBody>
+                  <a:bodyPr rtlCol="0" anchor="ctr"/>
+                  <a:lstStyle/>
+                  <a:p>
+                    <a:pPr algn="ctr"/>
+                    <a:endParaRPr lang="en-GB"/>
+                  </a:p>
+                </p:txBody>
+              </p:sp>
+              <p:sp>
+                <p:nvSpPr>
+                  <p:cNvPr id="166" name="Explosion 1 165"/>
+                  <p:cNvSpPr/>
+                  <p:nvPr/>
+                </p:nvSpPr>
+                <p:spPr>
+                  <a:xfrm>
+                    <a:off x="5430191" y="2470369"/>
+                    <a:ext cx="135861" cy="135866"/>
+                  </a:xfrm>
+                  <a:prstGeom prst="irregularSeal1">
+                    <a:avLst/>
+                  </a:prstGeom>
+                  <a:solidFill>
+                    <a:schemeClr val="tx1">
+                      <a:lumMod val="75000"/>
+                      <a:lumOff val="25000"/>
+                    </a:schemeClr>
+                  </a:solidFill>
+                  <a:ln>
+                    <a:noFill/>
+                  </a:ln>
+                  <a:effectLst/>
+                </p:spPr>
+                <p:style>
+                  <a:lnRef idx="1">
+                    <a:schemeClr val="accent1"/>
+                  </a:lnRef>
+                  <a:fillRef idx="3">
+                    <a:schemeClr val="accent1"/>
+                  </a:fillRef>
+                  <a:effectRef idx="2">
+                    <a:schemeClr val="accent1"/>
+                  </a:effectRef>
+                  <a:fontRef idx="minor">
+                    <a:schemeClr val="lt1"/>
+                  </a:fontRef>
+                </p:style>
+                <p:txBody>
+                  <a:bodyPr rtlCol="0" anchor="ctr"/>
+                  <a:lstStyle/>
+                  <a:p>
+                    <a:pPr algn="ctr"/>
+                    <a:endParaRPr lang="en-GB"/>
+                  </a:p>
+                </p:txBody>
+              </p:sp>
+            </p:grpSp>
+            <p:grpSp>
+              <p:nvGrpSpPr>
+                <p:cNvPr id="195" name="Group 194"/>
+                <p:cNvGrpSpPr/>
+                <p:nvPr/>
+              </p:nvGrpSpPr>
+              <p:grpSpPr>
+                <a:xfrm>
+                  <a:off x="4203880" y="2522129"/>
+                  <a:ext cx="134618" cy="245513"/>
+                  <a:chOff x="5177149" y="3259359"/>
+                  <a:chExt cx="134618" cy="245513"/>
+                </a:xfrm>
+              </p:grpSpPr>
+              <p:sp>
+                <p:nvSpPr>
+                  <p:cNvPr id="175" name="Isosceles Triangle 174"/>
+                  <p:cNvSpPr/>
+                  <p:nvPr/>
+                </p:nvSpPr>
+                <p:spPr>
+                  <a:xfrm rot="10800000">
+                    <a:off x="5178417" y="3259359"/>
+                    <a:ext cx="133350" cy="114957"/>
+                  </a:xfrm>
+                  <a:prstGeom prst="triangle">
+                    <a:avLst/>
+                  </a:prstGeom>
+                  <a:solidFill>
+                    <a:srgbClr val="0000FF"/>
+                  </a:solidFill>
+                  <a:ln>
+                    <a:solidFill>
+                      <a:schemeClr val="tx1"/>
+                    </a:solidFill>
+                  </a:ln>
+                  <a:effectLst/>
+                </p:spPr>
+                <p:style>
+                  <a:lnRef idx="1">
+                    <a:schemeClr val="accent1"/>
+                  </a:lnRef>
+                  <a:fillRef idx="3">
+                    <a:schemeClr val="accent1"/>
+                  </a:fillRef>
+                  <a:effectRef idx="2">
+                    <a:schemeClr val="accent1"/>
+                  </a:effectRef>
+                  <a:fontRef idx="minor">
+                    <a:schemeClr val="lt1"/>
+                  </a:fontRef>
+                </p:style>
+                <p:txBody>
+                  <a:bodyPr rtlCol="0" anchor="ctr"/>
+                  <a:lstStyle/>
+                  <a:p>
+                    <a:pPr algn="ctr"/>
+                    <a:endParaRPr lang="en-GB"/>
+                  </a:p>
+                </p:txBody>
+              </p:sp>
+              <p:sp>
+                <p:nvSpPr>
+                  <p:cNvPr id="176" name="Isosceles Triangle 175"/>
+                  <p:cNvSpPr/>
+                  <p:nvPr/>
+                </p:nvSpPr>
+                <p:spPr>
+                  <a:xfrm rot="10800000">
+                    <a:off x="5177149" y="3389915"/>
+                    <a:ext cx="133350" cy="114957"/>
+                  </a:xfrm>
+                  <a:prstGeom prst="triangle">
+                    <a:avLst/>
+                  </a:prstGeom>
+                  <a:solidFill>
+                    <a:srgbClr val="FF0000"/>
+                  </a:solidFill>
+                  <a:ln>
+                    <a:solidFill>
+                      <a:schemeClr val="tx1"/>
+                    </a:solidFill>
+                  </a:ln>
+                  <a:effectLst/>
+                </p:spPr>
+                <p:style>
+                  <a:lnRef idx="1">
+                    <a:schemeClr val="accent1"/>
+                  </a:lnRef>
+                  <a:fillRef idx="3">
+                    <a:schemeClr val="accent1"/>
+                  </a:fillRef>
+                  <a:effectRef idx="2">
+                    <a:schemeClr val="accent1"/>
+                  </a:effectRef>
+                  <a:fontRef idx="minor">
+                    <a:schemeClr val="lt1"/>
+                  </a:fontRef>
+                </p:style>
+                <p:txBody>
+                  <a:bodyPr rtlCol="0" anchor="ctr"/>
+                  <a:lstStyle/>
+                  <a:p>
+                    <a:pPr algn="ctr"/>
+                    <a:endParaRPr lang="en-GB"/>
+                  </a:p>
+                </p:txBody>
+              </p:sp>
+            </p:grpSp>
+            <p:grpSp>
+              <p:nvGrpSpPr>
+                <p:cNvPr id="194" name="Group 193"/>
+                <p:cNvGrpSpPr/>
+                <p:nvPr/>
+              </p:nvGrpSpPr>
+              <p:grpSpPr>
+                <a:xfrm>
+                  <a:off x="4366581" y="2299908"/>
+                  <a:ext cx="206099" cy="616201"/>
+                  <a:chOff x="5371972" y="3037138"/>
+                  <a:chExt cx="206099" cy="616201"/>
+                </a:xfrm>
+              </p:grpSpPr>
+              <p:grpSp>
+                <p:nvGrpSpPr>
+                  <p:cNvPr id="189" name="Group 188"/>
+                  <p:cNvGrpSpPr/>
+                  <p:nvPr/>
+                </p:nvGrpSpPr>
+                <p:grpSpPr>
+                  <a:xfrm>
+                    <a:off x="5371972" y="3113645"/>
+                    <a:ext cx="177800" cy="539694"/>
+                    <a:chOff x="5719078" y="3117878"/>
+                    <a:chExt cx="177800" cy="539694"/>
+                  </a:xfrm>
+                </p:grpSpPr>
+                <p:sp>
+                  <p:nvSpPr>
+                    <p:cNvPr id="185" name="TextBox 184"/>
+                    <p:cNvSpPr txBox="1"/>
+                    <p:nvPr/>
+                  </p:nvSpPr>
+                  <p:spPr>
+                    <a:xfrm>
+                      <a:off x="5719078" y="3271154"/>
+                      <a:ext cx="177800" cy="184666"/>
+                    </a:xfrm>
+                    <a:prstGeom prst="rect">
+                      <a:avLst/>
+                    </a:prstGeom>
+                    <a:noFill/>
+                    <a:ln>
+                      <a:noFill/>
+                    </a:ln>
+                  </p:spPr>
+                  <p:txBody>
+                    <a:bodyPr wrap="square" rtlCol="0">
+                      <a:spAutoFit/>
+                    </a:bodyPr>
+                    <a:lstStyle/>
+                    <a:p>
+                      <a:r>
+                        <a:rPr lang="en-GB" sz="600" b="1" dirty="0" smtClean="0">
+                          <a:solidFill>
+                            <a:srgbClr val="FF0000"/>
+                          </a:solidFill>
+                          <a:cs typeface="Times New Roman"/>
+                        </a:rPr>
+                        <a:t>x</a:t>
+                      </a:r>
+                      <a:endParaRPr lang="en-GB" sz="600" b="1" dirty="0">
+                        <a:solidFill>
+                          <a:srgbClr val="FF0000"/>
+                        </a:solidFill>
+                        <a:cs typeface="Times New Roman"/>
+                      </a:endParaRPr>
+                    </a:p>
+                  </p:txBody>
+                </p:sp>
+                <p:sp>
+                  <p:nvSpPr>
+                    <p:cNvPr id="183" name="TextBox 182"/>
+                    <p:cNvSpPr txBox="1"/>
+                    <p:nvPr/>
+                  </p:nvSpPr>
+                  <p:spPr>
+                    <a:xfrm>
+                      <a:off x="5719078" y="3346683"/>
+                      <a:ext cx="177800" cy="184666"/>
+                    </a:xfrm>
+                    <a:prstGeom prst="rect">
+                      <a:avLst/>
+                    </a:prstGeom>
+                    <a:noFill/>
+                    <a:ln>
+                      <a:noFill/>
+                    </a:ln>
+                  </p:spPr>
+                  <p:txBody>
+                    <a:bodyPr wrap="square" rtlCol="0">
+                      <a:spAutoFit/>
+                    </a:bodyPr>
+                    <a:lstStyle/>
+                    <a:p>
+                      <a:r>
+                        <a:rPr lang="en-GB" sz="600" b="1" dirty="0" smtClean="0">
+                          <a:solidFill>
+                            <a:srgbClr val="FF0000"/>
+                          </a:solidFill>
+                          <a:cs typeface="Times New Roman"/>
+                        </a:rPr>
+                        <a:t>x</a:t>
+                      </a:r>
+                      <a:endParaRPr lang="en-GB" sz="600" b="1" dirty="0">
+                        <a:solidFill>
+                          <a:srgbClr val="FF0000"/>
+                        </a:solidFill>
+                        <a:cs typeface="Times New Roman"/>
+                      </a:endParaRPr>
+                    </a:p>
+                  </p:txBody>
+                </p:sp>
+                <p:sp>
+                  <p:nvSpPr>
+                    <p:cNvPr id="184" name="TextBox 183"/>
+                    <p:cNvSpPr txBox="1"/>
+                    <p:nvPr/>
+                  </p:nvSpPr>
+                  <p:spPr>
+                    <a:xfrm>
+                      <a:off x="5719078" y="3117878"/>
+                      <a:ext cx="177800" cy="184666"/>
+                    </a:xfrm>
+                    <a:prstGeom prst="rect">
+                      <a:avLst/>
+                    </a:prstGeom>
+                    <a:noFill/>
+                    <a:ln>
+                      <a:noFill/>
+                    </a:ln>
+                  </p:spPr>
+                  <p:txBody>
+                    <a:bodyPr wrap="square" rtlCol="0">
+                      <a:spAutoFit/>
+                    </a:bodyPr>
+                    <a:lstStyle/>
+                    <a:p>
+                      <a:r>
+                        <a:rPr lang="en-GB" sz="600" b="1" dirty="0" smtClean="0">
+                          <a:solidFill>
+                            <a:srgbClr val="FF0000"/>
+                          </a:solidFill>
+                          <a:cs typeface="Times New Roman"/>
+                        </a:rPr>
+                        <a:t>x</a:t>
+                      </a:r>
+                      <a:endParaRPr lang="en-GB" sz="600" b="1" dirty="0">
+                        <a:solidFill>
+                          <a:srgbClr val="FF0000"/>
+                        </a:solidFill>
+                        <a:cs typeface="Times New Roman"/>
+                      </a:endParaRPr>
+                    </a:p>
+                  </p:txBody>
+                </p:sp>
+                <p:sp>
+                  <p:nvSpPr>
+                    <p:cNvPr id="187" name="TextBox 186"/>
+                    <p:cNvSpPr txBox="1"/>
+                    <p:nvPr/>
+                  </p:nvSpPr>
+                  <p:spPr>
+                    <a:xfrm>
+                      <a:off x="5719078" y="3472906"/>
+                      <a:ext cx="177800" cy="184666"/>
+                    </a:xfrm>
+                    <a:prstGeom prst="rect">
+                      <a:avLst/>
+                    </a:prstGeom>
+                    <a:noFill/>
+                    <a:ln>
+                      <a:noFill/>
+                    </a:ln>
+                  </p:spPr>
+                  <p:txBody>
+                    <a:bodyPr wrap="square" rtlCol="0">
+                      <a:spAutoFit/>
+                    </a:bodyPr>
+                    <a:lstStyle/>
+                    <a:p>
+                      <a:r>
+                        <a:rPr lang="en-GB" sz="600" b="1" dirty="0" smtClean="0">
+                          <a:solidFill>
+                            <a:srgbClr val="FF0000"/>
+                          </a:solidFill>
+                          <a:cs typeface="Times New Roman"/>
+                        </a:rPr>
+                        <a:t>x</a:t>
+                      </a:r>
+                      <a:endParaRPr lang="en-GB" sz="600" b="1" dirty="0">
+                        <a:solidFill>
+                          <a:srgbClr val="FF0000"/>
+                        </a:solidFill>
+                        <a:cs typeface="Times New Roman"/>
+                      </a:endParaRPr>
+                    </a:p>
+                  </p:txBody>
+                </p:sp>
+              </p:grpSp>
+              <p:grpSp>
+                <p:nvGrpSpPr>
+                  <p:cNvPr id="188" name="Group 187"/>
+                  <p:cNvGrpSpPr/>
+                  <p:nvPr/>
+                </p:nvGrpSpPr>
+                <p:grpSpPr>
+                  <a:xfrm>
+                    <a:off x="5393405" y="3037138"/>
+                    <a:ext cx="184666" cy="543936"/>
+                    <a:chOff x="5393405" y="3037138"/>
+                    <a:chExt cx="184666" cy="543936"/>
+                  </a:xfrm>
+                </p:grpSpPr>
+                <p:sp>
+                  <p:nvSpPr>
+                    <p:cNvPr id="177" name="TextBox 176"/>
+                    <p:cNvSpPr txBox="1"/>
+                    <p:nvPr/>
+                  </p:nvSpPr>
+                  <p:spPr>
+                    <a:xfrm rot="5400000">
+                      <a:off x="5396838" y="3190314"/>
+                      <a:ext cx="177800" cy="184666"/>
+                    </a:xfrm>
+                    <a:prstGeom prst="rect">
+                      <a:avLst/>
+                    </a:prstGeom>
+                    <a:noFill/>
+                    <a:ln>
+                      <a:noFill/>
+                    </a:ln>
+                  </p:spPr>
+                  <p:txBody>
+                    <a:bodyPr wrap="square" rtlCol="0">
+                      <a:spAutoFit/>
+                    </a:bodyPr>
+                    <a:lstStyle/>
+                    <a:p>
+                      <a:r>
+                        <a:rPr lang="en-GB" sz="600" b="1" dirty="0" smtClean="0">
+                          <a:solidFill>
+                            <a:srgbClr val="0000FF"/>
+                          </a:solidFill>
+                          <a:cs typeface="Times New Roman"/>
+                        </a:rPr>
+                        <a:t>+</a:t>
+                      </a:r>
+                      <a:endParaRPr lang="en-GB" sz="600" b="1" dirty="0">
+                        <a:solidFill>
+                          <a:srgbClr val="0000FF"/>
+                        </a:solidFill>
+                        <a:cs typeface="Times New Roman"/>
+                      </a:endParaRPr>
+                    </a:p>
+                  </p:txBody>
+                </p:sp>
+                <p:sp>
+                  <p:nvSpPr>
+                    <p:cNvPr id="178" name="TextBox 177"/>
+                    <p:cNvSpPr txBox="1"/>
+                    <p:nvPr/>
+                  </p:nvSpPr>
+                  <p:spPr>
+                    <a:xfrm rot="5400000">
+                      <a:off x="5396838" y="3033705"/>
+                      <a:ext cx="177800" cy="184666"/>
+                    </a:xfrm>
+                    <a:prstGeom prst="rect">
+                      <a:avLst/>
+                    </a:prstGeom>
+                    <a:noFill/>
+                    <a:ln>
+                      <a:noFill/>
+                    </a:ln>
+                  </p:spPr>
+                  <p:txBody>
+                    <a:bodyPr wrap="square" rtlCol="0">
+                      <a:spAutoFit/>
+                    </a:bodyPr>
+                    <a:lstStyle/>
+                    <a:p>
+                      <a:r>
+                        <a:rPr lang="en-GB" sz="600" b="1" dirty="0" smtClean="0">
+                          <a:solidFill>
+                            <a:srgbClr val="0000FF"/>
+                          </a:solidFill>
+                          <a:cs typeface="Times New Roman"/>
+                        </a:rPr>
+                        <a:t>+</a:t>
+                      </a:r>
+                      <a:endParaRPr lang="en-GB" sz="600" b="1" dirty="0">
+                        <a:solidFill>
+                          <a:srgbClr val="0000FF"/>
+                        </a:solidFill>
+                        <a:cs typeface="Times New Roman"/>
+                      </a:endParaRPr>
+                    </a:p>
+                  </p:txBody>
+                </p:sp>
+                <p:sp>
+                  <p:nvSpPr>
+                    <p:cNvPr id="180" name="TextBox 179"/>
+                    <p:cNvSpPr txBox="1"/>
+                    <p:nvPr/>
+                  </p:nvSpPr>
+                  <p:spPr>
+                    <a:xfrm rot="5400000">
+                      <a:off x="5396838" y="3399841"/>
+                      <a:ext cx="177800" cy="184666"/>
+                    </a:xfrm>
+                    <a:prstGeom prst="rect">
+                      <a:avLst/>
+                    </a:prstGeom>
+                    <a:noFill/>
+                    <a:ln>
+                      <a:noFill/>
+                    </a:ln>
+                  </p:spPr>
+                  <p:txBody>
+                    <a:bodyPr wrap="square" rtlCol="0">
+                      <a:spAutoFit/>
+                    </a:bodyPr>
+                    <a:lstStyle/>
+                    <a:p>
+                      <a:r>
+                        <a:rPr lang="en-GB" sz="600" b="1" dirty="0" smtClean="0">
+                          <a:solidFill>
+                            <a:srgbClr val="0000FF"/>
+                          </a:solidFill>
+                          <a:cs typeface="Times New Roman"/>
+                        </a:rPr>
+                        <a:t>+</a:t>
+                      </a:r>
+                      <a:endParaRPr lang="en-GB" sz="600" b="1" dirty="0">
+                        <a:solidFill>
+                          <a:srgbClr val="0000FF"/>
+                        </a:solidFill>
+                        <a:cs typeface="Times New Roman"/>
+                      </a:endParaRPr>
+                    </a:p>
+                  </p:txBody>
+                </p:sp>
+                <p:sp>
+                  <p:nvSpPr>
+                    <p:cNvPr id="181" name="TextBox 180"/>
+                    <p:cNvSpPr txBox="1"/>
+                    <p:nvPr/>
+                  </p:nvSpPr>
+                  <p:spPr>
+                    <a:xfrm rot="5400000">
+                      <a:off x="5396838" y="3258050"/>
+                      <a:ext cx="177800" cy="184666"/>
+                    </a:xfrm>
+                    <a:prstGeom prst="rect">
+                      <a:avLst/>
+                    </a:prstGeom>
+                    <a:noFill/>
+                    <a:ln>
+                      <a:noFill/>
+                    </a:ln>
+                  </p:spPr>
+                  <p:txBody>
+                    <a:bodyPr wrap="square" rtlCol="0">
+                      <a:spAutoFit/>
+                    </a:bodyPr>
+                    <a:lstStyle/>
+                    <a:p>
+                      <a:r>
+                        <a:rPr lang="en-GB" sz="600" b="1" dirty="0" smtClean="0">
+                          <a:solidFill>
+                            <a:srgbClr val="0000FF"/>
+                          </a:solidFill>
+                          <a:cs typeface="Times New Roman"/>
+                        </a:rPr>
+                        <a:t>+</a:t>
+                      </a:r>
+                      <a:endParaRPr lang="en-GB" sz="600" b="1" dirty="0">
+                        <a:solidFill>
+                          <a:srgbClr val="0000FF"/>
+                        </a:solidFill>
+                        <a:cs typeface="Times New Roman"/>
+                      </a:endParaRPr>
+                    </a:p>
+                  </p:txBody>
+                </p:sp>
+              </p:grpSp>
+            </p:grpSp>
+          </p:grpSp>
+          <p:cxnSp>
+            <p:nvCxnSpPr>
+              <p:cNvPr id="226" name="Straight Arrow Connector 225"/>
+              <p:cNvCxnSpPr/>
+              <p:nvPr/>
+            </p:nvCxnSpPr>
+            <p:spPr>
+              <a:xfrm flipH="1">
+                <a:off x="6380238" y="2413408"/>
+                <a:ext cx="1" cy="282089"/>
+              </a:xfrm>
+              <a:prstGeom prst="straightConnector1">
+                <a:avLst/>
+              </a:prstGeom>
+              <a:ln w="12700" cmpd="sng">
+                <a:solidFill>
+                  <a:schemeClr val="tx1"/>
+                </a:solidFill>
+                <a:headEnd type="arrow" w="sm" len="sm"/>
+                <a:tailEnd type="arrow" w="sm" len="sm"/>
+              </a:ln>
+              <a:effectLst/>
+            </p:spPr>
+            <p:style>
+              <a:lnRef idx="2">
+                <a:schemeClr val="accent1"/>
+              </a:lnRef>
+              <a:fillRef idx="0">
+                <a:schemeClr val="accent1"/>
+              </a:fillRef>
+              <a:effectRef idx="1">
+                <a:schemeClr val="accent1"/>
+              </a:effectRef>
+              <a:fontRef idx="minor">
+                <a:schemeClr val="tx1"/>
+              </a:fontRef>
+            </p:style>
+          </p:cxnSp>
+          <p:cxnSp>
+            <p:nvCxnSpPr>
+              <p:cNvPr id="240" name="Straight Arrow Connector 239"/>
+              <p:cNvCxnSpPr/>
+              <p:nvPr/>
+            </p:nvCxnSpPr>
+            <p:spPr>
+              <a:xfrm>
+                <a:off x="5523988" y="2573230"/>
+                <a:ext cx="0" cy="125720"/>
+              </a:xfrm>
+              <a:prstGeom prst="straightConnector1">
+                <a:avLst/>
+              </a:prstGeom>
+              <a:ln w="12700" cmpd="sng">
+                <a:solidFill>
+                  <a:schemeClr val="tx1"/>
+                </a:solidFill>
+                <a:tailEnd type="arrow" w="sm" len="sm"/>
+              </a:ln>
+              <a:effectLst/>
+            </p:spPr>
+            <p:style>
+              <a:lnRef idx="2">
+                <a:schemeClr val="accent1"/>
+              </a:lnRef>
+              <a:fillRef idx="0">
+                <a:schemeClr val="accent1"/>
+              </a:fillRef>
+              <a:effectRef idx="1">
+                <a:schemeClr val="accent1"/>
+              </a:effectRef>
+              <a:fontRef idx="minor">
+                <a:schemeClr val="tx1"/>
+              </a:fontRef>
+            </p:style>
+          </p:cxnSp>
+          <p:cxnSp>
+            <p:nvCxnSpPr>
+              <p:cNvPr id="241" name="Straight Arrow Connector 240"/>
+              <p:cNvCxnSpPr/>
+              <p:nvPr/>
+            </p:nvCxnSpPr>
+            <p:spPr>
+              <a:xfrm flipV="1">
+                <a:off x="5523988" y="2839013"/>
+                <a:ext cx="0" cy="125720"/>
+              </a:xfrm>
+              <a:prstGeom prst="straightConnector1">
+                <a:avLst/>
+              </a:prstGeom>
+              <a:ln w="12700" cmpd="sng">
+                <a:solidFill>
+                  <a:schemeClr val="tx1"/>
+                </a:solidFill>
+                <a:tailEnd type="arrow" w="sm" len="sm"/>
+              </a:ln>
+              <a:effectLst/>
+            </p:spPr>
+            <p:style>
+              <a:lnRef idx="2">
+                <a:schemeClr val="accent1"/>
+              </a:lnRef>
+              <a:fillRef idx="0">
+                <a:schemeClr val="accent1"/>
+              </a:fillRef>
+              <a:effectRef idx="1">
+                <a:schemeClr val="accent1"/>
+              </a:effectRef>
+              <a:fontRef idx="minor">
+                <a:schemeClr val="tx1"/>
+              </a:fontRef>
+            </p:style>
+          </p:cxnSp>
+          <p:sp>
+            <p:nvSpPr>
+              <p:cNvPr id="269" name="TextBox 268"/>
+              <p:cNvSpPr txBox="1"/>
+              <p:nvPr/>
+            </p:nvSpPr>
+            <p:spPr>
+              <a:xfrm>
+                <a:off x="5095199" y="2651819"/>
+                <a:ext cx="632264" cy="215444"/>
+              </a:xfrm>
+              <a:prstGeom prst="rect">
+                <a:avLst/>
+              </a:prstGeom>
+              <a:noFill/>
+            </p:spPr>
+            <p:txBody>
+              <a:bodyPr wrap="square" rtlCol="0">
+                <a:spAutoFit/>
+              </a:bodyPr>
+              <a:lstStyle/>
+              <a:p>
+                <a:r>
+                  <a:rPr lang="en-GB" sz="800" dirty="0" smtClean="0">
+                    <a:latin typeface="Times New Roman"/>
+                    <a:cs typeface="Times New Roman"/>
+                  </a:rPr>
+                  <a:t>12.5 m</a:t>
+                </a:r>
+                <a:endParaRPr lang="en-GB" sz="800" dirty="0">
+                  <a:latin typeface="Times New Roman"/>
+                  <a:cs typeface="Times New Roman"/>
+                </a:endParaRPr>
+              </a:p>
+            </p:txBody>
+          </p:sp>
+          <p:sp>
+            <p:nvSpPr>
+              <p:cNvPr id="270" name="TextBox 269"/>
+              <p:cNvSpPr txBox="1"/>
+              <p:nvPr/>
+            </p:nvSpPr>
+            <p:spPr>
+              <a:xfrm>
+                <a:off x="6393235" y="2432987"/>
+                <a:ext cx="632264" cy="215444"/>
+              </a:xfrm>
+              <a:prstGeom prst="rect">
+                <a:avLst/>
+              </a:prstGeom>
+              <a:noFill/>
+            </p:spPr>
+            <p:txBody>
+              <a:bodyPr wrap="square" rtlCol="0">
+                <a:spAutoFit/>
+              </a:bodyPr>
+              <a:lstStyle/>
+              <a:p>
+                <a:r>
+                  <a:rPr lang="en-GB" sz="800" dirty="0">
+                    <a:latin typeface="Times New Roman"/>
+                    <a:cs typeface="Times New Roman"/>
+                  </a:rPr>
+                  <a:t>2</a:t>
+                </a:r>
+                <a:r>
+                  <a:rPr lang="en-GB" sz="800" dirty="0" smtClean="0">
+                    <a:latin typeface="Times New Roman"/>
+                    <a:cs typeface="Times New Roman"/>
+                  </a:rPr>
+                  <a:t>5 m</a:t>
+                </a:r>
+                <a:endParaRPr lang="en-GB" sz="800" dirty="0">
+                  <a:latin typeface="Times New Roman"/>
+                  <a:cs typeface="Times New Roman"/>
+                </a:endParaRPr>
+              </a:p>
+            </p:txBody>
+          </p:sp>
+        </p:grpSp>
+        <p:sp>
+          <p:nvSpPr>
+            <p:cNvPr id="291" name="Rectangle 290"/>
+            <p:cNvSpPr/>
+            <p:nvPr/>
+          </p:nvSpPr>
+          <p:spPr>
+            <a:xfrm>
+              <a:off x="5035340" y="2359462"/>
+              <a:ext cx="2054990" cy="653054"/>
+            </a:xfrm>
+            <a:prstGeom prst="rect">
+              <a:avLst/>
+            </a:prstGeom>
+            <a:noFill/>
+            <a:ln>
+              <a:noFill/>
+            </a:ln>
+            <a:effectLst/>
+          </p:spPr>
+          <p:style>
+            <a:lnRef idx="1">
+              <a:schemeClr val="accent1"/>
+            </a:lnRef>
+            <a:fillRef idx="3">
+              <a:schemeClr val="accent1"/>
+            </a:fillRef>
+            <a:effectRef idx="2">
+              <a:schemeClr val="accent1"/>
+            </a:effectRef>
+            <a:fontRef idx="minor">
+              <a:schemeClr val="lt1"/>
+            </a:fontRef>
+          </p:style>
+          <p:txBody>
+            <a:bodyPr rtlCol="0" anchor="ctr"/>
+            <a:lstStyle/>
+            <a:p>
+              <a:pPr algn="ctr"/>
+              <a:endParaRPr lang="en-GB"/>
+            </a:p>
+          </p:txBody>
+        </p:sp>
+      </p:grpSp>
+      <p:grpSp>
+        <p:nvGrpSpPr>
+          <p:cNvPr id="293" name="Group 292"/>
+          <p:cNvGrpSpPr/>
+          <p:nvPr/>
+        </p:nvGrpSpPr>
+        <p:grpSpPr>
+          <a:xfrm>
+            <a:off x="2964405" y="2228322"/>
+            <a:ext cx="2054990" cy="1037363"/>
+            <a:chOff x="2964405" y="2228322"/>
+            <a:chExt cx="2054990" cy="1037363"/>
+          </a:xfrm>
+        </p:grpSpPr>
+        <p:grpSp>
+          <p:nvGrpSpPr>
+            <p:cNvPr id="283" name="Group 282"/>
+            <p:cNvGrpSpPr/>
+            <p:nvPr/>
+          </p:nvGrpSpPr>
+          <p:grpSpPr>
+            <a:xfrm>
+              <a:off x="3362473" y="2228322"/>
+              <a:ext cx="1258855" cy="1037363"/>
+              <a:chOff x="4208970" y="2303576"/>
+              <a:chExt cx="1258855" cy="1037363"/>
+            </a:xfrm>
+          </p:grpSpPr>
+          <p:cxnSp>
+            <p:nvCxnSpPr>
+              <p:cNvPr id="265" name="Straight Connector 264"/>
+              <p:cNvCxnSpPr/>
+              <p:nvPr/>
+            </p:nvCxnSpPr>
+            <p:spPr>
+              <a:xfrm>
+                <a:off x="4656854" y="2578196"/>
+                <a:ext cx="241118" cy="0"/>
+              </a:xfrm>
+              <a:prstGeom prst="line">
+                <a:avLst/>
+              </a:prstGeom>
+              <a:ln w="12700">
+                <a:solidFill>
+                  <a:schemeClr val="tx1"/>
+                </a:solidFill>
+                <a:prstDash val="sysDot"/>
+              </a:ln>
+              <a:effectLst/>
+            </p:spPr>
+            <p:style>
+              <a:lnRef idx="2">
+                <a:schemeClr val="accent1"/>
+              </a:lnRef>
+              <a:fillRef idx="0">
+                <a:schemeClr val="accent1"/>
+              </a:fillRef>
+              <a:effectRef idx="1">
+                <a:schemeClr val="accent1"/>
+              </a:effectRef>
+              <a:fontRef idx="minor">
+                <a:schemeClr val="tx1"/>
+              </a:fontRef>
+            </p:style>
+          </p:cxnSp>
+          <p:cxnSp>
+            <p:nvCxnSpPr>
+              <p:cNvPr id="263" name="Straight Connector 262"/>
+              <p:cNvCxnSpPr/>
+              <p:nvPr/>
+            </p:nvCxnSpPr>
+            <p:spPr>
+              <a:xfrm>
+                <a:off x="4656854" y="2434262"/>
+                <a:ext cx="241118" cy="0"/>
+              </a:xfrm>
+              <a:prstGeom prst="line">
+                <a:avLst/>
+              </a:prstGeom>
+              <a:ln w="12700">
+                <a:solidFill>
+                  <a:schemeClr val="tx1"/>
+                </a:solidFill>
+                <a:prstDash val="sysDot"/>
+              </a:ln>
+              <a:effectLst/>
+            </p:spPr>
+            <p:style>
+              <a:lnRef idx="2">
+                <a:schemeClr val="accent1"/>
+              </a:lnRef>
+              <a:fillRef idx="0">
+                <a:schemeClr val="accent1"/>
+              </a:fillRef>
+              <a:effectRef idx="1">
+                <a:schemeClr val="accent1"/>
+              </a:effectRef>
+              <a:fontRef idx="minor">
+                <a:schemeClr val="tx1"/>
+              </a:fontRef>
+            </p:style>
+          </p:cxnSp>
+          <p:grpSp>
+            <p:nvGrpSpPr>
+              <p:cNvPr id="198" name="Group 197"/>
+              <p:cNvGrpSpPr/>
+              <p:nvPr/>
+            </p:nvGrpSpPr>
+            <p:grpSpPr>
+              <a:xfrm>
+                <a:off x="4208970" y="2313132"/>
+                <a:ext cx="535815" cy="1027807"/>
+                <a:chOff x="4208970" y="3035744"/>
+                <a:chExt cx="535815" cy="1027807"/>
+              </a:xfrm>
+            </p:grpSpPr>
+            <p:sp>
+              <p:nvSpPr>
+                <p:cNvPr id="146" name="Isosceles Triangle 145"/>
+                <p:cNvSpPr/>
+                <p:nvPr/>
+              </p:nvSpPr>
+              <p:spPr>
+                <a:xfrm rot="10800000">
+                  <a:off x="4208970" y="3111353"/>
+                  <a:ext cx="133350" cy="114957"/>
+                </a:xfrm>
+                <a:prstGeom prst="triangle">
+                  <a:avLst/>
+                </a:prstGeom>
+                <a:solidFill>
+                  <a:srgbClr val="0000FF"/>
+                </a:solidFill>
+                <a:ln>
+                  <a:solidFill>
+                    <a:schemeClr val="tx1"/>
+                  </a:solidFill>
+                </a:ln>
+                <a:effectLst/>
+              </p:spPr>
+              <p:style>
+                <a:lnRef idx="1">
+                  <a:schemeClr val="accent1"/>
+                </a:lnRef>
+                <a:fillRef idx="3">
+                  <a:schemeClr val="accent1"/>
+                </a:fillRef>
+                <a:effectRef idx="2">
+                  <a:schemeClr val="accent1"/>
+                </a:effectRef>
+                <a:fontRef idx="minor">
+                  <a:schemeClr val="lt1"/>
+                </a:fontRef>
+              </p:style>
+              <p:txBody>
+                <a:bodyPr rtlCol="0" anchor="ctr"/>
+                <a:lstStyle/>
+                <a:p>
+                  <a:pPr algn="ctr"/>
+                  <a:endParaRPr lang="en-GB"/>
+                </a:p>
+              </p:txBody>
+            </p:sp>
+            <p:grpSp>
+              <p:nvGrpSpPr>
+                <p:cNvPr id="160" name="Group 159"/>
+                <p:cNvGrpSpPr/>
+                <p:nvPr/>
+              </p:nvGrpSpPr>
+              <p:grpSpPr>
+                <a:xfrm>
+                  <a:off x="4608924" y="3090444"/>
+                  <a:ext cx="135861" cy="973107"/>
+                  <a:chOff x="5011389" y="2232024"/>
+                  <a:chExt cx="135861" cy="973107"/>
+                </a:xfrm>
+              </p:grpSpPr>
+              <p:sp>
+                <p:nvSpPr>
+                  <p:cNvPr id="119" name="Explosion 1 118"/>
+                  <p:cNvSpPr/>
+                  <p:nvPr/>
+                </p:nvSpPr>
+                <p:spPr>
+                  <a:xfrm>
+                    <a:off x="5011389" y="2650644"/>
+                    <a:ext cx="135861" cy="135866"/>
+                  </a:xfrm>
+                  <a:prstGeom prst="irregularSeal1">
+                    <a:avLst/>
+                  </a:prstGeom>
+                  <a:solidFill>
+                    <a:schemeClr val="tx1">
+                      <a:lumMod val="75000"/>
+                      <a:lumOff val="25000"/>
+                    </a:schemeClr>
+                  </a:solidFill>
+                  <a:ln>
+                    <a:noFill/>
+                  </a:ln>
+                  <a:effectLst/>
+                </p:spPr>
+                <p:style>
+                  <a:lnRef idx="1">
+                    <a:schemeClr val="accent1"/>
+                  </a:lnRef>
+                  <a:fillRef idx="3">
+                    <a:schemeClr val="accent1"/>
+                  </a:fillRef>
+                  <a:effectRef idx="2">
+                    <a:schemeClr val="accent1"/>
+                  </a:effectRef>
+                  <a:fontRef idx="minor">
+                    <a:schemeClr val="lt1"/>
+                  </a:fontRef>
+                </p:style>
+                <p:txBody>
+                  <a:bodyPr rtlCol="0" anchor="ctr"/>
+                  <a:lstStyle/>
+                  <a:p>
+                    <a:pPr algn="ctr"/>
+                    <a:endParaRPr lang="en-GB"/>
+                  </a:p>
+                </p:txBody>
+              </p:sp>
+              <p:sp>
+                <p:nvSpPr>
+                  <p:cNvPr id="120" name="Explosion 1 119"/>
+                  <p:cNvSpPr/>
+                  <p:nvPr/>
+                </p:nvSpPr>
+                <p:spPr>
+                  <a:xfrm>
+                    <a:off x="5011389" y="2929724"/>
+                    <a:ext cx="135861" cy="135866"/>
+                  </a:xfrm>
+                  <a:prstGeom prst="irregularSeal1">
+                    <a:avLst/>
+                  </a:prstGeom>
+                  <a:solidFill>
+                    <a:schemeClr val="tx1">
+                      <a:lumMod val="75000"/>
+                      <a:lumOff val="25000"/>
+                    </a:schemeClr>
+                  </a:solidFill>
+                  <a:ln>
+                    <a:noFill/>
+                  </a:ln>
+                  <a:effectLst/>
+                </p:spPr>
+                <p:style>
+                  <a:lnRef idx="1">
+                    <a:schemeClr val="accent1"/>
+                  </a:lnRef>
+                  <a:fillRef idx="3">
+                    <a:schemeClr val="accent1"/>
+                  </a:fillRef>
+                  <a:effectRef idx="2">
+                    <a:schemeClr val="accent1"/>
+                  </a:effectRef>
+                  <a:fontRef idx="minor">
+                    <a:schemeClr val="lt1"/>
+                  </a:fontRef>
+                </p:style>
+                <p:txBody>
+                  <a:bodyPr rtlCol="0" anchor="ctr"/>
+                  <a:lstStyle/>
+                  <a:p>
+                    <a:pPr algn="ctr"/>
+                    <a:endParaRPr lang="en-GB"/>
+                  </a:p>
+                </p:txBody>
+              </p:sp>
+              <p:sp>
+                <p:nvSpPr>
+                  <p:cNvPr id="122" name="Explosion 1 121"/>
+                  <p:cNvSpPr/>
+                  <p:nvPr/>
+                </p:nvSpPr>
+                <p:spPr>
+                  <a:xfrm>
+                    <a:off x="5011389" y="2790184"/>
+                    <a:ext cx="135861" cy="135866"/>
+                  </a:xfrm>
+                  <a:prstGeom prst="irregularSeal1">
+                    <a:avLst/>
+                  </a:prstGeom>
+                  <a:solidFill>
+                    <a:schemeClr val="tx1">
+                      <a:lumMod val="75000"/>
+                      <a:lumOff val="25000"/>
+                    </a:schemeClr>
+                  </a:solidFill>
+                  <a:ln>
+                    <a:noFill/>
+                  </a:ln>
+                  <a:effectLst/>
+                </p:spPr>
+                <p:style>
+                  <a:lnRef idx="1">
+                    <a:schemeClr val="accent1"/>
+                  </a:lnRef>
+                  <a:fillRef idx="3">
+                    <a:schemeClr val="accent1"/>
+                  </a:fillRef>
+                  <a:effectRef idx="2">
+                    <a:schemeClr val="accent1"/>
+                  </a:effectRef>
+                  <a:fontRef idx="minor">
+                    <a:schemeClr val="lt1"/>
+                  </a:fontRef>
+                </p:style>
+                <p:txBody>
+                  <a:bodyPr rtlCol="0" anchor="ctr"/>
+                  <a:lstStyle/>
+                  <a:p>
+                    <a:pPr algn="ctr"/>
+                    <a:endParaRPr lang="en-GB"/>
+                  </a:p>
+                </p:txBody>
+              </p:sp>
+              <p:sp>
+                <p:nvSpPr>
+                  <p:cNvPr id="125" name="Explosion 1 124"/>
+                  <p:cNvSpPr/>
+                  <p:nvPr/>
+                </p:nvSpPr>
+                <p:spPr>
+                  <a:xfrm>
+                    <a:off x="5011389" y="3069265"/>
+                    <a:ext cx="135861" cy="135866"/>
+                  </a:xfrm>
+                  <a:prstGeom prst="irregularSeal1">
+                    <a:avLst/>
+                  </a:prstGeom>
+                  <a:solidFill>
+                    <a:schemeClr val="tx1">
+                      <a:lumMod val="75000"/>
+                      <a:lumOff val="25000"/>
+                    </a:schemeClr>
+                  </a:solidFill>
+                  <a:ln>
+                    <a:noFill/>
+                  </a:ln>
+                  <a:effectLst/>
+                </p:spPr>
+                <p:style>
+                  <a:lnRef idx="1">
+                    <a:schemeClr val="accent1"/>
+                  </a:lnRef>
+                  <a:fillRef idx="3">
+                    <a:schemeClr val="accent1"/>
+                  </a:fillRef>
+                  <a:effectRef idx="2">
+                    <a:schemeClr val="accent1"/>
+                  </a:effectRef>
+                  <a:fontRef idx="minor">
+                    <a:schemeClr val="lt1"/>
+                  </a:fontRef>
+                </p:style>
+                <p:txBody>
+                  <a:bodyPr rtlCol="0" anchor="ctr"/>
+                  <a:lstStyle/>
+                  <a:p>
+                    <a:pPr algn="ctr"/>
+                    <a:endParaRPr lang="en-GB"/>
+                  </a:p>
+                </p:txBody>
+              </p:sp>
+              <p:sp>
+                <p:nvSpPr>
+                  <p:cNvPr id="152" name="Explosion 1 151"/>
+                  <p:cNvSpPr/>
+                  <p:nvPr/>
+                </p:nvSpPr>
+                <p:spPr>
+                  <a:xfrm>
+                    <a:off x="5011389" y="2511104"/>
+                    <a:ext cx="135861" cy="135866"/>
+                  </a:xfrm>
+                  <a:prstGeom prst="irregularSeal1">
+                    <a:avLst/>
+                  </a:prstGeom>
+                  <a:solidFill>
+                    <a:schemeClr val="tx1">
+                      <a:lumMod val="75000"/>
+                      <a:lumOff val="25000"/>
+                    </a:schemeClr>
+                  </a:solidFill>
+                  <a:ln>
+                    <a:noFill/>
+                  </a:ln>
+                  <a:effectLst/>
+                </p:spPr>
+                <p:style>
+                  <a:lnRef idx="1">
+                    <a:schemeClr val="accent1"/>
+                  </a:lnRef>
+                  <a:fillRef idx="3">
+                    <a:schemeClr val="accent1"/>
+                  </a:fillRef>
+                  <a:effectRef idx="2">
+                    <a:schemeClr val="accent1"/>
+                  </a:effectRef>
+                  <a:fontRef idx="minor">
+                    <a:schemeClr val="lt1"/>
+                  </a:fontRef>
+                </p:style>
+                <p:txBody>
+                  <a:bodyPr rtlCol="0" anchor="ctr"/>
+                  <a:lstStyle/>
+                  <a:p>
+                    <a:pPr algn="ctr"/>
+                    <a:endParaRPr lang="en-GB"/>
+                  </a:p>
+                </p:txBody>
+              </p:sp>
+              <p:sp>
+                <p:nvSpPr>
+                  <p:cNvPr id="153" name="Explosion 1 152"/>
+                  <p:cNvSpPr/>
+                  <p:nvPr/>
+                </p:nvSpPr>
+                <p:spPr>
+                  <a:xfrm>
+                    <a:off x="5011389" y="2232024"/>
+                    <a:ext cx="135861" cy="135866"/>
+                  </a:xfrm>
+                  <a:prstGeom prst="irregularSeal1">
+                    <a:avLst/>
+                  </a:prstGeom>
+                  <a:solidFill>
+                    <a:schemeClr val="tx1">
+                      <a:lumMod val="75000"/>
+                      <a:lumOff val="25000"/>
+                    </a:schemeClr>
+                  </a:solidFill>
+                  <a:ln>
+                    <a:noFill/>
+                  </a:ln>
+                  <a:effectLst/>
+                </p:spPr>
+                <p:style>
+                  <a:lnRef idx="1">
+                    <a:schemeClr val="accent1"/>
+                  </a:lnRef>
+                  <a:fillRef idx="3">
+                    <a:schemeClr val="accent1"/>
+                  </a:fillRef>
+                  <a:effectRef idx="2">
+                    <a:schemeClr val="accent1"/>
+                  </a:effectRef>
+                  <a:fontRef idx="minor">
+                    <a:schemeClr val="lt1"/>
+                  </a:fontRef>
+                </p:style>
+                <p:txBody>
+                  <a:bodyPr rtlCol="0" anchor="ctr"/>
+                  <a:lstStyle/>
+                  <a:p>
+                    <a:pPr algn="ctr"/>
+                    <a:endParaRPr lang="en-GB"/>
+                  </a:p>
+                </p:txBody>
+              </p:sp>
+              <p:sp>
+                <p:nvSpPr>
+                  <p:cNvPr id="154" name="Explosion 1 153"/>
+                  <p:cNvSpPr/>
+                  <p:nvPr/>
+                </p:nvSpPr>
+                <p:spPr>
+                  <a:xfrm>
+                    <a:off x="5011389" y="2371564"/>
+                    <a:ext cx="135861" cy="135866"/>
+                  </a:xfrm>
+                  <a:prstGeom prst="irregularSeal1">
+                    <a:avLst/>
+                  </a:prstGeom>
+                  <a:solidFill>
+                    <a:schemeClr val="tx1">
+                      <a:lumMod val="75000"/>
+                      <a:lumOff val="25000"/>
+                    </a:schemeClr>
+                  </a:solidFill>
+                  <a:ln>
+                    <a:noFill/>
+                  </a:ln>
+                  <a:effectLst/>
+                </p:spPr>
+                <p:style>
+                  <a:lnRef idx="1">
+                    <a:schemeClr val="accent1"/>
+                  </a:lnRef>
+                  <a:fillRef idx="3">
+                    <a:schemeClr val="accent1"/>
+                  </a:fillRef>
+                  <a:effectRef idx="2">
+                    <a:schemeClr val="accent1"/>
+                  </a:effectRef>
+                  <a:fontRef idx="minor">
+                    <a:schemeClr val="lt1"/>
+                  </a:fontRef>
+                </p:style>
+                <p:txBody>
+                  <a:bodyPr rtlCol="0" anchor="ctr"/>
+                  <a:lstStyle/>
+                  <a:p>
+                    <a:pPr algn="ctr"/>
+                    <a:endParaRPr lang="en-GB"/>
+                  </a:p>
+                </p:txBody>
+              </p:sp>
+            </p:grpSp>
+            <p:grpSp>
+              <p:nvGrpSpPr>
+                <p:cNvPr id="159" name="Group 158"/>
+                <p:cNvGrpSpPr/>
+                <p:nvPr/>
+              </p:nvGrpSpPr>
+              <p:grpSpPr>
+                <a:xfrm>
+                  <a:off x="4383289" y="3035744"/>
+                  <a:ext cx="184666" cy="595397"/>
+                  <a:chOff x="4787118" y="2177324"/>
+                  <a:chExt cx="184666" cy="595397"/>
+                </a:xfrm>
+              </p:grpSpPr>
+              <p:sp>
+                <p:nvSpPr>
+                  <p:cNvPr id="147" name="TextBox 146"/>
+                  <p:cNvSpPr txBox="1"/>
+                  <p:nvPr/>
+                </p:nvSpPr>
+                <p:spPr>
+                  <a:xfrm rot="5400000">
+                    <a:off x="4790551" y="2243490"/>
+                    <a:ext cx="177800" cy="184666"/>
+                  </a:xfrm>
+                  <a:prstGeom prst="rect">
+                    <a:avLst/>
+                  </a:prstGeom>
+                  <a:noFill/>
+                </p:spPr>
+                <p:txBody>
+                  <a:bodyPr wrap="square" rtlCol="0">
+                    <a:spAutoFit/>
+                  </a:bodyPr>
+                  <a:lstStyle/>
+                  <a:p>
+                    <a:r>
+                      <a:rPr lang="en-GB" sz="600" b="1" dirty="0" smtClean="0">
+                        <a:solidFill>
+                          <a:srgbClr val="0000FF"/>
+                        </a:solidFill>
+                        <a:cs typeface="Times New Roman"/>
+                      </a:rPr>
+                      <a:t>+</a:t>
+                    </a:r>
+                    <a:endParaRPr lang="en-GB" sz="600" b="1" dirty="0">
+                      <a:solidFill>
+                        <a:srgbClr val="0000FF"/>
+                      </a:solidFill>
+                      <a:cs typeface="Times New Roman"/>
+                    </a:endParaRPr>
+                  </a:p>
+                </p:txBody>
+              </p:sp>
+              <p:sp>
+                <p:nvSpPr>
+                  <p:cNvPr id="148" name="TextBox 147"/>
+                  <p:cNvSpPr txBox="1"/>
+                  <p:nvPr/>
+                </p:nvSpPr>
+                <p:spPr>
+                  <a:xfrm rot="5400000">
+                    <a:off x="4790551" y="2591488"/>
+                    <a:ext cx="177800" cy="184666"/>
+                  </a:xfrm>
+                  <a:prstGeom prst="rect">
+                    <a:avLst/>
+                  </a:prstGeom>
+                  <a:noFill/>
+                </p:spPr>
+                <p:txBody>
+                  <a:bodyPr wrap="square" rtlCol="0">
+                    <a:spAutoFit/>
+                  </a:bodyPr>
+                  <a:lstStyle/>
+                  <a:p>
+                    <a:r>
+                      <a:rPr lang="en-GB" sz="600" b="1" dirty="0" smtClean="0">
+                        <a:solidFill>
+                          <a:srgbClr val="0000FF"/>
+                        </a:solidFill>
+                        <a:cs typeface="Times New Roman"/>
+                      </a:rPr>
+                      <a:t>+</a:t>
+                    </a:r>
+                    <a:endParaRPr lang="en-GB" sz="600" b="1" dirty="0">
+                      <a:solidFill>
+                        <a:srgbClr val="0000FF"/>
+                      </a:solidFill>
+                      <a:cs typeface="Times New Roman"/>
+                    </a:endParaRPr>
+                  </a:p>
+                </p:txBody>
+              </p:sp>
+              <p:sp>
+                <p:nvSpPr>
+                  <p:cNvPr id="149" name="TextBox 148"/>
+                  <p:cNvSpPr txBox="1"/>
+                  <p:nvPr/>
+                </p:nvSpPr>
+                <p:spPr>
+                  <a:xfrm rot="5400000">
+                    <a:off x="4790551" y="2382689"/>
+                    <a:ext cx="177800" cy="184666"/>
+                  </a:xfrm>
+                  <a:prstGeom prst="rect">
+                    <a:avLst/>
+                  </a:prstGeom>
+                  <a:noFill/>
+                </p:spPr>
+                <p:txBody>
+                  <a:bodyPr wrap="square" rtlCol="0">
+                    <a:spAutoFit/>
+                  </a:bodyPr>
+                  <a:lstStyle/>
+                  <a:p>
+                    <a:r>
+                      <a:rPr lang="en-GB" sz="600" b="1" dirty="0" smtClean="0">
+                        <a:solidFill>
+                          <a:srgbClr val="0000FF"/>
+                        </a:solidFill>
+                        <a:cs typeface="Times New Roman"/>
+                      </a:rPr>
+                      <a:t>+</a:t>
+                    </a:r>
+                    <a:endParaRPr lang="en-GB" sz="600" b="1" dirty="0">
+                      <a:solidFill>
+                        <a:srgbClr val="0000FF"/>
+                      </a:solidFill>
+                      <a:cs typeface="Times New Roman"/>
+                    </a:endParaRPr>
+                  </a:p>
+                </p:txBody>
+              </p:sp>
+              <p:sp>
+                <p:nvSpPr>
+                  <p:cNvPr id="150" name="TextBox 149"/>
+                  <p:cNvSpPr txBox="1"/>
+                  <p:nvPr/>
+                </p:nvSpPr>
+                <p:spPr>
+                  <a:xfrm rot="5400000">
+                    <a:off x="4790551" y="2521888"/>
+                    <a:ext cx="177800" cy="184666"/>
+                  </a:xfrm>
+                  <a:prstGeom prst="rect">
+                    <a:avLst/>
+                  </a:prstGeom>
+                  <a:noFill/>
+                </p:spPr>
+                <p:txBody>
+                  <a:bodyPr wrap="square" rtlCol="0">
+                    <a:spAutoFit/>
+                  </a:bodyPr>
+                  <a:lstStyle/>
+                  <a:p>
+                    <a:r>
+                      <a:rPr lang="en-GB" sz="600" b="1" dirty="0" smtClean="0">
+                        <a:solidFill>
+                          <a:srgbClr val="0000FF"/>
+                        </a:solidFill>
+                        <a:cs typeface="Times New Roman"/>
+                      </a:rPr>
+                      <a:t>+</a:t>
+                    </a:r>
+                    <a:endParaRPr lang="en-GB" sz="600" b="1" dirty="0">
+                      <a:solidFill>
+                        <a:srgbClr val="0000FF"/>
+                      </a:solidFill>
+                      <a:cs typeface="Times New Roman"/>
+                    </a:endParaRPr>
+                  </a:p>
+                </p:txBody>
+              </p:sp>
+              <p:sp>
+                <p:nvSpPr>
+                  <p:cNvPr id="151" name="TextBox 150"/>
+                  <p:cNvSpPr txBox="1"/>
+                  <p:nvPr/>
+                </p:nvSpPr>
+                <p:spPr>
+                  <a:xfrm rot="5400000">
+                    <a:off x="4790551" y="2452288"/>
+                    <a:ext cx="177800" cy="184666"/>
+                  </a:xfrm>
+                  <a:prstGeom prst="rect">
+                    <a:avLst/>
+                  </a:prstGeom>
+                  <a:noFill/>
+                </p:spPr>
+                <p:txBody>
+                  <a:bodyPr wrap="square" rtlCol="0">
+                    <a:spAutoFit/>
+                  </a:bodyPr>
+                  <a:lstStyle/>
+                  <a:p>
+                    <a:r>
+                      <a:rPr lang="en-GB" sz="600" b="1" dirty="0" smtClean="0">
+                        <a:solidFill>
+                          <a:srgbClr val="0000FF"/>
+                        </a:solidFill>
+                        <a:cs typeface="Times New Roman"/>
+                      </a:rPr>
+                      <a:t>+</a:t>
+                    </a:r>
+                    <a:endParaRPr lang="en-GB" sz="600" b="1" dirty="0">
+                      <a:solidFill>
+                        <a:srgbClr val="0000FF"/>
+                      </a:solidFill>
+                      <a:cs typeface="Times New Roman"/>
+                    </a:endParaRPr>
+                  </a:p>
+                </p:txBody>
+              </p:sp>
+              <p:sp>
+                <p:nvSpPr>
+                  <p:cNvPr id="155" name="TextBox 154"/>
+                  <p:cNvSpPr txBox="1"/>
+                  <p:nvPr/>
+                </p:nvSpPr>
+                <p:spPr>
+                  <a:xfrm rot="5400000">
+                    <a:off x="4790551" y="2313089"/>
+                    <a:ext cx="177800" cy="184666"/>
+                  </a:xfrm>
+                  <a:prstGeom prst="rect">
+                    <a:avLst/>
+                  </a:prstGeom>
+                  <a:noFill/>
+                </p:spPr>
+                <p:txBody>
+                  <a:bodyPr wrap="square" rtlCol="0">
+                    <a:spAutoFit/>
+                  </a:bodyPr>
+                  <a:lstStyle/>
+                  <a:p>
+                    <a:r>
+                      <a:rPr lang="en-GB" sz="600" b="1" dirty="0" smtClean="0">
+                        <a:solidFill>
+                          <a:srgbClr val="0000FF"/>
+                        </a:solidFill>
+                        <a:cs typeface="Times New Roman"/>
+                      </a:rPr>
+                      <a:t>+</a:t>
+                    </a:r>
+                    <a:endParaRPr lang="en-GB" sz="600" b="1" dirty="0">
+                      <a:solidFill>
+                        <a:srgbClr val="0000FF"/>
+                      </a:solidFill>
+                      <a:cs typeface="Times New Roman"/>
+                    </a:endParaRPr>
+                  </a:p>
+                </p:txBody>
+              </p:sp>
+              <p:sp>
+                <p:nvSpPr>
+                  <p:cNvPr id="156" name="TextBox 155"/>
+                  <p:cNvSpPr txBox="1"/>
+                  <p:nvPr/>
+                </p:nvSpPr>
+                <p:spPr>
+                  <a:xfrm rot="5400000">
+                    <a:off x="4790551" y="2173891"/>
+                    <a:ext cx="177800" cy="184666"/>
+                  </a:xfrm>
+                  <a:prstGeom prst="rect">
+                    <a:avLst/>
+                  </a:prstGeom>
+                  <a:noFill/>
+                </p:spPr>
+                <p:txBody>
+                  <a:bodyPr wrap="square" rtlCol="0">
+                    <a:spAutoFit/>
+                  </a:bodyPr>
+                  <a:lstStyle/>
+                  <a:p>
+                    <a:r>
+                      <a:rPr lang="en-GB" sz="600" b="1" dirty="0" smtClean="0">
+                        <a:solidFill>
+                          <a:srgbClr val="0000FF"/>
+                        </a:solidFill>
+                        <a:cs typeface="Times New Roman"/>
+                      </a:rPr>
+                      <a:t>+</a:t>
+                    </a:r>
+                    <a:endParaRPr lang="en-GB" sz="600" b="1" dirty="0">
+                      <a:solidFill>
+                        <a:srgbClr val="0000FF"/>
+                      </a:solidFill>
+                      <a:cs typeface="Times New Roman"/>
+                    </a:endParaRPr>
+                  </a:p>
+                </p:txBody>
+              </p:sp>
+            </p:grpSp>
+          </p:grpSp>
+          <p:cxnSp>
+            <p:nvCxnSpPr>
+              <p:cNvPr id="266" name="Straight Arrow Connector 265"/>
+              <p:cNvCxnSpPr/>
+              <p:nvPr/>
+            </p:nvCxnSpPr>
+            <p:spPr>
+              <a:xfrm>
+                <a:off x="4893219" y="2303576"/>
+                <a:ext cx="0" cy="125720"/>
+              </a:xfrm>
+              <a:prstGeom prst="straightConnector1">
+                <a:avLst/>
+              </a:prstGeom>
+              <a:ln w="12700" cmpd="sng">
+                <a:solidFill>
+                  <a:schemeClr val="tx1"/>
+                </a:solidFill>
+                <a:tailEnd type="arrow" w="sm" len="sm"/>
+              </a:ln>
+              <a:effectLst/>
+            </p:spPr>
+            <p:style>
+              <a:lnRef idx="2">
+                <a:schemeClr val="accent1"/>
+              </a:lnRef>
+              <a:fillRef idx="0">
+                <a:schemeClr val="accent1"/>
+              </a:fillRef>
+              <a:effectRef idx="1">
+                <a:schemeClr val="accent1"/>
+              </a:effectRef>
+              <a:fontRef idx="minor">
+                <a:schemeClr val="tx1"/>
+              </a:fontRef>
+            </p:style>
+          </p:cxnSp>
+          <p:cxnSp>
+            <p:nvCxnSpPr>
+              <p:cNvPr id="267" name="Straight Arrow Connector 266"/>
+              <p:cNvCxnSpPr/>
+              <p:nvPr/>
+            </p:nvCxnSpPr>
+            <p:spPr>
+              <a:xfrm flipV="1">
+                <a:off x="4893219" y="2569359"/>
+                <a:ext cx="0" cy="125720"/>
+              </a:xfrm>
+              <a:prstGeom prst="straightConnector1">
+                <a:avLst/>
+              </a:prstGeom>
+              <a:ln w="12700" cmpd="sng">
+                <a:solidFill>
+                  <a:schemeClr val="tx1"/>
+                </a:solidFill>
+                <a:tailEnd type="arrow" w="sm" len="sm"/>
+              </a:ln>
+              <a:effectLst/>
+            </p:spPr>
+            <p:style>
+              <a:lnRef idx="2">
+                <a:schemeClr val="accent1"/>
+              </a:lnRef>
+              <a:fillRef idx="0">
+                <a:schemeClr val="accent1"/>
+              </a:fillRef>
+              <a:effectRef idx="1">
+                <a:schemeClr val="accent1"/>
+              </a:effectRef>
+              <a:fontRef idx="minor">
+                <a:schemeClr val="tx1"/>
+              </a:fontRef>
+            </p:style>
+          </p:cxnSp>
+          <p:sp>
+            <p:nvSpPr>
+              <p:cNvPr id="268" name="TextBox 267"/>
+              <p:cNvSpPr txBox="1"/>
+              <p:nvPr/>
+            </p:nvSpPr>
+            <p:spPr>
+              <a:xfrm>
+                <a:off x="4835561" y="2389812"/>
+                <a:ext cx="632264" cy="215444"/>
+              </a:xfrm>
+              <a:prstGeom prst="rect">
+                <a:avLst/>
+              </a:prstGeom>
+              <a:noFill/>
+            </p:spPr>
+            <p:txBody>
+              <a:bodyPr wrap="square" rtlCol="0">
+                <a:spAutoFit/>
+              </a:bodyPr>
+              <a:lstStyle/>
+              <a:p>
+                <a:r>
+                  <a:rPr lang="en-GB" sz="800" dirty="0" smtClean="0">
+                    <a:latin typeface="Times New Roman"/>
+                    <a:cs typeface="Times New Roman"/>
+                  </a:rPr>
+                  <a:t>12.5 m</a:t>
+                </a:r>
+                <a:endParaRPr lang="en-GB" sz="800" dirty="0">
+                  <a:latin typeface="Times New Roman"/>
+                  <a:cs typeface="Times New Roman"/>
+                </a:endParaRPr>
+              </a:p>
+            </p:txBody>
+          </p:sp>
+        </p:grpSp>
+        <p:sp>
+          <p:nvSpPr>
+            <p:cNvPr id="292" name="Rectangle 291"/>
+            <p:cNvSpPr/>
+            <p:nvPr/>
+          </p:nvSpPr>
+          <p:spPr>
+            <a:xfrm>
+              <a:off x="2964405" y="2249030"/>
+              <a:ext cx="2054990" cy="653054"/>
+            </a:xfrm>
+            <a:prstGeom prst="rect">
+              <a:avLst/>
+            </a:prstGeom>
+            <a:noFill/>
+            <a:ln>
+              <a:noFill/>
+            </a:ln>
+            <a:effectLst/>
+          </p:spPr>
+          <p:style>
+            <a:lnRef idx="1">
+              <a:schemeClr val="accent1"/>
+            </a:lnRef>
+            <a:fillRef idx="3">
+              <a:schemeClr val="accent1"/>
+            </a:fillRef>
+            <a:effectRef idx="2">
+              <a:schemeClr val="accent1"/>
+            </a:effectRef>
+            <a:fontRef idx="minor">
+              <a:schemeClr val="lt1"/>
+            </a:fontRef>
+          </p:style>
+          <p:txBody>
+            <a:bodyPr rtlCol="0" anchor="ctr"/>
+            <a:lstStyle/>
+            <a:p>
+              <a:pPr algn="ctr"/>
+              <a:endParaRPr lang="en-GB"/>
+            </a:p>
+          </p:txBody>
+        </p:sp>
+      </p:grpSp>
+      <p:grpSp>
+        <p:nvGrpSpPr>
+          <p:cNvPr id="305" name="Group 304"/>
+          <p:cNvGrpSpPr/>
+          <p:nvPr/>
+        </p:nvGrpSpPr>
+        <p:grpSpPr>
+          <a:xfrm>
+            <a:off x="5510717" y="4124632"/>
+            <a:ext cx="2054990" cy="985847"/>
+            <a:chOff x="5510717" y="4124632"/>
+            <a:chExt cx="2054990" cy="985847"/>
+          </a:xfrm>
+        </p:grpSpPr>
+        <p:sp>
+          <p:nvSpPr>
+            <p:cNvPr id="289" name="Rectangle 288"/>
+            <p:cNvSpPr/>
+            <p:nvPr/>
+          </p:nvSpPr>
+          <p:spPr>
+            <a:xfrm>
+              <a:off x="5510717" y="4291028"/>
+              <a:ext cx="2054990" cy="653054"/>
+            </a:xfrm>
+            <a:prstGeom prst="rect">
+              <a:avLst/>
+            </a:prstGeom>
+            <a:noFill/>
+            <a:ln>
+              <a:noFill/>
+            </a:ln>
+            <a:effectLst/>
+          </p:spPr>
+          <p:style>
+            <a:lnRef idx="1">
+              <a:schemeClr val="accent1"/>
+            </a:lnRef>
+            <a:fillRef idx="3">
+              <a:schemeClr val="accent1"/>
+            </a:fillRef>
+            <a:effectRef idx="2">
+              <a:schemeClr val="accent1"/>
+            </a:effectRef>
+            <a:fontRef idx="minor">
+              <a:schemeClr val="lt1"/>
+            </a:fontRef>
+          </p:style>
+          <p:txBody>
+            <a:bodyPr rtlCol="0" anchor="ctr"/>
+            <a:lstStyle/>
+            <a:p>
+              <a:pPr algn="ctr"/>
+              <a:endParaRPr lang="en-GB"/>
+            </a:p>
+          </p:txBody>
+        </p:sp>
+        <p:grpSp>
+          <p:nvGrpSpPr>
+            <p:cNvPr id="304" name="Group 303"/>
+            <p:cNvGrpSpPr/>
+            <p:nvPr/>
+          </p:nvGrpSpPr>
+          <p:grpSpPr>
+            <a:xfrm>
+              <a:off x="5935158" y="4124632"/>
+              <a:ext cx="1180711" cy="985847"/>
+              <a:chOff x="5933846" y="4175628"/>
+              <a:chExt cx="1180711" cy="985847"/>
+            </a:xfrm>
+          </p:grpSpPr>
+          <p:sp>
+            <p:nvSpPr>
+              <p:cNvPr id="302" name="TextBox 301"/>
+              <p:cNvSpPr txBox="1"/>
+              <p:nvPr/>
+            </p:nvSpPr>
+            <p:spPr>
+              <a:xfrm>
+                <a:off x="6054168" y="4525084"/>
+                <a:ext cx="1060389" cy="338554"/>
+              </a:xfrm>
+              <a:prstGeom prst="rect">
+                <a:avLst/>
+              </a:prstGeom>
+              <a:noFill/>
+            </p:spPr>
+            <p:txBody>
+              <a:bodyPr wrap="square" rtlCol="0">
+                <a:spAutoFit/>
+              </a:bodyPr>
+              <a:lstStyle/>
+              <a:p>
+                <a:r>
+                  <a:rPr lang="en-GB" sz="800" dirty="0" smtClean="0">
+                    <a:latin typeface="Times New Roman"/>
+                    <a:cs typeface="Times New Roman"/>
+                  </a:rPr>
+                  <a:t>CDP corresponding to the blue receiver</a:t>
+                </a:r>
+                <a:endParaRPr lang="en-GB" sz="800" dirty="0">
+                  <a:latin typeface="Times New Roman"/>
+                  <a:cs typeface="Times New Roman"/>
+                </a:endParaRPr>
+              </a:p>
+            </p:txBody>
+          </p:sp>
+          <p:sp>
+            <p:nvSpPr>
+              <p:cNvPr id="303" name="TextBox 302"/>
+              <p:cNvSpPr txBox="1"/>
+              <p:nvPr/>
+            </p:nvSpPr>
+            <p:spPr>
+              <a:xfrm>
+                <a:off x="6054168" y="4822921"/>
+                <a:ext cx="1060389" cy="338554"/>
+              </a:xfrm>
+              <a:prstGeom prst="rect">
+                <a:avLst/>
+              </a:prstGeom>
+              <a:noFill/>
+            </p:spPr>
+            <p:txBody>
+              <a:bodyPr wrap="square" rtlCol="0">
+                <a:spAutoFit/>
+              </a:bodyPr>
+              <a:lstStyle/>
+              <a:p>
+                <a:r>
+                  <a:rPr lang="en-GB" sz="800" dirty="0" smtClean="0">
+                    <a:latin typeface="Times New Roman"/>
+                    <a:cs typeface="Times New Roman"/>
+                  </a:rPr>
+                  <a:t>CDP corresponding to the red receiver</a:t>
+                </a:r>
+                <a:endParaRPr lang="en-GB" sz="800" dirty="0">
+                  <a:latin typeface="Times New Roman"/>
+                  <a:cs typeface="Times New Roman"/>
+                </a:endParaRPr>
+              </a:p>
+            </p:txBody>
+          </p:sp>
+          <p:sp>
+            <p:nvSpPr>
+              <p:cNvPr id="114" name="Explosion 1 113"/>
+              <p:cNvSpPr/>
+              <p:nvPr/>
+            </p:nvSpPr>
+            <p:spPr>
+              <a:xfrm>
+                <a:off x="5980214" y="4218486"/>
+                <a:ext cx="135861" cy="135866"/>
+              </a:xfrm>
+              <a:prstGeom prst="irregularSeal1">
+                <a:avLst/>
+              </a:prstGeom>
+              <a:solidFill>
+                <a:schemeClr val="tx1">
+                  <a:lumMod val="75000"/>
+                  <a:lumOff val="25000"/>
+                </a:schemeClr>
+              </a:solidFill>
+              <a:ln>
+                <a:noFill/>
+              </a:ln>
+              <a:effectLst/>
+            </p:spPr>
+            <p:style>
+              <a:lnRef idx="1">
+                <a:schemeClr val="accent1"/>
+              </a:lnRef>
+              <a:fillRef idx="3">
+                <a:schemeClr val="accent1"/>
+              </a:fillRef>
+              <a:effectRef idx="2">
+                <a:schemeClr val="accent1"/>
+              </a:effectRef>
+              <a:fontRef idx="minor">
+                <a:schemeClr val="lt1"/>
+              </a:fontRef>
+            </p:style>
+            <p:txBody>
+              <a:bodyPr rtlCol="0" anchor="ctr"/>
+              <a:lstStyle/>
+              <a:p>
+                <a:pPr algn="ctr"/>
+                <a:endParaRPr lang="en-GB"/>
+              </a:p>
+            </p:txBody>
+          </p:sp>
+          <p:sp>
+            <p:nvSpPr>
+              <p:cNvPr id="115" name="Isosceles Triangle 114"/>
+              <p:cNvSpPr/>
+              <p:nvPr/>
+            </p:nvSpPr>
+            <p:spPr>
+              <a:xfrm rot="10800000">
+                <a:off x="5981470" y="4406198"/>
+                <a:ext cx="133350" cy="114957"/>
+              </a:xfrm>
+              <a:prstGeom prst="triangle">
+                <a:avLst/>
+              </a:prstGeom>
+              <a:solidFill>
+                <a:srgbClr val="0000FF"/>
+              </a:solidFill>
+              <a:ln>
+                <a:solidFill>
+                  <a:schemeClr val="tx1"/>
+                </a:solidFill>
+              </a:ln>
+              <a:effectLst/>
+            </p:spPr>
+            <p:style>
+              <a:lnRef idx="1">
+                <a:schemeClr val="accent1"/>
+              </a:lnRef>
+              <a:fillRef idx="3">
+                <a:schemeClr val="accent1"/>
+              </a:fillRef>
+              <a:effectRef idx="2">
+                <a:schemeClr val="accent1"/>
+              </a:effectRef>
+              <a:fontRef idx="minor">
+                <a:schemeClr val="lt1"/>
+              </a:fontRef>
+            </p:style>
+            <p:txBody>
+              <a:bodyPr rtlCol="0" anchor="ctr"/>
+              <a:lstStyle/>
+              <a:p>
+                <a:pPr algn="ctr"/>
+                <a:endParaRPr lang="en-GB"/>
+              </a:p>
+            </p:txBody>
+          </p:sp>
+          <p:sp>
+            <p:nvSpPr>
+              <p:cNvPr id="116" name="TextBox 115"/>
+              <p:cNvSpPr txBox="1"/>
+              <p:nvPr/>
+            </p:nvSpPr>
+            <p:spPr>
+              <a:xfrm>
+                <a:off x="6054168" y="4175628"/>
+                <a:ext cx="1060389" cy="215444"/>
+              </a:xfrm>
+              <a:prstGeom prst="rect">
+                <a:avLst/>
+              </a:prstGeom>
+              <a:noFill/>
+            </p:spPr>
+            <p:txBody>
+              <a:bodyPr wrap="square" rtlCol="0">
+                <a:spAutoFit/>
+              </a:bodyPr>
+              <a:lstStyle/>
+              <a:p>
+                <a:r>
+                  <a:rPr lang="en-GB" sz="800" dirty="0" smtClean="0">
+                    <a:latin typeface="Times New Roman"/>
+                    <a:cs typeface="Times New Roman"/>
+                  </a:rPr>
+                  <a:t>Source</a:t>
+                </a:r>
+                <a:endParaRPr lang="en-GB" sz="800" dirty="0">
+                  <a:latin typeface="Times New Roman"/>
+                  <a:cs typeface="Times New Roman"/>
+                </a:endParaRPr>
+              </a:p>
+            </p:txBody>
+          </p:sp>
+          <p:sp>
+            <p:nvSpPr>
+              <p:cNvPr id="117" name="TextBox 116"/>
+              <p:cNvSpPr txBox="1"/>
+              <p:nvPr/>
+            </p:nvSpPr>
+            <p:spPr>
+              <a:xfrm>
+                <a:off x="6054168" y="4350356"/>
+                <a:ext cx="1060389" cy="215444"/>
+              </a:xfrm>
+              <a:prstGeom prst="rect">
+                <a:avLst/>
+              </a:prstGeom>
+              <a:noFill/>
+            </p:spPr>
+            <p:txBody>
+              <a:bodyPr wrap="square" rtlCol="0">
+                <a:spAutoFit/>
+              </a:bodyPr>
+              <a:lstStyle/>
+              <a:p>
+                <a:r>
+                  <a:rPr lang="en-GB" sz="800" dirty="0" smtClean="0">
+                    <a:latin typeface="Times New Roman"/>
+                    <a:cs typeface="Times New Roman"/>
+                  </a:rPr>
+                  <a:t>Receiver</a:t>
+                </a:r>
+                <a:endParaRPr lang="en-GB" sz="800" dirty="0">
+                  <a:latin typeface="Times New Roman"/>
+                  <a:cs typeface="Times New Roman"/>
+                </a:endParaRPr>
+              </a:p>
+            </p:txBody>
+          </p:sp>
+          <p:sp>
+            <p:nvSpPr>
+              <p:cNvPr id="299" name="TextBox 298"/>
+              <p:cNvSpPr txBox="1"/>
+              <p:nvPr/>
+            </p:nvSpPr>
+            <p:spPr>
+              <a:xfrm>
+                <a:off x="5933846" y="4545129"/>
+                <a:ext cx="177800" cy="184666"/>
+              </a:xfrm>
+              <a:prstGeom prst="rect">
+                <a:avLst/>
+              </a:prstGeom>
+              <a:noFill/>
+            </p:spPr>
+            <p:txBody>
+              <a:bodyPr wrap="square" rtlCol="0">
+                <a:spAutoFit/>
+              </a:bodyPr>
+              <a:lstStyle/>
+              <a:p>
+                <a:r>
+                  <a:rPr lang="en-GB" sz="600" b="1" dirty="0" smtClean="0">
+                    <a:solidFill>
+                      <a:srgbClr val="0000FF"/>
+                    </a:solidFill>
+                    <a:cs typeface="Times New Roman"/>
+                  </a:rPr>
+                  <a:t>+</a:t>
+                </a:r>
+                <a:endParaRPr lang="en-GB" sz="600" b="1" dirty="0">
+                  <a:solidFill>
+                    <a:srgbClr val="0000FF"/>
+                  </a:solidFill>
+                  <a:cs typeface="Times New Roman"/>
+                </a:endParaRPr>
+              </a:p>
+            </p:txBody>
+          </p:sp>
+          <p:sp>
+            <p:nvSpPr>
+              <p:cNvPr id="300" name="TextBox 299"/>
+              <p:cNvSpPr txBox="1"/>
+              <p:nvPr/>
+            </p:nvSpPr>
+            <p:spPr>
+              <a:xfrm>
+                <a:off x="5938079" y="4850431"/>
+                <a:ext cx="177800" cy="184666"/>
+              </a:xfrm>
+              <a:prstGeom prst="rect">
+                <a:avLst/>
+              </a:prstGeom>
+              <a:noFill/>
+              <a:ln>
+                <a:noFill/>
+              </a:ln>
+            </p:spPr>
+            <p:txBody>
+              <a:bodyPr wrap="square" rtlCol="0">
+                <a:spAutoFit/>
+              </a:bodyPr>
+              <a:lstStyle/>
+              <a:p>
+                <a:r>
+                  <a:rPr lang="en-GB" sz="600" b="1" dirty="0" smtClean="0">
+                    <a:solidFill>
+                      <a:srgbClr val="FF0000"/>
+                    </a:solidFill>
+                    <a:cs typeface="Times New Roman"/>
+                  </a:rPr>
+                  <a:t>x</a:t>
+                </a:r>
+                <a:endParaRPr lang="en-GB" sz="600" b="1" dirty="0">
+                  <a:solidFill>
+                    <a:srgbClr val="FF0000"/>
+                  </a:solidFill>
+                  <a:cs typeface="Times New Roman"/>
+                </a:endParaRPr>
+              </a:p>
+            </p:txBody>
+          </p:sp>
+        </p:grpSp>
+      </p:grpSp>
+    </p:spTree>
+    <p:extLst>
+      <p:ext uri="{BB962C8B-B14F-4D97-AF65-F5344CB8AC3E}">
+        <p14:creationId xmlns:p14="http://schemas.microsoft.com/office/powerpoint/2010/main" val="2306466201"/>
+      </p:ext>
+    </p:extLst>
+  </p:cSld>
+  <p:clrMapOvr>
+    <a:masterClrMapping/>
+  </p:clrMapOvr>
+</p:sld>
+</file>
+
 <file path=ppt/theme/theme1.xml><?xml version="1.0" encoding="utf-8"?>
 <a:theme xmlns:a="http://schemas.openxmlformats.org/drawingml/2006/main" name="Office Theme">
   <a:themeElements>

--- a/Plots/Dawings.pptx
+++ b/Plots/Dawings.pptx
@@ -5993,7 +5993,7 @@
             <a:graphicData uri="http://schemas.openxmlformats.org/presentationml/2006/ole">
               <mc:AlternateContent xmlns:mc="http://schemas.openxmlformats.org/markup-compatibility/2006">
                 <mc:Choice xmlns:v="urn:schemas-microsoft-com:vml" Requires="v">
-                  <p:oleObj spid="_x0000_s1166" name="Equation" r:id="rId3" imgW="114300" imgH="165100" progId="Equation.DSMT4">
+                  <p:oleObj spid="_x0000_s1167" name="Equation" r:id="rId3" imgW="114300" imgH="165100" progId="Equation.DSMT4">
                     <p:embed/>
                   </p:oleObj>
                 </mc:Choice>

--- a/Plots/Dawings.pptx
+++ b/Plots/Dawings.pptx
@@ -5,7 +5,7 @@
     <p:sldMasterId id="2147483648" r:id="rId1"/>
   </p:sldMasterIdLst>
   <p:notesMasterIdLst>
-    <p:notesMasterId r:id="rId11"/>
+    <p:notesMasterId r:id="rId13"/>
   </p:notesMasterIdLst>
   <p:sldIdLst>
     <p:sldId id="256" r:id="rId2"/>
@@ -17,6 +17,8 @@
     <p:sldId id="258" r:id="rId8"/>
     <p:sldId id="259" r:id="rId9"/>
     <p:sldId id="264" r:id="rId10"/>
+    <p:sldId id="265" r:id="rId11"/>
+    <p:sldId id="266" r:id="rId12"/>
   </p:sldIdLst>
   <p:sldSz cx="9144000" cy="6858000" type="screen4x3"/>
   <p:notesSz cx="6858000" cy="9144000"/>
@@ -200,7 +202,7 @@
           <a:p>
             <a:fld id="{3C3D811D-0C75-514B-82C3-D85459426476}" type="datetimeFigureOut">
               <a:rPr lang="en-US" smtClean="0"/>
-              <a:t>7/22/15</a:t>
+              <a:t>8/1/15</a:t>
             </a:fld>
             <a:endParaRPr lang="en-GB"/>
           </a:p>
@@ -985,7 +987,7 @@
           <a:p>
             <a:fld id="{192B58FE-A0CE-A14C-9D3B-3409446C3BF4}" type="datetimeFigureOut">
               <a:rPr lang="en-US" smtClean="0"/>
-              <a:t>7/22/15</a:t>
+              <a:t>8/1/15</a:t>
             </a:fld>
             <a:endParaRPr lang="en-GB"/>
           </a:p>
@@ -1155,7 +1157,7 @@
           <a:p>
             <a:fld id="{192B58FE-A0CE-A14C-9D3B-3409446C3BF4}" type="datetimeFigureOut">
               <a:rPr lang="en-US" smtClean="0"/>
-              <a:t>7/22/15</a:t>
+              <a:t>8/1/15</a:t>
             </a:fld>
             <a:endParaRPr lang="en-GB"/>
           </a:p>
@@ -1335,7 +1337,7 @@
           <a:p>
             <a:fld id="{192B58FE-A0CE-A14C-9D3B-3409446C3BF4}" type="datetimeFigureOut">
               <a:rPr lang="en-US" smtClean="0"/>
-              <a:t>7/22/15</a:t>
+              <a:t>8/1/15</a:t>
             </a:fld>
             <a:endParaRPr lang="en-GB"/>
           </a:p>
@@ -1505,7 +1507,7 @@
           <a:p>
             <a:fld id="{192B58FE-A0CE-A14C-9D3B-3409446C3BF4}" type="datetimeFigureOut">
               <a:rPr lang="en-US" smtClean="0"/>
-              <a:t>7/22/15</a:t>
+              <a:t>8/1/15</a:t>
             </a:fld>
             <a:endParaRPr lang="en-GB"/>
           </a:p>
@@ -1751,7 +1753,7 @@
           <a:p>
             <a:fld id="{192B58FE-A0CE-A14C-9D3B-3409446C3BF4}" type="datetimeFigureOut">
               <a:rPr lang="en-US" smtClean="0"/>
-              <a:t>7/22/15</a:t>
+              <a:t>8/1/15</a:t>
             </a:fld>
             <a:endParaRPr lang="en-GB"/>
           </a:p>
@@ -2039,7 +2041,7 @@
           <a:p>
             <a:fld id="{192B58FE-A0CE-A14C-9D3B-3409446C3BF4}" type="datetimeFigureOut">
               <a:rPr lang="en-US" smtClean="0"/>
-              <a:t>7/22/15</a:t>
+              <a:t>8/1/15</a:t>
             </a:fld>
             <a:endParaRPr lang="en-GB"/>
           </a:p>
@@ -2461,7 +2463,7 @@
           <a:p>
             <a:fld id="{192B58FE-A0CE-A14C-9D3B-3409446C3BF4}" type="datetimeFigureOut">
               <a:rPr lang="en-US" smtClean="0"/>
-              <a:t>7/22/15</a:t>
+              <a:t>8/1/15</a:t>
             </a:fld>
             <a:endParaRPr lang="en-GB"/>
           </a:p>
@@ -2579,7 +2581,7 @@
           <a:p>
             <a:fld id="{192B58FE-A0CE-A14C-9D3B-3409446C3BF4}" type="datetimeFigureOut">
               <a:rPr lang="en-US" smtClean="0"/>
-              <a:t>7/22/15</a:t>
+              <a:t>8/1/15</a:t>
             </a:fld>
             <a:endParaRPr lang="en-GB"/>
           </a:p>
@@ -2674,7 +2676,7 @@
           <a:p>
             <a:fld id="{192B58FE-A0CE-A14C-9D3B-3409446C3BF4}" type="datetimeFigureOut">
               <a:rPr lang="en-US" smtClean="0"/>
-              <a:t>7/22/15</a:t>
+              <a:t>8/1/15</a:t>
             </a:fld>
             <a:endParaRPr lang="en-GB"/>
           </a:p>
@@ -2951,7 +2953,7 @@
           <a:p>
             <a:fld id="{192B58FE-A0CE-A14C-9D3B-3409446C3BF4}" type="datetimeFigureOut">
               <a:rPr lang="en-US" smtClean="0"/>
-              <a:t>7/22/15</a:t>
+              <a:t>8/1/15</a:t>
             </a:fld>
             <a:endParaRPr lang="en-GB"/>
           </a:p>
@@ -3204,7 +3206,7 @@
           <a:p>
             <a:fld id="{192B58FE-A0CE-A14C-9D3B-3409446C3BF4}" type="datetimeFigureOut">
               <a:rPr lang="en-US" smtClean="0"/>
-              <a:t>7/22/15</a:t>
+              <a:t>8/1/15</a:t>
             </a:fld>
             <a:endParaRPr lang="en-GB"/>
           </a:p>
@@ -3417,7 +3419,7 @@
           <a:p>
             <a:fld id="{192B58FE-A0CE-A14C-9D3B-3409446C3BF4}" type="datetimeFigureOut">
               <a:rPr lang="en-US" smtClean="0"/>
-              <a:t>7/22/15</a:t>
+              <a:t>8/1/15</a:t>
             </a:fld>
             <a:endParaRPr lang="en-GB"/>
           </a:p>
@@ -5993,7 +5995,7 @@
             <a:graphicData uri="http://schemas.openxmlformats.org/presentationml/2006/ole">
               <mc:AlternateContent xmlns:mc="http://schemas.openxmlformats.org/markup-compatibility/2006">
                 <mc:Choice xmlns:v="urn:schemas-microsoft-com:vml" Requires="v">
-                  <p:oleObj spid="_x0000_s1167" name="Equation" r:id="rId3" imgW="114300" imgH="165100" progId="Equation.DSMT4">
+                  <p:oleObj spid="_x0000_s1181" name="Equation" r:id="rId3" imgW="114300" imgH="165100" progId="Equation.DSMT4">
                     <p:embed/>
                   </p:oleObj>
                 </mc:Choice>
@@ -8341,6 +8343,4526 @@
       </p:par>
     </p:tnLst>
   </p:timing>
+</p:sld>
+</file>
+
+<file path=ppt/slides/slide10.xml><?xml version="1.0" encoding="utf-8"?>
+<p:sld xmlns:a="http://schemas.openxmlformats.org/drawingml/2006/main" xmlns:r="http://schemas.openxmlformats.org/officeDocument/2006/relationships" xmlns:p="http://schemas.openxmlformats.org/presentationml/2006/main">
+  <p:cSld>
+    <p:spTree>
+      <p:nvGrpSpPr>
+        <p:cNvPr id="1" name=""/>
+        <p:cNvGrpSpPr/>
+        <p:nvPr/>
+      </p:nvGrpSpPr>
+      <p:grpSpPr>
+        <a:xfrm>
+          <a:off x="0" y="0"/>
+          <a:ext cx="0" cy="0"/>
+          <a:chOff x="0" y="0"/>
+          <a:chExt cx="0" cy="0"/>
+        </a:xfrm>
+      </p:grpSpPr>
+      <p:sp>
+        <p:nvSpPr>
+          <p:cNvPr id="5" name="Rectangle 4"/>
+          <p:cNvSpPr/>
+          <p:nvPr/>
+        </p:nvSpPr>
+        <p:spPr>
+          <a:xfrm>
+            <a:off x="5510717" y="4291028"/>
+            <a:ext cx="2054990" cy="653054"/>
+          </a:xfrm>
+          <a:prstGeom prst="rect">
+            <a:avLst/>
+          </a:prstGeom>
+          <a:noFill/>
+          <a:ln>
+            <a:noFill/>
+          </a:ln>
+          <a:effectLst/>
+        </p:spPr>
+        <p:style>
+          <a:lnRef idx="1">
+            <a:schemeClr val="accent1"/>
+          </a:lnRef>
+          <a:fillRef idx="3">
+            <a:schemeClr val="accent1"/>
+          </a:fillRef>
+          <a:effectRef idx="2">
+            <a:schemeClr val="accent1"/>
+          </a:effectRef>
+          <a:fontRef idx="minor">
+            <a:schemeClr val="lt1"/>
+          </a:fontRef>
+        </p:style>
+        <p:txBody>
+          <a:bodyPr rtlCol="0" anchor="ctr"/>
+          <a:lstStyle/>
+          <a:p>
+            <a:pPr algn="ctr"/>
+            <a:endParaRPr lang="en-GB"/>
+          </a:p>
+        </p:txBody>
+      </p:sp>
+      <p:grpSp>
+        <p:nvGrpSpPr>
+          <p:cNvPr id="110" name="Group 109"/>
+          <p:cNvGrpSpPr/>
+          <p:nvPr/>
+        </p:nvGrpSpPr>
+        <p:grpSpPr>
+          <a:xfrm>
+            <a:off x="1094607" y="1775391"/>
+            <a:ext cx="3876424" cy="1422850"/>
+            <a:chOff x="1094607" y="1775391"/>
+            <a:chExt cx="3876424" cy="1422850"/>
+          </a:xfrm>
+        </p:grpSpPr>
+        <p:sp>
+          <p:nvSpPr>
+            <p:cNvPr id="9" name="Explosion 1 8"/>
+            <p:cNvSpPr/>
+            <p:nvPr/>
+          </p:nvSpPr>
+          <p:spPr>
+            <a:xfrm>
+              <a:off x="3836688" y="2244407"/>
+              <a:ext cx="135861" cy="135866"/>
+            </a:xfrm>
+            <a:prstGeom prst="irregularSeal1">
+              <a:avLst/>
+            </a:prstGeom>
+            <a:solidFill>
+              <a:schemeClr val="tx1">
+                <a:lumMod val="75000"/>
+                <a:lumOff val="25000"/>
+              </a:schemeClr>
+            </a:solidFill>
+            <a:ln>
+              <a:noFill/>
+            </a:ln>
+            <a:effectLst/>
+          </p:spPr>
+          <p:style>
+            <a:lnRef idx="1">
+              <a:schemeClr val="accent1"/>
+            </a:lnRef>
+            <a:fillRef idx="3">
+              <a:schemeClr val="accent1"/>
+            </a:fillRef>
+            <a:effectRef idx="2">
+              <a:schemeClr val="accent1"/>
+            </a:effectRef>
+            <a:fontRef idx="minor">
+              <a:schemeClr val="lt1"/>
+            </a:fontRef>
+          </p:style>
+          <p:txBody>
+            <a:bodyPr rtlCol="0" anchor="ctr"/>
+            <a:lstStyle/>
+            <a:p>
+              <a:pPr algn="ctr"/>
+              <a:endParaRPr lang="en-GB"/>
+            </a:p>
+          </p:txBody>
+        </p:sp>
+        <p:sp>
+          <p:nvSpPr>
+            <p:cNvPr id="10" name="Isosceles Triangle 9"/>
+            <p:cNvSpPr/>
+            <p:nvPr/>
+          </p:nvSpPr>
+          <p:spPr>
+            <a:xfrm rot="10800000">
+              <a:off x="3837944" y="2432119"/>
+              <a:ext cx="133350" cy="114957"/>
+            </a:xfrm>
+            <a:prstGeom prst="triangle">
+              <a:avLst/>
+            </a:prstGeom>
+            <a:solidFill>
+              <a:srgbClr val="0000FF"/>
+            </a:solidFill>
+            <a:ln>
+              <a:solidFill>
+                <a:schemeClr val="tx1"/>
+              </a:solidFill>
+            </a:ln>
+            <a:effectLst/>
+          </p:spPr>
+          <p:style>
+            <a:lnRef idx="1">
+              <a:schemeClr val="accent1"/>
+            </a:lnRef>
+            <a:fillRef idx="3">
+              <a:schemeClr val="accent1"/>
+            </a:fillRef>
+            <a:effectRef idx="2">
+              <a:schemeClr val="accent1"/>
+            </a:effectRef>
+            <a:fontRef idx="minor">
+              <a:schemeClr val="lt1"/>
+            </a:fontRef>
+          </p:style>
+          <p:txBody>
+            <a:bodyPr rtlCol="0" anchor="ctr"/>
+            <a:lstStyle/>
+            <a:p>
+              <a:pPr algn="ctr"/>
+              <a:endParaRPr lang="en-GB"/>
+            </a:p>
+          </p:txBody>
+        </p:sp>
+        <p:sp>
+          <p:nvSpPr>
+            <p:cNvPr id="11" name="TextBox 10"/>
+            <p:cNvSpPr txBox="1"/>
+            <p:nvPr/>
+          </p:nvSpPr>
+          <p:spPr>
+            <a:xfrm>
+              <a:off x="3910642" y="2201549"/>
+              <a:ext cx="1060389" cy="215444"/>
+            </a:xfrm>
+            <a:prstGeom prst="rect">
+              <a:avLst/>
+            </a:prstGeom>
+            <a:noFill/>
+          </p:spPr>
+          <p:txBody>
+            <a:bodyPr wrap="square" rtlCol="0">
+              <a:spAutoFit/>
+            </a:bodyPr>
+            <a:lstStyle/>
+            <a:p>
+              <a:r>
+                <a:rPr lang="en-GB" sz="800" dirty="0" smtClean="0">
+                  <a:latin typeface="Times New Roman"/>
+                  <a:cs typeface="Times New Roman"/>
+                </a:rPr>
+                <a:t>Source</a:t>
+              </a:r>
+              <a:endParaRPr lang="en-GB" sz="800" dirty="0">
+                <a:latin typeface="Times New Roman"/>
+                <a:cs typeface="Times New Roman"/>
+              </a:endParaRPr>
+            </a:p>
+          </p:txBody>
+        </p:sp>
+        <p:sp>
+          <p:nvSpPr>
+            <p:cNvPr id="12" name="TextBox 11"/>
+            <p:cNvSpPr txBox="1"/>
+            <p:nvPr/>
+          </p:nvSpPr>
+          <p:spPr>
+            <a:xfrm>
+              <a:off x="3910642" y="2376277"/>
+              <a:ext cx="1060389" cy="215444"/>
+            </a:xfrm>
+            <a:prstGeom prst="rect">
+              <a:avLst/>
+            </a:prstGeom>
+            <a:noFill/>
+          </p:spPr>
+          <p:txBody>
+            <a:bodyPr wrap="square" rtlCol="0">
+              <a:spAutoFit/>
+            </a:bodyPr>
+            <a:lstStyle/>
+            <a:p>
+              <a:r>
+                <a:rPr lang="en-GB" sz="800" dirty="0" smtClean="0">
+                  <a:latin typeface="Times New Roman"/>
+                  <a:cs typeface="Times New Roman"/>
+                </a:rPr>
+                <a:t>Receiver</a:t>
+              </a:r>
+              <a:endParaRPr lang="en-GB" sz="800" dirty="0">
+                <a:latin typeface="Times New Roman"/>
+                <a:cs typeface="Times New Roman"/>
+              </a:endParaRPr>
+            </a:p>
+          </p:txBody>
+        </p:sp>
+        <p:cxnSp>
+          <p:nvCxnSpPr>
+            <p:cNvPr id="23" name="Straight Arrow Connector 22"/>
+            <p:cNvCxnSpPr/>
+            <p:nvPr/>
+          </p:nvCxnSpPr>
+          <p:spPr>
+            <a:xfrm>
+              <a:off x="1581711" y="2171700"/>
+              <a:ext cx="0" cy="1016000"/>
+            </a:xfrm>
+            <a:prstGeom prst="straightConnector1">
+              <a:avLst/>
+            </a:prstGeom>
+            <a:ln>
+              <a:solidFill>
+                <a:srgbClr val="000000"/>
+              </a:solidFill>
+              <a:tailEnd type="arrow"/>
+            </a:ln>
+            <a:effectLst/>
+          </p:spPr>
+          <p:style>
+            <a:lnRef idx="2">
+              <a:schemeClr val="accent1"/>
+            </a:lnRef>
+            <a:fillRef idx="0">
+              <a:schemeClr val="accent1"/>
+            </a:fillRef>
+            <a:effectRef idx="1">
+              <a:schemeClr val="accent1"/>
+            </a:effectRef>
+            <a:fontRef idx="minor">
+              <a:schemeClr val="tx1"/>
+            </a:fontRef>
+          </p:style>
+        </p:cxnSp>
+        <p:sp>
+          <p:nvSpPr>
+            <p:cNvPr id="107" name="TextBox 106"/>
+            <p:cNvSpPr txBox="1"/>
+            <p:nvPr/>
+          </p:nvSpPr>
+          <p:spPr>
+            <a:xfrm rot="5400000">
+              <a:off x="1489967" y="2445643"/>
+              <a:ext cx="336550" cy="369332"/>
+            </a:xfrm>
+            <a:prstGeom prst="rect">
+              <a:avLst/>
+            </a:prstGeom>
+            <a:solidFill>
+              <a:schemeClr val="bg1"/>
+            </a:solidFill>
+          </p:spPr>
+          <p:txBody>
+            <a:bodyPr wrap="square" rtlCol="0">
+              <a:spAutoFit/>
+            </a:bodyPr>
+            <a:lstStyle/>
+            <a:p>
+              <a:r>
+                <a:rPr lang="en-GB" dirty="0" smtClean="0"/>
+                <a:t>…</a:t>
+              </a:r>
+              <a:endParaRPr lang="en-GB" dirty="0"/>
+            </a:p>
+          </p:txBody>
+        </p:sp>
+        <p:sp>
+          <p:nvSpPr>
+            <p:cNvPr id="82" name="Explosion 1 81"/>
+            <p:cNvSpPr/>
+            <p:nvPr/>
+          </p:nvSpPr>
+          <p:spPr>
+            <a:xfrm>
+              <a:off x="1759283" y="2248319"/>
+              <a:ext cx="135861" cy="135866"/>
+            </a:xfrm>
+            <a:prstGeom prst="irregularSeal1">
+              <a:avLst/>
+            </a:prstGeom>
+            <a:solidFill>
+              <a:schemeClr val="tx1">
+                <a:lumMod val="75000"/>
+                <a:lumOff val="25000"/>
+              </a:schemeClr>
+            </a:solidFill>
+            <a:ln>
+              <a:noFill/>
+            </a:ln>
+            <a:effectLst/>
+          </p:spPr>
+          <p:style>
+            <a:lnRef idx="1">
+              <a:schemeClr val="accent1"/>
+            </a:lnRef>
+            <a:fillRef idx="3">
+              <a:schemeClr val="accent1"/>
+            </a:fillRef>
+            <a:effectRef idx="2">
+              <a:schemeClr val="accent1"/>
+            </a:effectRef>
+            <a:fontRef idx="minor">
+              <a:schemeClr val="lt1"/>
+            </a:fontRef>
+          </p:style>
+          <p:txBody>
+            <a:bodyPr rtlCol="0" anchor="ctr"/>
+            <a:lstStyle/>
+            <a:p>
+              <a:pPr algn="ctr"/>
+              <a:endParaRPr lang="en-GB"/>
+            </a:p>
+          </p:txBody>
+        </p:sp>
+        <p:sp>
+          <p:nvSpPr>
+            <p:cNvPr id="85" name="Explosion 1 84"/>
+            <p:cNvSpPr/>
+            <p:nvPr/>
+          </p:nvSpPr>
+          <p:spPr>
+            <a:xfrm>
+              <a:off x="1759283" y="2363158"/>
+              <a:ext cx="135861" cy="135866"/>
+            </a:xfrm>
+            <a:prstGeom prst="irregularSeal1">
+              <a:avLst/>
+            </a:prstGeom>
+            <a:solidFill>
+              <a:schemeClr val="tx1">
+                <a:lumMod val="75000"/>
+                <a:lumOff val="25000"/>
+              </a:schemeClr>
+            </a:solidFill>
+            <a:ln>
+              <a:noFill/>
+            </a:ln>
+            <a:effectLst/>
+          </p:spPr>
+          <p:style>
+            <a:lnRef idx="1">
+              <a:schemeClr val="accent1"/>
+            </a:lnRef>
+            <a:fillRef idx="3">
+              <a:schemeClr val="accent1"/>
+            </a:fillRef>
+            <a:effectRef idx="2">
+              <a:schemeClr val="accent1"/>
+            </a:effectRef>
+            <a:fontRef idx="minor">
+              <a:schemeClr val="lt1"/>
+            </a:fontRef>
+          </p:style>
+          <p:txBody>
+            <a:bodyPr rtlCol="0" anchor="ctr"/>
+            <a:lstStyle/>
+            <a:p>
+              <a:pPr algn="ctr"/>
+              <a:endParaRPr lang="en-GB"/>
+            </a:p>
+          </p:txBody>
+        </p:sp>
+        <p:sp>
+          <p:nvSpPr>
+            <p:cNvPr id="99" name="Explosion 1 98"/>
+            <p:cNvSpPr/>
+            <p:nvPr/>
+          </p:nvSpPr>
+          <p:spPr>
+            <a:xfrm>
+              <a:off x="1759283" y="2772910"/>
+              <a:ext cx="135861" cy="135866"/>
+            </a:xfrm>
+            <a:prstGeom prst="irregularSeal1">
+              <a:avLst/>
+            </a:prstGeom>
+            <a:solidFill>
+              <a:schemeClr val="tx1">
+                <a:lumMod val="75000"/>
+                <a:lumOff val="25000"/>
+              </a:schemeClr>
+            </a:solidFill>
+            <a:ln>
+              <a:noFill/>
+            </a:ln>
+            <a:effectLst/>
+          </p:spPr>
+          <p:style>
+            <a:lnRef idx="1">
+              <a:schemeClr val="accent1"/>
+            </a:lnRef>
+            <a:fillRef idx="3">
+              <a:schemeClr val="accent1"/>
+            </a:fillRef>
+            <a:effectRef idx="2">
+              <a:schemeClr val="accent1"/>
+            </a:effectRef>
+            <a:fontRef idx="minor">
+              <a:schemeClr val="lt1"/>
+            </a:fontRef>
+          </p:style>
+          <p:txBody>
+            <a:bodyPr rtlCol="0" anchor="ctr"/>
+            <a:lstStyle/>
+            <a:p>
+              <a:pPr algn="ctr"/>
+              <a:endParaRPr lang="en-GB"/>
+            </a:p>
+          </p:txBody>
+        </p:sp>
+        <p:sp>
+          <p:nvSpPr>
+            <p:cNvPr id="102" name="Explosion 1 101"/>
+            <p:cNvSpPr/>
+            <p:nvPr/>
+          </p:nvSpPr>
+          <p:spPr>
+            <a:xfrm>
+              <a:off x="1759283" y="2887752"/>
+              <a:ext cx="135861" cy="135866"/>
+            </a:xfrm>
+            <a:prstGeom prst="irregularSeal1">
+              <a:avLst/>
+            </a:prstGeom>
+            <a:solidFill>
+              <a:schemeClr val="tx1">
+                <a:lumMod val="75000"/>
+                <a:lumOff val="25000"/>
+              </a:schemeClr>
+            </a:solidFill>
+            <a:ln>
+              <a:noFill/>
+            </a:ln>
+            <a:effectLst/>
+          </p:spPr>
+          <p:style>
+            <a:lnRef idx="1">
+              <a:schemeClr val="accent1"/>
+            </a:lnRef>
+            <a:fillRef idx="3">
+              <a:schemeClr val="accent1"/>
+            </a:fillRef>
+            <a:effectRef idx="2">
+              <a:schemeClr val="accent1"/>
+            </a:effectRef>
+            <a:fontRef idx="minor">
+              <a:schemeClr val="lt1"/>
+            </a:fontRef>
+          </p:style>
+          <p:txBody>
+            <a:bodyPr rtlCol="0" anchor="ctr"/>
+            <a:lstStyle/>
+            <a:p>
+              <a:pPr algn="ctr"/>
+              <a:endParaRPr lang="en-GB"/>
+            </a:p>
+          </p:txBody>
+        </p:sp>
+        <p:sp>
+          <p:nvSpPr>
+            <p:cNvPr id="61" name="Explosion 1 60"/>
+            <p:cNvSpPr/>
+            <p:nvPr/>
+          </p:nvSpPr>
+          <p:spPr>
+            <a:xfrm>
+              <a:off x="1893588" y="2248319"/>
+              <a:ext cx="135861" cy="135866"/>
+            </a:xfrm>
+            <a:prstGeom prst="irregularSeal1">
+              <a:avLst/>
+            </a:prstGeom>
+            <a:solidFill>
+              <a:schemeClr val="tx1">
+                <a:lumMod val="75000"/>
+                <a:lumOff val="25000"/>
+              </a:schemeClr>
+            </a:solidFill>
+            <a:ln>
+              <a:noFill/>
+            </a:ln>
+            <a:effectLst/>
+          </p:spPr>
+          <p:style>
+            <a:lnRef idx="1">
+              <a:schemeClr val="accent1"/>
+            </a:lnRef>
+            <a:fillRef idx="3">
+              <a:schemeClr val="accent1"/>
+            </a:fillRef>
+            <a:effectRef idx="2">
+              <a:schemeClr val="accent1"/>
+            </a:effectRef>
+            <a:fontRef idx="minor">
+              <a:schemeClr val="lt1"/>
+            </a:fontRef>
+          </p:style>
+          <p:txBody>
+            <a:bodyPr rtlCol="0" anchor="ctr"/>
+            <a:lstStyle/>
+            <a:p>
+              <a:pPr algn="ctr"/>
+              <a:endParaRPr lang="en-GB"/>
+            </a:p>
+          </p:txBody>
+        </p:sp>
+        <p:sp>
+          <p:nvSpPr>
+            <p:cNvPr id="64" name="Explosion 1 63"/>
+            <p:cNvSpPr/>
+            <p:nvPr/>
+          </p:nvSpPr>
+          <p:spPr>
+            <a:xfrm>
+              <a:off x="1893588" y="2363158"/>
+              <a:ext cx="135861" cy="135866"/>
+            </a:xfrm>
+            <a:prstGeom prst="irregularSeal1">
+              <a:avLst/>
+            </a:prstGeom>
+            <a:solidFill>
+              <a:schemeClr val="tx1">
+                <a:lumMod val="75000"/>
+                <a:lumOff val="25000"/>
+              </a:schemeClr>
+            </a:solidFill>
+            <a:ln>
+              <a:noFill/>
+            </a:ln>
+            <a:effectLst/>
+          </p:spPr>
+          <p:style>
+            <a:lnRef idx="1">
+              <a:schemeClr val="accent1"/>
+            </a:lnRef>
+            <a:fillRef idx="3">
+              <a:schemeClr val="accent1"/>
+            </a:fillRef>
+            <a:effectRef idx="2">
+              <a:schemeClr val="accent1"/>
+            </a:effectRef>
+            <a:fontRef idx="minor">
+              <a:schemeClr val="lt1"/>
+            </a:fontRef>
+          </p:style>
+          <p:txBody>
+            <a:bodyPr rtlCol="0" anchor="ctr"/>
+            <a:lstStyle/>
+            <a:p>
+              <a:pPr algn="ctr"/>
+              <a:endParaRPr lang="en-GB"/>
+            </a:p>
+          </p:txBody>
+        </p:sp>
+        <p:sp>
+          <p:nvSpPr>
+            <p:cNvPr id="78" name="Explosion 1 77"/>
+            <p:cNvSpPr/>
+            <p:nvPr/>
+          </p:nvSpPr>
+          <p:spPr>
+            <a:xfrm>
+              <a:off x="1893588" y="2772910"/>
+              <a:ext cx="135861" cy="135866"/>
+            </a:xfrm>
+            <a:prstGeom prst="irregularSeal1">
+              <a:avLst/>
+            </a:prstGeom>
+            <a:solidFill>
+              <a:schemeClr val="tx1">
+                <a:lumMod val="75000"/>
+                <a:lumOff val="25000"/>
+              </a:schemeClr>
+            </a:solidFill>
+            <a:ln>
+              <a:noFill/>
+            </a:ln>
+            <a:effectLst/>
+          </p:spPr>
+          <p:style>
+            <a:lnRef idx="1">
+              <a:schemeClr val="accent1"/>
+            </a:lnRef>
+            <a:fillRef idx="3">
+              <a:schemeClr val="accent1"/>
+            </a:fillRef>
+            <a:effectRef idx="2">
+              <a:schemeClr val="accent1"/>
+            </a:effectRef>
+            <a:fontRef idx="minor">
+              <a:schemeClr val="lt1"/>
+            </a:fontRef>
+          </p:style>
+          <p:txBody>
+            <a:bodyPr rtlCol="0" anchor="ctr"/>
+            <a:lstStyle/>
+            <a:p>
+              <a:pPr algn="ctr"/>
+              <a:endParaRPr lang="en-GB"/>
+            </a:p>
+          </p:txBody>
+        </p:sp>
+        <p:sp>
+          <p:nvSpPr>
+            <p:cNvPr id="81" name="Explosion 1 80"/>
+            <p:cNvSpPr/>
+            <p:nvPr/>
+          </p:nvSpPr>
+          <p:spPr>
+            <a:xfrm>
+              <a:off x="1893588" y="2887752"/>
+              <a:ext cx="135861" cy="135866"/>
+            </a:xfrm>
+            <a:prstGeom prst="irregularSeal1">
+              <a:avLst/>
+            </a:prstGeom>
+            <a:solidFill>
+              <a:schemeClr val="tx1">
+                <a:lumMod val="75000"/>
+                <a:lumOff val="25000"/>
+              </a:schemeClr>
+            </a:solidFill>
+            <a:ln>
+              <a:noFill/>
+            </a:ln>
+            <a:effectLst/>
+          </p:spPr>
+          <p:style>
+            <a:lnRef idx="1">
+              <a:schemeClr val="accent1"/>
+            </a:lnRef>
+            <a:fillRef idx="3">
+              <a:schemeClr val="accent1"/>
+            </a:fillRef>
+            <a:effectRef idx="2">
+              <a:schemeClr val="accent1"/>
+            </a:effectRef>
+            <a:fontRef idx="minor">
+              <a:schemeClr val="lt1"/>
+            </a:fontRef>
+          </p:style>
+          <p:txBody>
+            <a:bodyPr rtlCol="0" anchor="ctr"/>
+            <a:lstStyle/>
+            <a:p>
+              <a:pPr algn="ctr"/>
+              <a:endParaRPr lang="en-GB"/>
+            </a:p>
+          </p:txBody>
+        </p:sp>
+        <p:sp>
+          <p:nvSpPr>
+            <p:cNvPr id="40" name="Explosion 1 39"/>
+            <p:cNvSpPr/>
+            <p:nvPr/>
+          </p:nvSpPr>
+          <p:spPr>
+            <a:xfrm>
+              <a:off x="3322338" y="2248319"/>
+              <a:ext cx="135861" cy="135866"/>
+            </a:xfrm>
+            <a:prstGeom prst="irregularSeal1">
+              <a:avLst/>
+            </a:prstGeom>
+            <a:solidFill>
+              <a:schemeClr val="tx1">
+                <a:lumMod val="75000"/>
+                <a:lumOff val="25000"/>
+              </a:schemeClr>
+            </a:solidFill>
+            <a:ln>
+              <a:noFill/>
+            </a:ln>
+            <a:effectLst/>
+          </p:spPr>
+          <p:style>
+            <a:lnRef idx="1">
+              <a:schemeClr val="accent1"/>
+            </a:lnRef>
+            <a:fillRef idx="3">
+              <a:schemeClr val="accent1"/>
+            </a:fillRef>
+            <a:effectRef idx="2">
+              <a:schemeClr val="accent1"/>
+            </a:effectRef>
+            <a:fontRef idx="minor">
+              <a:schemeClr val="lt1"/>
+            </a:fontRef>
+          </p:style>
+          <p:txBody>
+            <a:bodyPr rtlCol="0" anchor="ctr"/>
+            <a:lstStyle/>
+            <a:p>
+              <a:pPr algn="ctr"/>
+              <a:endParaRPr lang="en-GB"/>
+            </a:p>
+          </p:txBody>
+        </p:sp>
+        <p:sp>
+          <p:nvSpPr>
+            <p:cNvPr id="43" name="Explosion 1 42"/>
+            <p:cNvSpPr/>
+            <p:nvPr/>
+          </p:nvSpPr>
+          <p:spPr>
+            <a:xfrm>
+              <a:off x="3322338" y="2363158"/>
+              <a:ext cx="135861" cy="135866"/>
+            </a:xfrm>
+            <a:prstGeom prst="irregularSeal1">
+              <a:avLst/>
+            </a:prstGeom>
+            <a:solidFill>
+              <a:schemeClr val="tx1">
+                <a:lumMod val="75000"/>
+                <a:lumOff val="25000"/>
+              </a:schemeClr>
+            </a:solidFill>
+            <a:ln>
+              <a:noFill/>
+            </a:ln>
+            <a:effectLst/>
+          </p:spPr>
+          <p:style>
+            <a:lnRef idx="1">
+              <a:schemeClr val="accent1"/>
+            </a:lnRef>
+            <a:fillRef idx="3">
+              <a:schemeClr val="accent1"/>
+            </a:fillRef>
+            <a:effectRef idx="2">
+              <a:schemeClr val="accent1"/>
+            </a:effectRef>
+            <a:fontRef idx="minor">
+              <a:schemeClr val="lt1"/>
+            </a:fontRef>
+          </p:style>
+          <p:txBody>
+            <a:bodyPr rtlCol="0" anchor="ctr"/>
+            <a:lstStyle/>
+            <a:p>
+              <a:pPr algn="ctr"/>
+              <a:endParaRPr lang="en-GB"/>
+            </a:p>
+          </p:txBody>
+        </p:sp>
+        <p:sp>
+          <p:nvSpPr>
+            <p:cNvPr id="57" name="Explosion 1 56"/>
+            <p:cNvSpPr/>
+            <p:nvPr/>
+          </p:nvSpPr>
+          <p:spPr>
+            <a:xfrm>
+              <a:off x="3322338" y="2772910"/>
+              <a:ext cx="135861" cy="135866"/>
+            </a:xfrm>
+            <a:prstGeom prst="irregularSeal1">
+              <a:avLst/>
+            </a:prstGeom>
+            <a:solidFill>
+              <a:schemeClr val="tx1">
+                <a:lumMod val="75000"/>
+                <a:lumOff val="25000"/>
+              </a:schemeClr>
+            </a:solidFill>
+            <a:ln>
+              <a:noFill/>
+            </a:ln>
+            <a:effectLst/>
+          </p:spPr>
+          <p:style>
+            <a:lnRef idx="1">
+              <a:schemeClr val="accent1"/>
+            </a:lnRef>
+            <a:fillRef idx="3">
+              <a:schemeClr val="accent1"/>
+            </a:fillRef>
+            <a:effectRef idx="2">
+              <a:schemeClr val="accent1"/>
+            </a:effectRef>
+            <a:fontRef idx="minor">
+              <a:schemeClr val="lt1"/>
+            </a:fontRef>
+          </p:style>
+          <p:txBody>
+            <a:bodyPr rtlCol="0" anchor="ctr"/>
+            <a:lstStyle/>
+            <a:p>
+              <a:pPr algn="ctr"/>
+              <a:endParaRPr lang="en-GB"/>
+            </a:p>
+          </p:txBody>
+        </p:sp>
+        <p:sp>
+          <p:nvSpPr>
+            <p:cNvPr id="60" name="Explosion 1 59"/>
+            <p:cNvSpPr/>
+            <p:nvPr/>
+          </p:nvSpPr>
+          <p:spPr>
+            <a:xfrm>
+              <a:off x="3322338" y="2887752"/>
+              <a:ext cx="135861" cy="135866"/>
+            </a:xfrm>
+            <a:prstGeom prst="irregularSeal1">
+              <a:avLst/>
+            </a:prstGeom>
+            <a:solidFill>
+              <a:schemeClr val="tx1">
+                <a:lumMod val="75000"/>
+                <a:lumOff val="25000"/>
+              </a:schemeClr>
+            </a:solidFill>
+            <a:ln>
+              <a:noFill/>
+            </a:ln>
+            <a:effectLst/>
+          </p:spPr>
+          <p:style>
+            <a:lnRef idx="1">
+              <a:schemeClr val="accent1"/>
+            </a:lnRef>
+            <a:fillRef idx="3">
+              <a:schemeClr val="accent1"/>
+            </a:fillRef>
+            <a:effectRef idx="2">
+              <a:schemeClr val="accent1"/>
+            </a:effectRef>
+            <a:fontRef idx="minor">
+              <a:schemeClr val="lt1"/>
+            </a:fontRef>
+          </p:style>
+          <p:txBody>
+            <a:bodyPr rtlCol="0" anchor="ctr"/>
+            <a:lstStyle/>
+            <a:p>
+              <a:pPr algn="ctr"/>
+              <a:endParaRPr lang="en-GB"/>
+            </a:p>
+          </p:txBody>
+        </p:sp>
+        <p:sp>
+          <p:nvSpPr>
+            <p:cNvPr id="19" name="TextBox 18"/>
+            <p:cNvSpPr txBox="1"/>
+            <p:nvPr/>
+          </p:nvSpPr>
+          <p:spPr>
+            <a:xfrm>
+              <a:off x="2512317" y="2044603"/>
+              <a:ext cx="336550" cy="369332"/>
+            </a:xfrm>
+            <a:prstGeom prst="rect">
+              <a:avLst/>
+            </a:prstGeom>
+            <a:noFill/>
+          </p:spPr>
+          <p:txBody>
+            <a:bodyPr wrap="square" rtlCol="0">
+              <a:spAutoFit/>
+            </a:bodyPr>
+            <a:lstStyle/>
+            <a:p>
+              <a:r>
+                <a:rPr lang="en-GB" dirty="0" smtClean="0"/>
+                <a:t>…</a:t>
+              </a:r>
+              <a:endParaRPr lang="en-GB" dirty="0"/>
+            </a:p>
+          </p:txBody>
+        </p:sp>
+        <p:sp>
+          <p:nvSpPr>
+            <p:cNvPr id="20" name="TextBox 19"/>
+            <p:cNvSpPr txBox="1"/>
+            <p:nvPr/>
+          </p:nvSpPr>
+          <p:spPr>
+            <a:xfrm>
+              <a:off x="2512317" y="2686971"/>
+              <a:ext cx="336550" cy="369332"/>
+            </a:xfrm>
+            <a:prstGeom prst="rect">
+              <a:avLst/>
+            </a:prstGeom>
+            <a:noFill/>
+          </p:spPr>
+          <p:txBody>
+            <a:bodyPr wrap="square" rtlCol="0">
+              <a:spAutoFit/>
+            </a:bodyPr>
+            <a:lstStyle/>
+            <a:p>
+              <a:r>
+                <a:rPr lang="en-GB" dirty="0" smtClean="0"/>
+                <a:t>…</a:t>
+              </a:r>
+              <a:endParaRPr lang="en-GB" dirty="0"/>
+            </a:p>
+          </p:txBody>
+        </p:sp>
+        <p:sp>
+          <p:nvSpPr>
+            <p:cNvPr id="22" name="Isosceles Triangle 21"/>
+            <p:cNvSpPr/>
+            <p:nvPr/>
+          </p:nvSpPr>
+          <p:spPr>
+            <a:xfrm rot="10800000">
+              <a:off x="1757955" y="2262878"/>
+              <a:ext cx="133350" cy="114957"/>
+            </a:xfrm>
+            <a:prstGeom prst="triangle">
+              <a:avLst/>
+            </a:prstGeom>
+            <a:solidFill>
+              <a:srgbClr val="0000FF"/>
+            </a:solidFill>
+            <a:ln>
+              <a:solidFill>
+                <a:schemeClr val="tx1"/>
+              </a:solidFill>
+            </a:ln>
+            <a:effectLst/>
+          </p:spPr>
+          <p:style>
+            <a:lnRef idx="1">
+              <a:schemeClr val="accent1"/>
+            </a:lnRef>
+            <a:fillRef idx="3">
+              <a:schemeClr val="accent1"/>
+            </a:fillRef>
+            <a:effectRef idx="2">
+              <a:schemeClr val="accent1"/>
+            </a:effectRef>
+            <a:fontRef idx="minor">
+              <a:schemeClr val="lt1"/>
+            </a:fontRef>
+          </p:style>
+          <p:txBody>
+            <a:bodyPr rtlCol="0" anchor="ctr"/>
+            <a:lstStyle/>
+            <a:p>
+              <a:pPr algn="ctr"/>
+              <a:endParaRPr lang="en-GB"/>
+            </a:p>
+          </p:txBody>
+        </p:sp>
+        <p:cxnSp>
+          <p:nvCxnSpPr>
+            <p:cNvPr id="24" name="Straight Arrow Connector 23"/>
+            <p:cNvCxnSpPr/>
+            <p:nvPr/>
+          </p:nvCxnSpPr>
+          <p:spPr>
+            <a:xfrm>
+              <a:off x="1575361" y="2178050"/>
+              <a:ext cx="2078209" cy="0"/>
+            </a:xfrm>
+            <a:prstGeom prst="straightConnector1">
+              <a:avLst/>
+            </a:prstGeom>
+            <a:ln>
+              <a:solidFill>
+                <a:srgbClr val="000000"/>
+              </a:solidFill>
+              <a:tailEnd type="arrow"/>
+            </a:ln>
+            <a:effectLst/>
+          </p:spPr>
+          <p:style>
+            <a:lnRef idx="2">
+              <a:schemeClr val="accent1"/>
+            </a:lnRef>
+            <a:fillRef idx="0">
+              <a:schemeClr val="accent1"/>
+            </a:fillRef>
+            <a:effectRef idx="1">
+              <a:schemeClr val="accent1"/>
+            </a:effectRef>
+            <a:fontRef idx="minor">
+              <a:schemeClr val="tx1"/>
+            </a:fontRef>
+          </p:style>
+        </p:cxnSp>
+        <p:cxnSp>
+          <p:nvCxnSpPr>
+            <p:cNvPr id="25" name="Straight Connector 24"/>
+            <p:cNvCxnSpPr/>
+            <p:nvPr/>
+          </p:nvCxnSpPr>
+          <p:spPr>
+            <a:xfrm>
+              <a:off x="1826186" y="2132012"/>
+              <a:ext cx="0" cy="88900"/>
+            </a:xfrm>
+            <a:prstGeom prst="line">
+              <a:avLst/>
+            </a:prstGeom>
+            <a:ln>
+              <a:solidFill>
+                <a:schemeClr val="tx1"/>
+              </a:solidFill>
+            </a:ln>
+            <a:effectLst/>
+          </p:spPr>
+          <p:style>
+            <a:lnRef idx="2">
+              <a:schemeClr val="accent1"/>
+            </a:lnRef>
+            <a:fillRef idx="0">
+              <a:schemeClr val="accent1"/>
+            </a:fillRef>
+            <a:effectRef idx="1">
+              <a:schemeClr val="accent1"/>
+            </a:effectRef>
+            <a:fontRef idx="minor">
+              <a:schemeClr val="tx1"/>
+            </a:fontRef>
+          </p:style>
+        </p:cxnSp>
+        <p:cxnSp>
+          <p:nvCxnSpPr>
+            <p:cNvPr id="26" name="Straight Connector 25"/>
+            <p:cNvCxnSpPr/>
+            <p:nvPr/>
+          </p:nvCxnSpPr>
+          <p:spPr>
+            <a:xfrm>
+              <a:off x="1953186" y="2132012"/>
+              <a:ext cx="0" cy="88900"/>
+            </a:xfrm>
+            <a:prstGeom prst="line">
+              <a:avLst/>
+            </a:prstGeom>
+            <a:ln>
+              <a:solidFill>
+                <a:schemeClr val="tx1"/>
+              </a:solidFill>
+            </a:ln>
+            <a:effectLst/>
+          </p:spPr>
+          <p:style>
+            <a:lnRef idx="2">
+              <a:schemeClr val="accent1"/>
+            </a:lnRef>
+            <a:fillRef idx="0">
+              <a:schemeClr val="accent1"/>
+            </a:fillRef>
+            <a:effectRef idx="1">
+              <a:schemeClr val="accent1"/>
+            </a:effectRef>
+            <a:fontRef idx="minor">
+              <a:schemeClr val="tx1"/>
+            </a:fontRef>
+          </p:style>
+        </p:cxnSp>
+        <p:cxnSp>
+          <p:nvCxnSpPr>
+            <p:cNvPr id="27" name="Straight Connector 26"/>
+            <p:cNvCxnSpPr/>
+            <p:nvPr/>
+          </p:nvCxnSpPr>
+          <p:spPr>
+            <a:xfrm>
+              <a:off x="3388286" y="2132012"/>
+              <a:ext cx="0" cy="88900"/>
+            </a:xfrm>
+            <a:prstGeom prst="line">
+              <a:avLst/>
+            </a:prstGeom>
+            <a:ln>
+              <a:solidFill>
+                <a:schemeClr val="tx1"/>
+              </a:solidFill>
+            </a:ln>
+            <a:effectLst/>
+          </p:spPr>
+          <p:style>
+            <a:lnRef idx="2">
+              <a:schemeClr val="accent1"/>
+            </a:lnRef>
+            <a:fillRef idx="0">
+              <a:schemeClr val="accent1"/>
+            </a:fillRef>
+            <a:effectRef idx="1">
+              <a:schemeClr val="accent1"/>
+            </a:effectRef>
+            <a:fontRef idx="minor">
+              <a:schemeClr val="tx1"/>
+            </a:fontRef>
+          </p:style>
+        </p:cxnSp>
+        <p:cxnSp>
+          <p:nvCxnSpPr>
+            <p:cNvPr id="28" name="Straight Connector 27"/>
+            <p:cNvCxnSpPr/>
+            <p:nvPr/>
+          </p:nvCxnSpPr>
+          <p:spPr>
+            <a:xfrm rot="16200000">
+              <a:off x="1578868" y="2261981"/>
+              <a:ext cx="0" cy="88900"/>
+            </a:xfrm>
+            <a:prstGeom prst="line">
+              <a:avLst/>
+            </a:prstGeom>
+            <a:ln>
+              <a:solidFill>
+                <a:schemeClr val="tx1"/>
+              </a:solidFill>
+            </a:ln>
+            <a:effectLst/>
+          </p:spPr>
+          <p:style>
+            <a:lnRef idx="2">
+              <a:schemeClr val="accent1"/>
+            </a:lnRef>
+            <a:fillRef idx="0">
+              <a:schemeClr val="accent1"/>
+            </a:fillRef>
+            <a:effectRef idx="1">
+              <a:schemeClr val="accent1"/>
+            </a:effectRef>
+            <a:fontRef idx="minor">
+              <a:schemeClr val="tx1"/>
+            </a:fontRef>
+          </p:style>
+        </p:cxnSp>
+        <p:cxnSp>
+          <p:nvCxnSpPr>
+            <p:cNvPr id="29" name="Straight Connector 28"/>
+            <p:cNvCxnSpPr/>
+            <p:nvPr/>
+          </p:nvCxnSpPr>
+          <p:spPr>
+            <a:xfrm rot="16200000">
+              <a:off x="1578868" y="2385806"/>
+              <a:ext cx="0" cy="88900"/>
+            </a:xfrm>
+            <a:prstGeom prst="line">
+              <a:avLst/>
+            </a:prstGeom>
+            <a:ln>
+              <a:solidFill>
+                <a:schemeClr val="tx1"/>
+              </a:solidFill>
+            </a:ln>
+            <a:effectLst/>
+          </p:spPr>
+          <p:style>
+            <a:lnRef idx="2">
+              <a:schemeClr val="accent1"/>
+            </a:lnRef>
+            <a:fillRef idx="0">
+              <a:schemeClr val="accent1"/>
+            </a:fillRef>
+            <a:effectRef idx="1">
+              <a:schemeClr val="accent1"/>
+            </a:effectRef>
+            <a:fontRef idx="minor">
+              <a:schemeClr val="tx1"/>
+            </a:fontRef>
+          </p:style>
+        </p:cxnSp>
+        <p:cxnSp>
+          <p:nvCxnSpPr>
+            <p:cNvPr id="30" name="Straight Connector 29"/>
+            <p:cNvCxnSpPr/>
+            <p:nvPr/>
+          </p:nvCxnSpPr>
+          <p:spPr>
+            <a:xfrm rot="16200000">
+              <a:off x="1578868" y="2916031"/>
+              <a:ext cx="0" cy="88900"/>
+            </a:xfrm>
+            <a:prstGeom prst="line">
+              <a:avLst/>
+            </a:prstGeom>
+            <a:ln>
+              <a:solidFill>
+                <a:schemeClr val="tx1"/>
+              </a:solidFill>
+            </a:ln>
+            <a:effectLst/>
+          </p:spPr>
+          <p:style>
+            <a:lnRef idx="2">
+              <a:schemeClr val="accent1"/>
+            </a:lnRef>
+            <a:fillRef idx="0">
+              <a:schemeClr val="accent1"/>
+            </a:fillRef>
+            <a:effectRef idx="1">
+              <a:schemeClr val="accent1"/>
+            </a:effectRef>
+            <a:fontRef idx="minor">
+              <a:schemeClr val="tx1"/>
+            </a:fontRef>
+          </p:style>
+        </p:cxnSp>
+        <p:sp>
+          <p:nvSpPr>
+            <p:cNvPr id="31" name="TextBox 30"/>
+            <p:cNvSpPr txBox="1"/>
+            <p:nvPr/>
+          </p:nvSpPr>
+          <p:spPr>
+            <a:xfrm>
+              <a:off x="2512713" y="1912234"/>
+              <a:ext cx="336550" cy="369332"/>
+            </a:xfrm>
+            <a:prstGeom prst="rect">
+              <a:avLst/>
+            </a:prstGeom>
+            <a:solidFill>
+              <a:schemeClr val="bg1"/>
+            </a:solidFill>
+          </p:spPr>
+          <p:txBody>
+            <a:bodyPr wrap="square" rtlCol="0">
+              <a:spAutoFit/>
+            </a:bodyPr>
+            <a:lstStyle/>
+            <a:p>
+              <a:r>
+                <a:rPr lang="en-GB" dirty="0" smtClean="0"/>
+                <a:t>…</a:t>
+              </a:r>
+              <a:endParaRPr lang="en-GB" dirty="0"/>
+            </a:p>
+          </p:txBody>
+        </p:sp>
+        <p:sp>
+          <p:nvSpPr>
+            <p:cNvPr id="32" name="TextBox 31"/>
+            <p:cNvSpPr txBox="1"/>
+            <p:nvPr/>
+          </p:nvSpPr>
+          <p:spPr>
+            <a:xfrm>
+              <a:off x="1738904" y="1953191"/>
+              <a:ext cx="133350" cy="215444"/>
+            </a:xfrm>
+            <a:prstGeom prst="rect">
+              <a:avLst/>
+            </a:prstGeom>
+            <a:noFill/>
+          </p:spPr>
+          <p:txBody>
+            <a:bodyPr wrap="square" rtlCol="0">
+              <a:spAutoFit/>
+            </a:bodyPr>
+            <a:lstStyle/>
+            <a:p>
+              <a:r>
+                <a:rPr lang="en-GB" sz="800" dirty="0" smtClean="0">
+                  <a:latin typeface="Times New Roman"/>
+                  <a:cs typeface="Times New Roman"/>
+                </a:rPr>
+                <a:t>0</a:t>
+              </a:r>
+              <a:endParaRPr lang="en-GB" sz="800" dirty="0">
+                <a:latin typeface="Times New Roman"/>
+                <a:cs typeface="Times New Roman"/>
+              </a:endParaRPr>
+            </a:p>
+          </p:txBody>
+        </p:sp>
+        <p:sp>
+          <p:nvSpPr>
+            <p:cNvPr id="33" name="TextBox 32"/>
+            <p:cNvSpPr txBox="1"/>
+            <p:nvPr/>
+          </p:nvSpPr>
+          <p:spPr>
+            <a:xfrm>
+              <a:off x="1315675" y="2261991"/>
+              <a:ext cx="133350" cy="215444"/>
+            </a:xfrm>
+            <a:prstGeom prst="rect">
+              <a:avLst/>
+            </a:prstGeom>
+            <a:noFill/>
+          </p:spPr>
+          <p:txBody>
+            <a:bodyPr wrap="square" rtlCol="0">
+              <a:spAutoFit/>
+            </a:bodyPr>
+            <a:lstStyle/>
+            <a:p>
+              <a:r>
+                <a:rPr lang="en-GB" sz="800" dirty="0" smtClean="0">
+                  <a:latin typeface="Times New Roman"/>
+                  <a:cs typeface="Times New Roman"/>
+                </a:rPr>
+                <a:t>0</a:t>
+              </a:r>
+              <a:endParaRPr lang="en-GB" sz="800" dirty="0">
+                <a:latin typeface="Times New Roman"/>
+                <a:cs typeface="Times New Roman"/>
+              </a:endParaRPr>
+            </a:p>
+          </p:txBody>
+        </p:sp>
+        <p:sp>
+          <p:nvSpPr>
+            <p:cNvPr id="34" name="TextBox 33"/>
+            <p:cNvSpPr txBox="1"/>
+            <p:nvPr/>
+          </p:nvSpPr>
+          <p:spPr>
+            <a:xfrm>
+              <a:off x="1836499" y="1953191"/>
+              <a:ext cx="384114" cy="215444"/>
+            </a:xfrm>
+            <a:prstGeom prst="rect">
+              <a:avLst/>
+            </a:prstGeom>
+            <a:noFill/>
+          </p:spPr>
+          <p:txBody>
+            <a:bodyPr wrap="square" rtlCol="0">
+              <a:spAutoFit/>
+            </a:bodyPr>
+            <a:lstStyle/>
+            <a:p>
+              <a:r>
+                <a:rPr lang="en-GB" sz="800" dirty="0" smtClean="0">
+                  <a:latin typeface="Times New Roman"/>
+                  <a:cs typeface="Times New Roman"/>
+                </a:rPr>
+                <a:t>12.5</a:t>
+              </a:r>
+              <a:endParaRPr lang="en-GB" sz="800" dirty="0">
+                <a:latin typeface="Times New Roman"/>
+                <a:cs typeface="Times New Roman"/>
+              </a:endParaRPr>
+            </a:p>
+          </p:txBody>
+        </p:sp>
+        <p:sp>
+          <p:nvSpPr>
+            <p:cNvPr id="35" name="TextBox 34"/>
+            <p:cNvSpPr txBox="1"/>
+            <p:nvPr/>
+          </p:nvSpPr>
+          <p:spPr>
+            <a:xfrm>
+              <a:off x="1220486" y="2392384"/>
+              <a:ext cx="384114" cy="215444"/>
+            </a:xfrm>
+            <a:prstGeom prst="rect">
+              <a:avLst/>
+            </a:prstGeom>
+            <a:noFill/>
+          </p:spPr>
+          <p:txBody>
+            <a:bodyPr wrap="square" rtlCol="0">
+              <a:spAutoFit/>
+            </a:bodyPr>
+            <a:lstStyle/>
+            <a:p>
+              <a:r>
+                <a:rPr lang="en-GB" sz="800" dirty="0" smtClean="0">
+                  <a:latin typeface="Times New Roman"/>
+                  <a:cs typeface="Times New Roman"/>
+                </a:rPr>
+                <a:t>12.5</a:t>
+              </a:r>
+              <a:endParaRPr lang="en-GB" sz="800" dirty="0">
+                <a:latin typeface="Times New Roman"/>
+                <a:cs typeface="Times New Roman"/>
+              </a:endParaRPr>
+            </a:p>
+          </p:txBody>
+        </p:sp>
+        <p:sp>
+          <p:nvSpPr>
+            <p:cNvPr id="36" name="TextBox 35"/>
+            <p:cNvSpPr txBox="1"/>
+            <p:nvPr/>
+          </p:nvSpPr>
+          <p:spPr>
+            <a:xfrm>
+              <a:off x="3196229" y="1953191"/>
+              <a:ext cx="384114" cy="215444"/>
+            </a:xfrm>
+            <a:prstGeom prst="rect">
+              <a:avLst/>
+            </a:prstGeom>
+            <a:noFill/>
+          </p:spPr>
+          <p:txBody>
+            <a:bodyPr wrap="square" rtlCol="0">
+              <a:spAutoFit/>
+            </a:bodyPr>
+            <a:lstStyle/>
+            <a:p>
+              <a:r>
+                <a:rPr lang="en-GB" sz="800" dirty="0" smtClean="0">
+                  <a:latin typeface="Times New Roman"/>
+                  <a:cs typeface="Times New Roman"/>
+                </a:rPr>
+                <a:t>1000</a:t>
+              </a:r>
+              <a:endParaRPr lang="en-GB" sz="800" dirty="0">
+                <a:latin typeface="Times New Roman"/>
+                <a:cs typeface="Times New Roman"/>
+              </a:endParaRPr>
+            </a:p>
+          </p:txBody>
+        </p:sp>
+        <p:sp>
+          <p:nvSpPr>
+            <p:cNvPr id="37" name="TextBox 36"/>
+            <p:cNvSpPr txBox="1"/>
+            <p:nvPr/>
+          </p:nvSpPr>
+          <p:spPr>
+            <a:xfrm>
+              <a:off x="1242711" y="2846409"/>
+              <a:ext cx="384114" cy="215444"/>
+            </a:xfrm>
+            <a:prstGeom prst="rect">
+              <a:avLst/>
+            </a:prstGeom>
+            <a:noFill/>
+          </p:spPr>
+          <p:txBody>
+            <a:bodyPr wrap="square" rtlCol="0">
+              <a:spAutoFit/>
+            </a:bodyPr>
+            <a:lstStyle/>
+            <a:p>
+              <a:r>
+                <a:rPr lang="en-GB" sz="800" dirty="0" smtClean="0">
+                  <a:latin typeface="Times New Roman"/>
+                  <a:cs typeface="Times New Roman"/>
+                </a:rPr>
+                <a:t>250</a:t>
+              </a:r>
+              <a:endParaRPr lang="en-GB" sz="800" dirty="0">
+                <a:latin typeface="Times New Roman"/>
+                <a:cs typeface="Times New Roman"/>
+              </a:endParaRPr>
+            </a:p>
+          </p:txBody>
+        </p:sp>
+        <p:sp>
+          <p:nvSpPr>
+            <p:cNvPr id="38" name="TextBox 37"/>
+            <p:cNvSpPr txBox="1"/>
+            <p:nvPr/>
+          </p:nvSpPr>
+          <p:spPr>
+            <a:xfrm>
+              <a:off x="2148477" y="1775391"/>
+              <a:ext cx="1060389" cy="215444"/>
+            </a:xfrm>
+            <a:prstGeom prst="rect">
+              <a:avLst/>
+            </a:prstGeom>
+            <a:noFill/>
+          </p:spPr>
+          <p:txBody>
+            <a:bodyPr wrap="square" rtlCol="0">
+              <a:spAutoFit/>
+            </a:bodyPr>
+            <a:lstStyle/>
+            <a:p>
+              <a:r>
+                <a:rPr lang="en-GB" sz="800" dirty="0" smtClean="0">
+                  <a:latin typeface="Times New Roman"/>
+                  <a:cs typeface="Times New Roman"/>
+                </a:rPr>
+                <a:t>Inline position (m)</a:t>
+              </a:r>
+              <a:endParaRPr lang="en-GB" sz="800" dirty="0">
+                <a:latin typeface="Times New Roman"/>
+                <a:cs typeface="Times New Roman"/>
+              </a:endParaRPr>
+            </a:p>
+          </p:txBody>
+        </p:sp>
+        <p:sp>
+          <p:nvSpPr>
+            <p:cNvPr id="39" name="TextBox 38"/>
+            <p:cNvSpPr txBox="1"/>
+            <p:nvPr/>
+          </p:nvSpPr>
+          <p:spPr>
+            <a:xfrm rot="16200000">
+              <a:off x="651497" y="2539687"/>
+              <a:ext cx="1101664" cy="215444"/>
+            </a:xfrm>
+            <a:prstGeom prst="rect">
+              <a:avLst/>
+            </a:prstGeom>
+            <a:noFill/>
+          </p:spPr>
+          <p:txBody>
+            <a:bodyPr wrap="square" rtlCol="0">
+              <a:spAutoFit/>
+            </a:bodyPr>
+            <a:lstStyle/>
+            <a:p>
+              <a:r>
+                <a:rPr lang="en-GB" sz="800" dirty="0" smtClean="0">
+                  <a:latin typeface="Times New Roman"/>
+                  <a:cs typeface="Times New Roman"/>
+                </a:rPr>
+                <a:t>Crossline position (m)</a:t>
+              </a:r>
+              <a:endParaRPr lang="en-GB" sz="800" dirty="0">
+                <a:latin typeface="Times New Roman"/>
+                <a:cs typeface="Times New Roman"/>
+              </a:endParaRPr>
+            </a:p>
+          </p:txBody>
+        </p:sp>
+        <p:sp>
+          <p:nvSpPr>
+            <p:cNvPr id="103" name="TextBox 102"/>
+            <p:cNvSpPr txBox="1"/>
+            <p:nvPr/>
+          </p:nvSpPr>
+          <p:spPr>
+            <a:xfrm rot="5400000">
+              <a:off x="1743967" y="2445643"/>
+              <a:ext cx="336550" cy="369332"/>
+            </a:xfrm>
+            <a:prstGeom prst="rect">
+              <a:avLst/>
+            </a:prstGeom>
+            <a:noFill/>
+          </p:spPr>
+          <p:txBody>
+            <a:bodyPr wrap="square" rtlCol="0">
+              <a:spAutoFit/>
+            </a:bodyPr>
+            <a:lstStyle/>
+            <a:p>
+              <a:r>
+                <a:rPr lang="en-GB" dirty="0" smtClean="0"/>
+                <a:t>…</a:t>
+              </a:r>
+              <a:endParaRPr lang="en-GB" dirty="0"/>
+            </a:p>
+          </p:txBody>
+        </p:sp>
+        <p:sp>
+          <p:nvSpPr>
+            <p:cNvPr id="104" name="TextBox 103"/>
+            <p:cNvSpPr txBox="1"/>
+            <p:nvPr/>
+          </p:nvSpPr>
+          <p:spPr>
+            <a:xfrm rot="5400000">
+              <a:off x="3300629" y="2445643"/>
+              <a:ext cx="336550" cy="369332"/>
+            </a:xfrm>
+            <a:prstGeom prst="rect">
+              <a:avLst/>
+            </a:prstGeom>
+            <a:noFill/>
+          </p:spPr>
+          <p:txBody>
+            <a:bodyPr wrap="square" rtlCol="0">
+              <a:spAutoFit/>
+            </a:bodyPr>
+            <a:lstStyle/>
+            <a:p>
+              <a:r>
+                <a:rPr lang="en-GB" dirty="0" smtClean="0"/>
+                <a:t>…</a:t>
+              </a:r>
+              <a:endParaRPr lang="en-GB" dirty="0"/>
+            </a:p>
+          </p:txBody>
+        </p:sp>
+      </p:grpSp>
+    </p:spTree>
+    <p:extLst>
+      <p:ext uri="{BB962C8B-B14F-4D97-AF65-F5344CB8AC3E}">
+        <p14:creationId xmlns:p14="http://schemas.microsoft.com/office/powerpoint/2010/main" val="1206732641"/>
+      </p:ext>
+    </p:extLst>
+  </p:cSld>
+  <p:clrMapOvr>
+    <a:masterClrMapping/>
+  </p:clrMapOvr>
+</p:sld>
+</file>
+
+<file path=ppt/slides/slide11.xml><?xml version="1.0" encoding="utf-8"?>
+<p:sld xmlns:a="http://schemas.openxmlformats.org/drawingml/2006/main" xmlns:r="http://schemas.openxmlformats.org/officeDocument/2006/relationships" xmlns:p="http://schemas.openxmlformats.org/presentationml/2006/main">
+  <p:cSld>
+    <p:spTree>
+      <p:nvGrpSpPr>
+        <p:cNvPr id="1" name=""/>
+        <p:cNvGrpSpPr/>
+        <p:nvPr/>
+      </p:nvGrpSpPr>
+      <p:grpSpPr>
+        <a:xfrm>
+          <a:off x="0" y="0"/>
+          <a:ext cx="0" cy="0"/>
+          <a:chOff x="0" y="0"/>
+          <a:chExt cx="0" cy="0"/>
+        </a:xfrm>
+      </p:grpSpPr>
+      <p:grpSp>
+        <p:nvGrpSpPr>
+          <p:cNvPr id="15" name="Group 14"/>
+          <p:cNvGrpSpPr/>
+          <p:nvPr/>
+        </p:nvGrpSpPr>
+        <p:grpSpPr>
+          <a:xfrm>
+            <a:off x="-15840" y="3756010"/>
+            <a:ext cx="1767417" cy="2256600"/>
+            <a:chOff x="552876" y="554651"/>
+            <a:chExt cx="1767417" cy="2256600"/>
+          </a:xfrm>
+        </p:grpSpPr>
+        <p:sp>
+          <p:nvSpPr>
+            <p:cNvPr id="42" name="Rectangle 41"/>
+            <p:cNvSpPr/>
+            <p:nvPr/>
+          </p:nvSpPr>
+          <p:spPr>
+            <a:xfrm>
+              <a:off x="987850" y="1722733"/>
+              <a:ext cx="897468" cy="605600"/>
+            </a:xfrm>
+            <a:prstGeom prst="rect">
+              <a:avLst/>
+            </a:prstGeom>
+            <a:solidFill>
+              <a:schemeClr val="bg1">
+                <a:lumMod val="50000"/>
+              </a:schemeClr>
+            </a:solidFill>
+            <a:ln>
+              <a:noFill/>
+            </a:ln>
+            <a:effectLst/>
+          </p:spPr>
+          <p:style>
+            <a:lnRef idx="1">
+              <a:schemeClr val="accent1"/>
+            </a:lnRef>
+            <a:fillRef idx="3">
+              <a:schemeClr val="accent1"/>
+            </a:fillRef>
+            <a:effectRef idx="2">
+              <a:schemeClr val="accent1"/>
+            </a:effectRef>
+            <a:fontRef idx="minor">
+              <a:schemeClr val="lt1"/>
+            </a:fontRef>
+          </p:style>
+          <p:txBody>
+            <a:bodyPr rtlCol="0" anchor="ctr"/>
+            <a:lstStyle/>
+            <a:p>
+              <a:pPr algn="ctr"/>
+              <a:endParaRPr lang="en-GB"/>
+            </a:p>
+          </p:txBody>
+        </p:sp>
+        <p:grpSp>
+          <p:nvGrpSpPr>
+            <p:cNvPr id="40" name="Group 39"/>
+            <p:cNvGrpSpPr/>
+            <p:nvPr/>
+          </p:nvGrpSpPr>
+          <p:grpSpPr>
+            <a:xfrm>
+              <a:off x="552876" y="1494785"/>
+              <a:ext cx="1767417" cy="1316466"/>
+              <a:chOff x="552876" y="1494785"/>
+              <a:chExt cx="1767417" cy="1316466"/>
+            </a:xfrm>
+          </p:grpSpPr>
+          <p:grpSp>
+            <p:nvGrpSpPr>
+              <p:cNvPr id="38" name="Group 37"/>
+              <p:cNvGrpSpPr/>
+              <p:nvPr/>
+            </p:nvGrpSpPr>
+            <p:grpSpPr>
+              <a:xfrm>
+                <a:off x="1206433" y="1494785"/>
+                <a:ext cx="460302" cy="135866"/>
+                <a:chOff x="1169097" y="1494785"/>
+                <a:chExt cx="460302" cy="135866"/>
+              </a:xfrm>
+            </p:grpSpPr>
+            <p:sp>
+              <p:nvSpPr>
+                <p:cNvPr id="4" name="Explosion 1 3"/>
+                <p:cNvSpPr/>
+                <p:nvPr/>
+              </p:nvSpPr>
+              <p:spPr>
+                <a:xfrm>
+                  <a:off x="1169097" y="1494785"/>
+                  <a:ext cx="135861" cy="135866"/>
+                </a:xfrm>
+                <a:prstGeom prst="irregularSeal1">
+                  <a:avLst/>
+                </a:prstGeom>
+                <a:solidFill>
+                  <a:schemeClr val="tx1">
+                    <a:lumMod val="75000"/>
+                    <a:lumOff val="25000"/>
+                  </a:schemeClr>
+                </a:solidFill>
+                <a:ln>
+                  <a:noFill/>
+                </a:ln>
+                <a:effectLst/>
+              </p:spPr>
+              <p:style>
+                <a:lnRef idx="1">
+                  <a:schemeClr val="accent1"/>
+                </a:lnRef>
+                <a:fillRef idx="3">
+                  <a:schemeClr val="accent1"/>
+                </a:fillRef>
+                <a:effectRef idx="2">
+                  <a:schemeClr val="accent1"/>
+                </a:effectRef>
+                <a:fontRef idx="minor">
+                  <a:schemeClr val="lt1"/>
+                </a:fontRef>
+              </p:style>
+              <p:txBody>
+                <a:bodyPr rtlCol="0" anchor="ctr"/>
+                <a:lstStyle/>
+                <a:p>
+                  <a:pPr algn="ctr"/>
+                  <a:endParaRPr lang="en-GB"/>
+                </a:p>
+              </p:txBody>
+            </p:sp>
+            <p:sp>
+              <p:nvSpPr>
+                <p:cNvPr id="5" name="Explosion 1 4"/>
+                <p:cNvSpPr/>
+                <p:nvPr/>
+              </p:nvSpPr>
+              <p:spPr>
+                <a:xfrm>
+                  <a:off x="1493538" y="1494785"/>
+                  <a:ext cx="135861" cy="135866"/>
+                </a:xfrm>
+                <a:prstGeom prst="irregularSeal1">
+                  <a:avLst/>
+                </a:prstGeom>
+                <a:solidFill>
+                  <a:schemeClr val="tx1">
+                    <a:lumMod val="75000"/>
+                    <a:lumOff val="25000"/>
+                  </a:schemeClr>
+                </a:solidFill>
+                <a:ln>
+                  <a:noFill/>
+                </a:ln>
+                <a:effectLst/>
+              </p:spPr>
+              <p:style>
+                <a:lnRef idx="1">
+                  <a:schemeClr val="accent1"/>
+                </a:lnRef>
+                <a:fillRef idx="3">
+                  <a:schemeClr val="accent1"/>
+                </a:fillRef>
+                <a:effectRef idx="2">
+                  <a:schemeClr val="accent1"/>
+                </a:effectRef>
+                <a:fontRef idx="minor">
+                  <a:schemeClr val="lt1"/>
+                </a:fontRef>
+              </p:style>
+              <p:txBody>
+                <a:bodyPr rtlCol="0" anchor="ctr"/>
+                <a:lstStyle/>
+                <a:p>
+                  <a:pPr algn="ctr"/>
+                  <a:endParaRPr lang="en-GB"/>
+                </a:p>
+              </p:txBody>
+            </p:sp>
+          </p:grpSp>
+          <p:grpSp>
+            <p:nvGrpSpPr>
+              <p:cNvPr id="37" name="Group 36"/>
+              <p:cNvGrpSpPr/>
+              <p:nvPr/>
+            </p:nvGrpSpPr>
+            <p:grpSpPr>
+              <a:xfrm>
+                <a:off x="552876" y="1845395"/>
+                <a:ext cx="1767417" cy="965856"/>
+                <a:chOff x="552876" y="1845395"/>
+                <a:chExt cx="1767417" cy="965856"/>
+              </a:xfrm>
+            </p:grpSpPr>
+            <p:grpSp>
+              <p:nvGrpSpPr>
+                <p:cNvPr id="18" name="Group 17"/>
+                <p:cNvGrpSpPr/>
+                <p:nvPr/>
+              </p:nvGrpSpPr>
+              <p:grpSpPr>
+                <a:xfrm>
+                  <a:off x="552876" y="1845395"/>
+                  <a:ext cx="133351" cy="965856"/>
+                  <a:chOff x="1746676" y="2059586"/>
+                  <a:chExt cx="133351" cy="965856"/>
+                </a:xfrm>
+              </p:grpSpPr>
+              <p:sp>
+                <p:nvSpPr>
+                  <p:cNvPr id="10" name="Isosceles Triangle 9"/>
+                  <p:cNvSpPr/>
+                  <p:nvPr/>
+                </p:nvSpPr>
+                <p:spPr>
+                  <a:xfrm rot="10800000">
+                    <a:off x="1746677" y="2059586"/>
+                    <a:ext cx="133350" cy="114957"/>
+                  </a:xfrm>
+                  <a:prstGeom prst="triangle">
+                    <a:avLst/>
+                  </a:prstGeom>
+                  <a:solidFill>
+                    <a:srgbClr val="0000FF"/>
+                  </a:solidFill>
+                  <a:ln>
+                    <a:solidFill>
+                      <a:schemeClr val="tx1"/>
+                    </a:solidFill>
+                  </a:ln>
+                  <a:effectLst/>
+                </p:spPr>
+                <p:style>
+                  <a:lnRef idx="1">
+                    <a:schemeClr val="accent1"/>
+                  </a:lnRef>
+                  <a:fillRef idx="3">
+                    <a:schemeClr val="accent1"/>
+                  </a:fillRef>
+                  <a:effectRef idx="2">
+                    <a:schemeClr val="accent1"/>
+                  </a:effectRef>
+                  <a:fontRef idx="minor">
+                    <a:schemeClr val="lt1"/>
+                  </a:fontRef>
+                </p:style>
+                <p:txBody>
+                  <a:bodyPr rtlCol="0" anchor="ctr"/>
+                  <a:lstStyle/>
+                  <a:p>
+                    <a:pPr algn="ctr"/>
+                    <a:endParaRPr lang="en-GB"/>
+                  </a:p>
+                </p:txBody>
+              </p:sp>
+              <p:sp>
+                <p:nvSpPr>
+                  <p:cNvPr id="11" name="Isosceles Triangle 10"/>
+                  <p:cNvSpPr/>
+                  <p:nvPr/>
+                </p:nvSpPr>
+                <p:spPr>
+                  <a:xfrm rot="10800000">
+                    <a:off x="1746677" y="2343219"/>
+                    <a:ext cx="133350" cy="114957"/>
+                  </a:xfrm>
+                  <a:prstGeom prst="triangle">
+                    <a:avLst/>
+                  </a:prstGeom>
+                  <a:solidFill>
+                    <a:srgbClr val="0000FF"/>
+                  </a:solidFill>
+                  <a:ln>
+                    <a:solidFill>
+                      <a:schemeClr val="tx1"/>
+                    </a:solidFill>
+                  </a:ln>
+                  <a:effectLst/>
+                </p:spPr>
+                <p:style>
+                  <a:lnRef idx="1">
+                    <a:schemeClr val="accent1"/>
+                  </a:lnRef>
+                  <a:fillRef idx="3">
+                    <a:schemeClr val="accent1"/>
+                  </a:fillRef>
+                  <a:effectRef idx="2">
+                    <a:schemeClr val="accent1"/>
+                  </a:effectRef>
+                  <a:fontRef idx="minor">
+                    <a:schemeClr val="lt1"/>
+                  </a:fontRef>
+                </p:style>
+                <p:txBody>
+                  <a:bodyPr rtlCol="0" anchor="ctr"/>
+                  <a:lstStyle/>
+                  <a:p>
+                    <a:pPr algn="ctr"/>
+                    <a:endParaRPr lang="en-GB"/>
+                  </a:p>
+                </p:txBody>
+              </p:sp>
+              <p:sp>
+                <p:nvSpPr>
+                  <p:cNvPr id="12" name="Isosceles Triangle 11"/>
+                  <p:cNvSpPr/>
+                  <p:nvPr/>
+                </p:nvSpPr>
+                <p:spPr>
+                  <a:xfrm rot="10800000">
+                    <a:off x="1746677" y="2626852"/>
+                    <a:ext cx="133350" cy="114957"/>
+                  </a:xfrm>
+                  <a:prstGeom prst="triangle">
+                    <a:avLst/>
+                  </a:prstGeom>
+                  <a:solidFill>
+                    <a:srgbClr val="0000FF"/>
+                  </a:solidFill>
+                  <a:ln>
+                    <a:solidFill>
+                      <a:schemeClr val="tx1"/>
+                    </a:solidFill>
+                  </a:ln>
+                  <a:effectLst/>
+                </p:spPr>
+                <p:style>
+                  <a:lnRef idx="1">
+                    <a:schemeClr val="accent1"/>
+                  </a:lnRef>
+                  <a:fillRef idx="3">
+                    <a:schemeClr val="accent1"/>
+                  </a:fillRef>
+                  <a:effectRef idx="2">
+                    <a:schemeClr val="accent1"/>
+                  </a:effectRef>
+                  <a:fontRef idx="minor">
+                    <a:schemeClr val="lt1"/>
+                  </a:fontRef>
+                </p:style>
+                <p:txBody>
+                  <a:bodyPr rtlCol="0" anchor="ctr"/>
+                  <a:lstStyle/>
+                  <a:p>
+                    <a:pPr algn="ctr"/>
+                    <a:endParaRPr lang="en-GB"/>
+                  </a:p>
+                </p:txBody>
+              </p:sp>
+              <p:sp>
+                <p:nvSpPr>
+                  <p:cNvPr id="13" name="Isosceles Triangle 12"/>
+                  <p:cNvSpPr/>
+                  <p:nvPr/>
+                </p:nvSpPr>
+                <p:spPr>
+                  <a:xfrm rot="10800000">
+                    <a:off x="1746676" y="2910485"/>
+                    <a:ext cx="133350" cy="114957"/>
+                  </a:xfrm>
+                  <a:prstGeom prst="triangle">
+                    <a:avLst/>
+                  </a:prstGeom>
+                  <a:solidFill>
+                    <a:srgbClr val="0000FF"/>
+                  </a:solidFill>
+                  <a:ln>
+                    <a:solidFill>
+                      <a:schemeClr val="tx1"/>
+                    </a:solidFill>
+                  </a:ln>
+                  <a:effectLst/>
+                </p:spPr>
+                <p:style>
+                  <a:lnRef idx="1">
+                    <a:schemeClr val="accent1"/>
+                  </a:lnRef>
+                  <a:fillRef idx="3">
+                    <a:schemeClr val="accent1"/>
+                  </a:fillRef>
+                  <a:effectRef idx="2">
+                    <a:schemeClr val="accent1"/>
+                  </a:effectRef>
+                  <a:fontRef idx="minor">
+                    <a:schemeClr val="lt1"/>
+                  </a:fontRef>
+                </p:style>
+                <p:txBody>
+                  <a:bodyPr rtlCol="0" anchor="ctr"/>
+                  <a:lstStyle/>
+                  <a:p>
+                    <a:pPr algn="ctr"/>
+                    <a:endParaRPr lang="en-GB"/>
+                  </a:p>
+                </p:txBody>
+              </p:sp>
+            </p:grpSp>
+            <p:grpSp>
+              <p:nvGrpSpPr>
+                <p:cNvPr id="19" name="Group 18"/>
+                <p:cNvGrpSpPr/>
+                <p:nvPr/>
+              </p:nvGrpSpPr>
+              <p:grpSpPr>
+                <a:xfrm>
+                  <a:off x="1097565" y="1845395"/>
+                  <a:ext cx="133351" cy="965856"/>
+                  <a:chOff x="1746676" y="2059586"/>
+                  <a:chExt cx="133351" cy="965856"/>
+                </a:xfrm>
+              </p:grpSpPr>
+              <p:sp>
+                <p:nvSpPr>
+                  <p:cNvPr id="20" name="Isosceles Triangle 19"/>
+                  <p:cNvSpPr/>
+                  <p:nvPr/>
+                </p:nvSpPr>
+                <p:spPr>
+                  <a:xfrm rot="10800000">
+                    <a:off x="1746677" y="2059586"/>
+                    <a:ext cx="133350" cy="114957"/>
+                  </a:xfrm>
+                  <a:prstGeom prst="triangle">
+                    <a:avLst/>
+                  </a:prstGeom>
+                  <a:solidFill>
+                    <a:srgbClr val="0000FF"/>
+                  </a:solidFill>
+                  <a:ln>
+                    <a:solidFill>
+                      <a:schemeClr val="tx1"/>
+                    </a:solidFill>
+                  </a:ln>
+                  <a:effectLst/>
+                </p:spPr>
+                <p:style>
+                  <a:lnRef idx="1">
+                    <a:schemeClr val="accent1"/>
+                  </a:lnRef>
+                  <a:fillRef idx="3">
+                    <a:schemeClr val="accent1"/>
+                  </a:fillRef>
+                  <a:effectRef idx="2">
+                    <a:schemeClr val="accent1"/>
+                  </a:effectRef>
+                  <a:fontRef idx="minor">
+                    <a:schemeClr val="lt1"/>
+                  </a:fontRef>
+                </p:style>
+                <p:txBody>
+                  <a:bodyPr rtlCol="0" anchor="ctr"/>
+                  <a:lstStyle/>
+                  <a:p>
+                    <a:pPr algn="ctr"/>
+                    <a:endParaRPr lang="en-GB"/>
+                  </a:p>
+                </p:txBody>
+              </p:sp>
+              <p:sp>
+                <p:nvSpPr>
+                  <p:cNvPr id="21" name="Isosceles Triangle 20"/>
+                  <p:cNvSpPr/>
+                  <p:nvPr/>
+                </p:nvSpPr>
+                <p:spPr>
+                  <a:xfrm rot="10800000">
+                    <a:off x="1746677" y="2343219"/>
+                    <a:ext cx="133350" cy="114957"/>
+                  </a:xfrm>
+                  <a:prstGeom prst="triangle">
+                    <a:avLst/>
+                  </a:prstGeom>
+                  <a:solidFill>
+                    <a:srgbClr val="0000FF"/>
+                  </a:solidFill>
+                  <a:ln>
+                    <a:solidFill>
+                      <a:schemeClr val="tx1"/>
+                    </a:solidFill>
+                  </a:ln>
+                  <a:effectLst/>
+                </p:spPr>
+                <p:style>
+                  <a:lnRef idx="1">
+                    <a:schemeClr val="accent1"/>
+                  </a:lnRef>
+                  <a:fillRef idx="3">
+                    <a:schemeClr val="accent1"/>
+                  </a:fillRef>
+                  <a:effectRef idx="2">
+                    <a:schemeClr val="accent1"/>
+                  </a:effectRef>
+                  <a:fontRef idx="minor">
+                    <a:schemeClr val="lt1"/>
+                  </a:fontRef>
+                </p:style>
+                <p:txBody>
+                  <a:bodyPr rtlCol="0" anchor="ctr"/>
+                  <a:lstStyle/>
+                  <a:p>
+                    <a:pPr algn="ctr"/>
+                    <a:endParaRPr lang="en-GB"/>
+                  </a:p>
+                </p:txBody>
+              </p:sp>
+              <p:sp>
+                <p:nvSpPr>
+                  <p:cNvPr id="22" name="Isosceles Triangle 21"/>
+                  <p:cNvSpPr/>
+                  <p:nvPr/>
+                </p:nvSpPr>
+                <p:spPr>
+                  <a:xfrm rot="10800000">
+                    <a:off x="1746677" y="2626852"/>
+                    <a:ext cx="133350" cy="114957"/>
+                  </a:xfrm>
+                  <a:prstGeom prst="triangle">
+                    <a:avLst/>
+                  </a:prstGeom>
+                  <a:solidFill>
+                    <a:srgbClr val="0000FF"/>
+                  </a:solidFill>
+                  <a:ln>
+                    <a:solidFill>
+                      <a:schemeClr val="tx1"/>
+                    </a:solidFill>
+                  </a:ln>
+                  <a:effectLst/>
+                </p:spPr>
+                <p:style>
+                  <a:lnRef idx="1">
+                    <a:schemeClr val="accent1"/>
+                  </a:lnRef>
+                  <a:fillRef idx="3">
+                    <a:schemeClr val="accent1"/>
+                  </a:fillRef>
+                  <a:effectRef idx="2">
+                    <a:schemeClr val="accent1"/>
+                  </a:effectRef>
+                  <a:fontRef idx="minor">
+                    <a:schemeClr val="lt1"/>
+                  </a:fontRef>
+                </p:style>
+                <p:txBody>
+                  <a:bodyPr rtlCol="0" anchor="ctr"/>
+                  <a:lstStyle/>
+                  <a:p>
+                    <a:pPr algn="ctr"/>
+                    <a:endParaRPr lang="en-GB"/>
+                  </a:p>
+                </p:txBody>
+              </p:sp>
+              <p:sp>
+                <p:nvSpPr>
+                  <p:cNvPr id="23" name="Isosceles Triangle 22"/>
+                  <p:cNvSpPr/>
+                  <p:nvPr/>
+                </p:nvSpPr>
+                <p:spPr>
+                  <a:xfrm rot="10800000">
+                    <a:off x="1746676" y="2910485"/>
+                    <a:ext cx="133350" cy="114957"/>
+                  </a:xfrm>
+                  <a:prstGeom prst="triangle">
+                    <a:avLst/>
+                  </a:prstGeom>
+                  <a:solidFill>
+                    <a:srgbClr val="0000FF"/>
+                  </a:solidFill>
+                  <a:ln>
+                    <a:solidFill>
+                      <a:schemeClr val="tx1"/>
+                    </a:solidFill>
+                  </a:ln>
+                  <a:effectLst/>
+                </p:spPr>
+                <p:style>
+                  <a:lnRef idx="1">
+                    <a:schemeClr val="accent1"/>
+                  </a:lnRef>
+                  <a:fillRef idx="3">
+                    <a:schemeClr val="accent1"/>
+                  </a:fillRef>
+                  <a:effectRef idx="2">
+                    <a:schemeClr val="accent1"/>
+                  </a:effectRef>
+                  <a:fontRef idx="minor">
+                    <a:schemeClr val="lt1"/>
+                  </a:fontRef>
+                </p:style>
+                <p:txBody>
+                  <a:bodyPr rtlCol="0" anchor="ctr"/>
+                  <a:lstStyle/>
+                  <a:p>
+                    <a:pPr algn="ctr"/>
+                    <a:endParaRPr lang="en-GB"/>
+                  </a:p>
+                </p:txBody>
+              </p:sp>
+            </p:grpSp>
+            <p:grpSp>
+              <p:nvGrpSpPr>
+                <p:cNvPr id="25" name="Group 24"/>
+                <p:cNvGrpSpPr/>
+                <p:nvPr/>
+              </p:nvGrpSpPr>
+              <p:grpSpPr>
+                <a:xfrm>
+                  <a:off x="1642254" y="1845395"/>
+                  <a:ext cx="133351" cy="965856"/>
+                  <a:chOff x="1746676" y="2059586"/>
+                  <a:chExt cx="133351" cy="965856"/>
+                </a:xfrm>
+              </p:grpSpPr>
+              <p:sp>
+                <p:nvSpPr>
+                  <p:cNvPr id="26" name="Isosceles Triangle 25"/>
+                  <p:cNvSpPr/>
+                  <p:nvPr/>
+                </p:nvSpPr>
+                <p:spPr>
+                  <a:xfrm rot="10800000">
+                    <a:off x="1746677" y="2059586"/>
+                    <a:ext cx="133350" cy="114957"/>
+                  </a:xfrm>
+                  <a:prstGeom prst="triangle">
+                    <a:avLst/>
+                  </a:prstGeom>
+                  <a:solidFill>
+                    <a:srgbClr val="0000FF"/>
+                  </a:solidFill>
+                  <a:ln>
+                    <a:solidFill>
+                      <a:schemeClr val="tx1"/>
+                    </a:solidFill>
+                  </a:ln>
+                  <a:effectLst/>
+                </p:spPr>
+                <p:style>
+                  <a:lnRef idx="1">
+                    <a:schemeClr val="accent1"/>
+                  </a:lnRef>
+                  <a:fillRef idx="3">
+                    <a:schemeClr val="accent1"/>
+                  </a:fillRef>
+                  <a:effectRef idx="2">
+                    <a:schemeClr val="accent1"/>
+                  </a:effectRef>
+                  <a:fontRef idx="minor">
+                    <a:schemeClr val="lt1"/>
+                  </a:fontRef>
+                </p:style>
+                <p:txBody>
+                  <a:bodyPr rtlCol="0" anchor="ctr"/>
+                  <a:lstStyle/>
+                  <a:p>
+                    <a:pPr algn="ctr"/>
+                    <a:endParaRPr lang="en-GB"/>
+                  </a:p>
+                </p:txBody>
+              </p:sp>
+              <p:sp>
+                <p:nvSpPr>
+                  <p:cNvPr id="27" name="Isosceles Triangle 26"/>
+                  <p:cNvSpPr/>
+                  <p:nvPr/>
+                </p:nvSpPr>
+                <p:spPr>
+                  <a:xfrm rot="10800000">
+                    <a:off x="1746677" y="2343219"/>
+                    <a:ext cx="133350" cy="114957"/>
+                  </a:xfrm>
+                  <a:prstGeom prst="triangle">
+                    <a:avLst/>
+                  </a:prstGeom>
+                  <a:solidFill>
+                    <a:srgbClr val="0000FF"/>
+                  </a:solidFill>
+                  <a:ln>
+                    <a:solidFill>
+                      <a:schemeClr val="tx1"/>
+                    </a:solidFill>
+                  </a:ln>
+                  <a:effectLst/>
+                </p:spPr>
+                <p:style>
+                  <a:lnRef idx="1">
+                    <a:schemeClr val="accent1"/>
+                  </a:lnRef>
+                  <a:fillRef idx="3">
+                    <a:schemeClr val="accent1"/>
+                  </a:fillRef>
+                  <a:effectRef idx="2">
+                    <a:schemeClr val="accent1"/>
+                  </a:effectRef>
+                  <a:fontRef idx="minor">
+                    <a:schemeClr val="lt1"/>
+                  </a:fontRef>
+                </p:style>
+                <p:txBody>
+                  <a:bodyPr rtlCol="0" anchor="ctr"/>
+                  <a:lstStyle/>
+                  <a:p>
+                    <a:pPr algn="ctr"/>
+                    <a:endParaRPr lang="en-GB"/>
+                  </a:p>
+                </p:txBody>
+              </p:sp>
+              <p:sp>
+                <p:nvSpPr>
+                  <p:cNvPr id="28" name="Isosceles Triangle 27"/>
+                  <p:cNvSpPr/>
+                  <p:nvPr/>
+                </p:nvSpPr>
+                <p:spPr>
+                  <a:xfrm rot="10800000">
+                    <a:off x="1746677" y="2626852"/>
+                    <a:ext cx="133350" cy="114957"/>
+                  </a:xfrm>
+                  <a:prstGeom prst="triangle">
+                    <a:avLst/>
+                  </a:prstGeom>
+                  <a:solidFill>
+                    <a:srgbClr val="0000FF"/>
+                  </a:solidFill>
+                  <a:ln>
+                    <a:solidFill>
+                      <a:schemeClr val="tx1"/>
+                    </a:solidFill>
+                  </a:ln>
+                  <a:effectLst/>
+                </p:spPr>
+                <p:style>
+                  <a:lnRef idx="1">
+                    <a:schemeClr val="accent1"/>
+                  </a:lnRef>
+                  <a:fillRef idx="3">
+                    <a:schemeClr val="accent1"/>
+                  </a:fillRef>
+                  <a:effectRef idx="2">
+                    <a:schemeClr val="accent1"/>
+                  </a:effectRef>
+                  <a:fontRef idx="minor">
+                    <a:schemeClr val="lt1"/>
+                  </a:fontRef>
+                </p:style>
+                <p:txBody>
+                  <a:bodyPr rtlCol="0" anchor="ctr"/>
+                  <a:lstStyle/>
+                  <a:p>
+                    <a:pPr algn="ctr"/>
+                    <a:endParaRPr lang="en-GB"/>
+                  </a:p>
+                </p:txBody>
+              </p:sp>
+              <p:sp>
+                <p:nvSpPr>
+                  <p:cNvPr id="29" name="Isosceles Triangle 28"/>
+                  <p:cNvSpPr/>
+                  <p:nvPr/>
+                </p:nvSpPr>
+                <p:spPr>
+                  <a:xfrm rot="10800000">
+                    <a:off x="1746676" y="2910485"/>
+                    <a:ext cx="133350" cy="114957"/>
+                  </a:xfrm>
+                  <a:prstGeom prst="triangle">
+                    <a:avLst/>
+                  </a:prstGeom>
+                  <a:solidFill>
+                    <a:srgbClr val="0000FF"/>
+                  </a:solidFill>
+                  <a:ln>
+                    <a:solidFill>
+                      <a:schemeClr val="tx1"/>
+                    </a:solidFill>
+                  </a:ln>
+                  <a:effectLst/>
+                </p:spPr>
+                <p:style>
+                  <a:lnRef idx="1">
+                    <a:schemeClr val="accent1"/>
+                  </a:lnRef>
+                  <a:fillRef idx="3">
+                    <a:schemeClr val="accent1"/>
+                  </a:fillRef>
+                  <a:effectRef idx="2">
+                    <a:schemeClr val="accent1"/>
+                  </a:effectRef>
+                  <a:fontRef idx="minor">
+                    <a:schemeClr val="lt1"/>
+                  </a:fontRef>
+                </p:style>
+                <p:txBody>
+                  <a:bodyPr rtlCol="0" anchor="ctr"/>
+                  <a:lstStyle/>
+                  <a:p>
+                    <a:pPr algn="ctr"/>
+                    <a:endParaRPr lang="en-GB"/>
+                  </a:p>
+                </p:txBody>
+              </p:sp>
+            </p:grpSp>
+            <p:grpSp>
+              <p:nvGrpSpPr>
+                <p:cNvPr id="31" name="Group 30"/>
+                <p:cNvGrpSpPr/>
+                <p:nvPr/>
+              </p:nvGrpSpPr>
+              <p:grpSpPr>
+                <a:xfrm>
+                  <a:off x="2186942" y="1845395"/>
+                  <a:ext cx="133351" cy="965856"/>
+                  <a:chOff x="1746676" y="2059586"/>
+                  <a:chExt cx="133351" cy="965856"/>
+                </a:xfrm>
+              </p:grpSpPr>
+              <p:sp>
+                <p:nvSpPr>
+                  <p:cNvPr id="32" name="Isosceles Triangle 31"/>
+                  <p:cNvSpPr/>
+                  <p:nvPr/>
+                </p:nvSpPr>
+                <p:spPr>
+                  <a:xfrm rot="10800000">
+                    <a:off x="1746677" y="2059586"/>
+                    <a:ext cx="133350" cy="114957"/>
+                  </a:xfrm>
+                  <a:prstGeom prst="triangle">
+                    <a:avLst/>
+                  </a:prstGeom>
+                  <a:solidFill>
+                    <a:srgbClr val="0000FF"/>
+                  </a:solidFill>
+                  <a:ln>
+                    <a:solidFill>
+                      <a:schemeClr val="tx1"/>
+                    </a:solidFill>
+                  </a:ln>
+                  <a:effectLst/>
+                </p:spPr>
+                <p:style>
+                  <a:lnRef idx="1">
+                    <a:schemeClr val="accent1"/>
+                  </a:lnRef>
+                  <a:fillRef idx="3">
+                    <a:schemeClr val="accent1"/>
+                  </a:fillRef>
+                  <a:effectRef idx="2">
+                    <a:schemeClr val="accent1"/>
+                  </a:effectRef>
+                  <a:fontRef idx="minor">
+                    <a:schemeClr val="lt1"/>
+                  </a:fontRef>
+                </p:style>
+                <p:txBody>
+                  <a:bodyPr rtlCol="0" anchor="ctr"/>
+                  <a:lstStyle/>
+                  <a:p>
+                    <a:pPr algn="ctr"/>
+                    <a:endParaRPr lang="en-GB"/>
+                  </a:p>
+                </p:txBody>
+              </p:sp>
+              <p:sp>
+                <p:nvSpPr>
+                  <p:cNvPr id="33" name="Isosceles Triangle 32"/>
+                  <p:cNvSpPr/>
+                  <p:nvPr/>
+                </p:nvSpPr>
+                <p:spPr>
+                  <a:xfrm rot="10800000">
+                    <a:off x="1746677" y="2343219"/>
+                    <a:ext cx="133350" cy="114957"/>
+                  </a:xfrm>
+                  <a:prstGeom prst="triangle">
+                    <a:avLst/>
+                  </a:prstGeom>
+                  <a:solidFill>
+                    <a:srgbClr val="0000FF"/>
+                  </a:solidFill>
+                  <a:ln>
+                    <a:solidFill>
+                      <a:schemeClr val="tx1"/>
+                    </a:solidFill>
+                  </a:ln>
+                  <a:effectLst/>
+                </p:spPr>
+                <p:style>
+                  <a:lnRef idx="1">
+                    <a:schemeClr val="accent1"/>
+                  </a:lnRef>
+                  <a:fillRef idx="3">
+                    <a:schemeClr val="accent1"/>
+                  </a:fillRef>
+                  <a:effectRef idx="2">
+                    <a:schemeClr val="accent1"/>
+                  </a:effectRef>
+                  <a:fontRef idx="minor">
+                    <a:schemeClr val="lt1"/>
+                  </a:fontRef>
+                </p:style>
+                <p:txBody>
+                  <a:bodyPr rtlCol="0" anchor="ctr"/>
+                  <a:lstStyle/>
+                  <a:p>
+                    <a:pPr algn="ctr"/>
+                    <a:endParaRPr lang="en-GB"/>
+                  </a:p>
+                </p:txBody>
+              </p:sp>
+              <p:sp>
+                <p:nvSpPr>
+                  <p:cNvPr id="34" name="Isosceles Triangle 33"/>
+                  <p:cNvSpPr/>
+                  <p:nvPr/>
+                </p:nvSpPr>
+                <p:spPr>
+                  <a:xfrm rot="10800000">
+                    <a:off x="1746677" y="2626852"/>
+                    <a:ext cx="133350" cy="114957"/>
+                  </a:xfrm>
+                  <a:prstGeom prst="triangle">
+                    <a:avLst/>
+                  </a:prstGeom>
+                  <a:solidFill>
+                    <a:srgbClr val="0000FF"/>
+                  </a:solidFill>
+                  <a:ln>
+                    <a:solidFill>
+                      <a:schemeClr val="tx1"/>
+                    </a:solidFill>
+                  </a:ln>
+                  <a:effectLst/>
+                </p:spPr>
+                <p:style>
+                  <a:lnRef idx="1">
+                    <a:schemeClr val="accent1"/>
+                  </a:lnRef>
+                  <a:fillRef idx="3">
+                    <a:schemeClr val="accent1"/>
+                  </a:fillRef>
+                  <a:effectRef idx="2">
+                    <a:schemeClr val="accent1"/>
+                  </a:effectRef>
+                  <a:fontRef idx="minor">
+                    <a:schemeClr val="lt1"/>
+                  </a:fontRef>
+                </p:style>
+                <p:txBody>
+                  <a:bodyPr rtlCol="0" anchor="ctr"/>
+                  <a:lstStyle/>
+                  <a:p>
+                    <a:pPr algn="ctr"/>
+                    <a:endParaRPr lang="en-GB"/>
+                  </a:p>
+                </p:txBody>
+              </p:sp>
+              <p:sp>
+                <p:nvSpPr>
+                  <p:cNvPr id="35" name="Isosceles Triangle 34"/>
+                  <p:cNvSpPr/>
+                  <p:nvPr/>
+                </p:nvSpPr>
+                <p:spPr>
+                  <a:xfrm rot="10800000">
+                    <a:off x="1746676" y="2910485"/>
+                    <a:ext cx="133350" cy="114957"/>
+                  </a:xfrm>
+                  <a:prstGeom prst="triangle">
+                    <a:avLst/>
+                  </a:prstGeom>
+                  <a:solidFill>
+                    <a:srgbClr val="0000FF"/>
+                  </a:solidFill>
+                  <a:ln>
+                    <a:solidFill>
+                      <a:schemeClr val="tx1"/>
+                    </a:solidFill>
+                  </a:ln>
+                  <a:effectLst/>
+                </p:spPr>
+                <p:style>
+                  <a:lnRef idx="1">
+                    <a:schemeClr val="accent1"/>
+                  </a:lnRef>
+                  <a:fillRef idx="3">
+                    <a:schemeClr val="accent1"/>
+                  </a:fillRef>
+                  <a:effectRef idx="2">
+                    <a:schemeClr val="accent1"/>
+                  </a:effectRef>
+                  <a:fontRef idx="minor">
+                    <a:schemeClr val="lt1"/>
+                  </a:fontRef>
+                </p:style>
+                <p:txBody>
+                  <a:bodyPr rtlCol="0" anchor="ctr"/>
+                  <a:lstStyle/>
+                  <a:p>
+                    <a:pPr algn="ctr"/>
+                    <a:endParaRPr lang="en-GB"/>
+                  </a:p>
+                </p:txBody>
+              </p:sp>
+            </p:grpSp>
+          </p:grpSp>
+        </p:grpSp>
+        <p:pic>
+          <p:nvPicPr>
+            <p:cNvPr id="41" name="Picture 40" descr="Boat-Top.png"/>
+            <p:cNvPicPr>
+              <a:picLocks noChangeAspect="1"/>
+            </p:cNvPicPr>
+            <p:nvPr/>
+          </p:nvPicPr>
+          <p:blipFill>
+            <a:blip r:embed="rId2">
+              <a:extLst>
+                <a:ext uri="{28A0092B-C50C-407E-A947-70E740481C1C}">
+                  <a14:useLocalDpi xmlns:a14="http://schemas.microsoft.com/office/drawing/2010/main" val="0"/>
+                </a:ext>
+              </a:extLst>
+            </a:blip>
+            <a:stretch>
+              <a:fillRect/>
+            </a:stretch>
+          </p:blipFill>
+          <p:spPr>
+            <a:xfrm>
+              <a:off x="1120393" y="554651"/>
+              <a:ext cx="632382" cy="1050205"/>
+            </a:xfrm>
+            <a:prstGeom prst="rect">
+              <a:avLst/>
+            </a:prstGeom>
+          </p:spPr>
+        </p:pic>
+      </p:grpSp>
+      <p:grpSp>
+        <p:nvGrpSpPr>
+          <p:cNvPr id="16" name="Group 15"/>
+          <p:cNvGrpSpPr/>
+          <p:nvPr/>
+        </p:nvGrpSpPr>
+        <p:grpSpPr>
+          <a:xfrm>
+            <a:off x="5740727" y="3756010"/>
+            <a:ext cx="1767417" cy="2256600"/>
+            <a:chOff x="4870876" y="707052"/>
+            <a:chExt cx="1767417" cy="2256600"/>
+          </a:xfrm>
+        </p:grpSpPr>
+        <p:pic>
+          <p:nvPicPr>
+            <p:cNvPr id="68" name="Picture 67" descr="Boat-Top.png"/>
+            <p:cNvPicPr>
+              <a:picLocks noChangeAspect="1"/>
+            </p:cNvPicPr>
+            <p:nvPr/>
+          </p:nvPicPr>
+          <p:blipFill>
+            <a:blip r:embed="rId2">
+              <a:extLst>
+                <a:ext uri="{28A0092B-C50C-407E-A947-70E740481C1C}">
+                  <a14:useLocalDpi xmlns:a14="http://schemas.microsoft.com/office/drawing/2010/main" val="0"/>
+                </a:ext>
+              </a:extLst>
+            </a:blip>
+            <a:stretch>
+              <a:fillRect/>
+            </a:stretch>
+          </p:blipFill>
+          <p:spPr>
+            <a:xfrm>
+              <a:off x="5438393" y="707052"/>
+              <a:ext cx="632382" cy="1050205"/>
+            </a:xfrm>
+            <a:prstGeom prst="rect">
+              <a:avLst/>
+            </a:prstGeom>
+          </p:spPr>
+        </p:pic>
+        <p:sp>
+          <p:nvSpPr>
+            <p:cNvPr id="6" name="Explosion 1 5"/>
+            <p:cNvSpPr/>
+            <p:nvPr/>
+          </p:nvSpPr>
+          <p:spPr>
+            <a:xfrm>
+              <a:off x="5632580" y="1650993"/>
+              <a:ext cx="135861" cy="135866"/>
+            </a:xfrm>
+            <a:prstGeom prst="irregularSeal1">
+              <a:avLst/>
+            </a:prstGeom>
+            <a:solidFill>
+              <a:schemeClr val="tx1">
+                <a:lumMod val="75000"/>
+                <a:lumOff val="25000"/>
+              </a:schemeClr>
+            </a:solidFill>
+            <a:ln>
+              <a:noFill/>
+            </a:ln>
+            <a:effectLst/>
+          </p:spPr>
+          <p:style>
+            <a:lnRef idx="1">
+              <a:schemeClr val="accent1"/>
+            </a:lnRef>
+            <a:fillRef idx="3">
+              <a:schemeClr val="accent1"/>
+            </a:fillRef>
+            <a:effectRef idx="2">
+              <a:schemeClr val="accent1"/>
+            </a:effectRef>
+            <a:fontRef idx="minor">
+              <a:schemeClr val="lt1"/>
+            </a:fontRef>
+          </p:style>
+          <p:txBody>
+            <a:bodyPr rtlCol="0" anchor="ctr"/>
+            <a:lstStyle/>
+            <a:p>
+              <a:pPr algn="ctr"/>
+              <a:endParaRPr lang="en-GB"/>
+            </a:p>
+          </p:txBody>
+        </p:sp>
+        <p:sp>
+          <p:nvSpPr>
+            <p:cNvPr id="7" name="Explosion 1 6"/>
+            <p:cNvSpPr/>
+            <p:nvPr/>
+          </p:nvSpPr>
+          <p:spPr>
+            <a:xfrm>
+              <a:off x="5740727" y="1650993"/>
+              <a:ext cx="135861" cy="135866"/>
+            </a:xfrm>
+            <a:prstGeom prst="irregularSeal1">
+              <a:avLst/>
+            </a:prstGeom>
+            <a:solidFill>
+              <a:schemeClr val="tx1">
+                <a:lumMod val="75000"/>
+                <a:lumOff val="25000"/>
+              </a:schemeClr>
+            </a:solidFill>
+            <a:ln>
+              <a:noFill/>
+            </a:ln>
+            <a:effectLst/>
+          </p:spPr>
+          <p:style>
+            <a:lnRef idx="1">
+              <a:schemeClr val="accent1"/>
+            </a:lnRef>
+            <a:fillRef idx="3">
+              <a:schemeClr val="accent1"/>
+            </a:fillRef>
+            <a:effectRef idx="2">
+              <a:schemeClr val="accent1"/>
+            </a:effectRef>
+            <a:fontRef idx="minor">
+              <a:schemeClr val="lt1"/>
+            </a:fontRef>
+          </p:style>
+          <p:txBody>
+            <a:bodyPr rtlCol="0" anchor="ctr"/>
+            <a:lstStyle/>
+            <a:p>
+              <a:pPr algn="ctr"/>
+              <a:endParaRPr lang="en-GB"/>
+            </a:p>
+          </p:txBody>
+        </p:sp>
+        <p:sp>
+          <p:nvSpPr>
+            <p:cNvPr id="39" name="Rectangle 38"/>
+            <p:cNvSpPr/>
+            <p:nvPr/>
+          </p:nvSpPr>
+          <p:spPr>
+            <a:xfrm>
+              <a:off x="5305850" y="1875134"/>
+              <a:ext cx="897468" cy="605600"/>
+            </a:xfrm>
+            <a:prstGeom prst="rect">
+              <a:avLst/>
+            </a:prstGeom>
+            <a:solidFill>
+              <a:schemeClr val="bg1">
+                <a:lumMod val="50000"/>
+              </a:schemeClr>
+            </a:solidFill>
+            <a:ln>
+              <a:noFill/>
+            </a:ln>
+            <a:effectLst/>
+          </p:spPr>
+          <p:style>
+            <a:lnRef idx="1">
+              <a:schemeClr val="accent1"/>
+            </a:lnRef>
+            <a:fillRef idx="3">
+              <a:schemeClr val="accent1"/>
+            </a:fillRef>
+            <a:effectRef idx="2">
+              <a:schemeClr val="accent1"/>
+            </a:effectRef>
+            <a:fontRef idx="minor">
+              <a:schemeClr val="lt1"/>
+            </a:fontRef>
+          </p:style>
+          <p:txBody>
+            <a:bodyPr rtlCol="0" anchor="ctr"/>
+            <a:lstStyle/>
+            <a:p>
+              <a:pPr algn="ctr"/>
+              <a:endParaRPr lang="en-GB"/>
+            </a:p>
+          </p:txBody>
+        </p:sp>
+        <p:sp>
+          <p:nvSpPr>
+            <p:cNvPr id="66" name="Explosion 1 65"/>
+            <p:cNvSpPr/>
+            <p:nvPr/>
+          </p:nvSpPr>
+          <p:spPr>
+            <a:xfrm>
+              <a:off x="5524433" y="1650993"/>
+              <a:ext cx="135861" cy="135866"/>
+            </a:xfrm>
+            <a:prstGeom prst="irregularSeal1">
+              <a:avLst/>
+            </a:prstGeom>
+            <a:solidFill>
+              <a:schemeClr val="tx1">
+                <a:lumMod val="75000"/>
+                <a:lumOff val="25000"/>
+              </a:schemeClr>
+            </a:solidFill>
+            <a:ln>
+              <a:noFill/>
+            </a:ln>
+            <a:effectLst/>
+          </p:spPr>
+          <p:style>
+            <a:lnRef idx="1">
+              <a:schemeClr val="accent1"/>
+            </a:lnRef>
+            <a:fillRef idx="3">
+              <a:schemeClr val="accent1"/>
+            </a:fillRef>
+            <a:effectRef idx="2">
+              <a:schemeClr val="accent1"/>
+            </a:effectRef>
+            <a:fontRef idx="minor">
+              <a:schemeClr val="lt1"/>
+            </a:fontRef>
+          </p:style>
+          <p:txBody>
+            <a:bodyPr rtlCol="0" anchor="ctr"/>
+            <a:lstStyle/>
+            <a:p>
+              <a:pPr algn="ctr"/>
+              <a:endParaRPr lang="en-GB"/>
+            </a:p>
+          </p:txBody>
+        </p:sp>
+        <p:sp>
+          <p:nvSpPr>
+            <p:cNvPr id="67" name="Explosion 1 66"/>
+            <p:cNvSpPr/>
+            <p:nvPr/>
+          </p:nvSpPr>
+          <p:spPr>
+            <a:xfrm>
+              <a:off x="5848874" y="1650993"/>
+              <a:ext cx="135861" cy="135866"/>
+            </a:xfrm>
+            <a:prstGeom prst="irregularSeal1">
+              <a:avLst/>
+            </a:prstGeom>
+            <a:solidFill>
+              <a:schemeClr val="tx1">
+                <a:lumMod val="75000"/>
+                <a:lumOff val="25000"/>
+              </a:schemeClr>
+            </a:solidFill>
+            <a:ln>
+              <a:noFill/>
+            </a:ln>
+            <a:effectLst/>
+          </p:spPr>
+          <p:style>
+            <a:lnRef idx="1">
+              <a:schemeClr val="accent1"/>
+            </a:lnRef>
+            <a:fillRef idx="3">
+              <a:schemeClr val="accent1"/>
+            </a:fillRef>
+            <a:effectRef idx="2">
+              <a:schemeClr val="accent1"/>
+            </a:effectRef>
+            <a:fontRef idx="minor">
+              <a:schemeClr val="lt1"/>
+            </a:fontRef>
+          </p:style>
+          <p:txBody>
+            <a:bodyPr rtlCol="0" anchor="ctr"/>
+            <a:lstStyle/>
+            <a:p>
+              <a:pPr algn="ctr"/>
+              <a:endParaRPr lang="en-GB"/>
+            </a:p>
+          </p:txBody>
+        </p:sp>
+        <p:grpSp>
+          <p:nvGrpSpPr>
+            <p:cNvPr id="45" name="Group 44"/>
+            <p:cNvGrpSpPr/>
+            <p:nvPr/>
+          </p:nvGrpSpPr>
+          <p:grpSpPr>
+            <a:xfrm>
+              <a:off x="4870876" y="1997796"/>
+              <a:ext cx="1767417" cy="965856"/>
+              <a:chOff x="552876" y="1845395"/>
+              <a:chExt cx="1767417" cy="965856"/>
+            </a:xfrm>
+          </p:grpSpPr>
+          <p:grpSp>
+            <p:nvGrpSpPr>
+              <p:cNvPr id="46" name="Group 45"/>
+              <p:cNvGrpSpPr/>
+              <p:nvPr/>
+            </p:nvGrpSpPr>
+            <p:grpSpPr>
+              <a:xfrm>
+                <a:off x="552876" y="1845395"/>
+                <a:ext cx="133351" cy="965856"/>
+                <a:chOff x="1746676" y="2059586"/>
+                <a:chExt cx="133351" cy="965856"/>
+              </a:xfrm>
+            </p:grpSpPr>
+            <p:sp>
+              <p:nvSpPr>
+                <p:cNvPr id="62" name="Isosceles Triangle 61"/>
+                <p:cNvSpPr/>
+                <p:nvPr/>
+              </p:nvSpPr>
+              <p:spPr>
+                <a:xfrm rot="10800000">
+                  <a:off x="1746677" y="2059586"/>
+                  <a:ext cx="133350" cy="114957"/>
+                </a:xfrm>
+                <a:prstGeom prst="triangle">
+                  <a:avLst/>
+                </a:prstGeom>
+                <a:solidFill>
+                  <a:srgbClr val="0000FF"/>
+                </a:solidFill>
+                <a:ln>
+                  <a:solidFill>
+                    <a:schemeClr val="tx1"/>
+                  </a:solidFill>
+                </a:ln>
+                <a:effectLst/>
+              </p:spPr>
+              <p:style>
+                <a:lnRef idx="1">
+                  <a:schemeClr val="accent1"/>
+                </a:lnRef>
+                <a:fillRef idx="3">
+                  <a:schemeClr val="accent1"/>
+                </a:fillRef>
+                <a:effectRef idx="2">
+                  <a:schemeClr val="accent1"/>
+                </a:effectRef>
+                <a:fontRef idx="minor">
+                  <a:schemeClr val="lt1"/>
+                </a:fontRef>
+              </p:style>
+              <p:txBody>
+                <a:bodyPr rtlCol="0" anchor="ctr"/>
+                <a:lstStyle/>
+                <a:p>
+                  <a:pPr algn="ctr"/>
+                  <a:endParaRPr lang="en-GB"/>
+                </a:p>
+              </p:txBody>
+            </p:sp>
+            <p:sp>
+              <p:nvSpPr>
+                <p:cNvPr id="63" name="Isosceles Triangle 62"/>
+                <p:cNvSpPr/>
+                <p:nvPr/>
+              </p:nvSpPr>
+              <p:spPr>
+                <a:xfrm rot="10800000">
+                  <a:off x="1746677" y="2343219"/>
+                  <a:ext cx="133350" cy="114957"/>
+                </a:xfrm>
+                <a:prstGeom prst="triangle">
+                  <a:avLst/>
+                </a:prstGeom>
+                <a:solidFill>
+                  <a:srgbClr val="0000FF"/>
+                </a:solidFill>
+                <a:ln>
+                  <a:solidFill>
+                    <a:schemeClr val="tx1"/>
+                  </a:solidFill>
+                </a:ln>
+                <a:effectLst/>
+              </p:spPr>
+              <p:style>
+                <a:lnRef idx="1">
+                  <a:schemeClr val="accent1"/>
+                </a:lnRef>
+                <a:fillRef idx="3">
+                  <a:schemeClr val="accent1"/>
+                </a:fillRef>
+                <a:effectRef idx="2">
+                  <a:schemeClr val="accent1"/>
+                </a:effectRef>
+                <a:fontRef idx="minor">
+                  <a:schemeClr val="lt1"/>
+                </a:fontRef>
+              </p:style>
+              <p:txBody>
+                <a:bodyPr rtlCol="0" anchor="ctr"/>
+                <a:lstStyle/>
+                <a:p>
+                  <a:pPr algn="ctr"/>
+                  <a:endParaRPr lang="en-GB"/>
+                </a:p>
+              </p:txBody>
+            </p:sp>
+            <p:sp>
+              <p:nvSpPr>
+                <p:cNvPr id="64" name="Isosceles Triangle 63"/>
+                <p:cNvSpPr/>
+                <p:nvPr/>
+              </p:nvSpPr>
+              <p:spPr>
+                <a:xfrm rot="10800000">
+                  <a:off x="1746677" y="2626852"/>
+                  <a:ext cx="133350" cy="114957"/>
+                </a:xfrm>
+                <a:prstGeom prst="triangle">
+                  <a:avLst/>
+                </a:prstGeom>
+                <a:solidFill>
+                  <a:srgbClr val="0000FF"/>
+                </a:solidFill>
+                <a:ln>
+                  <a:solidFill>
+                    <a:schemeClr val="tx1"/>
+                  </a:solidFill>
+                </a:ln>
+                <a:effectLst/>
+              </p:spPr>
+              <p:style>
+                <a:lnRef idx="1">
+                  <a:schemeClr val="accent1"/>
+                </a:lnRef>
+                <a:fillRef idx="3">
+                  <a:schemeClr val="accent1"/>
+                </a:fillRef>
+                <a:effectRef idx="2">
+                  <a:schemeClr val="accent1"/>
+                </a:effectRef>
+                <a:fontRef idx="minor">
+                  <a:schemeClr val="lt1"/>
+                </a:fontRef>
+              </p:style>
+              <p:txBody>
+                <a:bodyPr rtlCol="0" anchor="ctr"/>
+                <a:lstStyle/>
+                <a:p>
+                  <a:pPr algn="ctr"/>
+                  <a:endParaRPr lang="en-GB"/>
+                </a:p>
+              </p:txBody>
+            </p:sp>
+            <p:sp>
+              <p:nvSpPr>
+                <p:cNvPr id="65" name="Isosceles Triangle 64"/>
+                <p:cNvSpPr/>
+                <p:nvPr/>
+              </p:nvSpPr>
+              <p:spPr>
+                <a:xfrm rot="10800000">
+                  <a:off x="1746676" y="2910485"/>
+                  <a:ext cx="133350" cy="114957"/>
+                </a:xfrm>
+                <a:prstGeom prst="triangle">
+                  <a:avLst/>
+                </a:prstGeom>
+                <a:solidFill>
+                  <a:srgbClr val="0000FF"/>
+                </a:solidFill>
+                <a:ln>
+                  <a:solidFill>
+                    <a:schemeClr val="tx1"/>
+                  </a:solidFill>
+                </a:ln>
+                <a:effectLst/>
+              </p:spPr>
+              <p:style>
+                <a:lnRef idx="1">
+                  <a:schemeClr val="accent1"/>
+                </a:lnRef>
+                <a:fillRef idx="3">
+                  <a:schemeClr val="accent1"/>
+                </a:fillRef>
+                <a:effectRef idx="2">
+                  <a:schemeClr val="accent1"/>
+                </a:effectRef>
+                <a:fontRef idx="minor">
+                  <a:schemeClr val="lt1"/>
+                </a:fontRef>
+              </p:style>
+              <p:txBody>
+                <a:bodyPr rtlCol="0" anchor="ctr"/>
+                <a:lstStyle/>
+                <a:p>
+                  <a:pPr algn="ctr"/>
+                  <a:endParaRPr lang="en-GB"/>
+                </a:p>
+              </p:txBody>
+            </p:sp>
+          </p:grpSp>
+          <p:grpSp>
+            <p:nvGrpSpPr>
+              <p:cNvPr id="47" name="Group 46"/>
+              <p:cNvGrpSpPr/>
+              <p:nvPr/>
+            </p:nvGrpSpPr>
+            <p:grpSpPr>
+              <a:xfrm>
+                <a:off x="1097565" y="1845395"/>
+                <a:ext cx="133351" cy="965856"/>
+                <a:chOff x="1746676" y="2059586"/>
+                <a:chExt cx="133351" cy="965856"/>
+              </a:xfrm>
+            </p:grpSpPr>
+            <p:sp>
+              <p:nvSpPr>
+                <p:cNvPr id="58" name="Isosceles Triangle 57"/>
+                <p:cNvSpPr/>
+                <p:nvPr/>
+              </p:nvSpPr>
+              <p:spPr>
+                <a:xfrm rot="10800000">
+                  <a:off x="1746677" y="2059586"/>
+                  <a:ext cx="133350" cy="114957"/>
+                </a:xfrm>
+                <a:prstGeom prst="triangle">
+                  <a:avLst/>
+                </a:prstGeom>
+                <a:solidFill>
+                  <a:srgbClr val="0000FF"/>
+                </a:solidFill>
+                <a:ln>
+                  <a:solidFill>
+                    <a:schemeClr val="tx1"/>
+                  </a:solidFill>
+                </a:ln>
+                <a:effectLst/>
+              </p:spPr>
+              <p:style>
+                <a:lnRef idx="1">
+                  <a:schemeClr val="accent1"/>
+                </a:lnRef>
+                <a:fillRef idx="3">
+                  <a:schemeClr val="accent1"/>
+                </a:fillRef>
+                <a:effectRef idx="2">
+                  <a:schemeClr val="accent1"/>
+                </a:effectRef>
+                <a:fontRef idx="minor">
+                  <a:schemeClr val="lt1"/>
+                </a:fontRef>
+              </p:style>
+              <p:txBody>
+                <a:bodyPr rtlCol="0" anchor="ctr"/>
+                <a:lstStyle/>
+                <a:p>
+                  <a:pPr algn="ctr"/>
+                  <a:endParaRPr lang="en-GB"/>
+                </a:p>
+              </p:txBody>
+            </p:sp>
+            <p:sp>
+              <p:nvSpPr>
+                <p:cNvPr id="59" name="Isosceles Triangle 58"/>
+                <p:cNvSpPr/>
+                <p:nvPr/>
+              </p:nvSpPr>
+              <p:spPr>
+                <a:xfrm rot="10800000">
+                  <a:off x="1746677" y="2343219"/>
+                  <a:ext cx="133350" cy="114957"/>
+                </a:xfrm>
+                <a:prstGeom prst="triangle">
+                  <a:avLst/>
+                </a:prstGeom>
+                <a:solidFill>
+                  <a:srgbClr val="0000FF"/>
+                </a:solidFill>
+                <a:ln>
+                  <a:solidFill>
+                    <a:schemeClr val="tx1"/>
+                  </a:solidFill>
+                </a:ln>
+                <a:effectLst/>
+              </p:spPr>
+              <p:style>
+                <a:lnRef idx="1">
+                  <a:schemeClr val="accent1"/>
+                </a:lnRef>
+                <a:fillRef idx="3">
+                  <a:schemeClr val="accent1"/>
+                </a:fillRef>
+                <a:effectRef idx="2">
+                  <a:schemeClr val="accent1"/>
+                </a:effectRef>
+                <a:fontRef idx="minor">
+                  <a:schemeClr val="lt1"/>
+                </a:fontRef>
+              </p:style>
+              <p:txBody>
+                <a:bodyPr rtlCol="0" anchor="ctr"/>
+                <a:lstStyle/>
+                <a:p>
+                  <a:pPr algn="ctr"/>
+                  <a:endParaRPr lang="en-GB"/>
+                </a:p>
+              </p:txBody>
+            </p:sp>
+            <p:sp>
+              <p:nvSpPr>
+                <p:cNvPr id="60" name="Isosceles Triangle 59"/>
+                <p:cNvSpPr/>
+                <p:nvPr/>
+              </p:nvSpPr>
+              <p:spPr>
+                <a:xfrm rot="10800000">
+                  <a:off x="1746677" y="2626852"/>
+                  <a:ext cx="133350" cy="114957"/>
+                </a:xfrm>
+                <a:prstGeom prst="triangle">
+                  <a:avLst/>
+                </a:prstGeom>
+                <a:solidFill>
+                  <a:srgbClr val="0000FF"/>
+                </a:solidFill>
+                <a:ln>
+                  <a:solidFill>
+                    <a:schemeClr val="tx1"/>
+                  </a:solidFill>
+                </a:ln>
+                <a:effectLst/>
+              </p:spPr>
+              <p:style>
+                <a:lnRef idx="1">
+                  <a:schemeClr val="accent1"/>
+                </a:lnRef>
+                <a:fillRef idx="3">
+                  <a:schemeClr val="accent1"/>
+                </a:fillRef>
+                <a:effectRef idx="2">
+                  <a:schemeClr val="accent1"/>
+                </a:effectRef>
+                <a:fontRef idx="minor">
+                  <a:schemeClr val="lt1"/>
+                </a:fontRef>
+              </p:style>
+              <p:txBody>
+                <a:bodyPr rtlCol="0" anchor="ctr"/>
+                <a:lstStyle/>
+                <a:p>
+                  <a:pPr algn="ctr"/>
+                  <a:endParaRPr lang="en-GB"/>
+                </a:p>
+              </p:txBody>
+            </p:sp>
+            <p:sp>
+              <p:nvSpPr>
+                <p:cNvPr id="61" name="Isosceles Triangle 60"/>
+                <p:cNvSpPr/>
+                <p:nvPr/>
+              </p:nvSpPr>
+              <p:spPr>
+                <a:xfrm rot="10800000">
+                  <a:off x="1746676" y="2910485"/>
+                  <a:ext cx="133350" cy="114957"/>
+                </a:xfrm>
+                <a:prstGeom prst="triangle">
+                  <a:avLst/>
+                </a:prstGeom>
+                <a:solidFill>
+                  <a:srgbClr val="0000FF"/>
+                </a:solidFill>
+                <a:ln>
+                  <a:solidFill>
+                    <a:schemeClr val="tx1"/>
+                  </a:solidFill>
+                </a:ln>
+                <a:effectLst/>
+              </p:spPr>
+              <p:style>
+                <a:lnRef idx="1">
+                  <a:schemeClr val="accent1"/>
+                </a:lnRef>
+                <a:fillRef idx="3">
+                  <a:schemeClr val="accent1"/>
+                </a:fillRef>
+                <a:effectRef idx="2">
+                  <a:schemeClr val="accent1"/>
+                </a:effectRef>
+                <a:fontRef idx="minor">
+                  <a:schemeClr val="lt1"/>
+                </a:fontRef>
+              </p:style>
+              <p:txBody>
+                <a:bodyPr rtlCol="0" anchor="ctr"/>
+                <a:lstStyle/>
+                <a:p>
+                  <a:pPr algn="ctr"/>
+                  <a:endParaRPr lang="en-GB"/>
+                </a:p>
+              </p:txBody>
+            </p:sp>
+          </p:grpSp>
+          <p:grpSp>
+            <p:nvGrpSpPr>
+              <p:cNvPr id="48" name="Group 47"/>
+              <p:cNvGrpSpPr/>
+              <p:nvPr/>
+            </p:nvGrpSpPr>
+            <p:grpSpPr>
+              <a:xfrm>
+                <a:off x="1642254" y="1845395"/>
+                <a:ext cx="133351" cy="965856"/>
+                <a:chOff x="1746676" y="2059586"/>
+                <a:chExt cx="133351" cy="965856"/>
+              </a:xfrm>
+            </p:grpSpPr>
+            <p:sp>
+              <p:nvSpPr>
+                <p:cNvPr id="54" name="Isosceles Triangle 53"/>
+                <p:cNvSpPr/>
+                <p:nvPr/>
+              </p:nvSpPr>
+              <p:spPr>
+                <a:xfrm rot="10800000">
+                  <a:off x="1746677" y="2059586"/>
+                  <a:ext cx="133350" cy="114957"/>
+                </a:xfrm>
+                <a:prstGeom prst="triangle">
+                  <a:avLst/>
+                </a:prstGeom>
+                <a:solidFill>
+                  <a:srgbClr val="0000FF"/>
+                </a:solidFill>
+                <a:ln>
+                  <a:solidFill>
+                    <a:schemeClr val="tx1"/>
+                  </a:solidFill>
+                </a:ln>
+                <a:effectLst/>
+              </p:spPr>
+              <p:style>
+                <a:lnRef idx="1">
+                  <a:schemeClr val="accent1"/>
+                </a:lnRef>
+                <a:fillRef idx="3">
+                  <a:schemeClr val="accent1"/>
+                </a:fillRef>
+                <a:effectRef idx="2">
+                  <a:schemeClr val="accent1"/>
+                </a:effectRef>
+                <a:fontRef idx="minor">
+                  <a:schemeClr val="lt1"/>
+                </a:fontRef>
+              </p:style>
+              <p:txBody>
+                <a:bodyPr rtlCol="0" anchor="ctr"/>
+                <a:lstStyle/>
+                <a:p>
+                  <a:pPr algn="ctr"/>
+                  <a:endParaRPr lang="en-GB"/>
+                </a:p>
+              </p:txBody>
+            </p:sp>
+            <p:sp>
+              <p:nvSpPr>
+                <p:cNvPr id="55" name="Isosceles Triangle 54"/>
+                <p:cNvSpPr/>
+                <p:nvPr/>
+              </p:nvSpPr>
+              <p:spPr>
+                <a:xfrm rot="10800000">
+                  <a:off x="1746677" y="2343219"/>
+                  <a:ext cx="133350" cy="114957"/>
+                </a:xfrm>
+                <a:prstGeom prst="triangle">
+                  <a:avLst/>
+                </a:prstGeom>
+                <a:solidFill>
+                  <a:srgbClr val="0000FF"/>
+                </a:solidFill>
+                <a:ln>
+                  <a:solidFill>
+                    <a:schemeClr val="tx1"/>
+                  </a:solidFill>
+                </a:ln>
+                <a:effectLst/>
+              </p:spPr>
+              <p:style>
+                <a:lnRef idx="1">
+                  <a:schemeClr val="accent1"/>
+                </a:lnRef>
+                <a:fillRef idx="3">
+                  <a:schemeClr val="accent1"/>
+                </a:fillRef>
+                <a:effectRef idx="2">
+                  <a:schemeClr val="accent1"/>
+                </a:effectRef>
+                <a:fontRef idx="minor">
+                  <a:schemeClr val="lt1"/>
+                </a:fontRef>
+              </p:style>
+              <p:txBody>
+                <a:bodyPr rtlCol="0" anchor="ctr"/>
+                <a:lstStyle/>
+                <a:p>
+                  <a:pPr algn="ctr"/>
+                  <a:endParaRPr lang="en-GB"/>
+                </a:p>
+              </p:txBody>
+            </p:sp>
+            <p:sp>
+              <p:nvSpPr>
+                <p:cNvPr id="56" name="Isosceles Triangle 55"/>
+                <p:cNvSpPr/>
+                <p:nvPr/>
+              </p:nvSpPr>
+              <p:spPr>
+                <a:xfrm rot="10800000">
+                  <a:off x="1746677" y="2626852"/>
+                  <a:ext cx="133350" cy="114957"/>
+                </a:xfrm>
+                <a:prstGeom prst="triangle">
+                  <a:avLst/>
+                </a:prstGeom>
+                <a:solidFill>
+                  <a:srgbClr val="0000FF"/>
+                </a:solidFill>
+                <a:ln>
+                  <a:solidFill>
+                    <a:schemeClr val="tx1"/>
+                  </a:solidFill>
+                </a:ln>
+                <a:effectLst/>
+              </p:spPr>
+              <p:style>
+                <a:lnRef idx="1">
+                  <a:schemeClr val="accent1"/>
+                </a:lnRef>
+                <a:fillRef idx="3">
+                  <a:schemeClr val="accent1"/>
+                </a:fillRef>
+                <a:effectRef idx="2">
+                  <a:schemeClr val="accent1"/>
+                </a:effectRef>
+                <a:fontRef idx="minor">
+                  <a:schemeClr val="lt1"/>
+                </a:fontRef>
+              </p:style>
+              <p:txBody>
+                <a:bodyPr rtlCol="0" anchor="ctr"/>
+                <a:lstStyle/>
+                <a:p>
+                  <a:pPr algn="ctr"/>
+                  <a:endParaRPr lang="en-GB"/>
+                </a:p>
+              </p:txBody>
+            </p:sp>
+            <p:sp>
+              <p:nvSpPr>
+                <p:cNvPr id="57" name="Isosceles Triangle 56"/>
+                <p:cNvSpPr/>
+                <p:nvPr/>
+              </p:nvSpPr>
+              <p:spPr>
+                <a:xfrm rot="10800000">
+                  <a:off x="1746676" y="2910485"/>
+                  <a:ext cx="133350" cy="114957"/>
+                </a:xfrm>
+                <a:prstGeom prst="triangle">
+                  <a:avLst/>
+                </a:prstGeom>
+                <a:solidFill>
+                  <a:srgbClr val="0000FF"/>
+                </a:solidFill>
+                <a:ln>
+                  <a:solidFill>
+                    <a:schemeClr val="tx1"/>
+                  </a:solidFill>
+                </a:ln>
+                <a:effectLst/>
+              </p:spPr>
+              <p:style>
+                <a:lnRef idx="1">
+                  <a:schemeClr val="accent1"/>
+                </a:lnRef>
+                <a:fillRef idx="3">
+                  <a:schemeClr val="accent1"/>
+                </a:fillRef>
+                <a:effectRef idx="2">
+                  <a:schemeClr val="accent1"/>
+                </a:effectRef>
+                <a:fontRef idx="minor">
+                  <a:schemeClr val="lt1"/>
+                </a:fontRef>
+              </p:style>
+              <p:txBody>
+                <a:bodyPr rtlCol="0" anchor="ctr"/>
+                <a:lstStyle/>
+                <a:p>
+                  <a:pPr algn="ctr"/>
+                  <a:endParaRPr lang="en-GB"/>
+                </a:p>
+              </p:txBody>
+            </p:sp>
+          </p:grpSp>
+          <p:grpSp>
+            <p:nvGrpSpPr>
+              <p:cNvPr id="49" name="Group 48"/>
+              <p:cNvGrpSpPr/>
+              <p:nvPr/>
+            </p:nvGrpSpPr>
+            <p:grpSpPr>
+              <a:xfrm>
+                <a:off x="2186942" y="1845395"/>
+                <a:ext cx="133351" cy="965856"/>
+                <a:chOff x="1746676" y="2059586"/>
+                <a:chExt cx="133351" cy="965856"/>
+              </a:xfrm>
+            </p:grpSpPr>
+            <p:sp>
+              <p:nvSpPr>
+                <p:cNvPr id="50" name="Isosceles Triangle 49"/>
+                <p:cNvSpPr/>
+                <p:nvPr/>
+              </p:nvSpPr>
+              <p:spPr>
+                <a:xfrm rot="10800000">
+                  <a:off x="1746677" y="2059586"/>
+                  <a:ext cx="133350" cy="114957"/>
+                </a:xfrm>
+                <a:prstGeom prst="triangle">
+                  <a:avLst/>
+                </a:prstGeom>
+                <a:solidFill>
+                  <a:srgbClr val="0000FF"/>
+                </a:solidFill>
+                <a:ln>
+                  <a:solidFill>
+                    <a:schemeClr val="tx1"/>
+                  </a:solidFill>
+                </a:ln>
+                <a:effectLst/>
+              </p:spPr>
+              <p:style>
+                <a:lnRef idx="1">
+                  <a:schemeClr val="accent1"/>
+                </a:lnRef>
+                <a:fillRef idx="3">
+                  <a:schemeClr val="accent1"/>
+                </a:fillRef>
+                <a:effectRef idx="2">
+                  <a:schemeClr val="accent1"/>
+                </a:effectRef>
+                <a:fontRef idx="minor">
+                  <a:schemeClr val="lt1"/>
+                </a:fontRef>
+              </p:style>
+              <p:txBody>
+                <a:bodyPr rtlCol="0" anchor="ctr"/>
+                <a:lstStyle/>
+                <a:p>
+                  <a:pPr algn="ctr"/>
+                  <a:endParaRPr lang="en-GB"/>
+                </a:p>
+              </p:txBody>
+            </p:sp>
+            <p:sp>
+              <p:nvSpPr>
+                <p:cNvPr id="51" name="Isosceles Triangle 50"/>
+                <p:cNvSpPr/>
+                <p:nvPr/>
+              </p:nvSpPr>
+              <p:spPr>
+                <a:xfrm rot="10800000">
+                  <a:off x="1746677" y="2343219"/>
+                  <a:ext cx="133350" cy="114957"/>
+                </a:xfrm>
+                <a:prstGeom prst="triangle">
+                  <a:avLst/>
+                </a:prstGeom>
+                <a:solidFill>
+                  <a:srgbClr val="0000FF"/>
+                </a:solidFill>
+                <a:ln>
+                  <a:solidFill>
+                    <a:schemeClr val="tx1"/>
+                  </a:solidFill>
+                </a:ln>
+                <a:effectLst/>
+              </p:spPr>
+              <p:style>
+                <a:lnRef idx="1">
+                  <a:schemeClr val="accent1"/>
+                </a:lnRef>
+                <a:fillRef idx="3">
+                  <a:schemeClr val="accent1"/>
+                </a:fillRef>
+                <a:effectRef idx="2">
+                  <a:schemeClr val="accent1"/>
+                </a:effectRef>
+                <a:fontRef idx="minor">
+                  <a:schemeClr val="lt1"/>
+                </a:fontRef>
+              </p:style>
+              <p:txBody>
+                <a:bodyPr rtlCol="0" anchor="ctr"/>
+                <a:lstStyle/>
+                <a:p>
+                  <a:pPr algn="ctr"/>
+                  <a:endParaRPr lang="en-GB"/>
+                </a:p>
+              </p:txBody>
+            </p:sp>
+            <p:sp>
+              <p:nvSpPr>
+                <p:cNvPr id="52" name="Isosceles Triangle 51"/>
+                <p:cNvSpPr/>
+                <p:nvPr/>
+              </p:nvSpPr>
+              <p:spPr>
+                <a:xfrm rot="10800000">
+                  <a:off x="1746677" y="2626852"/>
+                  <a:ext cx="133350" cy="114957"/>
+                </a:xfrm>
+                <a:prstGeom prst="triangle">
+                  <a:avLst/>
+                </a:prstGeom>
+                <a:solidFill>
+                  <a:srgbClr val="0000FF"/>
+                </a:solidFill>
+                <a:ln>
+                  <a:solidFill>
+                    <a:schemeClr val="tx1"/>
+                  </a:solidFill>
+                </a:ln>
+                <a:effectLst/>
+              </p:spPr>
+              <p:style>
+                <a:lnRef idx="1">
+                  <a:schemeClr val="accent1"/>
+                </a:lnRef>
+                <a:fillRef idx="3">
+                  <a:schemeClr val="accent1"/>
+                </a:fillRef>
+                <a:effectRef idx="2">
+                  <a:schemeClr val="accent1"/>
+                </a:effectRef>
+                <a:fontRef idx="minor">
+                  <a:schemeClr val="lt1"/>
+                </a:fontRef>
+              </p:style>
+              <p:txBody>
+                <a:bodyPr rtlCol="0" anchor="ctr"/>
+                <a:lstStyle/>
+                <a:p>
+                  <a:pPr algn="ctr"/>
+                  <a:endParaRPr lang="en-GB"/>
+                </a:p>
+              </p:txBody>
+            </p:sp>
+            <p:sp>
+              <p:nvSpPr>
+                <p:cNvPr id="53" name="Isosceles Triangle 52"/>
+                <p:cNvSpPr/>
+                <p:nvPr/>
+              </p:nvSpPr>
+              <p:spPr>
+                <a:xfrm rot="10800000">
+                  <a:off x="1746676" y="2910485"/>
+                  <a:ext cx="133350" cy="114957"/>
+                </a:xfrm>
+                <a:prstGeom prst="triangle">
+                  <a:avLst/>
+                </a:prstGeom>
+                <a:solidFill>
+                  <a:srgbClr val="0000FF"/>
+                </a:solidFill>
+                <a:ln>
+                  <a:solidFill>
+                    <a:schemeClr val="tx1"/>
+                  </a:solidFill>
+                </a:ln>
+                <a:effectLst/>
+              </p:spPr>
+              <p:style>
+                <a:lnRef idx="1">
+                  <a:schemeClr val="accent1"/>
+                </a:lnRef>
+                <a:fillRef idx="3">
+                  <a:schemeClr val="accent1"/>
+                </a:fillRef>
+                <a:effectRef idx="2">
+                  <a:schemeClr val="accent1"/>
+                </a:effectRef>
+                <a:fontRef idx="minor">
+                  <a:schemeClr val="lt1"/>
+                </a:fontRef>
+              </p:style>
+              <p:txBody>
+                <a:bodyPr rtlCol="0" anchor="ctr"/>
+                <a:lstStyle/>
+                <a:p>
+                  <a:pPr algn="ctr"/>
+                  <a:endParaRPr lang="en-GB"/>
+                </a:p>
+              </p:txBody>
+            </p:sp>
+          </p:grpSp>
+        </p:grpSp>
+      </p:grpSp>
+      <p:grpSp>
+        <p:nvGrpSpPr>
+          <p:cNvPr id="3" name="Group 2"/>
+          <p:cNvGrpSpPr/>
+          <p:nvPr/>
+        </p:nvGrpSpPr>
+        <p:grpSpPr>
+          <a:xfrm>
+            <a:off x="2878913" y="3756010"/>
+            <a:ext cx="1772436" cy="2256600"/>
+            <a:chOff x="1123350" y="3458718"/>
+            <a:chExt cx="1772436" cy="2256600"/>
+          </a:xfrm>
+        </p:grpSpPr>
+        <p:pic>
+          <p:nvPicPr>
+            <p:cNvPr id="95" name="Picture 94" descr="Boat-Top.png"/>
+            <p:cNvPicPr>
+              <a:picLocks noChangeAspect="1"/>
+            </p:cNvPicPr>
+            <p:nvPr/>
+          </p:nvPicPr>
+          <p:blipFill>
+            <a:blip r:embed="rId2">
+              <a:extLst>
+                <a:ext uri="{28A0092B-C50C-407E-A947-70E740481C1C}">
+                  <a14:useLocalDpi xmlns:a14="http://schemas.microsoft.com/office/drawing/2010/main" val="0"/>
+                </a:ext>
+              </a:extLst>
+            </a:blip>
+            <a:stretch>
+              <a:fillRect/>
+            </a:stretch>
+          </p:blipFill>
+          <p:spPr>
+            <a:xfrm>
+              <a:off x="1693377" y="3458718"/>
+              <a:ext cx="632382" cy="1050205"/>
+            </a:xfrm>
+            <a:prstGeom prst="rect">
+              <a:avLst/>
+            </a:prstGeom>
+          </p:spPr>
+        </p:pic>
+        <p:sp>
+          <p:nvSpPr>
+            <p:cNvPr id="69" name="Rectangle 68"/>
+            <p:cNvSpPr/>
+            <p:nvPr/>
+          </p:nvSpPr>
+          <p:spPr>
+            <a:xfrm>
+              <a:off x="1560834" y="4626800"/>
+              <a:ext cx="897468" cy="605600"/>
+            </a:xfrm>
+            <a:prstGeom prst="rect">
+              <a:avLst/>
+            </a:prstGeom>
+            <a:solidFill>
+              <a:schemeClr val="bg1">
+                <a:lumMod val="50000"/>
+              </a:schemeClr>
+            </a:solidFill>
+            <a:ln>
+              <a:noFill/>
+            </a:ln>
+            <a:effectLst/>
+          </p:spPr>
+          <p:style>
+            <a:lnRef idx="1">
+              <a:schemeClr val="accent1"/>
+            </a:lnRef>
+            <a:fillRef idx="3">
+              <a:schemeClr val="accent1"/>
+            </a:fillRef>
+            <a:effectRef idx="2">
+              <a:schemeClr val="accent1"/>
+            </a:effectRef>
+            <a:fontRef idx="minor">
+              <a:schemeClr val="lt1"/>
+            </a:fontRef>
+          </p:style>
+          <p:txBody>
+            <a:bodyPr rtlCol="0" anchor="ctr"/>
+            <a:lstStyle/>
+            <a:p>
+              <a:pPr algn="ctr"/>
+              <a:endParaRPr lang="en-GB"/>
+            </a:p>
+          </p:txBody>
+        </p:sp>
+        <p:grpSp>
+          <p:nvGrpSpPr>
+            <p:cNvPr id="75" name="Group 74"/>
+            <p:cNvGrpSpPr/>
+            <p:nvPr/>
+          </p:nvGrpSpPr>
+          <p:grpSpPr>
+            <a:xfrm>
+              <a:off x="1942893" y="4749462"/>
+              <a:ext cx="133351" cy="965856"/>
+              <a:chOff x="1746676" y="2059586"/>
+              <a:chExt cx="133351" cy="965856"/>
+            </a:xfrm>
+          </p:grpSpPr>
+          <p:sp>
+            <p:nvSpPr>
+              <p:cNvPr id="81" name="Isosceles Triangle 80"/>
+              <p:cNvSpPr/>
+              <p:nvPr/>
+            </p:nvSpPr>
+            <p:spPr>
+              <a:xfrm rot="10800000">
+                <a:off x="1746677" y="2059586"/>
+                <a:ext cx="133350" cy="114957"/>
+              </a:xfrm>
+              <a:prstGeom prst="triangle">
+                <a:avLst/>
+              </a:prstGeom>
+              <a:solidFill>
+                <a:srgbClr val="0000FF"/>
+              </a:solidFill>
+              <a:ln>
+                <a:solidFill>
+                  <a:schemeClr val="tx1"/>
+                </a:solidFill>
+              </a:ln>
+              <a:effectLst/>
+            </p:spPr>
+            <p:style>
+              <a:lnRef idx="1">
+                <a:schemeClr val="accent1"/>
+              </a:lnRef>
+              <a:fillRef idx="3">
+                <a:schemeClr val="accent1"/>
+              </a:fillRef>
+              <a:effectRef idx="2">
+                <a:schemeClr val="accent1"/>
+              </a:effectRef>
+              <a:fontRef idx="minor">
+                <a:schemeClr val="lt1"/>
+              </a:fontRef>
+            </p:style>
+            <p:txBody>
+              <a:bodyPr rtlCol="0" anchor="ctr"/>
+              <a:lstStyle/>
+              <a:p>
+                <a:pPr algn="ctr"/>
+                <a:endParaRPr lang="en-GB"/>
+              </a:p>
+            </p:txBody>
+          </p:sp>
+          <p:sp>
+            <p:nvSpPr>
+              <p:cNvPr id="82" name="Isosceles Triangle 81"/>
+              <p:cNvSpPr/>
+              <p:nvPr/>
+            </p:nvSpPr>
+            <p:spPr>
+              <a:xfrm rot="10800000">
+                <a:off x="1746677" y="2343219"/>
+                <a:ext cx="133350" cy="114957"/>
+              </a:xfrm>
+              <a:prstGeom prst="triangle">
+                <a:avLst/>
+              </a:prstGeom>
+              <a:solidFill>
+                <a:srgbClr val="0000FF"/>
+              </a:solidFill>
+              <a:ln>
+                <a:solidFill>
+                  <a:schemeClr val="tx1"/>
+                </a:solidFill>
+              </a:ln>
+              <a:effectLst/>
+            </p:spPr>
+            <p:style>
+              <a:lnRef idx="1">
+                <a:schemeClr val="accent1"/>
+              </a:lnRef>
+              <a:fillRef idx="3">
+                <a:schemeClr val="accent1"/>
+              </a:fillRef>
+              <a:effectRef idx="2">
+                <a:schemeClr val="accent1"/>
+              </a:effectRef>
+              <a:fontRef idx="minor">
+                <a:schemeClr val="lt1"/>
+              </a:fontRef>
+            </p:style>
+            <p:txBody>
+              <a:bodyPr rtlCol="0" anchor="ctr"/>
+              <a:lstStyle/>
+              <a:p>
+                <a:pPr algn="ctr"/>
+                <a:endParaRPr lang="en-GB"/>
+              </a:p>
+            </p:txBody>
+          </p:sp>
+          <p:sp>
+            <p:nvSpPr>
+              <p:cNvPr id="83" name="Isosceles Triangle 82"/>
+              <p:cNvSpPr/>
+              <p:nvPr/>
+            </p:nvSpPr>
+            <p:spPr>
+              <a:xfrm rot="10800000">
+                <a:off x="1746677" y="2626852"/>
+                <a:ext cx="133350" cy="114957"/>
+              </a:xfrm>
+              <a:prstGeom prst="triangle">
+                <a:avLst/>
+              </a:prstGeom>
+              <a:solidFill>
+                <a:srgbClr val="0000FF"/>
+              </a:solidFill>
+              <a:ln>
+                <a:solidFill>
+                  <a:schemeClr val="tx1"/>
+                </a:solidFill>
+              </a:ln>
+              <a:effectLst/>
+            </p:spPr>
+            <p:style>
+              <a:lnRef idx="1">
+                <a:schemeClr val="accent1"/>
+              </a:lnRef>
+              <a:fillRef idx="3">
+                <a:schemeClr val="accent1"/>
+              </a:fillRef>
+              <a:effectRef idx="2">
+                <a:schemeClr val="accent1"/>
+              </a:effectRef>
+              <a:fontRef idx="minor">
+                <a:schemeClr val="lt1"/>
+              </a:fontRef>
+            </p:style>
+            <p:txBody>
+              <a:bodyPr rtlCol="0" anchor="ctr"/>
+              <a:lstStyle/>
+              <a:p>
+                <a:pPr algn="ctr"/>
+                <a:endParaRPr lang="en-GB"/>
+              </a:p>
+            </p:txBody>
+          </p:sp>
+          <p:sp>
+            <p:nvSpPr>
+              <p:cNvPr id="84" name="Isosceles Triangle 83"/>
+              <p:cNvSpPr/>
+              <p:nvPr/>
+            </p:nvSpPr>
+            <p:spPr>
+              <a:xfrm rot="10800000">
+                <a:off x="1746676" y="2910485"/>
+                <a:ext cx="133350" cy="114957"/>
+              </a:xfrm>
+              <a:prstGeom prst="triangle">
+                <a:avLst/>
+              </a:prstGeom>
+              <a:solidFill>
+                <a:srgbClr val="0000FF"/>
+              </a:solidFill>
+              <a:ln>
+                <a:solidFill>
+                  <a:schemeClr val="tx1"/>
+                </a:solidFill>
+              </a:ln>
+              <a:effectLst/>
+            </p:spPr>
+            <p:style>
+              <a:lnRef idx="1">
+                <a:schemeClr val="accent1"/>
+              </a:lnRef>
+              <a:fillRef idx="3">
+                <a:schemeClr val="accent1"/>
+              </a:fillRef>
+              <a:effectRef idx="2">
+                <a:schemeClr val="accent1"/>
+              </a:effectRef>
+              <a:fontRef idx="minor">
+                <a:schemeClr val="lt1"/>
+              </a:fontRef>
+            </p:style>
+            <p:txBody>
+              <a:bodyPr rtlCol="0" anchor="ctr"/>
+              <a:lstStyle/>
+              <a:p>
+                <a:pPr algn="ctr"/>
+                <a:endParaRPr lang="en-GB"/>
+              </a:p>
+            </p:txBody>
+          </p:sp>
+        </p:grpSp>
+        <p:grpSp>
+          <p:nvGrpSpPr>
+            <p:cNvPr id="2" name="Group 1"/>
+            <p:cNvGrpSpPr/>
+            <p:nvPr/>
+          </p:nvGrpSpPr>
+          <p:grpSpPr>
+            <a:xfrm>
+              <a:off x="1123350" y="4400443"/>
+              <a:ext cx="1772436" cy="135866"/>
+              <a:chOff x="1123350" y="4400443"/>
+              <a:chExt cx="1772436" cy="135866"/>
+            </a:xfrm>
+          </p:grpSpPr>
+          <p:sp>
+            <p:nvSpPr>
+              <p:cNvPr id="8" name="Explosion 1 7"/>
+              <p:cNvSpPr/>
+              <p:nvPr/>
+            </p:nvSpPr>
+            <p:spPr>
+              <a:xfrm>
+                <a:off x="1123350" y="4400443"/>
+                <a:ext cx="135861" cy="135866"/>
+              </a:xfrm>
+              <a:prstGeom prst="irregularSeal1">
+                <a:avLst/>
+              </a:prstGeom>
+              <a:solidFill>
+                <a:schemeClr val="tx1">
+                  <a:lumMod val="75000"/>
+                  <a:lumOff val="25000"/>
+                </a:schemeClr>
+              </a:solidFill>
+              <a:ln>
+                <a:noFill/>
+              </a:ln>
+              <a:effectLst/>
+            </p:spPr>
+            <p:style>
+              <a:lnRef idx="1">
+                <a:schemeClr val="accent1"/>
+              </a:lnRef>
+              <a:fillRef idx="3">
+                <a:schemeClr val="accent1"/>
+              </a:fillRef>
+              <a:effectRef idx="2">
+                <a:schemeClr val="accent1"/>
+              </a:effectRef>
+              <a:fontRef idx="minor">
+                <a:schemeClr val="lt1"/>
+              </a:fontRef>
+            </p:style>
+            <p:txBody>
+              <a:bodyPr rtlCol="0" anchor="ctr"/>
+              <a:lstStyle/>
+              <a:p>
+                <a:pPr algn="ctr"/>
+                <a:endParaRPr lang="en-GB"/>
+              </a:p>
+            </p:txBody>
+          </p:sp>
+          <p:sp>
+            <p:nvSpPr>
+              <p:cNvPr id="9" name="Explosion 1 8"/>
+              <p:cNvSpPr/>
+              <p:nvPr/>
+            </p:nvSpPr>
+            <p:spPr>
+              <a:xfrm>
+                <a:off x="2759925" y="4400443"/>
+                <a:ext cx="135861" cy="135866"/>
+              </a:xfrm>
+              <a:prstGeom prst="irregularSeal1">
+                <a:avLst/>
+              </a:prstGeom>
+              <a:solidFill>
+                <a:schemeClr val="tx1">
+                  <a:lumMod val="75000"/>
+                  <a:lumOff val="25000"/>
+                </a:schemeClr>
+              </a:solidFill>
+              <a:ln>
+                <a:noFill/>
+              </a:ln>
+              <a:effectLst/>
+            </p:spPr>
+            <p:style>
+              <a:lnRef idx="1">
+                <a:schemeClr val="accent1"/>
+              </a:lnRef>
+              <a:fillRef idx="3">
+                <a:schemeClr val="accent1"/>
+              </a:fillRef>
+              <a:effectRef idx="2">
+                <a:schemeClr val="accent1"/>
+              </a:effectRef>
+              <a:fontRef idx="minor">
+                <a:schemeClr val="lt1"/>
+              </a:fontRef>
+            </p:style>
+            <p:txBody>
+              <a:bodyPr rtlCol="0" anchor="ctr"/>
+              <a:lstStyle/>
+              <a:p>
+                <a:pPr algn="ctr"/>
+                <a:endParaRPr lang="en-GB"/>
+              </a:p>
+            </p:txBody>
+          </p:sp>
+          <p:sp>
+            <p:nvSpPr>
+              <p:cNvPr id="93" name="Explosion 1 92"/>
+              <p:cNvSpPr/>
+              <p:nvPr/>
+            </p:nvSpPr>
+            <p:spPr>
+              <a:xfrm>
+                <a:off x="1824738" y="4400443"/>
+                <a:ext cx="135861" cy="135866"/>
+              </a:xfrm>
+              <a:prstGeom prst="irregularSeal1">
+                <a:avLst/>
+              </a:prstGeom>
+              <a:solidFill>
+                <a:schemeClr val="tx1">
+                  <a:lumMod val="75000"/>
+                  <a:lumOff val="25000"/>
+                </a:schemeClr>
+              </a:solidFill>
+              <a:ln>
+                <a:noFill/>
+              </a:ln>
+              <a:effectLst/>
+            </p:spPr>
+            <p:style>
+              <a:lnRef idx="1">
+                <a:schemeClr val="accent1"/>
+              </a:lnRef>
+              <a:fillRef idx="3">
+                <a:schemeClr val="accent1"/>
+              </a:fillRef>
+              <a:effectRef idx="2">
+                <a:schemeClr val="accent1"/>
+              </a:effectRef>
+              <a:fontRef idx="minor">
+                <a:schemeClr val="lt1"/>
+              </a:fontRef>
+            </p:style>
+            <p:txBody>
+              <a:bodyPr rtlCol="0" anchor="ctr"/>
+              <a:lstStyle/>
+              <a:p>
+                <a:pPr algn="ctr"/>
+                <a:endParaRPr lang="en-GB"/>
+              </a:p>
+            </p:txBody>
+          </p:sp>
+          <p:sp>
+            <p:nvSpPr>
+              <p:cNvPr id="94" name="Explosion 1 93"/>
+              <p:cNvSpPr/>
+              <p:nvPr/>
+            </p:nvSpPr>
+            <p:spPr>
+              <a:xfrm>
+                <a:off x="2292330" y="4400443"/>
+                <a:ext cx="135861" cy="135866"/>
+              </a:xfrm>
+              <a:prstGeom prst="irregularSeal1">
+                <a:avLst/>
+              </a:prstGeom>
+              <a:solidFill>
+                <a:schemeClr val="tx1">
+                  <a:lumMod val="75000"/>
+                  <a:lumOff val="25000"/>
+                </a:schemeClr>
+              </a:solidFill>
+              <a:ln>
+                <a:noFill/>
+              </a:ln>
+              <a:effectLst/>
+            </p:spPr>
+            <p:style>
+              <a:lnRef idx="1">
+                <a:schemeClr val="accent1"/>
+              </a:lnRef>
+              <a:fillRef idx="3">
+                <a:schemeClr val="accent1"/>
+              </a:fillRef>
+              <a:effectRef idx="2">
+                <a:schemeClr val="accent1"/>
+              </a:effectRef>
+              <a:fontRef idx="minor">
+                <a:schemeClr val="lt1"/>
+              </a:fontRef>
+            </p:style>
+            <p:txBody>
+              <a:bodyPr rtlCol="0" anchor="ctr"/>
+              <a:lstStyle/>
+              <a:p>
+                <a:pPr algn="ctr"/>
+                <a:endParaRPr lang="en-GB"/>
+              </a:p>
+            </p:txBody>
+          </p:sp>
+          <p:sp>
+            <p:nvSpPr>
+              <p:cNvPr id="96" name="Explosion 1 95"/>
+              <p:cNvSpPr/>
+              <p:nvPr/>
+            </p:nvSpPr>
+            <p:spPr>
+              <a:xfrm>
+                <a:off x="1357146" y="4400443"/>
+                <a:ext cx="135861" cy="135866"/>
+              </a:xfrm>
+              <a:prstGeom prst="irregularSeal1">
+                <a:avLst/>
+              </a:prstGeom>
+              <a:solidFill>
+                <a:schemeClr val="tx1">
+                  <a:lumMod val="75000"/>
+                  <a:lumOff val="25000"/>
+                </a:schemeClr>
+              </a:solidFill>
+              <a:ln>
+                <a:noFill/>
+              </a:ln>
+              <a:effectLst/>
+            </p:spPr>
+            <p:style>
+              <a:lnRef idx="1">
+                <a:schemeClr val="accent1"/>
+              </a:lnRef>
+              <a:fillRef idx="3">
+                <a:schemeClr val="accent1"/>
+              </a:fillRef>
+              <a:effectRef idx="2">
+                <a:schemeClr val="accent1"/>
+              </a:effectRef>
+              <a:fontRef idx="minor">
+                <a:schemeClr val="lt1"/>
+              </a:fontRef>
+            </p:style>
+            <p:txBody>
+              <a:bodyPr rtlCol="0" anchor="ctr"/>
+              <a:lstStyle/>
+              <a:p>
+                <a:pPr algn="ctr"/>
+                <a:endParaRPr lang="en-GB"/>
+              </a:p>
+            </p:txBody>
+          </p:sp>
+          <p:sp>
+            <p:nvSpPr>
+              <p:cNvPr id="97" name="Explosion 1 96"/>
+              <p:cNvSpPr/>
+              <p:nvPr/>
+            </p:nvSpPr>
+            <p:spPr>
+              <a:xfrm>
+                <a:off x="1590942" y="4400443"/>
+                <a:ext cx="135861" cy="135866"/>
+              </a:xfrm>
+              <a:prstGeom prst="irregularSeal1">
+                <a:avLst/>
+              </a:prstGeom>
+              <a:solidFill>
+                <a:schemeClr val="tx1">
+                  <a:lumMod val="75000"/>
+                  <a:lumOff val="25000"/>
+                </a:schemeClr>
+              </a:solidFill>
+              <a:ln>
+                <a:noFill/>
+              </a:ln>
+              <a:effectLst/>
+            </p:spPr>
+            <p:style>
+              <a:lnRef idx="1">
+                <a:schemeClr val="accent1"/>
+              </a:lnRef>
+              <a:fillRef idx="3">
+                <a:schemeClr val="accent1"/>
+              </a:fillRef>
+              <a:effectRef idx="2">
+                <a:schemeClr val="accent1"/>
+              </a:effectRef>
+              <a:fontRef idx="minor">
+                <a:schemeClr val="lt1"/>
+              </a:fontRef>
+            </p:style>
+            <p:txBody>
+              <a:bodyPr rtlCol="0" anchor="ctr"/>
+              <a:lstStyle/>
+              <a:p>
+                <a:pPr algn="ctr"/>
+                <a:endParaRPr lang="en-GB"/>
+              </a:p>
+            </p:txBody>
+          </p:sp>
+          <p:sp>
+            <p:nvSpPr>
+              <p:cNvPr id="98" name="Explosion 1 97"/>
+              <p:cNvSpPr/>
+              <p:nvPr/>
+            </p:nvSpPr>
+            <p:spPr>
+              <a:xfrm>
+                <a:off x="2526126" y="4400443"/>
+                <a:ext cx="135861" cy="135866"/>
+              </a:xfrm>
+              <a:prstGeom prst="irregularSeal1">
+                <a:avLst/>
+              </a:prstGeom>
+              <a:solidFill>
+                <a:schemeClr val="tx1">
+                  <a:lumMod val="75000"/>
+                  <a:lumOff val="25000"/>
+                </a:schemeClr>
+              </a:solidFill>
+              <a:ln>
+                <a:noFill/>
+              </a:ln>
+              <a:effectLst/>
+            </p:spPr>
+            <p:style>
+              <a:lnRef idx="1">
+                <a:schemeClr val="accent1"/>
+              </a:lnRef>
+              <a:fillRef idx="3">
+                <a:schemeClr val="accent1"/>
+              </a:fillRef>
+              <a:effectRef idx="2">
+                <a:schemeClr val="accent1"/>
+              </a:effectRef>
+              <a:fontRef idx="minor">
+                <a:schemeClr val="lt1"/>
+              </a:fontRef>
+            </p:style>
+            <p:txBody>
+              <a:bodyPr rtlCol="0" anchor="ctr"/>
+              <a:lstStyle/>
+              <a:p>
+                <a:pPr algn="ctr"/>
+                <a:endParaRPr lang="en-GB"/>
+              </a:p>
+            </p:txBody>
+          </p:sp>
+          <p:sp>
+            <p:nvSpPr>
+              <p:cNvPr id="99" name="Explosion 1 98"/>
+              <p:cNvSpPr/>
+              <p:nvPr/>
+            </p:nvSpPr>
+            <p:spPr>
+              <a:xfrm>
+                <a:off x="2058534" y="4400443"/>
+                <a:ext cx="135861" cy="135866"/>
+              </a:xfrm>
+              <a:prstGeom prst="irregularSeal1">
+                <a:avLst/>
+              </a:prstGeom>
+              <a:solidFill>
+                <a:schemeClr val="tx1">
+                  <a:lumMod val="75000"/>
+                  <a:lumOff val="25000"/>
+                </a:schemeClr>
+              </a:solidFill>
+              <a:ln>
+                <a:noFill/>
+              </a:ln>
+              <a:effectLst/>
+            </p:spPr>
+            <p:style>
+              <a:lnRef idx="1">
+                <a:schemeClr val="accent1"/>
+              </a:lnRef>
+              <a:fillRef idx="3">
+                <a:schemeClr val="accent1"/>
+              </a:fillRef>
+              <a:effectRef idx="2">
+                <a:schemeClr val="accent1"/>
+              </a:effectRef>
+              <a:fontRef idx="minor">
+                <a:schemeClr val="lt1"/>
+              </a:fontRef>
+            </p:style>
+            <p:txBody>
+              <a:bodyPr rtlCol="0" anchor="ctr"/>
+              <a:lstStyle/>
+              <a:p>
+                <a:pPr algn="ctr"/>
+                <a:endParaRPr lang="en-GB"/>
+              </a:p>
+            </p:txBody>
+          </p:sp>
+        </p:grpSp>
+      </p:grpSp>
+    </p:spTree>
+    <p:extLst>
+      <p:ext uri="{BB962C8B-B14F-4D97-AF65-F5344CB8AC3E}">
+        <p14:creationId xmlns:p14="http://schemas.microsoft.com/office/powerpoint/2010/main" val="1200279615"/>
+      </p:ext>
+    </p:extLst>
+  </p:cSld>
+  <p:clrMapOvr>
+    <a:masterClrMapping/>
+  </p:clrMapOvr>
 </p:sld>
 </file>
 
